--- a/ML_Learning_PPT/ML.pptx
+++ b/ML_Learning_PPT/ML.pptx
@@ -5,10 +5,10 @@
     <p:sldMasterId id="2147483660" r:id="rId1"/>
   </p:sldMasterIdLst>
   <p:notesMasterIdLst>
-    <p:notesMasterId r:id="rId13"/>
+    <p:notesMasterId r:id="rId14"/>
   </p:notesMasterIdLst>
   <p:handoutMasterIdLst>
-    <p:handoutMasterId r:id="rId14"/>
+    <p:handoutMasterId r:id="rId15"/>
   </p:handoutMasterIdLst>
   <p:sldIdLst>
     <p:sldId id="395" r:id="rId2"/>
@@ -22,6 +22,7 @@
     <p:sldId id="513" r:id="rId10"/>
     <p:sldId id="418" r:id="rId11"/>
     <p:sldId id="516" r:id="rId12"/>
+    <p:sldId id="523" r:id="rId13"/>
   </p:sldIdLst>
   <p:sldSz cx="9144000" cy="6858000" type="screen4x3"/>
   <p:notesSz cx="6858000" cy="9144000"/>
@@ -121,6 +122,30 @@
     </a:lvl9pPr>
   </p:defaultTextStyle>
   <p:extLst>
+    <p:ext uri="{521415D9-36F7-43E2-AB2F-B90AF26B5E84}">
+      <p14:sectionLst xmlns:p14="http://schemas.microsoft.com/office/powerpoint/2010/main">
+        <p14:section name="默认节" id="{49083436-2E16-48F2-B116-B21B6124704A}">
+          <p14:sldIdLst>
+            <p14:sldId id="395"/>
+            <p14:sldId id="515"/>
+            <p14:sldId id="517"/>
+            <p14:sldId id="518"/>
+            <p14:sldId id="519"/>
+            <p14:sldId id="520"/>
+            <p14:sldId id="521"/>
+            <p14:sldId id="522"/>
+            <p14:sldId id="513"/>
+            <p14:sldId id="418"/>
+            <p14:sldId id="516"/>
+          </p14:sldIdLst>
+        </p14:section>
+        <p14:section name="CNN" id="{E27E0D0B-27B1-4BA0-8619-0B0769AD3DBE}">
+          <p14:sldIdLst>
+            <p14:sldId id="523"/>
+          </p14:sldIdLst>
+        </p14:section>
+      </p14:sectionLst>
+    </p:ext>
     <p:ext uri="{EFAFB233-063F-42B5-8137-9DF3F51BA10A}">
       <p15:sldGuideLst xmlns:p15="http://schemas.microsoft.com/office/powerpoint/2012/main">
         <p15:guide id="1" orient="horz" pos="2160">
@@ -224,7 +249,7 @@
           <a:p>
             <a:fld id="{3099E9A0-8747-49EA-9780-2B3AD1E61482}" type="datetimeFigureOut">
               <a:rPr lang="zh-CN" altLang="en-US" smtClean="0"/>
-              <a:t>2021/4/17</a:t>
+              <a:t>2021/4/24</a:t>
             </a:fld>
             <a:endParaRPr lang="zh-CN" altLang="en-US"/>
           </a:p>
@@ -389,7 +414,7 @@
           <a:p>
             <a:fld id="{59C3A3A5-2E5F-420B-9333-5CCC593BCAD9}" type="datetimeFigureOut">
               <a:rPr lang="zh-CN" altLang="en-US" smtClean="0"/>
-              <a:t>2021/4/17</a:t>
+              <a:t>2021/4/24</a:t>
             </a:fld>
             <a:endParaRPr lang="zh-CN" altLang="en-US"/>
           </a:p>
@@ -823,7 +848,7 @@
           <a:ln/>
           <a:extLst>
             <a:ext uri="{FAA26D3D-D897-4be2-8F04-BA451C77F1D7}">
-              <ma14:placeholderFlag xmlns="" xmlns:ma14="http://schemas.microsoft.com/office/mac/drawingml/2011/main" val="1"/>
+              <ma14:placeholderFlag xmlns:ma14="http://schemas.microsoft.com/office/mac/drawingml/2011/main" xmlns="" val="1"/>
             </a:ext>
           </a:extLst>
         </p:spPr>
@@ -1043,7 +1068,7 @@
           <a:ln/>
           <a:extLst>
             <a:ext uri="{FAA26D3D-D897-4be2-8F04-BA451C77F1D7}">
-              <ma14:placeholderFlag xmlns="" xmlns:ma14="http://schemas.microsoft.com/office/mac/drawingml/2011/main" val="1"/>
+              <ma14:placeholderFlag xmlns:ma14="http://schemas.microsoft.com/office/mac/drawingml/2011/main" xmlns="" val="1"/>
             </a:ext>
           </a:extLst>
         </p:spPr>
@@ -1263,7 +1288,7 @@
           <a:ln/>
           <a:extLst>
             <a:ext uri="{FAA26D3D-D897-4be2-8F04-BA451C77F1D7}">
-              <ma14:placeholderFlag xmlns="" xmlns:ma14="http://schemas.microsoft.com/office/mac/drawingml/2011/main" val="1"/>
+              <ma14:placeholderFlag xmlns:ma14="http://schemas.microsoft.com/office/mac/drawingml/2011/main" xmlns="" val="1"/>
             </a:ext>
           </a:extLst>
         </p:spPr>
@@ -1483,7 +1508,7 @@
           <a:ln/>
           <a:extLst>
             <a:ext uri="{FAA26D3D-D897-4be2-8F04-BA451C77F1D7}">
-              <ma14:placeholderFlag xmlns="" xmlns:ma14="http://schemas.microsoft.com/office/mac/drawingml/2011/main" val="1"/>
+              <ma14:placeholderFlag xmlns:ma14="http://schemas.microsoft.com/office/mac/drawingml/2011/main" xmlns="" val="1"/>
             </a:ext>
           </a:extLst>
         </p:spPr>
@@ -1703,7 +1728,7 @@
           <a:ln/>
           <a:extLst>
             <a:ext uri="{FAA26D3D-D897-4be2-8F04-BA451C77F1D7}">
-              <ma14:placeholderFlag xmlns="" xmlns:ma14="http://schemas.microsoft.com/office/mac/drawingml/2011/main" val="1"/>
+              <ma14:placeholderFlag xmlns:ma14="http://schemas.microsoft.com/office/mac/drawingml/2011/main" xmlns="" val="1"/>
             </a:ext>
           </a:extLst>
         </p:spPr>
@@ -1923,7 +1948,7 @@
           <a:ln/>
           <a:extLst>
             <a:ext uri="{FAA26D3D-D897-4be2-8F04-BA451C77F1D7}">
-              <ma14:placeholderFlag xmlns="" xmlns:ma14="http://schemas.microsoft.com/office/mac/drawingml/2011/main" val="1"/>
+              <ma14:placeholderFlag xmlns:ma14="http://schemas.microsoft.com/office/mac/drawingml/2011/main" xmlns="" val="1"/>
             </a:ext>
           </a:extLst>
         </p:spPr>
@@ -2143,7 +2168,7 @@
           <a:ln/>
           <a:extLst>
             <a:ext uri="{FAA26D3D-D897-4be2-8F04-BA451C77F1D7}">
-              <ma14:placeholderFlag xmlns="" xmlns:ma14="http://schemas.microsoft.com/office/mac/drawingml/2011/main" val="1"/>
+              <ma14:placeholderFlag xmlns:ma14="http://schemas.microsoft.com/office/mac/drawingml/2011/main" xmlns="" val="1"/>
             </a:ext>
           </a:extLst>
         </p:spPr>
@@ -2363,7 +2388,7 @@
           <a:ln/>
           <a:extLst>
             <a:ext uri="{FAA26D3D-D897-4be2-8F04-BA451C77F1D7}">
-              <ma14:placeholderFlag xmlns="" xmlns:ma14="http://schemas.microsoft.com/office/mac/drawingml/2011/main" val="1"/>
+              <ma14:placeholderFlag xmlns:ma14="http://schemas.microsoft.com/office/mac/drawingml/2011/main" xmlns="" val="1"/>
             </a:ext>
           </a:extLst>
         </p:spPr>
@@ -2531,7 +2556,7 @@
           <a:p>
             <a:fld id="{C9544B7A-89B0-4708-90D9-4851185AB967}" type="datetime1">
               <a:rPr lang="zh-CN" altLang="en-US" smtClean="0"/>
-              <a:t>2021/4/17</a:t>
+              <a:t>2021/4/24</a:t>
             </a:fld>
             <a:endParaRPr lang="zh-CN" altLang="en-US"/>
           </a:p>
@@ -2701,7 +2726,7 @@
           <a:p>
             <a:fld id="{C5CE6E85-5101-4F30-91E0-43D5E4CE8B33}" type="datetime1">
               <a:rPr lang="zh-CN" altLang="en-US" smtClean="0"/>
-              <a:t>2021/4/17</a:t>
+              <a:t>2021/4/24</a:t>
             </a:fld>
             <a:endParaRPr lang="zh-CN" altLang="en-US"/>
           </a:p>
@@ -2881,7 +2906,7 @@
           <a:p>
             <a:fld id="{ED62CA32-954D-41B0-BA0E-73100E0F5945}" type="datetime1">
               <a:rPr lang="zh-CN" altLang="en-US" smtClean="0"/>
-              <a:t>2021/4/17</a:t>
+              <a:t>2021/4/24</a:t>
             </a:fld>
             <a:endParaRPr lang="zh-CN" altLang="en-US"/>
           </a:p>
@@ -3051,7 +3076,7 @@
           <a:p>
             <a:fld id="{972C16B0-41EA-4964-9422-BB0F2CF7D4B4}" type="datetime1">
               <a:rPr lang="zh-CN" altLang="en-US" smtClean="0"/>
-              <a:t>2021/4/17</a:t>
+              <a:t>2021/4/24</a:t>
             </a:fld>
             <a:endParaRPr lang="zh-CN" altLang="en-US"/>
           </a:p>
@@ -3295,7 +3320,7 @@
           <a:p>
             <a:fld id="{ADD84556-FFFA-4F06-B1C0-2145885148D0}" type="datetime1">
               <a:rPr lang="zh-CN" altLang="en-US" smtClean="0"/>
-              <a:t>2021/4/17</a:t>
+              <a:t>2021/4/24</a:t>
             </a:fld>
             <a:endParaRPr lang="zh-CN" altLang="en-US"/>
           </a:p>
@@ -3527,7 +3552,7 @@
           <a:p>
             <a:fld id="{53D7A5D9-EB6E-40A7-999E-3636C7FD9FE5}" type="datetime1">
               <a:rPr lang="zh-CN" altLang="en-US" smtClean="0"/>
-              <a:t>2021/4/17</a:t>
+              <a:t>2021/4/24</a:t>
             </a:fld>
             <a:endParaRPr lang="zh-CN" altLang="en-US"/>
           </a:p>
@@ -3894,7 +3919,7 @@
           <a:p>
             <a:fld id="{789FA6D4-9D2F-41BC-B089-08CE1C7CA19A}" type="datetime1">
               <a:rPr lang="zh-CN" altLang="en-US" smtClean="0"/>
-              <a:t>2021/4/17</a:t>
+              <a:t>2021/4/24</a:t>
             </a:fld>
             <a:endParaRPr lang="zh-CN" altLang="en-US"/>
           </a:p>
@@ -4012,7 +4037,7 @@
           <a:p>
             <a:fld id="{721D6D56-92EC-4EC7-AE10-A882F5209FA6}" type="datetime1">
               <a:rPr lang="zh-CN" altLang="en-US" smtClean="0"/>
-              <a:t>2021/4/17</a:t>
+              <a:t>2021/4/24</a:t>
             </a:fld>
             <a:endParaRPr lang="zh-CN" altLang="en-US"/>
           </a:p>
@@ -4107,7 +4132,7 @@
           <a:p>
             <a:fld id="{45C249D4-D4EA-453C-9A5E-4D60B279AEF4}" type="datetime1">
               <a:rPr lang="zh-CN" altLang="en-US" smtClean="0"/>
-              <a:t>2021/4/17</a:t>
+              <a:t>2021/4/24</a:t>
             </a:fld>
             <a:endParaRPr lang="zh-CN" altLang="en-US"/>
           </a:p>
@@ -4384,7 +4409,7 @@
           <a:p>
             <a:fld id="{8E59B9C2-4314-4738-9763-842DF54F2218}" type="datetime1">
               <a:rPr lang="zh-CN" altLang="en-US" smtClean="0"/>
-              <a:t>2021/4/17</a:t>
+              <a:t>2021/4/24</a:t>
             </a:fld>
             <a:endParaRPr lang="zh-CN" altLang="en-US"/>
           </a:p>
@@ -4641,7 +4666,7 @@
           <a:p>
             <a:fld id="{EAE112E3-CE56-4101-8F26-B4781A1234B7}" type="datetime1">
               <a:rPr lang="zh-CN" altLang="en-US" smtClean="0"/>
-              <a:t>2021/4/17</a:t>
+              <a:t>2021/4/24</a:t>
             </a:fld>
             <a:endParaRPr lang="zh-CN" altLang="en-US"/>
           </a:p>
@@ -4878,7 +4903,7 @@
           <a:p>
             <a:fld id="{A8B2831D-05F0-48EB-AC61-FDBCF13AF6DD}" type="datetime1">
               <a:rPr lang="zh-CN" altLang="en-US" smtClean="0"/>
-              <a:t>2021/4/17</a:t>
+              <a:t>2021/4/24</a:t>
             </a:fld>
             <a:endParaRPr lang="zh-CN" altLang="en-US"/>
           </a:p>
@@ -5765,6 +5790,610 @@
     <p:extLst>
       <p:ext uri="{BB962C8B-B14F-4D97-AF65-F5344CB8AC3E}">
         <p14:creationId xmlns:p14="http://schemas.microsoft.com/office/powerpoint/2010/main" val="79607533"/>
+      </p:ext>
+    </p:extLst>
+  </p:cSld>
+  <p:clrMapOvr>
+    <a:masterClrMapping/>
+  </p:clrMapOvr>
+</p:sld>
+</file>
+
+<file path=ppt/slides/slide12.xml><?xml version="1.0" encoding="utf-8"?>
+<p:sld xmlns:a="http://schemas.openxmlformats.org/drawingml/2006/main" xmlns:r="http://schemas.openxmlformats.org/officeDocument/2006/relationships" xmlns:p="http://schemas.openxmlformats.org/presentationml/2006/main">
+  <p:cSld>
+    <p:spTree>
+      <p:nvGrpSpPr>
+        <p:cNvPr id="1" name=""/>
+        <p:cNvGrpSpPr/>
+        <p:nvPr/>
+      </p:nvGrpSpPr>
+      <p:grpSpPr>
+        <a:xfrm>
+          <a:off x="0" y="0"/>
+          <a:ext cx="0" cy="0"/>
+          <a:chOff x="0" y="0"/>
+          <a:chExt cx="0" cy="0"/>
+        </a:xfrm>
+      </p:grpSpPr>
+      <p:sp>
+        <p:nvSpPr>
+          <p:cNvPr id="4" name="灯片编号占位符 3">
+            <a:extLst>
+              <a:ext uri="{FF2B5EF4-FFF2-40B4-BE49-F238E27FC236}">
+                <a16:creationId xmlns:a16="http://schemas.microsoft.com/office/drawing/2014/main" id="{7C4DDF51-5A9D-4877-9F00-A48FB2F09006}"/>
+              </a:ext>
+            </a:extLst>
+          </p:cNvPr>
+          <p:cNvSpPr>
+            <a:spLocks noGrp="1"/>
+          </p:cNvSpPr>
+          <p:nvPr>
+            <p:ph type="sldNum" sz="quarter" idx="12"/>
+          </p:nvPr>
+        </p:nvSpPr>
+        <p:spPr/>
+        <p:txBody>
+          <a:bodyPr/>
+          <a:lstStyle/>
+          <a:p>
+            <a:fld id="{5B8AC867-72ED-42EA-92C6-36FC511EE56C}" type="slidenum">
+              <a:rPr lang="zh-CN" altLang="en-US" smtClean="0"/>
+              <a:t>12</a:t>
+            </a:fld>
+            <a:endParaRPr lang="zh-CN" altLang="en-US" dirty="0"/>
+          </a:p>
+        </p:txBody>
+      </p:sp>
+      <p:pic>
+        <p:nvPicPr>
+          <p:cNvPr id="7" name="图片 6">
+            <a:extLst>
+              <a:ext uri="{FF2B5EF4-FFF2-40B4-BE49-F238E27FC236}">
+                <a16:creationId xmlns:a16="http://schemas.microsoft.com/office/drawing/2014/main" id="{976686F0-5A84-4400-AE7E-947828C9E5C1}"/>
+              </a:ext>
+            </a:extLst>
+          </p:cNvPr>
+          <p:cNvPicPr>
+            <a:picLocks noChangeAspect="1"/>
+          </p:cNvPicPr>
+          <p:nvPr/>
+        </p:nvPicPr>
+        <p:blipFill>
+          <a:blip r:embed="rId2"/>
+          <a:stretch>
+            <a:fillRect/>
+          </a:stretch>
+        </p:blipFill>
+        <p:spPr>
+          <a:xfrm>
+            <a:off x="0" y="0"/>
+            <a:ext cx="8239539" cy="2858616"/>
+          </a:xfrm>
+          <a:prstGeom prst="rect">
+            <a:avLst/>
+          </a:prstGeom>
+        </p:spPr>
+      </p:pic>
+      <p:sp>
+        <p:nvSpPr>
+          <p:cNvPr id="8" name="文本框 7">
+            <a:extLst>
+              <a:ext uri="{FF2B5EF4-FFF2-40B4-BE49-F238E27FC236}">
+                <a16:creationId xmlns:a16="http://schemas.microsoft.com/office/drawing/2014/main" id="{8893BCAC-E9FC-4C22-94F9-114B0C93BACD}"/>
+              </a:ext>
+            </a:extLst>
+          </p:cNvPr>
+          <p:cNvSpPr txBox="1"/>
+          <p:nvPr/>
+        </p:nvSpPr>
+        <p:spPr>
+          <a:xfrm>
+            <a:off x="0" y="3079858"/>
+            <a:ext cx="8667757" cy="646331"/>
+          </a:xfrm>
+          <a:prstGeom prst="rect">
+            <a:avLst/>
+          </a:prstGeom>
+          <a:noFill/>
+        </p:spPr>
+        <p:txBody>
+          <a:bodyPr wrap="none" rtlCol="0">
+            <a:spAutoFit/>
+          </a:bodyPr>
+          <a:lstStyle/>
+          <a:p>
+            <a:r>
+              <a:rPr lang="zh-CN" altLang="en-US" dirty="0"/>
+              <a:t>一个卷积层包括了输入、卷积核和输出三个步骤。</a:t>
+            </a:r>
+            <a:endParaRPr lang="en-US" altLang="zh-CN" dirty="0"/>
+          </a:p>
+          <a:p>
+            <a:r>
+              <a:rPr lang="zh-CN" altLang="en-US" dirty="0"/>
+              <a:t>每个卷积层的输入数据都是以三维的形式存在的，就相当于多张</a:t>
+            </a:r>
+            <a:r>
+              <a:rPr lang="en-US" altLang="zh-CN" dirty="0"/>
+              <a:t>feature map</a:t>
+            </a:r>
+            <a:r>
+              <a:rPr lang="zh-CN" altLang="en-US" dirty="0"/>
+              <a:t>的叠加。</a:t>
+            </a:r>
+            <a:endParaRPr lang="en-US" altLang="zh-CN" dirty="0"/>
+          </a:p>
+        </p:txBody>
+      </p:sp>
+      <p:sp>
+        <p:nvSpPr>
+          <p:cNvPr id="9" name="矩形 8">
+            <a:extLst>
+              <a:ext uri="{FF2B5EF4-FFF2-40B4-BE49-F238E27FC236}">
+                <a16:creationId xmlns:a16="http://schemas.microsoft.com/office/drawing/2014/main" id="{62FD523E-4D94-43C5-B393-62936EA04C9B}"/>
+              </a:ext>
+            </a:extLst>
+          </p:cNvPr>
+          <p:cNvSpPr/>
+          <p:nvPr/>
+        </p:nvSpPr>
+        <p:spPr>
+          <a:xfrm>
+            <a:off x="139148" y="516835"/>
+            <a:ext cx="1798982" cy="1779104"/>
+          </a:xfrm>
+          <a:prstGeom prst="rect">
+            <a:avLst/>
+          </a:prstGeom>
+          <a:noFill/>
+          <a:ln w="38100">
+            <a:solidFill>
+              <a:srgbClr val="0000FF"/>
+            </a:solidFill>
+          </a:ln>
+        </p:spPr>
+        <p:style>
+          <a:lnRef idx="2">
+            <a:schemeClr val="accent1">
+              <a:shade val="50000"/>
+            </a:schemeClr>
+          </a:lnRef>
+          <a:fillRef idx="1">
+            <a:schemeClr val="accent1"/>
+          </a:fillRef>
+          <a:effectRef idx="0">
+            <a:schemeClr val="accent1"/>
+          </a:effectRef>
+          <a:fontRef idx="minor">
+            <a:schemeClr val="lt1"/>
+          </a:fontRef>
+        </p:style>
+        <p:txBody>
+          <a:bodyPr rtlCol="0" anchor="ctr"/>
+          <a:lstStyle/>
+          <a:p>
+            <a:pPr algn="ctr"/>
+            <a:endParaRPr lang="zh-CN" altLang="en-US"/>
+          </a:p>
+        </p:txBody>
+      </p:sp>
+      <p:cxnSp>
+        <p:nvCxnSpPr>
+          <p:cNvPr id="12" name="直接箭头连接符 11">
+            <a:extLst>
+              <a:ext uri="{FF2B5EF4-FFF2-40B4-BE49-F238E27FC236}">
+                <a16:creationId xmlns:a16="http://schemas.microsoft.com/office/drawing/2014/main" id="{A43EBBD9-856B-4A07-8F71-5F0E68F073C1}"/>
+              </a:ext>
+            </a:extLst>
+          </p:cNvPr>
+          <p:cNvCxnSpPr>
+            <a:cxnSpLocks/>
+          </p:cNvCxnSpPr>
+          <p:nvPr/>
+        </p:nvCxnSpPr>
+        <p:spPr>
+          <a:xfrm>
+            <a:off x="1570383" y="2295939"/>
+            <a:ext cx="0" cy="365981"/>
+          </a:xfrm>
+          <a:prstGeom prst="straightConnector1">
+            <a:avLst/>
+          </a:prstGeom>
+          <a:ln w="38100">
+            <a:solidFill>
+              <a:srgbClr val="0000FF"/>
+            </a:solidFill>
+            <a:tailEnd type="triangle"/>
+          </a:ln>
+        </p:spPr>
+        <p:style>
+          <a:lnRef idx="1">
+            <a:schemeClr val="accent1"/>
+          </a:lnRef>
+          <a:fillRef idx="0">
+            <a:schemeClr val="accent1"/>
+          </a:fillRef>
+          <a:effectRef idx="0">
+            <a:schemeClr val="accent1"/>
+          </a:effectRef>
+          <a:fontRef idx="minor">
+            <a:schemeClr val="tx1"/>
+          </a:fontRef>
+        </p:style>
+      </p:cxnSp>
+      <p:sp>
+        <p:nvSpPr>
+          <p:cNvPr id="13" name="文本框 12">
+            <a:extLst>
+              <a:ext uri="{FF2B5EF4-FFF2-40B4-BE49-F238E27FC236}">
+                <a16:creationId xmlns:a16="http://schemas.microsoft.com/office/drawing/2014/main" id="{66986655-95CD-4946-B43D-1B80963BF00B}"/>
+              </a:ext>
+            </a:extLst>
+          </p:cNvPr>
+          <p:cNvSpPr txBox="1"/>
+          <p:nvPr/>
+        </p:nvSpPr>
+        <p:spPr>
+          <a:xfrm>
+            <a:off x="1038639" y="2560084"/>
+            <a:ext cx="1281120" cy="369332"/>
+          </a:xfrm>
+          <a:prstGeom prst="rect">
+            <a:avLst/>
+          </a:prstGeom>
+          <a:noFill/>
+        </p:spPr>
+        <p:txBody>
+          <a:bodyPr wrap="none" rtlCol="0">
+            <a:spAutoFit/>
+          </a:bodyPr>
+          <a:lstStyle/>
+          <a:p>
+            <a:r>
+              <a:rPr lang="en-US" altLang="zh-CN" dirty="0">
+                <a:solidFill>
+                  <a:srgbClr val="0000FF"/>
+                </a:solidFill>
+              </a:rPr>
+              <a:t>feature map</a:t>
+            </a:r>
+            <a:endParaRPr lang="zh-CN" altLang="en-US" dirty="0">
+              <a:solidFill>
+                <a:srgbClr val="0000FF"/>
+              </a:solidFill>
+            </a:endParaRPr>
+          </a:p>
+        </p:txBody>
+      </p:sp>
+      <p:sp>
+        <p:nvSpPr>
+          <p:cNvPr id="14" name="矩形 13">
+            <a:extLst>
+              <a:ext uri="{FF2B5EF4-FFF2-40B4-BE49-F238E27FC236}">
+                <a16:creationId xmlns:a16="http://schemas.microsoft.com/office/drawing/2014/main" id="{8A8AFCD5-8258-4B5B-A47E-3DE56962CCD4}"/>
+              </a:ext>
+            </a:extLst>
+          </p:cNvPr>
+          <p:cNvSpPr/>
+          <p:nvPr/>
+        </p:nvSpPr>
+        <p:spPr>
+          <a:xfrm>
+            <a:off x="10160" y="222294"/>
+            <a:ext cx="2319753" cy="2341781"/>
+          </a:xfrm>
+          <a:prstGeom prst="rect">
+            <a:avLst/>
+          </a:prstGeom>
+          <a:noFill/>
+          <a:ln w="28575">
+            <a:solidFill>
+              <a:srgbClr val="0000FF"/>
+            </a:solidFill>
+          </a:ln>
+        </p:spPr>
+        <p:style>
+          <a:lnRef idx="2">
+            <a:schemeClr val="accent1">
+              <a:shade val="50000"/>
+            </a:schemeClr>
+          </a:lnRef>
+          <a:fillRef idx="1">
+            <a:schemeClr val="accent1"/>
+          </a:fillRef>
+          <a:effectRef idx="0">
+            <a:schemeClr val="accent1"/>
+          </a:effectRef>
+          <a:fontRef idx="minor">
+            <a:schemeClr val="lt1"/>
+          </a:fontRef>
+        </p:style>
+        <p:txBody>
+          <a:bodyPr rtlCol="0" anchor="ctr"/>
+          <a:lstStyle/>
+          <a:p>
+            <a:pPr algn="ctr"/>
+            <a:endParaRPr lang="zh-CN" altLang="en-US"/>
+          </a:p>
+        </p:txBody>
+      </p:sp>
+      <p:sp>
+        <p:nvSpPr>
+          <p:cNvPr id="16" name="文本框 15">
+            <a:extLst>
+              <a:ext uri="{FF2B5EF4-FFF2-40B4-BE49-F238E27FC236}">
+                <a16:creationId xmlns:a16="http://schemas.microsoft.com/office/drawing/2014/main" id="{755582EC-C15E-404C-B36B-A3CE21527AA2}"/>
+              </a:ext>
+            </a:extLst>
+          </p:cNvPr>
+          <p:cNvSpPr txBox="1"/>
+          <p:nvPr/>
+        </p:nvSpPr>
+        <p:spPr>
+          <a:xfrm>
+            <a:off x="807597" y="-309888"/>
+            <a:ext cx="724878" cy="400110"/>
+          </a:xfrm>
+          <a:prstGeom prst="rect">
+            <a:avLst/>
+          </a:prstGeom>
+          <a:noFill/>
+        </p:spPr>
+        <p:txBody>
+          <a:bodyPr wrap="none" rtlCol="0">
+            <a:spAutoFit/>
+          </a:bodyPr>
+          <a:lstStyle/>
+          <a:p>
+            <a:r>
+              <a:rPr lang="en-US" altLang="zh-CN" sz="2000" dirty="0">
+                <a:solidFill>
+                  <a:srgbClr val="0000FF"/>
+                </a:solidFill>
+              </a:rPr>
+              <a:t>Input</a:t>
+            </a:r>
+            <a:endParaRPr lang="zh-CN" altLang="en-US" sz="2000" dirty="0">
+              <a:solidFill>
+                <a:srgbClr val="0000FF"/>
+              </a:solidFill>
+            </a:endParaRPr>
+          </a:p>
+        </p:txBody>
+      </p:sp>
+      <p:sp>
+        <p:nvSpPr>
+          <p:cNvPr id="17" name="矩形 16">
+            <a:extLst>
+              <a:ext uri="{FF2B5EF4-FFF2-40B4-BE49-F238E27FC236}">
+                <a16:creationId xmlns:a16="http://schemas.microsoft.com/office/drawing/2014/main" id="{7D05B39C-A152-421D-9061-536EF82E3B7F}"/>
+              </a:ext>
+            </a:extLst>
+          </p:cNvPr>
+          <p:cNvSpPr/>
+          <p:nvPr/>
+        </p:nvSpPr>
+        <p:spPr>
+          <a:xfrm>
+            <a:off x="2861658" y="81025"/>
+            <a:ext cx="1328378" cy="2580895"/>
+          </a:xfrm>
+          <a:prstGeom prst="rect">
+            <a:avLst/>
+          </a:prstGeom>
+          <a:noFill/>
+          <a:ln w="28575">
+            <a:solidFill>
+              <a:srgbClr val="0000FF"/>
+            </a:solidFill>
+          </a:ln>
+        </p:spPr>
+        <p:style>
+          <a:lnRef idx="2">
+            <a:schemeClr val="accent1">
+              <a:shade val="50000"/>
+            </a:schemeClr>
+          </a:lnRef>
+          <a:fillRef idx="1">
+            <a:schemeClr val="accent1"/>
+          </a:fillRef>
+          <a:effectRef idx="0">
+            <a:schemeClr val="accent1"/>
+          </a:effectRef>
+          <a:fontRef idx="minor">
+            <a:schemeClr val="lt1"/>
+          </a:fontRef>
+        </p:style>
+        <p:txBody>
+          <a:bodyPr rtlCol="0" anchor="ctr"/>
+          <a:lstStyle/>
+          <a:p>
+            <a:pPr algn="ctr"/>
+            <a:endParaRPr lang="zh-CN" altLang="en-US"/>
+          </a:p>
+        </p:txBody>
+      </p:sp>
+      <p:sp>
+        <p:nvSpPr>
+          <p:cNvPr id="18" name="文本框 17">
+            <a:extLst>
+              <a:ext uri="{FF2B5EF4-FFF2-40B4-BE49-F238E27FC236}">
+                <a16:creationId xmlns:a16="http://schemas.microsoft.com/office/drawing/2014/main" id="{6F009047-1A56-453C-9336-7E45C23D78B2}"/>
+              </a:ext>
+            </a:extLst>
+          </p:cNvPr>
+          <p:cNvSpPr txBox="1"/>
+          <p:nvPr/>
+        </p:nvSpPr>
+        <p:spPr>
+          <a:xfrm>
+            <a:off x="3113714" y="-309888"/>
+            <a:ext cx="824265" cy="400110"/>
+          </a:xfrm>
+          <a:prstGeom prst="rect">
+            <a:avLst/>
+          </a:prstGeom>
+          <a:noFill/>
+        </p:spPr>
+        <p:txBody>
+          <a:bodyPr wrap="none" rtlCol="0">
+            <a:spAutoFit/>
+          </a:bodyPr>
+          <a:lstStyle/>
+          <a:p>
+            <a:r>
+              <a:rPr lang="en-US" altLang="zh-CN" sz="2000" dirty="0">
+                <a:solidFill>
+                  <a:srgbClr val="0000FF"/>
+                </a:solidFill>
+              </a:rPr>
+              <a:t>kernel</a:t>
+            </a:r>
+            <a:endParaRPr lang="zh-CN" altLang="en-US" sz="2000" dirty="0">
+              <a:solidFill>
+                <a:srgbClr val="0000FF"/>
+              </a:solidFill>
+            </a:endParaRPr>
+          </a:p>
+        </p:txBody>
+      </p:sp>
+      <p:sp>
+        <p:nvSpPr>
+          <p:cNvPr id="19" name="矩形 18">
+            <a:extLst>
+              <a:ext uri="{FF2B5EF4-FFF2-40B4-BE49-F238E27FC236}">
+                <a16:creationId xmlns:a16="http://schemas.microsoft.com/office/drawing/2014/main" id="{55DC7E46-6867-4C66-8DAA-EFEF1C7482DA}"/>
+              </a:ext>
+            </a:extLst>
+          </p:cNvPr>
+          <p:cNvSpPr/>
+          <p:nvPr/>
+        </p:nvSpPr>
+        <p:spPr>
+          <a:xfrm>
+            <a:off x="4760381" y="81025"/>
+            <a:ext cx="3479158" cy="2777591"/>
+          </a:xfrm>
+          <a:prstGeom prst="rect">
+            <a:avLst/>
+          </a:prstGeom>
+          <a:noFill/>
+          <a:ln w="28575">
+            <a:solidFill>
+              <a:srgbClr val="0000FF"/>
+            </a:solidFill>
+          </a:ln>
+        </p:spPr>
+        <p:style>
+          <a:lnRef idx="2">
+            <a:schemeClr val="accent1">
+              <a:shade val="50000"/>
+            </a:schemeClr>
+          </a:lnRef>
+          <a:fillRef idx="1">
+            <a:schemeClr val="accent1"/>
+          </a:fillRef>
+          <a:effectRef idx="0">
+            <a:schemeClr val="accent1"/>
+          </a:effectRef>
+          <a:fontRef idx="minor">
+            <a:schemeClr val="lt1"/>
+          </a:fontRef>
+        </p:style>
+        <p:txBody>
+          <a:bodyPr rtlCol="0" anchor="ctr"/>
+          <a:lstStyle/>
+          <a:p>
+            <a:pPr algn="ctr"/>
+            <a:endParaRPr lang="zh-CN" altLang="en-US"/>
+          </a:p>
+        </p:txBody>
+      </p:sp>
+      <p:sp>
+        <p:nvSpPr>
+          <p:cNvPr id="20" name="文本框 19">
+            <a:extLst>
+              <a:ext uri="{FF2B5EF4-FFF2-40B4-BE49-F238E27FC236}">
+                <a16:creationId xmlns:a16="http://schemas.microsoft.com/office/drawing/2014/main" id="{799EA1C7-FA00-4E58-88DC-0CA0BC785B4F}"/>
+              </a:ext>
+            </a:extLst>
+          </p:cNvPr>
+          <p:cNvSpPr txBox="1"/>
+          <p:nvPr/>
+        </p:nvSpPr>
+        <p:spPr>
+          <a:xfrm>
+            <a:off x="6051760" y="-319085"/>
+            <a:ext cx="896399" cy="400110"/>
+          </a:xfrm>
+          <a:prstGeom prst="rect">
+            <a:avLst/>
+          </a:prstGeom>
+          <a:noFill/>
+        </p:spPr>
+        <p:txBody>
+          <a:bodyPr wrap="none" rtlCol="0">
+            <a:spAutoFit/>
+          </a:bodyPr>
+          <a:lstStyle/>
+          <a:p>
+            <a:r>
+              <a:rPr lang="en-US" altLang="zh-CN" sz="2000" dirty="0">
+                <a:solidFill>
+                  <a:srgbClr val="0000FF"/>
+                </a:solidFill>
+              </a:rPr>
+              <a:t>Output</a:t>
+            </a:r>
+            <a:endParaRPr lang="zh-CN" altLang="en-US" sz="2000" dirty="0">
+              <a:solidFill>
+                <a:srgbClr val="0000FF"/>
+              </a:solidFill>
+            </a:endParaRPr>
+          </a:p>
+        </p:txBody>
+      </p:sp>
+      <p:sp>
+        <p:nvSpPr>
+          <p:cNvPr id="21" name="文本框 20">
+            <a:extLst>
+              <a:ext uri="{FF2B5EF4-FFF2-40B4-BE49-F238E27FC236}">
+                <a16:creationId xmlns:a16="http://schemas.microsoft.com/office/drawing/2014/main" id="{CEE88769-BD0C-4ADF-B5F8-B29BEB4D5495}"/>
+              </a:ext>
+            </a:extLst>
+          </p:cNvPr>
+          <p:cNvSpPr txBox="1"/>
+          <p:nvPr/>
+        </p:nvSpPr>
+        <p:spPr>
+          <a:xfrm>
+            <a:off x="10160" y="3947431"/>
+            <a:ext cx="4339650" cy="369332"/>
+          </a:xfrm>
+          <a:prstGeom prst="rect">
+            <a:avLst/>
+          </a:prstGeom>
+          <a:noFill/>
+        </p:spPr>
+        <p:txBody>
+          <a:bodyPr wrap="none" rtlCol="0">
+            <a:spAutoFit/>
+          </a:bodyPr>
+          <a:lstStyle/>
+          <a:p>
+            <a:r>
+              <a:rPr lang="zh-CN" altLang="en-US" dirty="0"/>
+              <a:t>主要用于提取特征。特别是图片的特征。</a:t>
+            </a:r>
+            <a:endParaRPr lang="en-US" altLang="zh-CN" dirty="0"/>
+          </a:p>
+        </p:txBody>
+      </p:sp>
+    </p:spTree>
+    <p:extLst>
+      <p:ext uri="{BB962C8B-B14F-4D97-AF65-F5344CB8AC3E}">
+        <p14:creationId xmlns:p14="http://schemas.microsoft.com/office/powerpoint/2010/main" val="2715077172"/>
       </p:ext>
     </p:extLst>
   </p:cSld>

--- a/ML_Learning_PPT/ML.pptx
+++ b/ML_Learning_PPT/ML.pptx
@@ -5,10 +5,10 @@
     <p:sldMasterId id="2147483660" r:id="rId1"/>
   </p:sldMasterIdLst>
   <p:notesMasterIdLst>
-    <p:notesMasterId r:id="rId20"/>
+    <p:notesMasterId r:id="rId22"/>
   </p:notesMasterIdLst>
   <p:handoutMasterIdLst>
-    <p:handoutMasterId r:id="rId21"/>
+    <p:handoutMasterId r:id="rId23"/>
   </p:handoutMasterIdLst>
   <p:sldIdLst>
     <p:sldId id="395" r:id="rId2"/>
@@ -24,11 +24,13 @@
     <p:sldId id="520" r:id="rId12"/>
     <p:sldId id="521" r:id="rId13"/>
     <p:sldId id="522" r:id="rId14"/>
-    <p:sldId id="525" r:id="rId15"/>
-    <p:sldId id="513" r:id="rId16"/>
-    <p:sldId id="418" r:id="rId17"/>
-    <p:sldId id="516" r:id="rId18"/>
-    <p:sldId id="523" r:id="rId19"/>
+    <p:sldId id="530" r:id="rId15"/>
+    <p:sldId id="531" r:id="rId16"/>
+    <p:sldId id="525" r:id="rId17"/>
+    <p:sldId id="513" r:id="rId18"/>
+    <p:sldId id="418" r:id="rId19"/>
+    <p:sldId id="516" r:id="rId20"/>
+    <p:sldId id="523" r:id="rId21"/>
   </p:sldIdLst>
   <p:sldSz cx="9144000" cy="6858000" type="screen4x3"/>
   <p:notesSz cx="6858000" cy="9144000"/>
@@ -145,6 +147,8 @@
             <p14:sldId id="520"/>
             <p14:sldId id="521"/>
             <p14:sldId id="522"/>
+            <p14:sldId id="530"/>
+            <p14:sldId id="531"/>
             <p14:sldId id="525"/>
             <p14:sldId id="513"/>
             <p14:sldId id="418"/>
@@ -261,7 +265,7 @@
           <a:p>
             <a:fld id="{3099E9A0-8747-49EA-9780-2B3AD1E61482}" type="datetimeFigureOut">
               <a:rPr lang="zh-CN" altLang="en-US" smtClean="0"/>
-              <a:t>2021/4/25</a:t>
+              <a:t>2021/4/26</a:t>
             </a:fld>
             <a:endParaRPr lang="zh-CN" altLang="en-US"/>
           </a:p>
@@ -426,7 +430,7 @@
           <a:p>
             <a:fld id="{59C3A3A5-2E5F-420B-9333-5CCC593BCAD9}" type="datetimeFigureOut">
               <a:rPr lang="zh-CN" altLang="en-US" smtClean="0"/>
-              <a:t>2021/4/25</a:t>
+              <a:t>2021/4/26</a:t>
             </a:fld>
             <a:endParaRPr lang="zh-CN" altLang="en-US"/>
           </a:p>
@@ -860,7 +864,7 @@
           <a:ln/>
           <a:extLst>
             <a:ext uri="{FAA26D3D-D897-4be2-8F04-BA451C77F1D7}">
-              <ma14:placeholderFlag xmlns="" xmlns:ma14="http://schemas.microsoft.com/office/mac/drawingml/2011/main" val="1"/>
+              <ma14:placeholderFlag xmlns:ma14="http://schemas.microsoft.com/office/mac/drawingml/2011/main" xmlns="" val="1"/>
             </a:ext>
           </a:extLst>
         </p:spPr>
@@ -879,132 +883,6 @@
         <p:txBody>
           <a:bodyPr/>
           <a:lstStyle/>
-          <a:p>
-            <a:r>
-              <a:rPr lang="en-US" dirty="0"/>
-              <a:t>AI: </a:t>
-            </a:r>
-            <a:r>
-              <a:rPr lang="zh-CN" altLang="en-US" dirty="0"/>
-              <a:t>人工智能是一个非常大的领域，比如知识库；</a:t>
-            </a:r>
-            <a:r>
-              <a:rPr lang="en-US" altLang="zh-CN" dirty="0"/>
-              <a:t>ML</a:t>
-            </a:r>
-            <a:r>
-              <a:rPr lang="zh-CN" altLang="en-US" dirty="0"/>
-              <a:t>是</a:t>
-            </a:r>
-            <a:r>
-              <a:rPr lang="en-US" altLang="zh-CN" dirty="0"/>
-              <a:t>AI</a:t>
-            </a:r>
-            <a:r>
-              <a:rPr lang="zh-CN" altLang="en-US" dirty="0"/>
-              <a:t>的一个分支，</a:t>
-            </a:r>
-            <a:r>
-              <a:rPr lang="en-US" altLang="zh-CN" dirty="0"/>
-              <a:t>AI</a:t>
-            </a:r>
-            <a:r>
-              <a:rPr lang="zh-CN" altLang="en-US" dirty="0"/>
-              <a:t>包括的范围非常广，除了</a:t>
-            </a:r>
-            <a:r>
-              <a:rPr lang="en-US" altLang="zh-CN" dirty="0"/>
-              <a:t>ML</a:t>
-            </a:r>
-            <a:r>
-              <a:rPr lang="zh-CN" altLang="en-US" dirty="0"/>
-              <a:t>还有机器视觉，自然语言处理等等。</a:t>
-            </a:r>
-            <a:endParaRPr lang="en-US" altLang="zh-CN" dirty="0"/>
-          </a:p>
-          <a:p>
-            <a:r>
-              <a:rPr lang="en-US" dirty="0"/>
-              <a:t>ML:</a:t>
-            </a:r>
-            <a:r>
-              <a:rPr lang="zh-CN" altLang="en-US" dirty="0"/>
-              <a:t> 也是一个较大的领域，其中的一个方法就是</a:t>
-            </a:r>
-            <a:r>
-              <a:rPr lang="en-US" altLang="zh-CN" dirty="0"/>
-              <a:t>Logistic</a:t>
-            </a:r>
-            <a:r>
-              <a:rPr lang="zh-CN" altLang="en-US" dirty="0"/>
-              <a:t>回归，逻辑回归。</a:t>
-            </a:r>
-            <a:r>
-              <a:rPr lang="en-US" altLang="zh-CN" dirty="0"/>
-              <a:t>ML</a:t>
-            </a:r>
-            <a:r>
-              <a:rPr lang="zh-CN" altLang="en-US" dirty="0"/>
-              <a:t>中有一个分支叫做表示学习。表示学习是一种特征的提取。</a:t>
-            </a:r>
-            <a:endParaRPr lang="en-US" altLang="zh-CN" dirty="0"/>
-          </a:p>
-          <a:p>
-            <a:r>
-              <a:rPr lang="en-US" altLang="zh-CN" dirty="0"/>
-              <a:t>DL: </a:t>
-            </a:r>
-            <a:r>
-              <a:rPr lang="zh-CN" altLang="en-US" dirty="0"/>
-              <a:t>算是表示学习下的一个分支，比如卷积神经网络，循环神经网络等。</a:t>
-            </a:r>
-            <a:endParaRPr lang="en-US" altLang="zh-CN" dirty="0"/>
-          </a:p>
-          <a:p>
-            <a:endParaRPr lang="en-US" altLang="zh-CN" dirty="0"/>
-          </a:p>
-          <a:p>
-            <a:r>
-              <a:rPr lang="zh-CN" altLang="en-US" dirty="0"/>
-              <a:t>最原始的是基于规则的机器学习，即中间的过程是一个人为制定的规则，输入内容经过规则之后会产生输出。就像分子对接一样，输入小分子和蛋白的结构，根据一定的打分规则去预测结合亲和力。</a:t>
-            </a:r>
-            <a:endParaRPr lang="en-US" altLang="zh-CN" dirty="0"/>
-          </a:p>
-          <a:p>
-            <a:r>
-              <a:rPr lang="zh-CN" altLang="en-US" dirty="0"/>
-              <a:t>接下来是经典的机器学习，即输入数据，人为的对数据提取特征，然后找到</a:t>
-            </a:r>
-            <a:r>
-              <a:rPr lang="en-US" altLang="zh-CN" dirty="0"/>
-              <a:t>features</a:t>
-            </a:r>
-            <a:r>
-              <a:rPr lang="zh-CN" altLang="en-US" dirty="0"/>
-              <a:t>和输出之间的映射关系。</a:t>
-            </a:r>
-            <a:endParaRPr lang="en-US" altLang="zh-CN" dirty="0"/>
-          </a:p>
-          <a:p>
-            <a:r>
-              <a:rPr lang="zh-CN" altLang="en-US" dirty="0"/>
-              <a:t>最后也是最新的方法是表示学习中的深度学习，即是在经典机器学习中增加一步，将深度学习增加一步，使用深度学习神经网络去提取输入的数据的特征。</a:t>
-            </a:r>
-            <a:endParaRPr lang="en-US" altLang="zh-CN" dirty="0"/>
-          </a:p>
-          <a:p>
-            <a:r>
-              <a:rPr lang="zh-CN" altLang="en-US" dirty="0"/>
-              <a:t>比如图片中的像素信息，音频中的信息等序列信息。也可以是蛋白的序列信息等等。只需要将这些序列信息转换成数字序列直接输入即可。</a:t>
-            </a:r>
-            <a:endParaRPr lang="en-US" altLang="zh-CN" dirty="0"/>
-          </a:p>
-          <a:p>
-            <a:endParaRPr lang="en-US" altLang="zh-CN" dirty="0"/>
-          </a:p>
-          <a:p>
-            <a:endParaRPr lang="en-US" altLang="zh-CN" dirty="0"/>
-          </a:p>
           <a:p>
             <a:endParaRPr lang="en-US" dirty="0"/>
           </a:p>
@@ -1080,7 +958,7 @@
           <a:ln/>
           <a:extLst>
             <a:ext uri="{FAA26D3D-D897-4be2-8F04-BA451C77F1D7}">
-              <ma14:placeholderFlag xmlns="" xmlns:ma14="http://schemas.microsoft.com/office/mac/drawingml/2011/main" val="1"/>
+              <ma14:placeholderFlag xmlns:ma14="http://schemas.microsoft.com/office/mac/drawingml/2011/main" xmlns="" val="1"/>
             </a:ext>
           </a:extLst>
         </p:spPr>
@@ -1099,132 +977,6 @@
         <p:txBody>
           <a:bodyPr/>
           <a:lstStyle/>
-          <a:p>
-            <a:r>
-              <a:rPr lang="en-US" dirty="0"/>
-              <a:t>AI: </a:t>
-            </a:r>
-            <a:r>
-              <a:rPr lang="zh-CN" altLang="en-US" dirty="0"/>
-              <a:t>人工智能是一个非常大的领域，比如知识库；</a:t>
-            </a:r>
-            <a:r>
-              <a:rPr lang="en-US" altLang="zh-CN" dirty="0"/>
-              <a:t>ML</a:t>
-            </a:r>
-            <a:r>
-              <a:rPr lang="zh-CN" altLang="en-US" dirty="0"/>
-              <a:t>是</a:t>
-            </a:r>
-            <a:r>
-              <a:rPr lang="en-US" altLang="zh-CN" dirty="0"/>
-              <a:t>AI</a:t>
-            </a:r>
-            <a:r>
-              <a:rPr lang="zh-CN" altLang="en-US" dirty="0"/>
-              <a:t>的一个分支，</a:t>
-            </a:r>
-            <a:r>
-              <a:rPr lang="en-US" altLang="zh-CN" dirty="0"/>
-              <a:t>AI</a:t>
-            </a:r>
-            <a:r>
-              <a:rPr lang="zh-CN" altLang="en-US" dirty="0"/>
-              <a:t>包括的范围非常广，除了</a:t>
-            </a:r>
-            <a:r>
-              <a:rPr lang="en-US" altLang="zh-CN" dirty="0"/>
-              <a:t>ML</a:t>
-            </a:r>
-            <a:r>
-              <a:rPr lang="zh-CN" altLang="en-US" dirty="0"/>
-              <a:t>还有机器视觉，自然语言处理等等。</a:t>
-            </a:r>
-            <a:endParaRPr lang="en-US" altLang="zh-CN" dirty="0"/>
-          </a:p>
-          <a:p>
-            <a:r>
-              <a:rPr lang="en-US" dirty="0"/>
-              <a:t>ML:</a:t>
-            </a:r>
-            <a:r>
-              <a:rPr lang="zh-CN" altLang="en-US" dirty="0"/>
-              <a:t> 也是一个较大的领域，其中的一个方法就是</a:t>
-            </a:r>
-            <a:r>
-              <a:rPr lang="en-US" altLang="zh-CN" dirty="0"/>
-              <a:t>Logistic</a:t>
-            </a:r>
-            <a:r>
-              <a:rPr lang="zh-CN" altLang="en-US" dirty="0"/>
-              <a:t>回归，逻辑回归。</a:t>
-            </a:r>
-            <a:r>
-              <a:rPr lang="en-US" altLang="zh-CN" dirty="0"/>
-              <a:t>ML</a:t>
-            </a:r>
-            <a:r>
-              <a:rPr lang="zh-CN" altLang="en-US" dirty="0"/>
-              <a:t>中有一个分支叫做表示学习。表示学习是一种特征的提取。</a:t>
-            </a:r>
-            <a:endParaRPr lang="en-US" altLang="zh-CN" dirty="0"/>
-          </a:p>
-          <a:p>
-            <a:r>
-              <a:rPr lang="en-US" altLang="zh-CN" dirty="0"/>
-              <a:t>DL: </a:t>
-            </a:r>
-            <a:r>
-              <a:rPr lang="zh-CN" altLang="en-US" dirty="0"/>
-              <a:t>算是表示学习下的一个分支，比如卷积神经网络，循环神经网络等。</a:t>
-            </a:r>
-            <a:endParaRPr lang="en-US" altLang="zh-CN" dirty="0"/>
-          </a:p>
-          <a:p>
-            <a:endParaRPr lang="en-US" altLang="zh-CN" dirty="0"/>
-          </a:p>
-          <a:p>
-            <a:r>
-              <a:rPr lang="zh-CN" altLang="en-US" dirty="0"/>
-              <a:t>最原始的是基于规则的机器学习，即中间的过程是一个人为制定的规则，输入内容经过规则之后会产生输出。就像分子对接一样，输入小分子和蛋白的结构，根据一定的打分规则去预测结合亲和力。</a:t>
-            </a:r>
-            <a:endParaRPr lang="en-US" altLang="zh-CN" dirty="0"/>
-          </a:p>
-          <a:p>
-            <a:r>
-              <a:rPr lang="zh-CN" altLang="en-US" dirty="0"/>
-              <a:t>接下来是经典的机器学习，即输入数据，人为的对数据提取特征，然后找到</a:t>
-            </a:r>
-            <a:r>
-              <a:rPr lang="en-US" altLang="zh-CN" dirty="0"/>
-              <a:t>features</a:t>
-            </a:r>
-            <a:r>
-              <a:rPr lang="zh-CN" altLang="en-US" dirty="0"/>
-              <a:t>和输出之间的映射关系。</a:t>
-            </a:r>
-            <a:endParaRPr lang="en-US" altLang="zh-CN" dirty="0"/>
-          </a:p>
-          <a:p>
-            <a:r>
-              <a:rPr lang="zh-CN" altLang="en-US" dirty="0"/>
-              <a:t>最后也是最新的方法是表示学习中的深度学习，即是在经典机器学习中增加一步，将深度学习增加一步，使用深度学习神经网络去提取输入的数据的特征。</a:t>
-            </a:r>
-            <a:endParaRPr lang="en-US" altLang="zh-CN" dirty="0"/>
-          </a:p>
-          <a:p>
-            <a:r>
-              <a:rPr lang="zh-CN" altLang="en-US" dirty="0"/>
-              <a:t>比如图片中的像素信息，音频中的信息等序列信息。也可以是蛋白的序列信息等等。只需要将这些序列信息转换成数字序列直接输入即可。</a:t>
-            </a:r>
-            <a:endParaRPr lang="en-US" altLang="zh-CN" dirty="0"/>
-          </a:p>
-          <a:p>
-            <a:endParaRPr lang="en-US" altLang="zh-CN" dirty="0"/>
-          </a:p>
-          <a:p>
-            <a:endParaRPr lang="en-US" altLang="zh-CN" dirty="0"/>
-          </a:p>
           <a:p>
             <a:endParaRPr lang="en-US" dirty="0"/>
           </a:p>
@@ -1300,7 +1052,7 @@
           <a:ln/>
           <a:extLst>
             <a:ext uri="{FAA26D3D-D897-4be2-8F04-BA451C77F1D7}">
-              <ma14:placeholderFlag xmlns="" xmlns:ma14="http://schemas.microsoft.com/office/mac/drawingml/2011/main" val="1"/>
+              <ma14:placeholderFlag xmlns:ma14="http://schemas.microsoft.com/office/mac/drawingml/2011/main" xmlns="" val="1"/>
             </a:ext>
           </a:extLst>
         </p:spPr>
@@ -1319,132 +1071,6 @@
         <p:txBody>
           <a:bodyPr/>
           <a:lstStyle/>
-          <a:p>
-            <a:r>
-              <a:rPr lang="en-US" dirty="0"/>
-              <a:t>AI: </a:t>
-            </a:r>
-            <a:r>
-              <a:rPr lang="zh-CN" altLang="en-US" dirty="0"/>
-              <a:t>人工智能是一个非常大的领域，比如知识库；</a:t>
-            </a:r>
-            <a:r>
-              <a:rPr lang="en-US" altLang="zh-CN" dirty="0"/>
-              <a:t>ML</a:t>
-            </a:r>
-            <a:r>
-              <a:rPr lang="zh-CN" altLang="en-US" dirty="0"/>
-              <a:t>是</a:t>
-            </a:r>
-            <a:r>
-              <a:rPr lang="en-US" altLang="zh-CN" dirty="0"/>
-              <a:t>AI</a:t>
-            </a:r>
-            <a:r>
-              <a:rPr lang="zh-CN" altLang="en-US" dirty="0"/>
-              <a:t>的一个分支，</a:t>
-            </a:r>
-            <a:r>
-              <a:rPr lang="en-US" altLang="zh-CN" dirty="0"/>
-              <a:t>AI</a:t>
-            </a:r>
-            <a:r>
-              <a:rPr lang="zh-CN" altLang="en-US" dirty="0"/>
-              <a:t>包括的范围非常广，除了</a:t>
-            </a:r>
-            <a:r>
-              <a:rPr lang="en-US" altLang="zh-CN" dirty="0"/>
-              <a:t>ML</a:t>
-            </a:r>
-            <a:r>
-              <a:rPr lang="zh-CN" altLang="en-US" dirty="0"/>
-              <a:t>还有机器视觉，自然语言处理等等。</a:t>
-            </a:r>
-            <a:endParaRPr lang="en-US" altLang="zh-CN" dirty="0"/>
-          </a:p>
-          <a:p>
-            <a:r>
-              <a:rPr lang="en-US" dirty="0"/>
-              <a:t>ML:</a:t>
-            </a:r>
-            <a:r>
-              <a:rPr lang="zh-CN" altLang="en-US" dirty="0"/>
-              <a:t> 也是一个较大的领域，其中的一个方法就是</a:t>
-            </a:r>
-            <a:r>
-              <a:rPr lang="en-US" altLang="zh-CN" dirty="0"/>
-              <a:t>Logistic</a:t>
-            </a:r>
-            <a:r>
-              <a:rPr lang="zh-CN" altLang="en-US" dirty="0"/>
-              <a:t>回归，逻辑回归。</a:t>
-            </a:r>
-            <a:r>
-              <a:rPr lang="en-US" altLang="zh-CN" dirty="0"/>
-              <a:t>ML</a:t>
-            </a:r>
-            <a:r>
-              <a:rPr lang="zh-CN" altLang="en-US" dirty="0"/>
-              <a:t>中有一个分支叫做表示学习。表示学习是一种特征的提取。</a:t>
-            </a:r>
-            <a:endParaRPr lang="en-US" altLang="zh-CN" dirty="0"/>
-          </a:p>
-          <a:p>
-            <a:r>
-              <a:rPr lang="en-US" altLang="zh-CN" dirty="0"/>
-              <a:t>DL: </a:t>
-            </a:r>
-            <a:r>
-              <a:rPr lang="zh-CN" altLang="en-US" dirty="0"/>
-              <a:t>算是表示学习下的一个分支，比如卷积神经网络，循环神经网络等。</a:t>
-            </a:r>
-            <a:endParaRPr lang="en-US" altLang="zh-CN" dirty="0"/>
-          </a:p>
-          <a:p>
-            <a:endParaRPr lang="en-US" altLang="zh-CN" dirty="0"/>
-          </a:p>
-          <a:p>
-            <a:r>
-              <a:rPr lang="zh-CN" altLang="en-US" dirty="0"/>
-              <a:t>最原始的是基于规则的机器学习，即中间的过程是一个人为制定的规则，输入内容经过规则之后会产生输出。就像分子对接一样，输入小分子和蛋白的结构，根据一定的打分规则去预测结合亲和力。</a:t>
-            </a:r>
-            <a:endParaRPr lang="en-US" altLang="zh-CN" dirty="0"/>
-          </a:p>
-          <a:p>
-            <a:r>
-              <a:rPr lang="zh-CN" altLang="en-US" dirty="0"/>
-              <a:t>接下来是经典的机器学习，即输入数据，人为的对数据提取特征，然后找到</a:t>
-            </a:r>
-            <a:r>
-              <a:rPr lang="en-US" altLang="zh-CN" dirty="0"/>
-              <a:t>features</a:t>
-            </a:r>
-            <a:r>
-              <a:rPr lang="zh-CN" altLang="en-US" dirty="0"/>
-              <a:t>和输出之间的映射关系。</a:t>
-            </a:r>
-            <a:endParaRPr lang="en-US" altLang="zh-CN" dirty="0"/>
-          </a:p>
-          <a:p>
-            <a:r>
-              <a:rPr lang="zh-CN" altLang="en-US" dirty="0"/>
-              <a:t>最后也是最新的方法是表示学习中的深度学习，即是在经典机器学习中增加一步，将深度学习增加一步，使用深度学习神经网络去提取输入的数据的特征。</a:t>
-            </a:r>
-            <a:endParaRPr lang="en-US" altLang="zh-CN" dirty="0"/>
-          </a:p>
-          <a:p>
-            <a:r>
-              <a:rPr lang="zh-CN" altLang="en-US" dirty="0"/>
-              <a:t>比如图片中的像素信息，音频中的信息等序列信息。也可以是蛋白的序列信息等等。只需要将这些序列信息转换成数字序列直接输入即可。</a:t>
-            </a:r>
-            <a:endParaRPr lang="en-US" altLang="zh-CN" dirty="0"/>
-          </a:p>
-          <a:p>
-            <a:endParaRPr lang="en-US" altLang="zh-CN" dirty="0"/>
-          </a:p>
-          <a:p>
-            <a:endParaRPr lang="en-US" altLang="zh-CN" dirty="0"/>
-          </a:p>
           <a:p>
             <a:endParaRPr lang="en-US" dirty="0"/>
           </a:p>
@@ -1520,7 +1146,7 @@
           <a:ln/>
           <a:extLst>
             <a:ext uri="{FAA26D3D-D897-4be2-8F04-BA451C77F1D7}">
-              <ma14:placeholderFlag xmlns="" xmlns:ma14="http://schemas.microsoft.com/office/mac/drawingml/2011/main" val="1"/>
+              <ma14:placeholderFlag xmlns:ma14="http://schemas.microsoft.com/office/mac/drawingml/2011/main" xmlns="" val="1"/>
             </a:ext>
           </a:extLst>
         </p:spPr>
@@ -1539,132 +1165,6 @@
         <p:txBody>
           <a:bodyPr/>
           <a:lstStyle/>
-          <a:p>
-            <a:r>
-              <a:rPr lang="en-US" dirty="0"/>
-              <a:t>AI: </a:t>
-            </a:r>
-            <a:r>
-              <a:rPr lang="zh-CN" altLang="en-US" dirty="0"/>
-              <a:t>人工智能是一个非常大的领域，比如知识库；</a:t>
-            </a:r>
-            <a:r>
-              <a:rPr lang="en-US" altLang="zh-CN" dirty="0"/>
-              <a:t>ML</a:t>
-            </a:r>
-            <a:r>
-              <a:rPr lang="zh-CN" altLang="en-US" dirty="0"/>
-              <a:t>是</a:t>
-            </a:r>
-            <a:r>
-              <a:rPr lang="en-US" altLang="zh-CN" dirty="0"/>
-              <a:t>AI</a:t>
-            </a:r>
-            <a:r>
-              <a:rPr lang="zh-CN" altLang="en-US" dirty="0"/>
-              <a:t>的一个分支，</a:t>
-            </a:r>
-            <a:r>
-              <a:rPr lang="en-US" altLang="zh-CN" dirty="0"/>
-              <a:t>AI</a:t>
-            </a:r>
-            <a:r>
-              <a:rPr lang="zh-CN" altLang="en-US" dirty="0"/>
-              <a:t>包括的范围非常广，除了</a:t>
-            </a:r>
-            <a:r>
-              <a:rPr lang="en-US" altLang="zh-CN" dirty="0"/>
-              <a:t>ML</a:t>
-            </a:r>
-            <a:r>
-              <a:rPr lang="zh-CN" altLang="en-US" dirty="0"/>
-              <a:t>还有机器视觉，自然语言处理等等。</a:t>
-            </a:r>
-            <a:endParaRPr lang="en-US" altLang="zh-CN" dirty="0"/>
-          </a:p>
-          <a:p>
-            <a:r>
-              <a:rPr lang="en-US" dirty="0"/>
-              <a:t>ML:</a:t>
-            </a:r>
-            <a:r>
-              <a:rPr lang="zh-CN" altLang="en-US" dirty="0"/>
-              <a:t> 也是一个较大的领域，其中的一个方法就是</a:t>
-            </a:r>
-            <a:r>
-              <a:rPr lang="en-US" altLang="zh-CN" dirty="0"/>
-              <a:t>Logistic</a:t>
-            </a:r>
-            <a:r>
-              <a:rPr lang="zh-CN" altLang="en-US" dirty="0"/>
-              <a:t>回归，逻辑回归。</a:t>
-            </a:r>
-            <a:r>
-              <a:rPr lang="en-US" altLang="zh-CN" dirty="0"/>
-              <a:t>ML</a:t>
-            </a:r>
-            <a:r>
-              <a:rPr lang="zh-CN" altLang="en-US" dirty="0"/>
-              <a:t>中有一个分支叫做表示学习。表示学习是一种特征的提取。</a:t>
-            </a:r>
-            <a:endParaRPr lang="en-US" altLang="zh-CN" dirty="0"/>
-          </a:p>
-          <a:p>
-            <a:r>
-              <a:rPr lang="en-US" altLang="zh-CN" dirty="0"/>
-              <a:t>DL: </a:t>
-            </a:r>
-            <a:r>
-              <a:rPr lang="zh-CN" altLang="en-US" dirty="0"/>
-              <a:t>算是表示学习下的一个分支，比如卷积神经网络，循环神经网络等。</a:t>
-            </a:r>
-            <a:endParaRPr lang="en-US" altLang="zh-CN" dirty="0"/>
-          </a:p>
-          <a:p>
-            <a:endParaRPr lang="en-US" altLang="zh-CN" dirty="0"/>
-          </a:p>
-          <a:p>
-            <a:r>
-              <a:rPr lang="zh-CN" altLang="en-US" dirty="0"/>
-              <a:t>最原始的是基于规则的机器学习，即中间的过程是一个人为制定的规则，输入内容经过规则之后会产生输出。就像分子对接一样，输入小分子和蛋白的结构，根据一定的打分规则去预测结合亲和力。</a:t>
-            </a:r>
-            <a:endParaRPr lang="en-US" altLang="zh-CN" dirty="0"/>
-          </a:p>
-          <a:p>
-            <a:r>
-              <a:rPr lang="zh-CN" altLang="en-US" dirty="0"/>
-              <a:t>接下来是经典的机器学习，即输入数据，人为的对数据提取特征，然后找到</a:t>
-            </a:r>
-            <a:r>
-              <a:rPr lang="en-US" altLang="zh-CN" dirty="0"/>
-              <a:t>features</a:t>
-            </a:r>
-            <a:r>
-              <a:rPr lang="zh-CN" altLang="en-US" dirty="0"/>
-              <a:t>和输出之间的映射关系。</a:t>
-            </a:r>
-            <a:endParaRPr lang="en-US" altLang="zh-CN" dirty="0"/>
-          </a:p>
-          <a:p>
-            <a:r>
-              <a:rPr lang="zh-CN" altLang="en-US" dirty="0"/>
-              <a:t>最后也是最新的方法是表示学习中的深度学习，即是在经典机器学习中增加一步，将深度学习增加一步，使用深度学习神经网络去提取输入的数据的特征。</a:t>
-            </a:r>
-            <a:endParaRPr lang="en-US" altLang="zh-CN" dirty="0"/>
-          </a:p>
-          <a:p>
-            <a:r>
-              <a:rPr lang="zh-CN" altLang="en-US" dirty="0"/>
-              <a:t>比如图片中的像素信息，音频中的信息等序列信息。也可以是蛋白的序列信息等等。只需要将这些序列信息转换成数字序列直接输入即可。</a:t>
-            </a:r>
-            <a:endParaRPr lang="en-US" altLang="zh-CN" dirty="0"/>
-          </a:p>
-          <a:p>
-            <a:endParaRPr lang="en-US" altLang="zh-CN" dirty="0"/>
-          </a:p>
-          <a:p>
-            <a:endParaRPr lang="en-US" altLang="zh-CN" dirty="0"/>
-          </a:p>
           <a:p>
             <a:endParaRPr lang="en-US" dirty="0"/>
           </a:p>
@@ -1740,7 +1240,7 @@
           <a:ln/>
           <a:extLst>
             <a:ext uri="{FAA26D3D-D897-4be2-8F04-BA451C77F1D7}">
-              <ma14:placeholderFlag xmlns="" xmlns:ma14="http://schemas.microsoft.com/office/mac/drawingml/2011/main" val="1"/>
+              <ma14:placeholderFlag xmlns:ma14="http://schemas.microsoft.com/office/mac/drawingml/2011/main" xmlns="" val="1"/>
             </a:ext>
           </a:extLst>
         </p:spPr>
@@ -1760,132 +1260,6 @@
           <a:bodyPr/>
           <a:lstStyle/>
           <a:p>
-            <a:r>
-              <a:rPr lang="en-US" dirty="0"/>
-              <a:t>AI: </a:t>
-            </a:r>
-            <a:r>
-              <a:rPr lang="zh-CN" altLang="en-US" dirty="0"/>
-              <a:t>人工智能是一个非常大的领域，比如知识库；</a:t>
-            </a:r>
-            <a:r>
-              <a:rPr lang="en-US" altLang="zh-CN" dirty="0"/>
-              <a:t>ML</a:t>
-            </a:r>
-            <a:r>
-              <a:rPr lang="zh-CN" altLang="en-US" dirty="0"/>
-              <a:t>是</a:t>
-            </a:r>
-            <a:r>
-              <a:rPr lang="en-US" altLang="zh-CN" dirty="0"/>
-              <a:t>AI</a:t>
-            </a:r>
-            <a:r>
-              <a:rPr lang="zh-CN" altLang="en-US" dirty="0"/>
-              <a:t>的一个分支，</a:t>
-            </a:r>
-            <a:r>
-              <a:rPr lang="en-US" altLang="zh-CN" dirty="0"/>
-              <a:t>AI</a:t>
-            </a:r>
-            <a:r>
-              <a:rPr lang="zh-CN" altLang="en-US" dirty="0"/>
-              <a:t>包括的范围非常广，除了</a:t>
-            </a:r>
-            <a:r>
-              <a:rPr lang="en-US" altLang="zh-CN" dirty="0"/>
-              <a:t>ML</a:t>
-            </a:r>
-            <a:r>
-              <a:rPr lang="zh-CN" altLang="en-US" dirty="0"/>
-              <a:t>还有机器视觉，自然语言处理等等。</a:t>
-            </a:r>
-            <a:endParaRPr lang="en-US" altLang="zh-CN" dirty="0"/>
-          </a:p>
-          <a:p>
-            <a:r>
-              <a:rPr lang="en-US" dirty="0"/>
-              <a:t>ML:</a:t>
-            </a:r>
-            <a:r>
-              <a:rPr lang="zh-CN" altLang="en-US" dirty="0"/>
-              <a:t> 也是一个较大的领域，其中的一个方法就是</a:t>
-            </a:r>
-            <a:r>
-              <a:rPr lang="en-US" altLang="zh-CN" dirty="0"/>
-              <a:t>Logistic</a:t>
-            </a:r>
-            <a:r>
-              <a:rPr lang="zh-CN" altLang="en-US" dirty="0"/>
-              <a:t>回归，逻辑回归。</a:t>
-            </a:r>
-            <a:r>
-              <a:rPr lang="en-US" altLang="zh-CN" dirty="0"/>
-              <a:t>ML</a:t>
-            </a:r>
-            <a:r>
-              <a:rPr lang="zh-CN" altLang="en-US" dirty="0"/>
-              <a:t>中有一个分支叫做表示学习。表示学习是一种特征的提取。</a:t>
-            </a:r>
-            <a:endParaRPr lang="en-US" altLang="zh-CN" dirty="0"/>
-          </a:p>
-          <a:p>
-            <a:r>
-              <a:rPr lang="en-US" altLang="zh-CN" dirty="0"/>
-              <a:t>DL: </a:t>
-            </a:r>
-            <a:r>
-              <a:rPr lang="zh-CN" altLang="en-US" dirty="0"/>
-              <a:t>算是表示学习下的一个分支，比如卷积神经网络，循环神经网络等。</a:t>
-            </a:r>
-            <a:endParaRPr lang="en-US" altLang="zh-CN" dirty="0"/>
-          </a:p>
-          <a:p>
-            <a:endParaRPr lang="en-US" altLang="zh-CN" dirty="0"/>
-          </a:p>
-          <a:p>
-            <a:r>
-              <a:rPr lang="zh-CN" altLang="en-US" dirty="0"/>
-              <a:t>最原始的是基于规则的机器学习，即中间的过程是一个人为制定的规则，输入内容经过规则之后会产生输出。就像分子对接一样，输入小分子和蛋白的结构，根据一定的打分规则去预测结合亲和力。</a:t>
-            </a:r>
-            <a:endParaRPr lang="en-US" altLang="zh-CN" dirty="0"/>
-          </a:p>
-          <a:p>
-            <a:r>
-              <a:rPr lang="zh-CN" altLang="en-US" dirty="0"/>
-              <a:t>接下来是经典的机器学习，即输入数据，人为的对数据提取特征，然后找到</a:t>
-            </a:r>
-            <a:r>
-              <a:rPr lang="en-US" altLang="zh-CN" dirty="0"/>
-              <a:t>features</a:t>
-            </a:r>
-            <a:r>
-              <a:rPr lang="zh-CN" altLang="en-US" dirty="0"/>
-              <a:t>和输出之间的映射关系。</a:t>
-            </a:r>
-            <a:endParaRPr lang="en-US" altLang="zh-CN" dirty="0"/>
-          </a:p>
-          <a:p>
-            <a:r>
-              <a:rPr lang="zh-CN" altLang="en-US" dirty="0"/>
-              <a:t>最后也是最新的方法是表示学习中的深度学习，即是在经典机器学习中增加一步，将深度学习增加一步，使用深度学习神经网络去提取输入的数据的特征。</a:t>
-            </a:r>
-            <a:endParaRPr lang="en-US" altLang="zh-CN" dirty="0"/>
-          </a:p>
-          <a:p>
-            <a:r>
-              <a:rPr lang="zh-CN" altLang="en-US" dirty="0"/>
-              <a:t>比如图片中的像素信息，音频中的信息等序列信息。也可以是蛋白的序列信息等等。只需要将这些序列信息转换成数字序列直接输入即可。</a:t>
-            </a:r>
-            <a:endParaRPr lang="en-US" altLang="zh-CN" dirty="0"/>
-          </a:p>
-          <a:p>
-            <a:endParaRPr lang="en-US" altLang="zh-CN" dirty="0"/>
-          </a:p>
-          <a:p>
-            <a:endParaRPr lang="en-US" altLang="zh-CN" dirty="0"/>
-          </a:p>
-          <a:p>
             <a:endParaRPr lang="en-US" dirty="0"/>
           </a:p>
         </p:txBody>
@@ -1893,7 +1267,7 @@
     </p:spTree>
     <p:extLst>
       <p:ext uri="{BB962C8B-B14F-4D97-AF65-F5344CB8AC3E}">
-        <p14:creationId xmlns:p14="http://schemas.microsoft.com/office/powerpoint/2010/main" val="3965163589"/>
+        <p14:creationId xmlns:p14="http://schemas.microsoft.com/office/powerpoint/2010/main" val="2430037445"/>
       </p:ext>
     </p:extLst>
   </p:cSld>
@@ -1960,7 +1334,195 @@
           <a:ln/>
           <a:extLst>
             <a:ext uri="{FAA26D3D-D897-4be2-8F04-BA451C77F1D7}">
-              <ma14:placeholderFlag xmlns="" xmlns:ma14="http://schemas.microsoft.com/office/mac/drawingml/2011/main" val="1"/>
+              <ma14:placeholderFlag xmlns:ma14="http://schemas.microsoft.com/office/mac/drawingml/2011/main" xmlns="" val="1"/>
+            </a:ext>
+          </a:extLst>
+        </p:spPr>
+      </p:sp>
+      <p:sp>
+        <p:nvSpPr>
+          <p:cNvPr id="8195" name="Rectangle 3"/>
+          <p:cNvSpPr>
+            <a:spLocks noGrp="1" noChangeArrowheads="1"/>
+          </p:cNvSpPr>
+          <p:nvPr>
+            <p:ph type="body" idx="1"/>
+          </p:nvPr>
+        </p:nvSpPr>
+        <p:spPr/>
+        <p:txBody>
+          <a:bodyPr/>
+          <a:lstStyle/>
+          <a:p>
+            <a:endParaRPr lang="en-US" dirty="0"/>
+          </a:p>
+        </p:txBody>
+      </p:sp>
+    </p:spTree>
+    <p:extLst>
+      <p:ext uri="{BB962C8B-B14F-4D97-AF65-F5344CB8AC3E}">
+        <p14:creationId xmlns:p14="http://schemas.microsoft.com/office/powerpoint/2010/main" val="2149983326"/>
+      </p:ext>
+    </p:extLst>
+  </p:cSld>
+  <p:clrMapOvr>
+    <a:masterClrMapping/>
+  </p:clrMapOvr>
+</p:notes>
+</file>
+
+<file path=ppt/notesSlides/notesSlide16.xml><?xml version="1.0" encoding="utf-8"?>
+<p:notes xmlns:a="http://schemas.openxmlformats.org/drawingml/2006/main" xmlns:r="http://schemas.openxmlformats.org/officeDocument/2006/relationships" xmlns:p="http://schemas.openxmlformats.org/presentationml/2006/main">
+  <p:cSld>
+    <p:spTree>
+      <p:nvGrpSpPr>
+        <p:cNvPr id="1" name=""/>
+        <p:cNvGrpSpPr/>
+        <p:nvPr/>
+      </p:nvGrpSpPr>
+      <p:grpSpPr>
+        <a:xfrm>
+          <a:off x="0" y="0"/>
+          <a:ext cx="0" cy="0"/>
+          <a:chOff x="0" y="0"/>
+          <a:chExt cx="0" cy="0"/>
+        </a:xfrm>
+      </p:grpSpPr>
+      <p:sp>
+        <p:nvSpPr>
+          <p:cNvPr id="7" name="Rectangle 7"/>
+          <p:cNvSpPr>
+            <a:spLocks noGrp="1" noChangeArrowheads="1"/>
+          </p:cNvSpPr>
+          <p:nvPr>
+            <p:ph type="sldNum" sz="quarter" idx="5"/>
+          </p:nvPr>
+        </p:nvSpPr>
+        <p:spPr>
+          <a:ln/>
+        </p:spPr>
+        <p:txBody>
+          <a:bodyPr/>
+          <a:lstStyle/>
+          <a:p>
+            <a:fld id="{FD9AD67F-86B5-4A4D-809C-2178BD2EEAE4}" type="slidenum">
+              <a:rPr lang="en-US" altLang="zh-CN"/>
+              <a:pPr/>
+              <a:t>16</a:t>
+            </a:fld>
+            <a:endParaRPr lang="en-US" altLang="zh-CN"/>
+          </a:p>
+        </p:txBody>
+      </p:sp>
+      <p:sp>
+        <p:nvSpPr>
+          <p:cNvPr id="8194" name="Rectangle 2"/>
+          <p:cNvSpPr>
+            <a:spLocks noGrp="1" noRot="1" noChangeAspect="1" noChangeArrowheads="1" noTextEdit="1"/>
+          </p:cNvSpPr>
+          <p:nvPr>
+            <p:ph type="sldImg"/>
+          </p:nvPr>
+        </p:nvSpPr>
+        <p:spPr>
+          <a:ln/>
+          <a:extLst>
+            <a:ext uri="{FAA26D3D-D897-4be2-8F04-BA451C77F1D7}">
+              <ma14:placeholderFlag xmlns:ma14="http://schemas.microsoft.com/office/mac/drawingml/2011/main" xmlns="" val="1"/>
+            </a:ext>
+          </a:extLst>
+        </p:spPr>
+      </p:sp>
+      <p:sp>
+        <p:nvSpPr>
+          <p:cNvPr id="8195" name="Rectangle 3"/>
+          <p:cNvSpPr>
+            <a:spLocks noGrp="1" noChangeArrowheads="1"/>
+          </p:cNvSpPr>
+          <p:nvPr>
+            <p:ph type="body" idx="1"/>
+          </p:nvPr>
+        </p:nvSpPr>
+        <p:spPr/>
+        <p:txBody>
+          <a:bodyPr/>
+          <a:lstStyle/>
+          <a:p>
+            <a:endParaRPr lang="en-US" dirty="0"/>
+          </a:p>
+        </p:txBody>
+      </p:sp>
+    </p:spTree>
+    <p:extLst>
+      <p:ext uri="{BB962C8B-B14F-4D97-AF65-F5344CB8AC3E}">
+        <p14:creationId xmlns:p14="http://schemas.microsoft.com/office/powerpoint/2010/main" val="3965163589"/>
+      </p:ext>
+    </p:extLst>
+  </p:cSld>
+  <p:clrMapOvr>
+    <a:masterClrMapping/>
+  </p:clrMapOvr>
+</p:notes>
+</file>
+
+<file path=ppt/notesSlides/notesSlide17.xml><?xml version="1.0" encoding="utf-8"?>
+<p:notes xmlns:a="http://schemas.openxmlformats.org/drawingml/2006/main" xmlns:r="http://schemas.openxmlformats.org/officeDocument/2006/relationships" xmlns:p="http://schemas.openxmlformats.org/presentationml/2006/main">
+  <p:cSld>
+    <p:spTree>
+      <p:nvGrpSpPr>
+        <p:cNvPr id="1" name=""/>
+        <p:cNvGrpSpPr/>
+        <p:nvPr/>
+      </p:nvGrpSpPr>
+      <p:grpSpPr>
+        <a:xfrm>
+          <a:off x="0" y="0"/>
+          <a:ext cx="0" cy="0"/>
+          <a:chOff x="0" y="0"/>
+          <a:chExt cx="0" cy="0"/>
+        </a:xfrm>
+      </p:grpSpPr>
+      <p:sp>
+        <p:nvSpPr>
+          <p:cNvPr id="7" name="Rectangle 7"/>
+          <p:cNvSpPr>
+            <a:spLocks noGrp="1" noChangeArrowheads="1"/>
+          </p:cNvSpPr>
+          <p:nvPr>
+            <p:ph type="sldNum" sz="quarter" idx="5"/>
+          </p:nvPr>
+        </p:nvSpPr>
+        <p:spPr>
+          <a:ln/>
+        </p:spPr>
+        <p:txBody>
+          <a:bodyPr/>
+          <a:lstStyle/>
+          <a:p>
+            <a:fld id="{FD9AD67F-86B5-4A4D-809C-2178BD2EEAE4}" type="slidenum">
+              <a:rPr lang="en-US" altLang="zh-CN"/>
+              <a:pPr/>
+              <a:t>17</a:t>
+            </a:fld>
+            <a:endParaRPr lang="en-US" altLang="zh-CN"/>
+          </a:p>
+        </p:txBody>
+      </p:sp>
+      <p:sp>
+        <p:nvSpPr>
+          <p:cNvPr id="8194" name="Rectangle 2"/>
+          <p:cNvSpPr>
+            <a:spLocks noGrp="1" noRot="1" noChangeAspect="1" noChangeArrowheads="1" noTextEdit="1"/>
+          </p:cNvSpPr>
+          <p:nvPr>
+            <p:ph type="sldImg"/>
+          </p:nvPr>
+        </p:nvSpPr>
+        <p:spPr>
+          <a:ln/>
+          <a:extLst>
+            <a:ext uri="{FAA26D3D-D897-4be2-8F04-BA451C77F1D7}">
+              <ma14:placeholderFlag xmlns:ma14="http://schemas.microsoft.com/office/mac/drawingml/2011/main" xmlns="" val="1"/>
             </a:ext>
           </a:extLst>
         </p:spPr>
@@ -2054,7 +1616,7 @@
           <a:ln/>
           <a:extLst>
             <a:ext uri="{FAA26D3D-D897-4be2-8F04-BA451C77F1D7}">
-              <ma14:placeholderFlag xmlns="" xmlns:ma14="http://schemas.microsoft.com/office/mac/drawingml/2011/main" val="1"/>
+              <ma14:placeholderFlag xmlns:ma14="http://schemas.microsoft.com/office/mac/drawingml/2011/main" xmlns="" val="1"/>
             </a:ext>
           </a:extLst>
         </p:spPr>
@@ -2274,7 +1836,7 @@
           <a:ln/>
           <a:extLst>
             <a:ext uri="{FAA26D3D-D897-4be2-8F04-BA451C77F1D7}">
-              <ma14:placeholderFlag xmlns="" xmlns:ma14="http://schemas.microsoft.com/office/mac/drawingml/2011/main" val="1"/>
+              <ma14:placeholderFlag xmlns:ma14="http://schemas.microsoft.com/office/mac/drawingml/2011/main" xmlns="" val="1"/>
             </a:ext>
           </a:extLst>
         </p:spPr>
@@ -2368,7 +1930,7 @@
           <a:ln/>
           <a:extLst>
             <a:ext uri="{FAA26D3D-D897-4be2-8F04-BA451C77F1D7}">
-              <ma14:placeholderFlag xmlns="" xmlns:ma14="http://schemas.microsoft.com/office/mac/drawingml/2011/main" val="1"/>
+              <ma14:placeholderFlag xmlns:ma14="http://schemas.microsoft.com/office/mac/drawingml/2011/main" xmlns="" val="1"/>
             </a:ext>
           </a:extLst>
         </p:spPr>
@@ -2462,7 +2024,7 @@
           <a:ln/>
           <a:extLst>
             <a:ext uri="{FAA26D3D-D897-4be2-8F04-BA451C77F1D7}">
-              <ma14:placeholderFlag xmlns="" xmlns:ma14="http://schemas.microsoft.com/office/mac/drawingml/2011/main" val="1"/>
+              <ma14:placeholderFlag xmlns:ma14="http://schemas.microsoft.com/office/mac/drawingml/2011/main" xmlns="" val="1"/>
             </a:ext>
           </a:extLst>
         </p:spPr>
@@ -2556,7 +2118,7 @@
           <a:ln/>
           <a:extLst>
             <a:ext uri="{FAA26D3D-D897-4be2-8F04-BA451C77F1D7}">
-              <ma14:placeholderFlag xmlns="" xmlns:ma14="http://schemas.microsoft.com/office/mac/drawingml/2011/main" val="1"/>
+              <ma14:placeholderFlag xmlns:ma14="http://schemas.microsoft.com/office/mac/drawingml/2011/main" xmlns="" val="1"/>
             </a:ext>
           </a:extLst>
         </p:spPr>
@@ -2650,7 +2212,7 @@
           <a:ln/>
           <a:extLst>
             <a:ext uri="{FAA26D3D-D897-4be2-8F04-BA451C77F1D7}">
-              <ma14:placeholderFlag xmlns="" xmlns:ma14="http://schemas.microsoft.com/office/mac/drawingml/2011/main" val="1"/>
+              <ma14:placeholderFlag xmlns:ma14="http://schemas.microsoft.com/office/mac/drawingml/2011/main" xmlns="" val="1"/>
             </a:ext>
           </a:extLst>
         </p:spPr>
@@ -2744,7 +2306,7 @@
           <a:ln/>
           <a:extLst>
             <a:ext uri="{FAA26D3D-D897-4be2-8F04-BA451C77F1D7}">
-              <ma14:placeholderFlag xmlns="" xmlns:ma14="http://schemas.microsoft.com/office/mac/drawingml/2011/main" val="1"/>
+              <ma14:placeholderFlag xmlns:ma14="http://schemas.microsoft.com/office/mac/drawingml/2011/main" xmlns="" val="1"/>
             </a:ext>
           </a:extLst>
         </p:spPr>
@@ -2838,7 +2400,7 @@
           <a:ln/>
           <a:extLst>
             <a:ext uri="{FAA26D3D-D897-4be2-8F04-BA451C77F1D7}">
-              <ma14:placeholderFlag xmlns="" xmlns:ma14="http://schemas.microsoft.com/office/mac/drawingml/2011/main" val="1"/>
+              <ma14:placeholderFlag xmlns:ma14="http://schemas.microsoft.com/office/mac/drawingml/2011/main" xmlns="" val="1"/>
             </a:ext>
           </a:extLst>
         </p:spPr>
@@ -2857,132 +2419,6 @@
         <p:txBody>
           <a:bodyPr/>
           <a:lstStyle/>
-          <a:p>
-            <a:r>
-              <a:rPr lang="en-US" dirty="0"/>
-              <a:t>AI: </a:t>
-            </a:r>
-            <a:r>
-              <a:rPr lang="zh-CN" altLang="en-US" dirty="0"/>
-              <a:t>人工智能是一个非常大的领域，比如知识库；</a:t>
-            </a:r>
-            <a:r>
-              <a:rPr lang="en-US" altLang="zh-CN" dirty="0"/>
-              <a:t>ML</a:t>
-            </a:r>
-            <a:r>
-              <a:rPr lang="zh-CN" altLang="en-US" dirty="0"/>
-              <a:t>是</a:t>
-            </a:r>
-            <a:r>
-              <a:rPr lang="en-US" altLang="zh-CN" dirty="0"/>
-              <a:t>AI</a:t>
-            </a:r>
-            <a:r>
-              <a:rPr lang="zh-CN" altLang="en-US" dirty="0"/>
-              <a:t>的一个分支，</a:t>
-            </a:r>
-            <a:r>
-              <a:rPr lang="en-US" altLang="zh-CN" dirty="0"/>
-              <a:t>AI</a:t>
-            </a:r>
-            <a:r>
-              <a:rPr lang="zh-CN" altLang="en-US" dirty="0"/>
-              <a:t>包括的范围非常广，除了</a:t>
-            </a:r>
-            <a:r>
-              <a:rPr lang="en-US" altLang="zh-CN" dirty="0"/>
-              <a:t>ML</a:t>
-            </a:r>
-            <a:r>
-              <a:rPr lang="zh-CN" altLang="en-US" dirty="0"/>
-              <a:t>还有机器视觉，自然语言处理等等。</a:t>
-            </a:r>
-            <a:endParaRPr lang="en-US" altLang="zh-CN" dirty="0"/>
-          </a:p>
-          <a:p>
-            <a:r>
-              <a:rPr lang="en-US" dirty="0"/>
-              <a:t>ML:</a:t>
-            </a:r>
-            <a:r>
-              <a:rPr lang="zh-CN" altLang="en-US" dirty="0"/>
-              <a:t> 也是一个较大的领域，其中的一个方法就是</a:t>
-            </a:r>
-            <a:r>
-              <a:rPr lang="en-US" altLang="zh-CN" dirty="0"/>
-              <a:t>Logistic</a:t>
-            </a:r>
-            <a:r>
-              <a:rPr lang="zh-CN" altLang="en-US" dirty="0"/>
-              <a:t>回归，逻辑回归。</a:t>
-            </a:r>
-            <a:r>
-              <a:rPr lang="en-US" altLang="zh-CN" dirty="0"/>
-              <a:t>ML</a:t>
-            </a:r>
-            <a:r>
-              <a:rPr lang="zh-CN" altLang="en-US" dirty="0"/>
-              <a:t>中有一个分支叫做表示学习。表示学习是一种特征的提取。</a:t>
-            </a:r>
-            <a:endParaRPr lang="en-US" altLang="zh-CN" dirty="0"/>
-          </a:p>
-          <a:p>
-            <a:r>
-              <a:rPr lang="en-US" altLang="zh-CN" dirty="0"/>
-              <a:t>DL: </a:t>
-            </a:r>
-            <a:r>
-              <a:rPr lang="zh-CN" altLang="en-US" dirty="0"/>
-              <a:t>算是表示学习下的一个分支，比如卷积神经网络，循环神经网络等。</a:t>
-            </a:r>
-            <a:endParaRPr lang="en-US" altLang="zh-CN" dirty="0"/>
-          </a:p>
-          <a:p>
-            <a:endParaRPr lang="en-US" altLang="zh-CN" dirty="0"/>
-          </a:p>
-          <a:p>
-            <a:r>
-              <a:rPr lang="zh-CN" altLang="en-US" dirty="0"/>
-              <a:t>最原始的是基于规则的机器学习，即中间的过程是一个人为制定的规则，输入内容经过规则之后会产生输出。就像分子对接一样，输入小分子和蛋白的结构，根据一定的打分规则去预测结合亲和力。</a:t>
-            </a:r>
-            <a:endParaRPr lang="en-US" altLang="zh-CN" dirty="0"/>
-          </a:p>
-          <a:p>
-            <a:r>
-              <a:rPr lang="zh-CN" altLang="en-US" dirty="0"/>
-              <a:t>接下来是经典的机器学习，即输入数据，人为的对数据提取特征，然后找到</a:t>
-            </a:r>
-            <a:r>
-              <a:rPr lang="en-US" altLang="zh-CN" dirty="0"/>
-              <a:t>features</a:t>
-            </a:r>
-            <a:r>
-              <a:rPr lang="zh-CN" altLang="en-US" dirty="0"/>
-              <a:t>和输出之间的映射关系。</a:t>
-            </a:r>
-            <a:endParaRPr lang="en-US" altLang="zh-CN" dirty="0"/>
-          </a:p>
-          <a:p>
-            <a:r>
-              <a:rPr lang="zh-CN" altLang="en-US" dirty="0"/>
-              <a:t>最后也是最新的方法是表示学习中的深度学习，即是在经典机器学习中增加一步，将深度学习增加一步，使用深度学习神经网络去提取输入的数据的特征。</a:t>
-            </a:r>
-            <a:endParaRPr lang="en-US" altLang="zh-CN" dirty="0"/>
-          </a:p>
-          <a:p>
-            <a:r>
-              <a:rPr lang="zh-CN" altLang="en-US" dirty="0"/>
-              <a:t>比如图片中的像素信息，音频中的信息等序列信息。也可以是蛋白的序列信息等等。只需要将这些序列信息转换成数字序列直接输入即可。</a:t>
-            </a:r>
-            <a:endParaRPr lang="en-US" altLang="zh-CN" dirty="0"/>
-          </a:p>
-          <a:p>
-            <a:endParaRPr lang="en-US" altLang="zh-CN" dirty="0"/>
-          </a:p>
-          <a:p>
-            <a:endParaRPr lang="en-US" altLang="zh-CN" dirty="0"/>
-          </a:p>
           <a:p>
             <a:endParaRPr lang="en-US" dirty="0"/>
           </a:p>
@@ -3132,7 +2568,7 @@
           <a:p>
             <a:fld id="{C9544B7A-89B0-4708-90D9-4851185AB967}" type="datetime1">
               <a:rPr lang="zh-CN" altLang="en-US" smtClean="0"/>
-              <a:t>2021/4/25</a:t>
+              <a:t>2021/4/26</a:t>
             </a:fld>
             <a:endParaRPr lang="zh-CN" altLang="en-US"/>
           </a:p>
@@ -3302,7 +2738,7 @@
           <a:p>
             <a:fld id="{C5CE6E85-5101-4F30-91E0-43D5E4CE8B33}" type="datetime1">
               <a:rPr lang="zh-CN" altLang="en-US" smtClean="0"/>
-              <a:t>2021/4/25</a:t>
+              <a:t>2021/4/26</a:t>
             </a:fld>
             <a:endParaRPr lang="zh-CN" altLang="en-US"/>
           </a:p>
@@ -3482,7 +2918,7 @@
           <a:p>
             <a:fld id="{ED62CA32-954D-41B0-BA0E-73100E0F5945}" type="datetime1">
               <a:rPr lang="zh-CN" altLang="en-US" smtClean="0"/>
-              <a:t>2021/4/25</a:t>
+              <a:t>2021/4/26</a:t>
             </a:fld>
             <a:endParaRPr lang="zh-CN" altLang="en-US"/>
           </a:p>
@@ -3652,7 +3088,7 @@
           <a:p>
             <a:fld id="{972C16B0-41EA-4964-9422-BB0F2CF7D4B4}" type="datetime1">
               <a:rPr lang="zh-CN" altLang="en-US" smtClean="0"/>
-              <a:t>2021/4/25</a:t>
+              <a:t>2021/4/26</a:t>
             </a:fld>
             <a:endParaRPr lang="zh-CN" altLang="en-US"/>
           </a:p>
@@ -3896,7 +3332,7 @@
           <a:p>
             <a:fld id="{ADD84556-FFFA-4F06-B1C0-2145885148D0}" type="datetime1">
               <a:rPr lang="zh-CN" altLang="en-US" smtClean="0"/>
-              <a:t>2021/4/25</a:t>
+              <a:t>2021/4/26</a:t>
             </a:fld>
             <a:endParaRPr lang="zh-CN" altLang="en-US"/>
           </a:p>
@@ -4128,7 +3564,7 @@
           <a:p>
             <a:fld id="{53D7A5D9-EB6E-40A7-999E-3636C7FD9FE5}" type="datetime1">
               <a:rPr lang="zh-CN" altLang="en-US" smtClean="0"/>
-              <a:t>2021/4/25</a:t>
+              <a:t>2021/4/26</a:t>
             </a:fld>
             <a:endParaRPr lang="zh-CN" altLang="en-US"/>
           </a:p>
@@ -4495,7 +3931,7 @@
           <a:p>
             <a:fld id="{789FA6D4-9D2F-41BC-B089-08CE1C7CA19A}" type="datetime1">
               <a:rPr lang="zh-CN" altLang="en-US" smtClean="0"/>
-              <a:t>2021/4/25</a:t>
+              <a:t>2021/4/26</a:t>
             </a:fld>
             <a:endParaRPr lang="zh-CN" altLang="en-US"/>
           </a:p>
@@ -4613,7 +4049,7 @@
           <a:p>
             <a:fld id="{721D6D56-92EC-4EC7-AE10-A882F5209FA6}" type="datetime1">
               <a:rPr lang="zh-CN" altLang="en-US" smtClean="0"/>
-              <a:t>2021/4/25</a:t>
+              <a:t>2021/4/26</a:t>
             </a:fld>
             <a:endParaRPr lang="zh-CN" altLang="en-US"/>
           </a:p>
@@ -4708,7 +4144,7 @@
           <a:p>
             <a:fld id="{45C249D4-D4EA-453C-9A5E-4D60B279AEF4}" type="datetime1">
               <a:rPr lang="zh-CN" altLang="en-US" smtClean="0"/>
-              <a:t>2021/4/25</a:t>
+              <a:t>2021/4/26</a:t>
             </a:fld>
             <a:endParaRPr lang="zh-CN" altLang="en-US"/>
           </a:p>
@@ -4985,7 +4421,7 @@
           <a:p>
             <a:fld id="{8E59B9C2-4314-4738-9763-842DF54F2218}" type="datetime1">
               <a:rPr lang="zh-CN" altLang="en-US" smtClean="0"/>
-              <a:t>2021/4/25</a:t>
+              <a:t>2021/4/26</a:t>
             </a:fld>
             <a:endParaRPr lang="zh-CN" altLang="en-US"/>
           </a:p>
@@ -5242,7 +4678,7 @@
           <a:p>
             <a:fld id="{EAE112E3-CE56-4101-8F26-B4781A1234B7}" type="datetime1">
               <a:rPr lang="zh-CN" altLang="en-US" smtClean="0"/>
-              <a:t>2021/4/25</a:t>
+              <a:t>2021/4/26</a:t>
             </a:fld>
             <a:endParaRPr lang="zh-CN" altLang="en-US"/>
           </a:p>
@@ -5479,7 +4915,7 @@
           <a:p>
             <a:fld id="{A8B2831D-05F0-48EB-AC61-FDBCF13AF6DD}" type="datetime1">
               <a:rPr lang="zh-CN" altLang="en-US" smtClean="0"/>
-              <a:t>2021/4/25</a:t>
+              <a:t>2021/4/26</a:t>
             </a:fld>
             <a:endParaRPr lang="zh-CN" altLang="en-US"/>
           </a:p>
@@ -8906,25 +8342,7 @@
                 <a:ea typeface="楷体" panose="02010609060101010101" pitchFamily="49" charset="-122"/>
                 <a:cs typeface="黑体" charset="0"/>
               </a:rPr>
-              <a:t>八、</a:t>
-            </a:r>
-            <a:r>
-              <a:rPr lang="en-US" altLang="zh-CN" sz="3200" b="1" dirty="0">
-                <a:solidFill>
-                  <a:srgbClr val="C00000"/>
-                </a:solidFill>
-                <a:effectLst>
-                  <a:outerShdw blurRad="38100" dist="38100" dir="2700000" algn="tl">
-                    <a:srgbClr val="000000">
-                      <a:alpha val="43137"/>
-                    </a:srgbClr>
-                  </a:outerShdw>
-                </a:effectLst>
-                <a:latin typeface="Times New Roman" panose="02020603050405020304" pitchFamily="18" charset="0"/>
-                <a:ea typeface="楷体" panose="02010609060101010101" pitchFamily="49" charset="-122"/>
-                <a:cs typeface="黑体" charset="0"/>
-              </a:rPr>
-              <a:t>DL Network</a:t>
+              <a:t>七、示例一、线性模型</a:t>
             </a:r>
             <a:endParaRPr lang="en-US" altLang="zh-CN" sz="3200" b="1" dirty="0">
               <a:solidFill>
@@ -9067,12 +8485,7 @@
             <p:ph type="sldNum" sz="quarter" idx="12"/>
           </p:nvPr>
         </p:nvSpPr>
-        <p:spPr>
-          <a:xfrm>
-            <a:off x="9144000" y="6860142"/>
-            <a:ext cx="2057400" cy="365125"/>
-          </a:xfrm>
-        </p:spPr>
+        <p:spPr/>
         <p:txBody>
           <a:bodyPr/>
           <a:lstStyle/>
@@ -9087,57 +8500,40 @@
       </p:sp>
       <p:pic>
         <p:nvPicPr>
-          <p:cNvPr id="5" name="Picture 1">
+          <p:cNvPr id="5" name="图片 4">
             <a:extLst>
               <a:ext uri="{FF2B5EF4-FFF2-40B4-BE49-F238E27FC236}">
-                <a16:creationId xmlns:a16="http://schemas.microsoft.com/office/drawing/2014/main" id="{61E5CFD1-0B98-4E0D-9961-68BA41BD3299}"/>
+                <a16:creationId xmlns:a16="http://schemas.microsoft.com/office/drawing/2014/main" id="{8B2AB4D9-7486-403D-87DF-078869E2BD34}"/>
               </a:ext>
             </a:extLst>
           </p:cNvPr>
           <p:cNvPicPr>
-            <a:picLocks noChangeAspect="1" noChangeArrowheads="1"/>
+            <a:picLocks noChangeAspect="1"/>
           </p:cNvPicPr>
           <p:nvPr/>
         </p:nvPicPr>
         <p:blipFill>
-          <a:blip r:embed="rId3">
-            <a:extLst>
-              <a:ext uri="{28A0092B-C50C-407E-A947-70E740481C1C}">
-                <a14:useLocalDpi xmlns:a14="http://schemas.microsoft.com/office/drawing/2010/main" val="0"/>
-              </a:ext>
-            </a:extLst>
-          </a:blip>
-          <a:srcRect/>
+          <a:blip r:embed="rId3"/>
           <a:stretch>
             <a:fillRect/>
           </a:stretch>
         </p:blipFill>
-        <p:spPr bwMode="auto">
-          <a:xfrm>
-            <a:off x="173130" y="1400464"/>
-            <a:ext cx="8439150" cy="5048250"/>
+        <p:spPr>
+          <a:xfrm>
+            <a:off x="173130" y="1471381"/>
+            <a:ext cx="5845750" cy="2204043"/>
           </a:xfrm>
           <a:prstGeom prst="rect">
             <a:avLst/>
           </a:prstGeom>
-          <a:noFill/>
-          <a:extLst>
-            <a:ext uri="{909E8E84-426E-40DD-AFC4-6F175D3DCCD1}">
-              <a14:hiddenFill xmlns:a14="http://schemas.microsoft.com/office/drawing/2010/main">
-                <a:solidFill>
-                  <a:srgbClr val="FFFFFF"/>
-                </a:solidFill>
-              </a14:hiddenFill>
-            </a:ext>
-          </a:extLst>
         </p:spPr>
       </p:pic>
       <p:sp>
         <p:nvSpPr>
-          <p:cNvPr id="8" name="文本框 7">
+          <p:cNvPr id="9" name="文本框 8">
             <a:extLst>
               <a:ext uri="{FF2B5EF4-FFF2-40B4-BE49-F238E27FC236}">
-                <a16:creationId xmlns:a16="http://schemas.microsoft.com/office/drawing/2014/main" id="{FF4F0605-E136-423C-A7C2-33AF1E6922E0}"/>
+                <a16:creationId xmlns:a16="http://schemas.microsoft.com/office/drawing/2014/main" id="{0DBA81BB-175C-4A1E-8291-BF4D2163583F}"/>
               </a:ext>
             </a:extLst>
           </p:cNvPr>
@@ -9146,8 +8542,8 @@
         </p:nvSpPr>
         <p:spPr>
           <a:xfrm>
-            <a:off x="312025" y="2025497"/>
-            <a:ext cx="646331" cy="369332"/>
+            <a:off x="58939" y="1102049"/>
+            <a:ext cx="3903633" cy="369332"/>
           </a:xfrm>
           <a:prstGeom prst="rect">
             <a:avLst/>
@@ -9161,22 +8557,22 @@
           <a:lstStyle/>
           <a:p>
             <a:r>
-              <a:rPr lang="zh-CN" altLang="en-US" dirty="0">
-                <a:solidFill>
-                  <a:srgbClr val="FF0000"/>
-                </a:solidFill>
-              </a:rPr>
-              <a:t>输入</a:t>
-            </a:r>
-          </a:p>
-        </p:txBody>
-      </p:sp>
-      <p:sp>
-        <p:nvSpPr>
-          <p:cNvPr id="9" name="文本框 8">
+              <a:rPr lang="en-US" altLang="zh-CN" dirty="0" err="1"/>
+              <a:t>Pytorch</a:t>
+            </a:r>
+            <a:r>
+              <a:rPr lang="zh-CN" altLang="en-US" dirty="0"/>
+              <a:t>创建神经网络模型的一般步骤</a:t>
+            </a:r>
+          </a:p>
+        </p:txBody>
+      </p:sp>
+      <p:sp>
+        <p:nvSpPr>
+          <p:cNvPr id="12" name="文本框 11">
             <a:extLst>
               <a:ext uri="{FF2B5EF4-FFF2-40B4-BE49-F238E27FC236}">
-                <a16:creationId xmlns:a16="http://schemas.microsoft.com/office/drawing/2014/main" id="{30B97A4E-E8E0-45AD-B95F-585FE6F36341}"/>
+                <a16:creationId xmlns:a16="http://schemas.microsoft.com/office/drawing/2014/main" id="{1AC14349-35DD-47A1-8FE6-E2E3A79F972B}"/>
               </a:ext>
             </a:extLst>
           </p:cNvPr>
@@ -9185,8 +8581,8 @@
         </p:nvSpPr>
         <p:spPr>
           <a:xfrm>
-            <a:off x="312024" y="2812046"/>
-            <a:ext cx="646331" cy="369332"/>
+            <a:off x="173130" y="3731840"/>
+            <a:ext cx="8045792" cy="646331"/>
           </a:xfrm>
           <a:prstGeom prst="rect">
             <a:avLst/>
@@ -9200,1248 +8596,129 @@
           <a:lstStyle/>
           <a:p>
             <a:r>
-              <a:rPr lang="zh-CN" altLang="en-US" dirty="0">
-                <a:solidFill>
-                  <a:srgbClr val="FF0000"/>
-                </a:solidFill>
-              </a:rPr>
-              <a:t>输入</a:t>
-            </a:r>
-          </a:p>
-        </p:txBody>
-      </p:sp>
-      <p:sp>
-        <p:nvSpPr>
-          <p:cNvPr id="10" name="文本框 9">
+              <a:rPr lang="zh-CN" altLang="en-US" dirty="0"/>
+              <a:t>在人工设计网络的时候需要计算损失函数以及梯度等，在使用</a:t>
+            </a:r>
+            <a:r>
+              <a:rPr lang="en-US" altLang="zh-CN" dirty="0" err="1"/>
+              <a:t>pytorch</a:t>
+            </a:r>
+            <a:r>
+              <a:rPr lang="zh-CN" altLang="en-US" dirty="0"/>
+              <a:t>构建网络</a:t>
+            </a:r>
+            <a:endParaRPr lang="en-US" altLang="zh-CN" dirty="0"/>
+          </a:p>
+          <a:p>
+            <a:r>
+              <a:rPr lang="zh-CN" altLang="en-US" dirty="0"/>
+              <a:t>的时候主要的关键在于构建计算图。</a:t>
+            </a:r>
+            <a:r>
+              <a:rPr lang="en-US" altLang="zh-CN" dirty="0" err="1"/>
+              <a:t>pytorch</a:t>
+            </a:r>
+            <a:r>
+              <a:rPr lang="zh-CN" altLang="en-US" dirty="0"/>
+              <a:t>会自动计算损失以及梯度等信息。</a:t>
+            </a:r>
+          </a:p>
+        </p:txBody>
+      </p:sp>
+      <p:grpSp>
+        <p:nvGrpSpPr>
+          <p:cNvPr id="26" name="组合 25">
             <a:extLst>
               <a:ext uri="{FF2B5EF4-FFF2-40B4-BE49-F238E27FC236}">
-                <a16:creationId xmlns:a16="http://schemas.microsoft.com/office/drawing/2014/main" id="{16D73B14-3ADA-43DA-A314-8B704F8EADFB}"/>
+                <a16:creationId xmlns:a16="http://schemas.microsoft.com/office/drawing/2014/main" id="{CF3A5FDB-7318-4CF0-94E8-FE131E4F5978}"/>
               </a:ext>
             </a:extLst>
           </p:cNvPr>
-          <p:cNvSpPr txBox="1"/>
+          <p:cNvGrpSpPr/>
           <p:nvPr/>
-        </p:nvSpPr>
-        <p:spPr>
-          <a:xfrm>
-            <a:off x="312024" y="3555257"/>
-            <a:ext cx="646331" cy="369332"/>
-          </a:xfrm>
-          <a:prstGeom prst="rect">
-            <a:avLst/>
-          </a:prstGeom>
-          <a:noFill/>
-        </p:spPr>
-        <p:txBody>
-          <a:bodyPr wrap="none" rtlCol="0">
-            <a:spAutoFit/>
-          </a:bodyPr>
-          <a:lstStyle/>
-          <a:p>
-            <a:r>
-              <a:rPr lang="zh-CN" altLang="en-US" dirty="0">
-                <a:solidFill>
-                  <a:srgbClr val="FF0000"/>
-                </a:solidFill>
-              </a:rPr>
-              <a:t>输入</a:t>
-            </a:r>
-          </a:p>
-        </p:txBody>
-      </p:sp>
-      <p:sp>
-        <p:nvSpPr>
-          <p:cNvPr id="11" name="文本框 10">
-            <a:extLst>
-              <a:ext uri="{FF2B5EF4-FFF2-40B4-BE49-F238E27FC236}">
-                <a16:creationId xmlns:a16="http://schemas.microsoft.com/office/drawing/2014/main" id="{B29B443E-3C30-4BC9-BAEE-B0FC68AC5574}"/>
-              </a:ext>
-            </a:extLst>
-          </p:cNvPr>
-          <p:cNvSpPr txBox="1"/>
-          <p:nvPr/>
-        </p:nvSpPr>
-        <p:spPr>
-          <a:xfrm>
-            <a:off x="312023" y="4298468"/>
-            <a:ext cx="646331" cy="369332"/>
-          </a:xfrm>
-          <a:prstGeom prst="rect">
-            <a:avLst/>
-          </a:prstGeom>
-          <a:noFill/>
-        </p:spPr>
-        <p:txBody>
-          <a:bodyPr wrap="none" rtlCol="0">
-            <a:spAutoFit/>
-          </a:bodyPr>
-          <a:lstStyle/>
-          <a:p>
-            <a:r>
-              <a:rPr lang="zh-CN" altLang="en-US" dirty="0">
-                <a:solidFill>
-                  <a:srgbClr val="FF0000"/>
-                </a:solidFill>
-              </a:rPr>
-              <a:t>输入</a:t>
-            </a:r>
-          </a:p>
-        </p:txBody>
-      </p:sp>
-      <p:sp>
-        <p:nvSpPr>
-          <p:cNvPr id="12" name="文本框 11">
-            <a:extLst>
-              <a:ext uri="{FF2B5EF4-FFF2-40B4-BE49-F238E27FC236}">
-                <a16:creationId xmlns:a16="http://schemas.microsoft.com/office/drawing/2014/main" id="{66615F7C-5B9C-4D23-8A7D-A3DB37ED60F1}"/>
-              </a:ext>
-            </a:extLst>
-          </p:cNvPr>
-          <p:cNvSpPr txBox="1"/>
-          <p:nvPr/>
-        </p:nvSpPr>
-        <p:spPr>
-          <a:xfrm>
-            <a:off x="312022" y="5001985"/>
-            <a:ext cx="646331" cy="369332"/>
-          </a:xfrm>
-          <a:prstGeom prst="rect">
-            <a:avLst/>
-          </a:prstGeom>
-          <a:noFill/>
-        </p:spPr>
-        <p:txBody>
-          <a:bodyPr wrap="none" rtlCol="0">
-            <a:spAutoFit/>
-          </a:bodyPr>
-          <a:lstStyle/>
-          <a:p>
-            <a:r>
-              <a:rPr lang="zh-CN" altLang="en-US" dirty="0">
-                <a:solidFill>
-                  <a:srgbClr val="FF0000"/>
-                </a:solidFill>
-              </a:rPr>
-              <a:t>输入</a:t>
-            </a:r>
-          </a:p>
-        </p:txBody>
-      </p:sp>
-      <p:sp>
-        <p:nvSpPr>
-          <p:cNvPr id="13" name="文本框 12">
-            <a:extLst>
-              <a:ext uri="{FF2B5EF4-FFF2-40B4-BE49-F238E27FC236}">
-                <a16:creationId xmlns:a16="http://schemas.microsoft.com/office/drawing/2014/main" id="{2E954821-9769-4EB1-95FD-80C4CE9BA0DC}"/>
-              </a:ext>
-            </a:extLst>
-          </p:cNvPr>
-          <p:cNvSpPr txBox="1"/>
-          <p:nvPr/>
-        </p:nvSpPr>
-        <p:spPr>
-          <a:xfrm>
-            <a:off x="7779625" y="2025497"/>
-            <a:ext cx="646331" cy="369332"/>
-          </a:xfrm>
-          <a:prstGeom prst="rect">
-            <a:avLst/>
-          </a:prstGeom>
-          <a:noFill/>
-        </p:spPr>
-        <p:txBody>
-          <a:bodyPr wrap="none" rtlCol="0">
-            <a:spAutoFit/>
-          </a:bodyPr>
-          <a:lstStyle/>
-          <a:p>
-            <a:r>
-              <a:rPr lang="zh-CN" altLang="en-US" dirty="0">
-                <a:solidFill>
-                  <a:srgbClr val="FF0000"/>
-                </a:solidFill>
-              </a:rPr>
-              <a:t>输出</a:t>
-            </a:r>
-          </a:p>
-        </p:txBody>
-      </p:sp>
-      <p:sp>
-        <p:nvSpPr>
-          <p:cNvPr id="14" name="文本框 13">
-            <a:extLst>
-              <a:ext uri="{FF2B5EF4-FFF2-40B4-BE49-F238E27FC236}">
-                <a16:creationId xmlns:a16="http://schemas.microsoft.com/office/drawing/2014/main" id="{88BD38B0-7921-4C74-BD34-EAB05771171B}"/>
-              </a:ext>
-            </a:extLst>
-          </p:cNvPr>
-          <p:cNvSpPr txBox="1"/>
-          <p:nvPr/>
-        </p:nvSpPr>
-        <p:spPr>
-          <a:xfrm>
-            <a:off x="7779624" y="2812046"/>
-            <a:ext cx="646331" cy="369332"/>
-          </a:xfrm>
-          <a:prstGeom prst="rect">
-            <a:avLst/>
-          </a:prstGeom>
-          <a:noFill/>
-        </p:spPr>
-        <p:txBody>
-          <a:bodyPr wrap="none" rtlCol="0">
-            <a:spAutoFit/>
-          </a:bodyPr>
-          <a:lstStyle/>
-          <a:p>
-            <a:r>
-              <a:rPr lang="zh-CN" altLang="en-US" dirty="0">
-                <a:solidFill>
-                  <a:srgbClr val="FF0000"/>
-                </a:solidFill>
-              </a:rPr>
-              <a:t>输出</a:t>
-            </a:r>
-          </a:p>
-        </p:txBody>
-      </p:sp>
-      <p:sp>
-        <p:nvSpPr>
-          <p:cNvPr id="15" name="文本框 14">
-            <a:extLst>
-              <a:ext uri="{FF2B5EF4-FFF2-40B4-BE49-F238E27FC236}">
-                <a16:creationId xmlns:a16="http://schemas.microsoft.com/office/drawing/2014/main" id="{E7A2EA5B-C1BE-48FB-924D-6FAAB9D021D5}"/>
-              </a:ext>
-            </a:extLst>
-          </p:cNvPr>
-          <p:cNvSpPr txBox="1"/>
-          <p:nvPr/>
-        </p:nvSpPr>
-        <p:spPr>
-          <a:xfrm>
-            <a:off x="7779624" y="3555257"/>
-            <a:ext cx="646331" cy="369332"/>
-          </a:xfrm>
-          <a:prstGeom prst="rect">
-            <a:avLst/>
-          </a:prstGeom>
-          <a:noFill/>
-        </p:spPr>
-        <p:txBody>
-          <a:bodyPr wrap="none" rtlCol="0">
-            <a:spAutoFit/>
-          </a:bodyPr>
-          <a:lstStyle/>
-          <a:p>
-            <a:r>
-              <a:rPr lang="zh-CN" altLang="en-US" dirty="0">
-                <a:solidFill>
-                  <a:srgbClr val="FF0000"/>
-                </a:solidFill>
-              </a:rPr>
-              <a:t>输出</a:t>
-            </a:r>
-          </a:p>
-        </p:txBody>
-      </p:sp>
-      <p:sp>
-        <p:nvSpPr>
-          <p:cNvPr id="16" name="文本框 15">
-            <a:extLst>
-              <a:ext uri="{FF2B5EF4-FFF2-40B4-BE49-F238E27FC236}">
-                <a16:creationId xmlns:a16="http://schemas.microsoft.com/office/drawing/2014/main" id="{A02B3A99-C80B-4EBD-8952-0C04B8602900}"/>
-              </a:ext>
-            </a:extLst>
-          </p:cNvPr>
-          <p:cNvSpPr txBox="1"/>
-          <p:nvPr/>
-        </p:nvSpPr>
-        <p:spPr>
-          <a:xfrm>
-            <a:off x="7779623" y="4298468"/>
-            <a:ext cx="646331" cy="369332"/>
-          </a:xfrm>
-          <a:prstGeom prst="rect">
-            <a:avLst/>
-          </a:prstGeom>
-          <a:noFill/>
-        </p:spPr>
-        <p:txBody>
-          <a:bodyPr wrap="none" rtlCol="0">
-            <a:spAutoFit/>
-          </a:bodyPr>
-          <a:lstStyle/>
-          <a:p>
-            <a:r>
-              <a:rPr lang="zh-CN" altLang="en-US" dirty="0">
-                <a:solidFill>
-                  <a:srgbClr val="FF0000"/>
-                </a:solidFill>
-              </a:rPr>
-              <a:t>输出</a:t>
-            </a:r>
-          </a:p>
-        </p:txBody>
-      </p:sp>
-      <p:sp>
-        <p:nvSpPr>
-          <p:cNvPr id="17" name="文本框 16">
-            <a:extLst>
-              <a:ext uri="{FF2B5EF4-FFF2-40B4-BE49-F238E27FC236}">
-                <a16:creationId xmlns:a16="http://schemas.microsoft.com/office/drawing/2014/main" id="{4EE81C05-517C-4908-8B79-64C2D4303542}"/>
-              </a:ext>
-            </a:extLst>
-          </p:cNvPr>
-          <p:cNvSpPr txBox="1"/>
-          <p:nvPr/>
-        </p:nvSpPr>
-        <p:spPr>
-          <a:xfrm>
-            <a:off x="7779622" y="5001985"/>
-            <a:ext cx="646331" cy="369332"/>
-          </a:xfrm>
-          <a:prstGeom prst="rect">
-            <a:avLst/>
-          </a:prstGeom>
-          <a:noFill/>
-        </p:spPr>
-        <p:txBody>
-          <a:bodyPr wrap="none" rtlCol="0">
-            <a:spAutoFit/>
-          </a:bodyPr>
-          <a:lstStyle/>
-          <a:p>
-            <a:r>
-              <a:rPr lang="zh-CN" altLang="en-US" dirty="0">
-                <a:solidFill>
-                  <a:srgbClr val="FF0000"/>
-                </a:solidFill>
-              </a:rPr>
-              <a:t>输出</a:t>
-            </a:r>
-          </a:p>
-        </p:txBody>
-      </p:sp>
-      <p:sp>
-        <p:nvSpPr>
-          <p:cNvPr id="18" name="文本框 17">
-            <a:extLst>
-              <a:ext uri="{FF2B5EF4-FFF2-40B4-BE49-F238E27FC236}">
-                <a16:creationId xmlns:a16="http://schemas.microsoft.com/office/drawing/2014/main" id="{49EFC0DE-E8E1-478A-811F-B0AA524C303C}"/>
-              </a:ext>
-            </a:extLst>
-          </p:cNvPr>
-          <p:cNvSpPr txBox="1"/>
-          <p:nvPr/>
-        </p:nvSpPr>
-        <p:spPr>
-          <a:xfrm>
-            <a:off x="2036654" y="1400464"/>
-            <a:ext cx="761747" cy="369332"/>
-          </a:xfrm>
-          <a:prstGeom prst="rect">
-            <a:avLst/>
-          </a:prstGeom>
-          <a:noFill/>
-        </p:spPr>
-        <p:txBody>
-          <a:bodyPr wrap="none" rtlCol="0">
-            <a:spAutoFit/>
-          </a:bodyPr>
-          <a:lstStyle/>
-          <a:p>
-            <a:r>
-              <a:rPr lang="en-US" altLang="zh-CN" dirty="0">
-                <a:solidFill>
-                  <a:srgbClr val="7030A0"/>
-                </a:solidFill>
-              </a:rPr>
-              <a:t>layer1</a:t>
-            </a:r>
-            <a:endParaRPr lang="zh-CN" altLang="en-US" dirty="0">
-              <a:solidFill>
-                <a:srgbClr val="7030A0"/>
-              </a:solidFill>
-            </a:endParaRPr>
-          </a:p>
-        </p:txBody>
-      </p:sp>
-      <p:sp>
-        <p:nvSpPr>
-          <p:cNvPr id="19" name="文本框 18">
-            <a:extLst>
-              <a:ext uri="{FF2B5EF4-FFF2-40B4-BE49-F238E27FC236}">
-                <a16:creationId xmlns:a16="http://schemas.microsoft.com/office/drawing/2014/main" id="{F1560530-3011-4815-BE97-3A3116773B09}"/>
-              </a:ext>
-            </a:extLst>
-          </p:cNvPr>
-          <p:cNvSpPr txBox="1"/>
-          <p:nvPr/>
-        </p:nvSpPr>
-        <p:spPr>
-          <a:xfrm>
-            <a:off x="3346522" y="1065327"/>
-            <a:ext cx="761747" cy="369332"/>
-          </a:xfrm>
-          <a:prstGeom prst="rect">
-            <a:avLst/>
-          </a:prstGeom>
-          <a:noFill/>
-        </p:spPr>
-        <p:txBody>
-          <a:bodyPr wrap="none" rtlCol="0">
-            <a:spAutoFit/>
-          </a:bodyPr>
-          <a:lstStyle/>
-          <a:p>
-            <a:r>
-              <a:rPr lang="en-US" altLang="zh-CN" dirty="0">
-                <a:solidFill>
-                  <a:srgbClr val="7030A0"/>
-                </a:solidFill>
-              </a:rPr>
-              <a:t>layer2</a:t>
-            </a:r>
-            <a:endParaRPr lang="zh-CN" altLang="en-US" dirty="0">
-              <a:solidFill>
-                <a:srgbClr val="7030A0"/>
-              </a:solidFill>
-            </a:endParaRPr>
-          </a:p>
-        </p:txBody>
-      </p:sp>
-      <p:sp>
-        <p:nvSpPr>
-          <p:cNvPr id="20" name="文本框 19">
-            <a:extLst>
-              <a:ext uri="{FF2B5EF4-FFF2-40B4-BE49-F238E27FC236}">
-                <a16:creationId xmlns:a16="http://schemas.microsoft.com/office/drawing/2014/main" id="{94480399-4635-4B30-85D9-C7CADD61A5E5}"/>
-              </a:ext>
-            </a:extLst>
-          </p:cNvPr>
-          <p:cNvSpPr txBox="1"/>
-          <p:nvPr/>
-        </p:nvSpPr>
-        <p:spPr>
-          <a:xfrm>
-            <a:off x="4656390" y="1070851"/>
-            <a:ext cx="761747" cy="369332"/>
-          </a:xfrm>
-          <a:prstGeom prst="rect">
-            <a:avLst/>
-          </a:prstGeom>
-          <a:noFill/>
-        </p:spPr>
-        <p:txBody>
-          <a:bodyPr wrap="none" rtlCol="0">
-            <a:spAutoFit/>
-          </a:bodyPr>
-          <a:lstStyle/>
-          <a:p>
-            <a:r>
-              <a:rPr lang="en-US" altLang="zh-CN" dirty="0">
-                <a:solidFill>
-                  <a:srgbClr val="7030A0"/>
-                </a:solidFill>
-              </a:rPr>
-              <a:t>layer3</a:t>
-            </a:r>
-            <a:endParaRPr lang="zh-CN" altLang="en-US" dirty="0">
-              <a:solidFill>
-                <a:srgbClr val="7030A0"/>
-              </a:solidFill>
-            </a:endParaRPr>
-          </a:p>
-        </p:txBody>
-      </p:sp>
-      <p:sp>
-        <p:nvSpPr>
-          <p:cNvPr id="21" name="文本框 20">
-            <a:extLst>
-              <a:ext uri="{FF2B5EF4-FFF2-40B4-BE49-F238E27FC236}">
-                <a16:creationId xmlns:a16="http://schemas.microsoft.com/office/drawing/2014/main" id="{15A4BB67-3765-4786-87A7-644AF229D49A}"/>
-              </a:ext>
-            </a:extLst>
-          </p:cNvPr>
-          <p:cNvSpPr txBox="1"/>
-          <p:nvPr/>
-        </p:nvSpPr>
-        <p:spPr>
-          <a:xfrm>
-            <a:off x="5975651" y="1446234"/>
-            <a:ext cx="761747" cy="369332"/>
-          </a:xfrm>
-          <a:prstGeom prst="rect">
-            <a:avLst/>
-          </a:prstGeom>
-          <a:noFill/>
-        </p:spPr>
-        <p:txBody>
-          <a:bodyPr wrap="none" rtlCol="0">
-            <a:spAutoFit/>
-          </a:bodyPr>
-          <a:lstStyle/>
-          <a:p>
-            <a:r>
-              <a:rPr lang="en-US" altLang="zh-CN" dirty="0">
-                <a:solidFill>
-                  <a:srgbClr val="7030A0"/>
-                </a:solidFill>
-              </a:rPr>
-              <a:t>layer4</a:t>
-            </a:r>
-            <a:endParaRPr lang="zh-CN" altLang="en-US" dirty="0">
-              <a:solidFill>
-                <a:srgbClr val="7030A0"/>
-              </a:solidFill>
-            </a:endParaRPr>
-          </a:p>
-        </p:txBody>
-      </p:sp>
-      <p:sp>
-        <p:nvSpPr>
-          <p:cNvPr id="22" name="文本框 21">
-            <a:extLst>
-              <a:ext uri="{FF2B5EF4-FFF2-40B4-BE49-F238E27FC236}">
-                <a16:creationId xmlns:a16="http://schemas.microsoft.com/office/drawing/2014/main" id="{F6845B48-E1E3-4F4E-9574-8C583689ECF1}"/>
-              </a:ext>
-            </a:extLst>
-          </p:cNvPr>
-          <p:cNvSpPr txBox="1"/>
-          <p:nvPr/>
-        </p:nvSpPr>
-        <p:spPr>
-          <a:xfrm>
-            <a:off x="1368730" y="1815036"/>
-            <a:ext cx="466794" cy="369332"/>
-          </a:xfrm>
-          <a:prstGeom prst="rect">
-            <a:avLst/>
-          </a:prstGeom>
-          <a:noFill/>
-        </p:spPr>
-        <p:txBody>
-          <a:bodyPr wrap="none" rtlCol="0">
-            <a:spAutoFit/>
-          </a:bodyPr>
-          <a:lstStyle/>
-          <a:p>
-            <a:r>
-              <a:rPr lang="en-US" altLang="zh-CN" dirty="0">
-                <a:solidFill>
-                  <a:srgbClr val="00B0F0"/>
-                </a:solidFill>
-              </a:rPr>
-              <a:t>w1</a:t>
-            </a:r>
-            <a:endParaRPr lang="zh-CN" altLang="en-US" dirty="0">
-              <a:solidFill>
-                <a:srgbClr val="00B0F0"/>
-              </a:solidFill>
-            </a:endParaRPr>
-          </a:p>
-        </p:txBody>
-      </p:sp>
-      <p:sp>
-        <p:nvSpPr>
-          <p:cNvPr id="23" name="文本框 22">
-            <a:extLst>
-              <a:ext uri="{FF2B5EF4-FFF2-40B4-BE49-F238E27FC236}">
-                <a16:creationId xmlns:a16="http://schemas.microsoft.com/office/drawing/2014/main" id="{1CA4F012-F4BC-477B-887F-8DFD48E0E3C4}"/>
-              </a:ext>
-            </a:extLst>
-          </p:cNvPr>
-          <p:cNvSpPr txBox="1"/>
-          <p:nvPr/>
-        </p:nvSpPr>
-        <p:spPr>
-          <a:xfrm>
-            <a:off x="2863393" y="1446234"/>
-            <a:ext cx="466794" cy="369332"/>
-          </a:xfrm>
-          <a:prstGeom prst="rect">
-            <a:avLst/>
-          </a:prstGeom>
-          <a:noFill/>
-        </p:spPr>
-        <p:txBody>
-          <a:bodyPr wrap="none" rtlCol="0">
-            <a:spAutoFit/>
-          </a:bodyPr>
-          <a:lstStyle/>
-          <a:p>
-            <a:r>
-              <a:rPr lang="en-US" altLang="zh-CN" dirty="0">
-                <a:solidFill>
-                  <a:srgbClr val="00B0F0"/>
-                </a:solidFill>
-              </a:rPr>
-              <a:t>w2</a:t>
-            </a:r>
-            <a:endParaRPr lang="zh-CN" altLang="en-US" dirty="0">
-              <a:solidFill>
-                <a:srgbClr val="00B0F0"/>
-              </a:solidFill>
-            </a:endParaRPr>
-          </a:p>
-        </p:txBody>
-      </p:sp>
-      <p:sp>
-        <p:nvSpPr>
-          <p:cNvPr id="24" name="文本框 23">
-            <a:extLst>
-              <a:ext uri="{FF2B5EF4-FFF2-40B4-BE49-F238E27FC236}">
-                <a16:creationId xmlns:a16="http://schemas.microsoft.com/office/drawing/2014/main" id="{C5139F24-22E6-4CF0-9602-CB24E5CA1B3D}"/>
-              </a:ext>
-            </a:extLst>
-          </p:cNvPr>
-          <p:cNvSpPr txBox="1"/>
-          <p:nvPr/>
-        </p:nvSpPr>
-        <p:spPr>
-          <a:xfrm>
-            <a:off x="4217016" y="1249993"/>
-            <a:ext cx="466794" cy="369332"/>
-          </a:xfrm>
-          <a:prstGeom prst="rect">
-            <a:avLst/>
-          </a:prstGeom>
-          <a:noFill/>
-        </p:spPr>
-        <p:txBody>
-          <a:bodyPr wrap="none" rtlCol="0">
-            <a:spAutoFit/>
-          </a:bodyPr>
-          <a:lstStyle/>
-          <a:p>
-            <a:r>
-              <a:rPr lang="en-US" altLang="zh-CN" dirty="0">
-                <a:solidFill>
-                  <a:srgbClr val="00B0F0"/>
-                </a:solidFill>
-              </a:rPr>
-              <a:t>w3</a:t>
-            </a:r>
-            <a:endParaRPr lang="zh-CN" altLang="en-US" dirty="0">
-              <a:solidFill>
-                <a:srgbClr val="00B0F0"/>
-              </a:solidFill>
-            </a:endParaRPr>
-          </a:p>
-        </p:txBody>
-      </p:sp>
-      <p:sp>
-        <p:nvSpPr>
-          <p:cNvPr id="25" name="文本框 24">
-            <a:extLst>
-              <a:ext uri="{FF2B5EF4-FFF2-40B4-BE49-F238E27FC236}">
-                <a16:creationId xmlns:a16="http://schemas.microsoft.com/office/drawing/2014/main" id="{743C32B0-C19C-4833-9758-698B01A69BBF}"/>
-              </a:ext>
-            </a:extLst>
-          </p:cNvPr>
-          <p:cNvSpPr txBox="1"/>
-          <p:nvPr/>
-        </p:nvSpPr>
-        <p:spPr>
-          <a:xfrm>
-            <a:off x="5559281" y="1446234"/>
-            <a:ext cx="466794" cy="369332"/>
-          </a:xfrm>
-          <a:prstGeom prst="rect">
-            <a:avLst/>
-          </a:prstGeom>
-          <a:noFill/>
-        </p:spPr>
-        <p:txBody>
-          <a:bodyPr wrap="none" rtlCol="0">
-            <a:spAutoFit/>
-          </a:bodyPr>
-          <a:lstStyle/>
-          <a:p>
-            <a:r>
-              <a:rPr lang="en-US" altLang="zh-CN" dirty="0">
-                <a:solidFill>
-                  <a:srgbClr val="00B0F0"/>
-                </a:solidFill>
-              </a:rPr>
-              <a:t>w4</a:t>
-            </a:r>
-            <a:endParaRPr lang="zh-CN" altLang="en-US" dirty="0">
-              <a:solidFill>
-                <a:srgbClr val="00B0F0"/>
-              </a:solidFill>
-            </a:endParaRPr>
-          </a:p>
-        </p:txBody>
-      </p:sp>
-      <p:sp>
-        <p:nvSpPr>
-          <p:cNvPr id="26" name="文本框 25">
-            <a:extLst>
-              <a:ext uri="{FF2B5EF4-FFF2-40B4-BE49-F238E27FC236}">
-                <a16:creationId xmlns:a16="http://schemas.microsoft.com/office/drawing/2014/main" id="{4085BBC3-2B3B-4898-A8A4-33E7FB3C97D6}"/>
-              </a:ext>
-            </a:extLst>
-          </p:cNvPr>
-          <p:cNvSpPr txBox="1"/>
-          <p:nvPr/>
-        </p:nvSpPr>
-        <p:spPr>
-          <a:xfrm>
-            <a:off x="6920666" y="1815036"/>
-            <a:ext cx="466794" cy="369332"/>
-          </a:xfrm>
-          <a:prstGeom prst="rect">
-            <a:avLst/>
-          </a:prstGeom>
-          <a:noFill/>
-        </p:spPr>
-        <p:txBody>
-          <a:bodyPr wrap="none" rtlCol="0">
-            <a:spAutoFit/>
-          </a:bodyPr>
-          <a:lstStyle/>
-          <a:p>
-            <a:r>
-              <a:rPr lang="en-US" altLang="zh-CN" dirty="0">
-                <a:solidFill>
-                  <a:srgbClr val="00B0F0"/>
-                </a:solidFill>
-              </a:rPr>
-              <a:t>w5</a:t>
-            </a:r>
-            <a:endParaRPr lang="zh-CN" altLang="en-US" dirty="0">
-              <a:solidFill>
-                <a:srgbClr val="00B0F0"/>
-              </a:solidFill>
-            </a:endParaRPr>
-          </a:p>
-        </p:txBody>
-      </p:sp>
-      <p:sp>
-        <p:nvSpPr>
-          <p:cNvPr id="27" name="文本框 26">
-            <a:extLst>
-              <a:ext uri="{FF2B5EF4-FFF2-40B4-BE49-F238E27FC236}">
-                <a16:creationId xmlns:a16="http://schemas.microsoft.com/office/drawing/2014/main" id="{AB5D1734-4F1A-4216-9628-2D0B738B4179}"/>
-              </a:ext>
-            </a:extLst>
-          </p:cNvPr>
-          <p:cNvSpPr txBox="1"/>
-          <p:nvPr/>
-        </p:nvSpPr>
-        <p:spPr>
-          <a:xfrm>
-            <a:off x="-79111" y="6444982"/>
-            <a:ext cx="1428596" cy="369332"/>
-          </a:xfrm>
-          <a:prstGeom prst="rect">
-            <a:avLst/>
-          </a:prstGeom>
-          <a:noFill/>
-        </p:spPr>
-        <p:txBody>
-          <a:bodyPr wrap="none" rtlCol="0">
-            <a:spAutoFit/>
-          </a:bodyPr>
-          <a:lstStyle/>
-          <a:p>
-            <a:r>
-              <a:rPr lang="en-US" altLang="zh-CN" dirty="0">
-                <a:solidFill>
-                  <a:srgbClr val="FF0000"/>
-                </a:solidFill>
-              </a:rPr>
-              <a:t>Matrix[5 x 1]</a:t>
-            </a:r>
-            <a:endParaRPr lang="zh-CN" altLang="en-US" dirty="0">
-              <a:solidFill>
-                <a:srgbClr val="FF0000"/>
-              </a:solidFill>
-            </a:endParaRPr>
-          </a:p>
-        </p:txBody>
-      </p:sp>
-      <p:sp>
-        <p:nvSpPr>
-          <p:cNvPr id="28" name="文本框 27">
-            <a:extLst>
-              <a:ext uri="{FF2B5EF4-FFF2-40B4-BE49-F238E27FC236}">
-                <a16:creationId xmlns:a16="http://schemas.microsoft.com/office/drawing/2014/main" id="{7E152FA5-7A1D-47A7-A566-7CE86B652782}"/>
-              </a:ext>
-            </a:extLst>
-          </p:cNvPr>
-          <p:cNvSpPr txBox="1"/>
-          <p:nvPr/>
-        </p:nvSpPr>
-        <p:spPr>
-          <a:xfrm>
-            <a:off x="7471121" y="6444982"/>
-            <a:ext cx="1428596" cy="369332"/>
-          </a:xfrm>
-          <a:prstGeom prst="rect">
-            <a:avLst/>
-          </a:prstGeom>
-          <a:noFill/>
-        </p:spPr>
-        <p:txBody>
-          <a:bodyPr wrap="none" rtlCol="0">
-            <a:spAutoFit/>
-          </a:bodyPr>
-          <a:lstStyle/>
-          <a:p>
-            <a:r>
-              <a:rPr lang="en-US" altLang="zh-CN" dirty="0">
-                <a:solidFill>
-                  <a:srgbClr val="FF0000"/>
-                </a:solidFill>
-              </a:rPr>
-              <a:t>Matrix[5 x 1]</a:t>
-            </a:r>
-            <a:endParaRPr lang="zh-CN" altLang="en-US" dirty="0">
-              <a:solidFill>
-                <a:srgbClr val="FF0000"/>
-              </a:solidFill>
-            </a:endParaRPr>
-          </a:p>
-        </p:txBody>
-      </p:sp>
-      <p:sp>
-        <p:nvSpPr>
-          <p:cNvPr id="29" name="文本框 28">
-            <a:extLst>
-              <a:ext uri="{FF2B5EF4-FFF2-40B4-BE49-F238E27FC236}">
-                <a16:creationId xmlns:a16="http://schemas.microsoft.com/office/drawing/2014/main" id="{B0584EAC-5A4A-465C-BE15-DFF6911290EF}"/>
-              </a:ext>
-            </a:extLst>
-          </p:cNvPr>
-          <p:cNvSpPr txBox="1"/>
-          <p:nvPr/>
-        </p:nvSpPr>
-        <p:spPr>
-          <a:xfrm>
-            <a:off x="1672879" y="6457664"/>
-            <a:ext cx="1428596" cy="369332"/>
-          </a:xfrm>
-          <a:prstGeom prst="rect">
-            <a:avLst/>
-          </a:prstGeom>
-          <a:noFill/>
-        </p:spPr>
-        <p:txBody>
-          <a:bodyPr wrap="none" rtlCol="0">
-            <a:spAutoFit/>
-          </a:bodyPr>
-          <a:lstStyle/>
-          <a:p>
-            <a:r>
-              <a:rPr lang="en-US" altLang="zh-CN" dirty="0">
-                <a:solidFill>
-                  <a:srgbClr val="7030A0"/>
-                </a:solidFill>
-              </a:rPr>
-              <a:t>Matrix[6 x 1]</a:t>
-            </a:r>
-            <a:endParaRPr lang="zh-CN" altLang="en-US" dirty="0">
-              <a:solidFill>
-                <a:srgbClr val="7030A0"/>
-              </a:solidFill>
-            </a:endParaRPr>
-          </a:p>
-        </p:txBody>
-      </p:sp>
-      <p:sp>
-        <p:nvSpPr>
-          <p:cNvPr id="30" name="文本框 29">
-            <a:extLst>
-              <a:ext uri="{FF2B5EF4-FFF2-40B4-BE49-F238E27FC236}">
-                <a16:creationId xmlns:a16="http://schemas.microsoft.com/office/drawing/2014/main" id="{7A0AC6A4-558B-4B80-82FA-E7B8218ECED1}"/>
-              </a:ext>
-            </a:extLst>
-          </p:cNvPr>
-          <p:cNvSpPr txBox="1"/>
-          <p:nvPr/>
-        </p:nvSpPr>
-        <p:spPr>
-          <a:xfrm>
-            <a:off x="3039082" y="6444402"/>
-            <a:ext cx="1428596" cy="369332"/>
-          </a:xfrm>
-          <a:prstGeom prst="rect">
-            <a:avLst/>
-          </a:prstGeom>
-          <a:noFill/>
-        </p:spPr>
-        <p:txBody>
-          <a:bodyPr wrap="none" rtlCol="0">
-            <a:spAutoFit/>
-          </a:bodyPr>
-          <a:lstStyle/>
-          <a:p>
-            <a:r>
-              <a:rPr lang="en-US" altLang="zh-CN" dirty="0">
-                <a:solidFill>
-                  <a:srgbClr val="7030A0"/>
-                </a:solidFill>
-              </a:rPr>
-              <a:t>Matrix[7 x 1]</a:t>
-            </a:r>
-            <a:endParaRPr lang="zh-CN" altLang="en-US" dirty="0">
-              <a:solidFill>
-                <a:srgbClr val="7030A0"/>
-              </a:solidFill>
-            </a:endParaRPr>
-          </a:p>
-        </p:txBody>
-      </p:sp>
-      <p:sp>
-        <p:nvSpPr>
-          <p:cNvPr id="31" name="文本框 30">
-            <a:extLst>
-              <a:ext uri="{FF2B5EF4-FFF2-40B4-BE49-F238E27FC236}">
-                <a16:creationId xmlns:a16="http://schemas.microsoft.com/office/drawing/2014/main" id="{246C5C69-D55D-4A35-9EF1-1DF1C20C2E6A}"/>
-              </a:ext>
-            </a:extLst>
-          </p:cNvPr>
-          <p:cNvSpPr txBox="1"/>
-          <p:nvPr/>
-        </p:nvSpPr>
-        <p:spPr>
-          <a:xfrm>
-            <a:off x="4433371" y="6441249"/>
-            <a:ext cx="1428596" cy="369332"/>
-          </a:xfrm>
-          <a:prstGeom prst="rect">
-            <a:avLst/>
-          </a:prstGeom>
-          <a:noFill/>
-        </p:spPr>
-        <p:txBody>
-          <a:bodyPr wrap="none" rtlCol="0">
-            <a:spAutoFit/>
-          </a:bodyPr>
-          <a:lstStyle/>
-          <a:p>
-            <a:r>
-              <a:rPr lang="en-US" altLang="zh-CN" dirty="0">
-                <a:solidFill>
-                  <a:srgbClr val="7030A0"/>
-                </a:solidFill>
-              </a:rPr>
-              <a:t>Matrix[7 x 1]</a:t>
-            </a:r>
-            <a:endParaRPr lang="zh-CN" altLang="en-US" dirty="0">
-              <a:solidFill>
-                <a:srgbClr val="7030A0"/>
-              </a:solidFill>
-            </a:endParaRPr>
-          </a:p>
-        </p:txBody>
-      </p:sp>
-      <p:sp>
-        <p:nvSpPr>
-          <p:cNvPr id="32" name="文本框 31">
-            <a:extLst>
-              <a:ext uri="{FF2B5EF4-FFF2-40B4-BE49-F238E27FC236}">
-                <a16:creationId xmlns:a16="http://schemas.microsoft.com/office/drawing/2014/main" id="{BA813A30-35D8-4C21-9676-1D1ABC46AC30}"/>
-              </a:ext>
-            </a:extLst>
-          </p:cNvPr>
-          <p:cNvSpPr txBox="1"/>
-          <p:nvPr/>
-        </p:nvSpPr>
-        <p:spPr>
-          <a:xfrm>
-            <a:off x="5781361" y="6438096"/>
-            <a:ext cx="1428596" cy="369332"/>
-          </a:xfrm>
-          <a:prstGeom prst="rect">
-            <a:avLst/>
-          </a:prstGeom>
-          <a:noFill/>
-        </p:spPr>
-        <p:txBody>
-          <a:bodyPr wrap="none" rtlCol="0">
-            <a:spAutoFit/>
-          </a:bodyPr>
-          <a:lstStyle/>
-          <a:p>
-            <a:r>
-              <a:rPr lang="en-US" altLang="zh-CN" dirty="0">
-                <a:solidFill>
-                  <a:srgbClr val="7030A0"/>
-                </a:solidFill>
-              </a:rPr>
-              <a:t>Matrix[6 x 1]</a:t>
-            </a:r>
-            <a:endParaRPr lang="zh-CN" altLang="en-US" dirty="0">
-              <a:solidFill>
-                <a:srgbClr val="7030A0"/>
-              </a:solidFill>
-            </a:endParaRPr>
-          </a:p>
-        </p:txBody>
-      </p:sp>
-      <p:sp>
-        <p:nvSpPr>
-          <p:cNvPr id="33" name="文本框 32">
-            <a:extLst>
-              <a:ext uri="{FF2B5EF4-FFF2-40B4-BE49-F238E27FC236}">
-                <a16:creationId xmlns:a16="http://schemas.microsoft.com/office/drawing/2014/main" id="{20814B00-8E43-419E-B787-447D93F30AB3}"/>
-              </a:ext>
-            </a:extLst>
-          </p:cNvPr>
-          <p:cNvSpPr txBox="1"/>
-          <p:nvPr/>
-        </p:nvSpPr>
-        <p:spPr>
-          <a:xfrm>
-            <a:off x="654432" y="6960673"/>
-            <a:ext cx="1428596" cy="369332"/>
-          </a:xfrm>
-          <a:prstGeom prst="rect">
-            <a:avLst/>
-          </a:prstGeom>
-          <a:noFill/>
-        </p:spPr>
-        <p:txBody>
-          <a:bodyPr wrap="none" rtlCol="0">
-            <a:spAutoFit/>
-          </a:bodyPr>
-          <a:lstStyle/>
-          <a:p>
-            <a:r>
-              <a:rPr lang="en-US" altLang="zh-CN" dirty="0">
-                <a:solidFill>
-                  <a:srgbClr val="00B0F0"/>
-                </a:solidFill>
-              </a:rPr>
-              <a:t>Matrix[6 x 5]</a:t>
-            </a:r>
-            <a:endParaRPr lang="zh-CN" altLang="en-US" dirty="0">
-              <a:solidFill>
-                <a:srgbClr val="00B0F0"/>
-              </a:solidFill>
-            </a:endParaRPr>
-          </a:p>
-        </p:txBody>
-      </p:sp>
-      <p:sp>
-        <p:nvSpPr>
-          <p:cNvPr id="34" name="文本框 33">
-            <a:extLst>
-              <a:ext uri="{FF2B5EF4-FFF2-40B4-BE49-F238E27FC236}">
-                <a16:creationId xmlns:a16="http://schemas.microsoft.com/office/drawing/2014/main" id="{5CB9678A-9A85-4657-B587-208243576E71}"/>
-              </a:ext>
-            </a:extLst>
-          </p:cNvPr>
-          <p:cNvSpPr txBox="1"/>
-          <p:nvPr/>
-        </p:nvSpPr>
-        <p:spPr>
-          <a:xfrm>
-            <a:off x="2324784" y="6962817"/>
-            <a:ext cx="1428596" cy="369332"/>
-          </a:xfrm>
-          <a:prstGeom prst="rect">
-            <a:avLst/>
-          </a:prstGeom>
-          <a:noFill/>
-        </p:spPr>
-        <p:txBody>
-          <a:bodyPr wrap="none" rtlCol="0">
-            <a:spAutoFit/>
-          </a:bodyPr>
-          <a:lstStyle/>
-          <a:p>
-            <a:r>
-              <a:rPr lang="en-US" altLang="zh-CN" dirty="0">
-                <a:solidFill>
-                  <a:srgbClr val="00B0F0"/>
-                </a:solidFill>
-              </a:rPr>
-              <a:t>Matrix[7 x 6]</a:t>
-            </a:r>
-            <a:endParaRPr lang="zh-CN" altLang="en-US" dirty="0">
-              <a:solidFill>
-                <a:srgbClr val="00B0F0"/>
-              </a:solidFill>
-            </a:endParaRPr>
-          </a:p>
-        </p:txBody>
-      </p:sp>
-      <p:sp>
-        <p:nvSpPr>
-          <p:cNvPr id="35" name="文本框 34">
-            <a:extLst>
-              <a:ext uri="{FF2B5EF4-FFF2-40B4-BE49-F238E27FC236}">
-                <a16:creationId xmlns:a16="http://schemas.microsoft.com/office/drawing/2014/main" id="{E04F99B9-B070-4986-996A-77FE77C8907E}"/>
-              </a:ext>
-            </a:extLst>
-          </p:cNvPr>
-          <p:cNvSpPr txBox="1"/>
-          <p:nvPr/>
-        </p:nvSpPr>
-        <p:spPr>
-          <a:xfrm>
-            <a:off x="3753380" y="6990139"/>
-            <a:ext cx="1428596" cy="369332"/>
-          </a:xfrm>
-          <a:prstGeom prst="rect">
-            <a:avLst/>
-          </a:prstGeom>
-          <a:noFill/>
-        </p:spPr>
-        <p:txBody>
-          <a:bodyPr wrap="none" rtlCol="0">
-            <a:spAutoFit/>
-          </a:bodyPr>
-          <a:lstStyle/>
-          <a:p>
-            <a:r>
-              <a:rPr lang="en-US" altLang="zh-CN" dirty="0">
-                <a:solidFill>
-                  <a:srgbClr val="00B0F0"/>
-                </a:solidFill>
-              </a:rPr>
-              <a:t>Matrix[7 x 7]</a:t>
-            </a:r>
-            <a:endParaRPr lang="zh-CN" altLang="en-US" dirty="0">
-              <a:solidFill>
-                <a:srgbClr val="00B0F0"/>
-              </a:solidFill>
-            </a:endParaRPr>
-          </a:p>
-        </p:txBody>
-      </p:sp>
-      <p:sp>
-        <p:nvSpPr>
-          <p:cNvPr id="36" name="文本框 35">
-            <a:extLst>
-              <a:ext uri="{FF2B5EF4-FFF2-40B4-BE49-F238E27FC236}">
-                <a16:creationId xmlns:a16="http://schemas.microsoft.com/office/drawing/2014/main" id="{E9706EFD-44C7-43E9-9B98-8D112B1E9664}"/>
-              </a:ext>
-            </a:extLst>
-          </p:cNvPr>
-          <p:cNvSpPr txBox="1"/>
-          <p:nvPr/>
-        </p:nvSpPr>
-        <p:spPr>
-          <a:xfrm>
-            <a:off x="5181976" y="7008928"/>
-            <a:ext cx="1428596" cy="369332"/>
-          </a:xfrm>
-          <a:prstGeom prst="rect">
-            <a:avLst/>
-          </a:prstGeom>
-          <a:noFill/>
-        </p:spPr>
-        <p:txBody>
-          <a:bodyPr wrap="none" rtlCol="0">
-            <a:spAutoFit/>
-          </a:bodyPr>
-          <a:lstStyle/>
-          <a:p>
-            <a:r>
-              <a:rPr lang="en-US" altLang="zh-CN" dirty="0">
-                <a:solidFill>
-                  <a:srgbClr val="00B0F0"/>
-                </a:solidFill>
-              </a:rPr>
-              <a:t>Matrix[6 x 7]</a:t>
-            </a:r>
-            <a:endParaRPr lang="zh-CN" altLang="en-US" dirty="0">
-              <a:solidFill>
-                <a:srgbClr val="00B0F0"/>
-              </a:solidFill>
-            </a:endParaRPr>
-          </a:p>
-        </p:txBody>
-      </p:sp>
-      <p:sp>
-        <p:nvSpPr>
-          <p:cNvPr id="37" name="文本框 36">
-            <a:extLst>
-              <a:ext uri="{FF2B5EF4-FFF2-40B4-BE49-F238E27FC236}">
-                <a16:creationId xmlns:a16="http://schemas.microsoft.com/office/drawing/2014/main" id="{663B05FE-F503-4D79-BD02-4DC644F696A8}"/>
-              </a:ext>
-            </a:extLst>
-          </p:cNvPr>
-          <p:cNvSpPr txBox="1"/>
-          <p:nvPr/>
-        </p:nvSpPr>
-        <p:spPr>
-          <a:xfrm>
-            <a:off x="6785363" y="7017359"/>
-            <a:ext cx="1428596" cy="369332"/>
-          </a:xfrm>
-          <a:prstGeom prst="rect">
-            <a:avLst/>
-          </a:prstGeom>
-          <a:noFill/>
-        </p:spPr>
-        <p:txBody>
-          <a:bodyPr wrap="none" rtlCol="0">
-            <a:spAutoFit/>
-          </a:bodyPr>
-          <a:lstStyle/>
-          <a:p>
-            <a:r>
-              <a:rPr lang="en-US" altLang="zh-CN" dirty="0">
-                <a:solidFill>
-                  <a:srgbClr val="00B0F0"/>
-                </a:solidFill>
-              </a:rPr>
-              <a:t>Matrix[5 x 6]</a:t>
-            </a:r>
-            <a:endParaRPr lang="zh-CN" altLang="en-US" dirty="0">
-              <a:solidFill>
-                <a:srgbClr val="00B0F0"/>
-              </a:solidFill>
-            </a:endParaRPr>
-          </a:p>
-        </p:txBody>
-      </p:sp>
-      <p:sp>
-        <p:nvSpPr>
-          <p:cNvPr id="3" name="文本框 2">
-            <a:extLst>
-              <a:ext uri="{FF2B5EF4-FFF2-40B4-BE49-F238E27FC236}">
-                <a16:creationId xmlns:a16="http://schemas.microsoft.com/office/drawing/2014/main" id="{7E1DC7B0-2CED-496F-8B64-A63CC046AA7B}"/>
-              </a:ext>
-            </a:extLst>
-          </p:cNvPr>
-          <p:cNvSpPr txBox="1"/>
-          <p:nvPr/>
-        </p:nvSpPr>
-        <p:spPr>
-          <a:xfrm>
-            <a:off x="-1198730" y="7462192"/>
-            <a:ext cx="11182870" cy="369332"/>
-          </a:xfrm>
-          <a:prstGeom prst="rect">
-            <a:avLst/>
-          </a:prstGeom>
-          <a:noFill/>
-        </p:spPr>
-        <p:txBody>
-          <a:bodyPr wrap="none" rtlCol="0">
-            <a:spAutoFit/>
-          </a:bodyPr>
-          <a:lstStyle/>
-          <a:p>
-            <a:r>
-              <a:rPr lang="en-US" altLang="zh-CN" dirty="0"/>
-              <a:t>Input1 * w1 -&gt; layer1 = Input2 * w2 -&gt; layer2 = Input3 * w3 -&gt; layer3 = Input4 * w4 -&gt; layer4 =Input5 * w5 -&gt; Output</a:t>
-            </a:r>
-            <a:endParaRPr lang="zh-CN" altLang="en-US" dirty="0"/>
-          </a:p>
-        </p:txBody>
-      </p:sp>
+        </p:nvGrpSpPr>
+        <p:grpSpPr>
+          <a:xfrm>
+            <a:off x="-77821" y="4378171"/>
+            <a:ext cx="5938231" cy="2435508"/>
+            <a:chOff x="58939" y="4378171"/>
+            <a:chExt cx="5938231" cy="2435508"/>
+          </a:xfrm>
+        </p:grpSpPr>
+        <p:pic>
+          <p:nvPicPr>
+            <p:cNvPr id="21" name="图片 20">
+              <a:extLst>
+                <a:ext uri="{FF2B5EF4-FFF2-40B4-BE49-F238E27FC236}">
+                  <a16:creationId xmlns:a16="http://schemas.microsoft.com/office/drawing/2014/main" id="{A1CB8014-E3D5-4EE5-9090-2D12A984F8C2}"/>
+                </a:ext>
+              </a:extLst>
+            </p:cNvPr>
+            <p:cNvPicPr>
+              <a:picLocks noChangeAspect="1"/>
+            </p:cNvPicPr>
+            <p:nvPr/>
+          </p:nvPicPr>
+          <p:blipFill>
+            <a:blip r:embed="rId4"/>
+            <a:stretch>
+              <a:fillRect/>
+            </a:stretch>
+          </p:blipFill>
+          <p:spPr>
+            <a:xfrm>
+              <a:off x="173130" y="4378171"/>
+              <a:ext cx="5824040" cy="2435508"/>
+            </a:xfrm>
+            <a:prstGeom prst="rect">
+              <a:avLst/>
+            </a:prstGeom>
+          </p:spPr>
+        </p:pic>
+        <p:sp>
+          <p:nvSpPr>
+            <p:cNvPr id="22" name="文本框 21">
+              <a:extLst>
+                <a:ext uri="{FF2B5EF4-FFF2-40B4-BE49-F238E27FC236}">
+                  <a16:creationId xmlns:a16="http://schemas.microsoft.com/office/drawing/2014/main" id="{8670298E-7D90-4E34-ABD9-8091E60E3FD9}"/>
+                </a:ext>
+              </a:extLst>
+            </p:cNvPr>
+            <p:cNvSpPr txBox="1"/>
+            <p:nvPr/>
+          </p:nvSpPr>
+          <p:spPr>
+            <a:xfrm>
+              <a:off x="58939" y="5201953"/>
+              <a:ext cx="1338828" cy="369332"/>
+            </a:xfrm>
+            <a:prstGeom prst="rect">
+              <a:avLst/>
+            </a:prstGeom>
+            <a:noFill/>
+          </p:spPr>
+          <p:txBody>
+            <a:bodyPr wrap="none" rtlCol="0">
+              <a:spAutoFit/>
+            </a:bodyPr>
+            <a:lstStyle/>
+            <a:p>
+              <a:r>
+                <a:rPr lang="zh-CN" altLang="en-US" dirty="0">
+                  <a:solidFill>
+                    <a:srgbClr val="0000FF"/>
+                  </a:solidFill>
+                </a:rPr>
+                <a:t>构造计算图</a:t>
+              </a:r>
+            </a:p>
+          </p:txBody>
+        </p:sp>
+      </p:grpSp>
     </p:spTree>
     <p:extLst>
       <p:ext uri="{BB962C8B-B14F-4D97-AF65-F5344CB8AC3E}">
-        <p14:creationId xmlns:p14="http://schemas.microsoft.com/office/powerpoint/2010/main" val="3500806214"/>
+        <p14:creationId xmlns:p14="http://schemas.microsoft.com/office/powerpoint/2010/main" val="1787389310"/>
       </p:ext>
     </p:extLst>
   </p:cSld>
@@ -10470,1253 +8747,6 @@
       </p:grpSpPr>
       <p:sp>
         <p:nvSpPr>
-          <p:cNvPr id="7170" name="Text Box 2"/>
-          <p:cNvSpPr txBox="1">
-            <a:spLocks noChangeArrowheads="1"/>
-          </p:cNvSpPr>
-          <p:nvPr/>
-        </p:nvSpPr>
-        <p:spPr bwMode="auto">
-          <a:xfrm>
-            <a:off x="1162080" y="1606869"/>
-            <a:ext cx="7416800" cy="3323987"/>
-          </a:xfrm>
-          <a:prstGeom prst="rect">
-            <a:avLst/>
-          </a:prstGeom>
-          <a:noFill/>
-          <a:ln>
-            <a:noFill/>
-          </a:ln>
-          <a:effectLst/>
-          <a:extLst>
-            <a:ext uri="{909E8E84-426E-40DD-AFC4-6F175D3DCCD1}">
-              <a14:hiddenFill xmlns:a14="http://schemas.microsoft.com/office/drawing/2010/main">
-                <a:solidFill>
-                  <a:schemeClr val="accent1"/>
-                </a:solidFill>
-              </a14:hiddenFill>
-            </a:ext>
-            <a:ext uri="{91240B29-F687-4F45-9708-019B960494DF}">
-              <a14:hiddenLine xmlns:a14="http://schemas.microsoft.com/office/drawing/2010/main" w="9525">
-                <a:solidFill>
-                  <a:schemeClr val="tx1"/>
-                </a:solidFill>
-                <a:miter lim="800000"/>
-                <a:headEnd/>
-                <a:tailEnd/>
-              </a14:hiddenLine>
-            </a:ext>
-            <a:ext uri="{AF507438-7753-43E0-B8FC-AC1667EBCBE1}">
-              <a14:hiddenEffects xmlns:a14="http://schemas.microsoft.com/office/drawing/2010/main">
-                <a:effectLst>
-                  <a:outerShdw blurRad="63500" dist="38099" dir="2700000" algn="ctr" rotWithShape="0">
-                    <a:schemeClr val="bg2">
-                      <a:alpha val="74998"/>
-                    </a:schemeClr>
-                  </a:outerShdw>
-                </a:effectLst>
-              </a14:hiddenEffects>
-            </a:ext>
-          </a:extLst>
-        </p:spPr>
-        <p:txBody>
-          <a:bodyPr>
-            <a:spAutoFit/>
-          </a:bodyPr>
-          <a:lstStyle/>
-          <a:p>
-            <a:pPr>
-              <a:lnSpc>
-                <a:spcPct val="200000"/>
-              </a:lnSpc>
-              <a:spcBef>
-                <a:spcPct val="50000"/>
-              </a:spcBef>
-            </a:pPr>
-            <a:r>
-              <a:rPr lang="zh-CN" altLang="en-US" sz="3000" b="1" dirty="0">
-                <a:ea typeface="黑体" charset="0"/>
-                <a:cs typeface="黑体" charset="0"/>
-              </a:rPr>
-              <a:t>一、背景</a:t>
-            </a:r>
-          </a:p>
-          <a:p>
-            <a:pPr>
-              <a:lnSpc>
-                <a:spcPct val="200000"/>
-              </a:lnSpc>
-              <a:spcBef>
-                <a:spcPct val="50000"/>
-              </a:spcBef>
-            </a:pPr>
-            <a:r>
-              <a:rPr lang="zh-CN" altLang="en-US" sz="3000" b="1" dirty="0">
-                <a:solidFill>
-                  <a:srgbClr val="C00000"/>
-                </a:solidFill>
-                <a:ea typeface="黑体" charset="0"/>
-                <a:cs typeface="黑体" charset="0"/>
-              </a:rPr>
-              <a:t>二、研究进展</a:t>
-            </a:r>
-            <a:endParaRPr lang="en-US" altLang="zh-CN" sz="3000" b="1" dirty="0">
-              <a:solidFill>
-                <a:srgbClr val="C00000"/>
-              </a:solidFill>
-              <a:ea typeface="黑体" charset="0"/>
-              <a:cs typeface="黑体" charset="0"/>
-            </a:endParaRPr>
-          </a:p>
-          <a:p>
-            <a:pPr>
-              <a:lnSpc>
-                <a:spcPct val="200000"/>
-              </a:lnSpc>
-              <a:spcBef>
-                <a:spcPct val="50000"/>
-              </a:spcBef>
-            </a:pPr>
-            <a:r>
-              <a:rPr lang="zh-CN" altLang="en-US" sz="3000" b="1" dirty="0">
-                <a:ea typeface="黑体" charset="0"/>
-                <a:cs typeface="黑体" charset="0"/>
-              </a:rPr>
-              <a:t>三、未来计划</a:t>
-            </a:r>
-            <a:endParaRPr lang="en-US" altLang="zh-CN" sz="3000" b="1" dirty="0">
-              <a:ea typeface="黑体" charset="0"/>
-              <a:cs typeface="黑体" charset="0"/>
-            </a:endParaRPr>
-          </a:p>
-        </p:txBody>
-      </p:sp>
-      <p:sp>
-        <p:nvSpPr>
-          <p:cNvPr id="3" name="TextBox 2"/>
-          <p:cNvSpPr txBox="1"/>
-          <p:nvPr/>
-        </p:nvSpPr>
-        <p:spPr>
-          <a:xfrm>
-            <a:off x="1012190" y="294825"/>
-            <a:ext cx="6892290" cy="707886"/>
-          </a:xfrm>
-          <a:prstGeom prst="rect">
-            <a:avLst/>
-          </a:prstGeom>
-          <a:noFill/>
-        </p:spPr>
-        <p:txBody>
-          <a:bodyPr wrap="square" rtlCol="0">
-            <a:spAutoFit/>
-          </a:bodyPr>
-          <a:lstStyle/>
-          <a:p>
-            <a:pPr algn="ctr"/>
-            <a:r>
-              <a:rPr lang="zh-CN" altLang="en-US" sz="4000" b="1" dirty="0">
-                <a:solidFill>
-                  <a:srgbClr val="C00000"/>
-                </a:solidFill>
-                <a:latin typeface="黑体" pitchFamily="49" charset="-122"/>
-                <a:ea typeface="黑体" pitchFamily="49" charset="-122"/>
-              </a:rPr>
-              <a:t> 汇报内容</a:t>
-            </a:r>
-          </a:p>
-        </p:txBody>
-      </p:sp>
-      <p:cxnSp>
-        <p:nvCxnSpPr>
-          <p:cNvPr id="5" name="直接连接符 4"/>
-          <p:cNvCxnSpPr/>
-          <p:nvPr/>
-        </p:nvCxnSpPr>
-        <p:spPr>
-          <a:xfrm>
-            <a:off x="0" y="1026796"/>
-            <a:ext cx="9144000" cy="0"/>
-          </a:xfrm>
-          <a:prstGeom prst="line">
-            <a:avLst/>
-          </a:prstGeom>
-          <a:ln w="38100">
-            <a:solidFill>
-              <a:srgbClr val="C00000"/>
-            </a:solidFill>
-          </a:ln>
-        </p:spPr>
-        <p:style>
-          <a:lnRef idx="2">
-            <a:schemeClr val="accent1"/>
-          </a:lnRef>
-          <a:fillRef idx="0">
-            <a:schemeClr val="accent1"/>
-          </a:fillRef>
-          <a:effectRef idx="1">
-            <a:schemeClr val="accent1"/>
-          </a:effectRef>
-          <a:fontRef idx="minor">
-            <a:schemeClr val="tx1"/>
-          </a:fontRef>
-        </p:style>
-      </p:cxnSp>
-      <p:sp>
-        <p:nvSpPr>
-          <p:cNvPr id="2" name="灯片编号占位符 1"/>
-          <p:cNvSpPr>
-            <a:spLocks noGrp="1"/>
-          </p:cNvSpPr>
-          <p:nvPr>
-            <p:ph type="sldNum" sz="quarter" idx="12"/>
-          </p:nvPr>
-        </p:nvSpPr>
-        <p:spPr/>
-        <p:txBody>
-          <a:bodyPr/>
-          <a:lstStyle/>
-          <a:p>
-            <a:fld id="{5B8AC867-72ED-42EA-92C6-36FC511EE56C}" type="slidenum">
-              <a:rPr lang="zh-CN" altLang="en-US" smtClean="0"/>
-              <a:t>15</a:t>
-            </a:fld>
-            <a:endParaRPr lang="zh-CN" altLang="en-US"/>
-          </a:p>
-        </p:txBody>
-      </p:sp>
-    </p:spTree>
-    <p:extLst>
-      <p:ext uri="{BB962C8B-B14F-4D97-AF65-F5344CB8AC3E}">
-        <p14:creationId xmlns:p14="http://schemas.microsoft.com/office/powerpoint/2010/main" val="3058035894"/>
-      </p:ext>
-    </p:extLst>
-  </p:cSld>
-  <p:clrMapOvr>
-    <a:masterClrMapping/>
-  </p:clrMapOvr>
-</p:sld>
-</file>
-
-<file path=ppt/slides/slide16.xml><?xml version="1.0" encoding="utf-8"?>
-<p:sld xmlns:a="http://schemas.openxmlformats.org/drawingml/2006/main" xmlns:r="http://schemas.openxmlformats.org/officeDocument/2006/relationships" xmlns:p="http://schemas.openxmlformats.org/presentationml/2006/main">
-  <p:cSld>
-    <p:spTree>
-      <p:nvGrpSpPr>
-        <p:cNvPr id="1" name=""/>
-        <p:cNvGrpSpPr/>
-        <p:nvPr/>
-      </p:nvGrpSpPr>
-      <p:grpSpPr>
-        <a:xfrm>
-          <a:off x="0" y="0"/>
-          <a:ext cx="0" cy="0"/>
-          <a:chOff x="0" y="0"/>
-          <a:chExt cx="0" cy="0"/>
-        </a:xfrm>
-      </p:grpSpPr>
-      <p:sp>
-        <p:nvSpPr>
-          <p:cNvPr id="3" name="内容占位符 2"/>
-          <p:cNvSpPr>
-            <a:spLocks noGrp="1"/>
-          </p:cNvSpPr>
-          <p:nvPr>
-            <p:ph idx="1"/>
-          </p:nvPr>
-        </p:nvSpPr>
-        <p:spPr>
-          <a:xfrm>
-            <a:off x="309995" y="1022062"/>
-            <a:ext cx="7886700" cy="4741430"/>
-          </a:xfrm>
-        </p:spPr>
-        <p:txBody>
-          <a:bodyPr>
-            <a:normAutofit/>
-          </a:bodyPr>
-          <a:lstStyle/>
-          <a:p>
-            <a:pPr marL="0" indent="0">
-              <a:lnSpc>
-                <a:spcPct val="200000"/>
-              </a:lnSpc>
-              <a:buNone/>
-            </a:pPr>
-            <a:r>
-              <a:rPr lang="en-US" altLang="zh-CN" kern="100" dirty="0">
-                <a:solidFill>
-                  <a:srgbClr val="C00000"/>
-                </a:solidFill>
-                <a:latin typeface="Times New Roman" panose="02020603050405020304" pitchFamily="18" charset="0"/>
-                <a:cs typeface="Times New Roman" panose="02020603050405020304" pitchFamily="18" charset="0"/>
-              </a:rPr>
-              <a:t>2.1.</a:t>
-            </a:r>
-            <a:endParaRPr lang="en-US" altLang="zh-CN" kern="100" dirty="0">
-              <a:solidFill>
-                <a:srgbClr val="C00000"/>
-              </a:solidFill>
-              <a:latin typeface="Times New Roman" panose="02020603050405020304" pitchFamily="18" charset="0"/>
-              <a:ea typeface="宋体" panose="02010600030101010101" pitchFamily="2" charset="-122"/>
-              <a:cs typeface="Times New Roman" panose="02020603050405020304" pitchFamily="18" charset="0"/>
-            </a:endParaRPr>
-          </a:p>
-          <a:p>
-            <a:pPr marL="0" indent="0">
-              <a:lnSpc>
-                <a:spcPct val="200000"/>
-              </a:lnSpc>
-              <a:buNone/>
-            </a:pPr>
-            <a:r>
-              <a:rPr lang="en-US" altLang="zh-CN" kern="100" dirty="0">
-                <a:latin typeface="Times New Roman" panose="02020603050405020304" pitchFamily="18" charset="0"/>
-                <a:cs typeface="Times New Roman" panose="02020603050405020304" pitchFamily="18" charset="0"/>
-              </a:rPr>
-              <a:t>2.2. </a:t>
-            </a:r>
-          </a:p>
-          <a:p>
-            <a:pPr marL="0" indent="0">
-              <a:lnSpc>
-                <a:spcPct val="200000"/>
-              </a:lnSpc>
-              <a:buNone/>
-            </a:pPr>
-            <a:r>
-              <a:rPr lang="en-US" altLang="zh-CN" kern="100" dirty="0">
-                <a:latin typeface="Times New Roman" panose="02020603050405020304" pitchFamily="18" charset="0"/>
-                <a:cs typeface="Times New Roman" panose="02020603050405020304" pitchFamily="18" charset="0"/>
-              </a:rPr>
-              <a:t>2.3. </a:t>
-            </a:r>
-            <a:endParaRPr lang="en-US" altLang="zh-CN" kern="100" dirty="0">
-              <a:latin typeface="宋体" panose="02010600030101010101" pitchFamily="2" charset="-122"/>
-              <a:ea typeface="宋体" panose="02010600030101010101" pitchFamily="2" charset="-122"/>
-              <a:cs typeface="Times New Roman" panose="02020603050405020304" pitchFamily="18" charset="0"/>
-            </a:endParaRPr>
-          </a:p>
-          <a:p>
-            <a:endParaRPr lang="en-US" altLang="zh-CN" kern="100" dirty="0">
-              <a:latin typeface="Times New Roman" panose="02020603050405020304" pitchFamily="18" charset="0"/>
-              <a:cs typeface="Times New Roman" panose="02020603050405020304" pitchFamily="18" charset="0"/>
-            </a:endParaRPr>
-          </a:p>
-          <a:p>
-            <a:endParaRPr lang="zh-CN" altLang="en-US" dirty="0"/>
-          </a:p>
-        </p:txBody>
-      </p:sp>
-      <p:sp>
-        <p:nvSpPr>
-          <p:cNvPr id="4" name="TextBox 20"/>
-          <p:cNvSpPr txBox="1"/>
-          <p:nvPr/>
-        </p:nvSpPr>
-        <p:spPr>
-          <a:xfrm>
-            <a:off x="107504" y="230320"/>
-            <a:ext cx="4580965" cy="584775"/>
-          </a:xfrm>
-          <a:prstGeom prst="rect">
-            <a:avLst/>
-          </a:prstGeom>
-          <a:noFill/>
-        </p:spPr>
-        <p:txBody>
-          <a:bodyPr wrap="square" rtlCol="0">
-            <a:spAutoFit/>
-          </a:bodyPr>
-          <a:lstStyle/>
-          <a:p>
-            <a:r>
-              <a:rPr lang="zh-CN" altLang="en-US" sz="3200" b="1" dirty="0">
-                <a:solidFill>
-                  <a:srgbClr val="C00000"/>
-                </a:solidFill>
-                <a:latin typeface="黑体" panose="02010609060101010101" pitchFamily="49" charset="-122"/>
-                <a:ea typeface="黑体" panose="02010609060101010101" pitchFamily="49" charset="-122"/>
-                <a:cs typeface="黑体" charset="0"/>
-              </a:rPr>
-              <a:t>二</a:t>
-            </a:r>
-            <a:r>
-              <a:rPr lang="en-US" altLang="zh-CN" sz="3200" b="1" dirty="0">
-                <a:solidFill>
-                  <a:srgbClr val="C00000"/>
-                </a:solidFill>
-                <a:latin typeface="黑体" panose="02010609060101010101" pitchFamily="49" charset="-122"/>
-                <a:ea typeface="黑体" panose="02010609060101010101" pitchFamily="49" charset="-122"/>
-                <a:cs typeface="黑体" charset="0"/>
-              </a:rPr>
-              <a:t> </a:t>
-            </a:r>
-            <a:r>
-              <a:rPr lang="zh-CN" altLang="en-US" sz="3200" b="1" dirty="0">
-                <a:solidFill>
-                  <a:srgbClr val="C00000"/>
-                </a:solidFill>
-                <a:latin typeface="黑体" panose="02010609060101010101" pitchFamily="49" charset="-122"/>
-                <a:ea typeface="黑体" panose="02010609060101010101" pitchFamily="49" charset="-122"/>
-                <a:cs typeface="黑体" charset="0"/>
-              </a:rPr>
-              <a:t>研究进展</a:t>
-            </a:r>
-          </a:p>
-        </p:txBody>
-      </p:sp>
-      <p:cxnSp>
-        <p:nvCxnSpPr>
-          <p:cNvPr id="5" name="直接连接符 4"/>
-          <p:cNvCxnSpPr/>
-          <p:nvPr/>
-        </p:nvCxnSpPr>
-        <p:spPr>
-          <a:xfrm flipV="1">
-            <a:off x="-13123" y="904126"/>
-            <a:ext cx="9157123" cy="1487"/>
-          </a:xfrm>
-          <a:prstGeom prst="line">
-            <a:avLst/>
-          </a:prstGeom>
-          <a:ln w="38100">
-            <a:solidFill>
-              <a:srgbClr val="C00000"/>
-            </a:solidFill>
-          </a:ln>
-        </p:spPr>
-        <p:style>
-          <a:lnRef idx="2">
-            <a:schemeClr val="accent1"/>
-          </a:lnRef>
-          <a:fillRef idx="0">
-            <a:schemeClr val="accent1"/>
-          </a:fillRef>
-          <a:effectRef idx="1">
-            <a:schemeClr val="accent1"/>
-          </a:effectRef>
-          <a:fontRef idx="minor">
-            <a:schemeClr val="tx1"/>
-          </a:fontRef>
-        </p:style>
-      </p:cxnSp>
-      <p:sp>
-        <p:nvSpPr>
-          <p:cNvPr id="2" name="灯片编号占位符 1"/>
-          <p:cNvSpPr>
-            <a:spLocks noGrp="1"/>
-          </p:cNvSpPr>
-          <p:nvPr>
-            <p:ph type="sldNum" sz="quarter" idx="12"/>
-          </p:nvPr>
-        </p:nvSpPr>
-        <p:spPr/>
-        <p:txBody>
-          <a:bodyPr/>
-          <a:lstStyle/>
-          <a:p>
-            <a:fld id="{5B8AC867-72ED-42EA-92C6-36FC511EE56C}" type="slidenum">
-              <a:rPr lang="zh-CN" altLang="en-US" smtClean="0"/>
-              <a:t>16</a:t>
-            </a:fld>
-            <a:endParaRPr lang="zh-CN" altLang="en-US" dirty="0"/>
-          </a:p>
-        </p:txBody>
-      </p:sp>
-    </p:spTree>
-    <p:extLst>
-      <p:ext uri="{BB962C8B-B14F-4D97-AF65-F5344CB8AC3E}">
-        <p14:creationId xmlns:p14="http://schemas.microsoft.com/office/powerpoint/2010/main" val="3291909554"/>
-      </p:ext>
-    </p:extLst>
-  </p:cSld>
-  <p:clrMapOvr>
-    <a:masterClrMapping/>
-  </p:clrMapOvr>
-</p:sld>
-</file>
-
-<file path=ppt/slides/slide17.xml><?xml version="1.0" encoding="utf-8"?>
-<p:sld xmlns:a="http://schemas.openxmlformats.org/drawingml/2006/main" xmlns:r="http://schemas.openxmlformats.org/officeDocument/2006/relationships" xmlns:p="http://schemas.openxmlformats.org/presentationml/2006/main">
-  <p:cSld>
-    <p:spTree>
-      <p:nvGrpSpPr>
-        <p:cNvPr id="1" name=""/>
-        <p:cNvGrpSpPr/>
-        <p:nvPr/>
-      </p:nvGrpSpPr>
-      <p:grpSpPr>
-        <a:xfrm>
-          <a:off x="0" y="0"/>
-          <a:ext cx="0" cy="0"/>
-          <a:chOff x="0" y="0"/>
-          <a:chExt cx="0" cy="0"/>
-        </a:xfrm>
-      </p:grpSpPr>
-      <p:sp>
-        <p:nvSpPr>
-          <p:cNvPr id="3" name="内容占位符 2"/>
-          <p:cNvSpPr>
-            <a:spLocks noGrp="1"/>
-          </p:cNvSpPr>
-          <p:nvPr>
-            <p:ph idx="1"/>
-          </p:nvPr>
-        </p:nvSpPr>
-        <p:spPr>
-          <a:xfrm>
-            <a:off x="309995" y="1022062"/>
-            <a:ext cx="7886700" cy="4741430"/>
-          </a:xfrm>
-        </p:spPr>
-        <p:txBody>
-          <a:bodyPr>
-            <a:normAutofit/>
-          </a:bodyPr>
-          <a:lstStyle/>
-          <a:p>
-            <a:endParaRPr lang="en-US" altLang="zh-CN" kern="100" dirty="0">
-              <a:latin typeface="Times New Roman" panose="02020603050405020304" pitchFamily="18" charset="0"/>
-              <a:cs typeface="Times New Roman" panose="02020603050405020304" pitchFamily="18" charset="0"/>
-            </a:endParaRPr>
-          </a:p>
-          <a:p>
-            <a:endParaRPr lang="zh-CN" altLang="en-US" dirty="0"/>
-          </a:p>
-        </p:txBody>
-      </p:sp>
-      <p:sp>
-        <p:nvSpPr>
-          <p:cNvPr id="4" name="TextBox 20"/>
-          <p:cNvSpPr txBox="1"/>
-          <p:nvPr/>
-        </p:nvSpPr>
-        <p:spPr>
-          <a:xfrm>
-            <a:off x="107504" y="230320"/>
-            <a:ext cx="4580965" cy="584775"/>
-          </a:xfrm>
-          <a:prstGeom prst="rect">
-            <a:avLst/>
-          </a:prstGeom>
-          <a:noFill/>
-        </p:spPr>
-        <p:txBody>
-          <a:bodyPr wrap="square" rtlCol="0">
-            <a:spAutoFit/>
-          </a:bodyPr>
-          <a:lstStyle/>
-          <a:p>
-            <a:pPr lvl="0"/>
-            <a:r>
-              <a:rPr lang="en-US" altLang="zh-CN" sz="3200" b="1" dirty="0">
-                <a:solidFill>
-                  <a:srgbClr val="C00000"/>
-                </a:solidFill>
-                <a:ea typeface="黑体" panose="02010609060101010101" pitchFamily="49" charset="-122"/>
-                <a:cs typeface="Times New Roman" pitchFamily="18" charset="0"/>
-              </a:rPr>
-              <a:t>2.1. </a:t>
-            </a:r>
-          </a:p>
-        </p:txBody>
-      </p:sp>
-      <p:cxnSp>
-        <p:nvCxnSpPr>
-          <p:cNvPr id="5" name="直接连接符 4"/>
-          <p:cNvCxnSpPr/>
-          <p:nvPr/>
-        </p:nvCxnSpPr>
-        <p:spPr>
-          <a:xfrm flipV="1">
-            <a:off x="-13123" y="904126"/>
-            <a:ext cx="9157123" cy="1487"/>
-          </a:xfrm>
-          <a:prstGeom prst="line">
-            <a:avLst/>
-          </a:prstGeom>
-          <a:ln w="38100">
-            <a:solidFill>
-              <a:srgbClr val="C00000"/>
-            </a:solidFill>
-          </a:ln>
-        </p:spPr>
-        <p:style>
-          <a:lnRef idx="2">
-            <a:schemeClr val="accent1"/>
-          </a:lnRef>
-          <a:fillRef idx="0">
-            <a:schemeClr val="accent1"/>
-          </a:fillRef>
-          <a:effectRef idx="1">
-            <a:schemeClr val="accent1"/>
-          </a:effectRef>
-          <a:fontRef idx="minor">
-            <a:schemeClr val="tx1"/>
-          </a:fontRef>
-        </p:style>
-      </p:cxnSp>
-      <p:sp>
-        <p:nvSpPr>
-          <p:cNvPr id="2" name="灯片编号占位符 1"/>
-          <p:cNvSpPr>
-            <a:spLocks noGrp="1"/>
-          </p:cNvSpPr>
-          <p:nvPr>
-            <p:ph type="sldNum" sz="quarter" idx="12"/>
-          </p:nvPr>
-        </p:nvSpPr>
-        <p:spPr/>
-        <p:txBody>
-          <a:bodyPr/>
-          <a:lstStyle/>
-          <a:p>
-            <a:fld id="{5B8AC867-72ED-42EA-92C6-36FC511EE56C}" type="slidenum">
-              <a:rPr lang="zh-CN" altLang="en-US" smtClean="0"/>
-              <a:t>17</a:t>
-            </a:fld>
-            <a:endParaRPr lang="zh-CN" altLang="en-US" dirty="0"/>
-          </a:p>
-        </p:txBody>
-      </p:sp>
-    </p:spTree>
-    <p:extLst>
-      <p:ext uri="{BB962C8B-B14F-4D97-AF65-F5344CB8AC3E}">
-        <p14:creationId xmlns:p14="http://schemas.microsoft.com/office/powerpoint/2010/main" val="79607533"/>
-      </p:ext>
-    </p:extLst>
-  </p:cSld>
-  <p:clrMapOvr>
-    <a:masterClrMapping/>
-  </p:clrMapOvr>
-</p:sld>
-</file>
-
-<file path=ppt/slides/slide18.xml><?xml version="1.0" encoding="utf-8"?>
-<p:sld xmlns:a="http://schemas.openxmlformats.org/drawingml/2006/main" xmlns:r="http://schemas.openxmlformats.org/officeDocument/2006/relationships" xmlns:p="http://schemas.openxmlformats.org/presentationml/2006/main">
-  <p:cSld>
-    <p:spTree>
-      <p:nvGrpSpPr>
-        <p:cNvPr id="1" name=""/>
-        <p:cNvGrpSpPr/>
-        <p:nvPr/>
-      </p:nvGrpSpPr>
-      <p:grpSpPr>
-        <a:xfrm>
-          <a:off x="0" y="0"/>
-          <a:ext cx="0" cy="0"/>
-          <a:chOff x="0" y="0"/>
-          <a:chExt cx="0" cy="0"/>
-        </a:xfrm>
-      </p:grpSpPr>
-      <p:sp>
-        <p:nvSpPr>
-          <p:cNvPr id="4" name="灯片编号占位符 3">
-            <a:extLst>
-              <a:ext uri="{FF2B5EF4-FFF2-40B4-BE49-F238E27FC236}">
-                <a16:creationId xmlns:a16="http://schemas.microsoft.com/office/drawing/2014/main" id="{7C4DDF51-5A9D-4877-9F00-A48FB2F09006}"/>
-              </a:ext>
-            </a:extLst>
-          </p:cNvPr>
-          <p:cNvSpPr>
-            <a:spLocks noGrp="1"/>
-          </p:cNvSpPr>
-          <p:nvPr>
-            <p:ph type="sldNum" sz="quarter" idx="12"/>
-          </p:nvPr>
-        </p:nvSpPr>
-        <p:spPr/>
-        <p:txBody>
-          <a:bodyPr/>
-          <a:lstStyle/>
-          <a:p>
-            <a:fld id="{5B8AC867-72ED-42EA-92C6-36FC511EE56C}" type="slidenum">
-              <a:rPr lang="zh-CN" altLang="en-US" smtClean="0"/>
-              <a:t>18</a:t>
-            </a:fld>
-            <a:endParaRPr lang="zh-CN" altLang="en-US" dirty="0"/>
-          </a:p>
-        </p:txBody>
-      </p:sp>
-      <p:pic>
-        <p:nvPicPr>
-          <p:cNvPr id="7" name="图片 6">
-            <a:extLst>
-              <a:ext uri="{FF2B5EF4-FFF2-40B4-BE49-F238E27FC236}">
-                <a16:creationId xmlns:a16="http://schemas.microsoft.com/office/drawing/2014/main" id="{976686F0-5A84-4400-AE7E-947828C9E5C1}"/>
-              </a:ext>
-            </a:extLst>
-          </p:cNvPr>
-          <p:cNvPicPr>
-            <a:picLocks noChangeAspect="1"/>
-          </p:cNvPicPr>
-          <p:nvPr/>
-        </p:nvPicPr>
-        <p:blipFill>
-          <a:blip r:embed="rId2"/>
-          <a:stretch>
-            <a:fillRect/>
-          </a:stretch>
-        </p:blipFill>
-        <p:spPr>
-          <a:xfrm>
-            <a:off x="0" y="0"/>
-            <a:ext cx="8239539" cy="2858616"/>
-          </a:xfrm>
-          <a:prstGeom prst="rect">
-            <a:avLst/>
-          </a:prstGeom>
-        </p:spPr>
-      </p:pic>
-      <p:sp>
-        <p:nvSpPr>
-          <p:cNvPr id="8" name="文本框 7">
-            <a:extLst>
-              <a:ext uri="{FF2B5EF4-FFF2-40B4-BE49-F238E27FC236}">
-                <a16:creationId xmlns:a16="http://schemas.microsoft.com/office/drawing/2014/main" id="{8893BCAC-E9FC-4C22-94F9-114B0C93BACD}"/>
-              </a:ext>
-            </a:extLst>
-          </p:cNvPr>
-          <p:cNvSpPr txBox="1"/>
-          <p:nvPr/>
-        </p:nvSpPr>
-        <p:spPr>
-          <a:xfrm>
-            <a:off x="0" y="3079858"/>
-            <a:ext cx="8667757" cy="646331"/>
-          </a:xfrm>
-          <a:prstGeom prst="rect">
-            <a:avLst/>
-          </a:prstGeom>
-          <a:noFill/>
-        </p:spPr>
-        <p:txBody>
-          <a:bodyPr wrap="none" rtlCol="0">
-            <a:spAutoFit/>
-          </a:bodyPr>
-          <a:lstStyle/>
-          <a:p>
-            <a:r>
-              <a:rPr lang="zh-CN" altLang="en-US" dirty="0"/>
-              <a:t>一个卷积层包括了输入、卷积核和输出三个步骤。</a:t>
-            </a:r>
-            <a:endParaRPr lang="en-US" altLang="zh-CN" dirty="0"/>
-          </a:p>
-          <a:p>
-            <a:r>
-              <a:rPr lang="zh-CN" altLang="en-US" dirty="0"/>
-              <a:t>每个卷积层的输入数据都是以三维的形式存在的，就相当于多张</a:t>
-            </a:r>
-            <a:r>
-              <a:rPr lang="en-US" altLang="zh-CN" dirty="0"/>
-              <a:t>feature map</a:t>
-            </a:r>
-            <a:r>
-              <a:rPr lang="zh-CN" altLang="en-US" dirty="0"/>
-              <a:t>的叠加。</a:t>
-            </a:r>
-            <a:endParaRPr lang="en-US" altLang="zh-CN" dirty="0"/>
-          </a:p>
-        </p:txBody>
-      </p:sp>
-      <p:sp>
-        <p:nvSpPr>
-          <p:cNvPr id="9" name="矩形 8">
-            <a:extLst>
-              <a:ext uri="{FF2B5EF4-FFF2-40B4-BE49-F238E27FC236}">
-                <a16:creationId xmlns:a16="http://schemas.microsoft.com/office/drawing/2014/main" id="{62FD523E-4D94-43C5-B393-62936EA04C9B}"/>
-              </a:ext>
-            </a:extLst>
-          </p:cNvPr>
-          <p:cNvSpPr/>
-          <p:nvPr/>
-        </p:nvSpPr>
-        <p:spPr>
-          <a:xfrm>
-            <a:off x="139148" y="516835"/>
-            <a:ext cx="1798982" cy="1779104"/>
-          </a:xfrm>
-          <a:prstGeom prst="rect">
-            <a:avLst/>
-          </a:prstGeom>
-          <a:noFill/>
-          <a:ln w="38100">
-            <a:solidFill>
-              <a:srgbClr val="0000FF"/>
-            </a:solidFill>
-          </a:ln>
-        </p:spPr>
-        <p:style>
-          <a:lnRef idx="2">
-            <a:schemeClr val="accent1">
-              <a:shade val="50000"/>
-            </a:schemeClr>
-          </a:lnRef>
-          <a:fillRef idx="1">
-            <a:schemeClr val="accent1"/>
-          </a:fillRef>
-          <a:effectRef idx="0">
-            <a:schemeClr val="accent1"/>
-          </a:effectRef>
-          <a:fontRef idx="minor">
-            <a:schemeClr val="lt1"/>
-          </a:fontRef>
-        </p:style>
-        <p:txBody>
-          <a:bodyPr rtlCol="0" anchor="ctr"/>
-          <a:lstStyle/>
-          <a:p>
-            <a:pPr algn="ctr"/>
-            <a:endParaRPr lang="zh-CN" altLang="en-US"/>
-          </a:p>
-        </p:txBody>
-      </p:sp>
-      <p:cxnSp>
-        <p:nvCxnSpPr>
-          <p:cNvPr id="12" name="直接箭头连接符 11">
-            <a:extLst>
-              <a:ext uri="{FF2B5EF4-FFF2-40B4-BE49-F238E27FC236}">
-                <a16:creationId xmlns:a16="http://schemas.microsoft.com/office/drawing/2014/main" id="{A43EBBD9-856B-4A07-8F71-5F0E68F073C1}"/>
-              </a:ext>
-            </a:extLst>
-          </p:cNvPr>
-          <p:cNvCxnSpPr>
-            <a:cxnSpLocks/>
-          </p:cNvCxnSpPr>
-          <p:nvPr/>
-        </p:nvCxnSpPr>
-        <p:spPr>
-          <a:xfrm>
-            <a:off x="1570383" y="2295939"/>
-            <a:ext cx="0" cy="365981"/>
-          </a:xfrm>
-          <a:prstGeom prst="straightConnector1">
-            <a:avLst/>
-          </a:prstGeom>
-          <a:ln w="38100">
-            <a:solidFill>
-              <a:srgbClr val="0000FF"/>
-            </a:solidFill>
-            <a:tailEnd type="triangle"/>
-          </a:ln>
-        </p:spPr>
-        <p:style>
-          <a:lnRef idx="1">
-            <a:schemeClr val="accent1"/>
-          </a:lnRef>
-          <a:fillRef idx="0">
-            <a:schemeClr val="accent1"/>
-          </a:fillRef>
-          <a:effectRef idx="0">
-            <a:schemeClr val="accent1"/>
-          </a:effectRef>
-          <a:fontRef idx="minor">
-            <a:schemeClr val="tx1"/>
-          </a:fontRef>
-        </p:style>
-      </p:cxnSp>
-      <p:sp>
-        <p:nvSpPr>
-          <p:cNvPr id="13" name="文本框 12">
-            <a:extLst>
-              <a:ext uri="{FF2B5EF4-FFF2-40B4-BE49-F238E27FC236}">
-                <a16:creationId xmlns:a16="http://schemas.microsoft.com/office/drawing/2014/main" id="{66986655-95CD-4946-B43D-1B80963BF00B}"/>
-              </a:ext>
-            </a:extLst>
-          </p:cNvPr>
-          <p:cNvSpPr txBox="1"/>
-          <p:nvPr/>
-        </p:nvSpPr>
-        <p:spPr>
-          <a:xfrm>
-            <a:off x="1038639" y="2560084"/>
-            <a:ext cx="1281120" cy="369332"/>
-          </a:xfrm>
-          <a:prstGeom prst="rect">
-            <a:avLst/>
-          </a:prstGeom>
-          <a:noFill/>
-        </p:spPr>
-        <p:txBody>
-          <a:bodyPr wrap="none" rtlCol="0">
-            <a:spAutoFit/>
-          </a:bodyPr>
-          <a:lstStyle/>
-          <a:p>
-            <a:r>
-              <a:rPr lang="en-US" altLang="zh-CN" dirty="0">
-                <a:solidFill>
-                  <a:srgbClr val="0000FF"/>
-                </a:solidFill>
-              </a:rPr>
-              <a:t>feature map</a:t>
-            </a:r>
-            <a:endParaRPr lang="zh-CN" altLang="en-US" dirty="0">
-              <a:solidFill>
-                <a:srgbClr val="0000FF"/>
-              </a:solidFill>
-            </a:endParaRPr>
-          </a:p>
-        </p:txBody>
-      </p:sp>
-      <p:sp>
-        <p:nvSpPr>
-          <p:cNvPr id="14" name="矩形 13">
-            <a:extLst>
-              <a:ext uri="{FF2B5EF4-FFF2-40B4-BE49-F238E27FC236}">
-                <a16:creationId xmlns:a16="http://schemas.microsoft.com/office/drawing/2014/main" id="{8A8AFCD5-8258-4B5B-A47E-3DE56962CCD4}"/>
-              </a:ext>
-            </a:extLst>
-          </p:cNvPr>
-          <p:cNvSpPr/>
-          <p:nvPr/>
-        </p:nvSpPr>
-        <p:spPr>
-          <a:xfrm>
-            <a:off x="10160" y="222294"/>
-            <a:ext cx="2319753" cy="2341781"/>
-          </a:xfrm>
-          <a:prstGeom prst="rect">
-            <a:avLst/>
-          </a:prstGeom>
-          <a:noFill/>
-          <a:ln w="28575">
-            <a:solidFill>
-              <a:srgbClr val="0000FF"/>
-            </a:solidFill>
-          </a:ln>
-        </p:spPr>
-        <p:style>
-          <a:lnRef idx="2">
-            <a:schemeClr val="accent1">
-              <a:shade val="50000"/>
-            </a:schemeClr>
-          </a:lnRef>
-          <a:fillRef idx="1">
-            <a:schemeClr val="accent1"/>
-          </a:fillRef>
-          <a:effectRef idx="0">
-            <a:schemeClr val="accent1"/>
-          </a:effectRef>
-          <a:fontRef idx="minor">
-            <a:schemeClr val="lt1"/>
-          </a:fontRef>
-        </p:style>
-        <p:txBody>
-          <a:bodyPr rtlCol="0" anchor="ctr"/>
-          <a:lstStyle/>
-          <a:p>
-            <a:pPr algn="ctr"/>
-            <a:endParaRPr lang="zh-CN" altLang="en-US"/>
-          </a:p>
-        </p:txBody>
-      </p:sp>
-      <p:sp>
-        <p:nvSpPr>
-          <p:cNvPr id="16" name="文本框 15">
-            <a:extLst>
-              <a:ext uri="{FF2B5EF4-FFF2-40B4-BE49-F238E27FC236}">
-                <a16:creationId xmlns:a16="http://schemas.microsoft.com/office/drawing/2014/main" id="{755582EC-C15E-404C-B36B-A3CE21527AA2}"/>
-              </a:ext>
-            </a:extLst>
-          </p:cNvPr>
-          <p:cNvSpPr txBox="1"/>
-          <p:nvPr/>
-        </p:nvSpPr>
-        <p:spPr>
-          <a:xfrm>
-            <a:off x="807597" y="-309888"/>
-            <a:ext cx="724878" cy="400110"/>
-          </a:xfrm>
-          <a:prstGeom prst="rect">
-            <a:avLst/>
-          </a:prstGeom>
-          <a:noFill/>
-        </p:spPr>
-        <p:txBody>
-          <a:bodyPr wrap="none" rtlCol="0">
-            <a:spAutoFit/>
-          </a:bodyPr>
-          <a:lstStyle/>
-          <a:p>
-            <a:r>
-              <a:rPr lang="en-US" altLang="zh-CN" sz="2000" dirty="0">
-                <a:solidFill>
-                  <a:srgbClr val="0000FF"/>
-                </a:solidFill>
-              </a:rPr>
-              <a:t>Input</a:t>
-            </a:r>
-            <a:endParaRPr lang="zh-CN" altLang="en-US" sz="2000" dirty="0">
-              <a:solidFill>
-                <a:srgbClr val="0000FF"/>
-              </a:solidFill>
-            </a:endParaRPr>
-          </a:p>
-        </p:txBody>
-      </p:sp>
-      <p:sp>
-        <p:nvSpPr>
-          <p:cNvPr id="17" name="矩形 16">
-            <a:extLst>
-              <a:ext uri="{FF2B5EF4-FFF2-40B4-BE49-F238E27FC236}">
-                <a16:creationId xmlns:a16="http://schemas.microsoft.com/office/drawing/2014/main" id="{7D05B39C-A152-421D-9061-536EF82E3B7F}"/>
-              </a:ext>
-            </a:extLst>
-          </p:cNvPr>
-          <p:cNvSpPr/>
-          <p:nvPr/>
-        </p:nvSpPr>
-        <p:spPr>
-          <a:xfrm>
-            <a:off x="2861658" y="81025"/>
-            <a:ext cx="1328378" cy="2580895"/>
-          </a:xfrm>
-          <a:prstGeom prst="rect">
-            <a:avLst/>
-          </a:prstGeom>
-          <a:noFill/>
-          <a:ln w="28575">
-            <a:solidFill>
-              <a:srgbClr val="0000FF"/>
-            </a:solidFill>
-          </a:ln>
-        </p:spPr>
-        <p:style>
-          <a:lnRef idx="2">
-            <a:schemeClr val="accent1">
-              <a:shade val="50000"/>
-            </a:schemeClr>
-          </a:lnRef>
-          <a:fillRef idx="1">
-            <a:schemeClr val="accent1"/>
-          </a:fillRef>
-          <a:effectRef idx="0">
-            <a:schemeClr val="accent1"/>
-          </a:effectRef>
-          <a:fontRef idx="minor">
-            <a:schemeClr val="lt1"/>
-          </a:fontRef>
-        </p:style>
-        <p:txBody>
-          <a:bodyPr rtlCol="0" anchor="ctr"/>
-          <a:lstStyle/>
-          <a:p>
-            <a:pPr algn="ctr"/>
-            <a:endParaRPr lang="zh-CN" altLang="en-US"/>
-          </a:p>
-        </p:txBody>
-      </p:sp>
-      <p:sp>
-        <p:nvSpPr>
-          <p:cNvPr id="18" name="文本框 17">
-            <a:extLst>
-              <a:ext uri="{FF2B5EF4-FFF2-40B4-BE49-F238E27FC236}">
-                <a16:creationId xmlns:a16="http://schemas.microsoft.com/office/drawing/2014/main" id="{6F009047-1A56-453C-9336-7E45C23D78B2}"/>
-              </a:ext>
-            </a:extLst>
-          </p:cNvPr>
-          <p:cNvSpPr txBox="1"/>
-          <p:nvPr/>
-        </p:nvSpPr>
-        <p:spPr>
-          <a:xfrm>
-            <a:off x="3113714" y="-309888"/>
-            <a:ext cx="824265" cy="400110"/>
-          </a:xfrm>
-          <a:prstGeom prst="rect">
-            <a:avLst/>
-          </a:prstGeom>
-          <a:noFill/>
-        </p:spPr>
-        <p:txBody>
-          <a:bodyPr wrap="none" rtlCol="0">
-            <a:spAutoFit/>
-          </a:bodyPr>
-          <a:lstStyle/>
-          <a:p>
-            <a:r>
-              <a:rPr lang="en-US" altLang="zh-CN" sz="2000" dirty="0">
-                <a:solidFill>
-                  <a:srgbClr val="0000FF"/>
-                </a:solidFill>
-              </a:rPr>
-              <a:t>kernel</a:t>
-            </a:r>
-            <a:endParaRPr lang="zh-CN" altLang="en-US" sz="2000" dirty="0">
-              <a:solidFill>
-                <a:srgbClr val="0000FF"/>
-              </a:solidFill>
-            </a:endParaRPr>
-          </a:p>
-        </p:txBody>
-      </p:sp>
-      <p:sp>
-        <p:nvSpPr>
-          <p:cNvPr id="19" name="矩形 18">
-            <a:extLst>
-              <a:ext uri="{FF2B5EF4-FFF2-40B4-BE49-F238E27FC236}">
-                <a16:creationId xmlns:a16="http://schemas.microsoft.com/office/drawing/2014/main" id="{55DC7E46-6867-4C66-8DAA-EFEF1C7482DA}"/>
-              </a:ext>
-            </a:extLst>
-          </p:cNvPr>
-          <p:cNvSpPr/>
-          <p:nvPr/>
-        </p:nvSpPr>
-        <p:spPr>
-          <a:xfrm>
-            <a:off x="4760381" y="81025"/>
-            <a:ext cx="3479158" cy="2777591"/>
-          </a:xfrm>
-          <a:prstGeom prst="rect">
-            <a:avLst/>
-          </a:prstGeom>
-          <a:noFill/>
-          <a:ln w="28575">
-            <a:solidFill>
-              <a:srgbClr val="0000FF"/>
-            </a:solidFill>
-          </a:ln>
-        </p:spPr>
-        <p:style>
-          <a:lnRef idx="2">
-            <a:schemeClr val="accent1">
-              <a:shade val="50000"/>
-            </a:schemeClr>
-          </a:lnRef>
-          <a:fillRef idx="1">
-            <a:schemeClr val="accent1"/>
-          </a:fillRef>
-          <a:effectRef idx="0">
-            <a:schemeClr val="accent1"/>
-          </a:effectRef>
-          <a:fontRef idx="minor">
-            <a:schemeClr val="lt1"/>
-          </a:fontRef>
-        </p:style>
-        <p:txBody>
-          <a:bodyPr rtlCol="0" anchor="ctr"/>
-          <a:lstStyle/>
-          <a:p>
-            <a:pPr algn="ctr"/>
-            <a:endParaRPr lang="zh-CN" altLang="en-US"/>
-          </a:p>
-        </p:txBody>
-      </p:sp>
-      <p:sp>
-        <p:nvSpPr>
-          <p:cNvPr id="20" name="文本框 19">
-            <a:extLst>
-              <a:ext uri="{FF2B5EF4-FFF2-40B4-BE49-F238E27FC236}">
-                <a16:creationId xmlns:a16="http://schemas.microsoft.com/office/drawing/2014/main" id="{799EA1C7-FA00-4E58-88DC-0CA0BC785B4F}"/>
-              </a:ext>
-            </a:extLst>
-          </p:cNvPr>
-          <p:cNvSpPr txBox="1"/>
-          <p:nvPr/>
-        </p:nvSpPr>
-        <p:spPr>
-          <a:xfrm>
-            <a:off x="6051760" y="-319085"/>
-            <a:ext cx="896399" cy="400110"/>
-          </a:xfrm>
-          <a:prstGeom prst="rect">
-            <a:avLst/>
-          </a:prstGeom>
-          <a:noFill/>
-        </p:spPr>
-        <p:txBody>
-          <a:bodyPr wrap="none" rtlCol="0">
-            <a:spAutoFit/>
-          </a:bodyPr>
-          <a:lstStyle/>
-          <a:p>
-            <a:r>
-              <a:rPr lang="en-US" altLang="zh-CN" sz="2000" dirty="0">
-                <a:solidFill>
-                  <a:srgbClr val="0000FF"/>
-                </a:solidFill>
-              </a:rPr>
-              <a:t>Output</a:t>
-            </a:r>
-            <a:endParaRPr lang="zh-CN" altLang="en-US" sz="2000" dirty="0">
-              <a:solidFill>
-                <a:srgbClr val="0000FF"/>
-              </a:solidFill>
-            </a:endParaRPr>
-          </a:p>
-        </p:txBody>
-      </p:sp>
-      <p:sp>
-        <p:nvSpPr>
-          <p:cNvPr id="21" name="文本框 20">
-            <a:extLst>
-              <a:ext uri="{FF2B5EF4-FFF2-40B4-BE49-F238E27FC236}">
-                <a16:creationId xmlns:a16="http://schemas.microsoft.com/office/drawing/2014/main" id="{CEE88769-BD0C-4ADF-B5F8-B29BEB4D5495}"/>
-              </a:ext>
-            </a:extLst>
-          </p:cNvPr>
-          <p:cNvSpPr txBox="1"/>
-          <p:nvPr/>
-        </p:nvSpPr>
-        <p:spPr>
-          <a:xfrm>
-            <a:off x="10160" y="3947431"/>
-            <a:ext cx="4339650" cy="369332"/>
-          </a:xfrm>
-          <a:prstGeom prst="rect">
-            <a:avLst/>
-          </a:prstGeom>
-          <a:noFill/>
-        </p:spPr>
-        <p:txBody>
-          <a:bodyPr wrap="none" rtlCol="0">
-            <a:spAutoFit/>
-          </a:bodyPr>
-          <a:lstStyle/>
-          <a:p>
-            <a:r>
-              <a:rPr lang="zh-CN" altLang="en-US" dirty="0"/>
-              <a:t>主要用于提取特征。特别是图片的特征。</a:t>
-            </a:r>
-            <a:endParaRPr lang="en-US" altLang="zh-CN" dirty="0"/>
-          </a:p>
-        </p:txBody>
-      </p:sp>
-    </p:spTree>
-    <p:extLst>
-      <p:ext uri="{BB962C8B-B14F-4D97-AF65-F5344CB8AC3E}">
-        <p14:creationId xmlns:p14="http://schemas.microsoft.com/office/powerpoint/2010/main" val="2715077172"/>
-      </p:ext>
-    </p:extLst>
-  </p:cSld>
-  <p:clrMapOvr>
-    <a:masterClrMapping/>
-  </p:clrMapOvr>
-</p:sld>
-</file>
-
-<file path=ppt/slides/slide2.xml><?xml version="1.0" encoding="utf-8"?>
-<p:sld xmlns:a="http://schemas.openxmlformats.org/drawingml/2006/main" xmlns:r="http://schemas.openxmlformats.org/officeDocument/2006/relationships" xmlns:p="http://schemas.openxmlformats.org/presentationml/2006/main">
-  <p:cSld>
-    <p:spTree>
-      <p:nvGrpSpPr>
-        <p:cNvPr id="1" name=""/>
-        <p:cNvGrpSpPr/>
-        <p:nvPr/>
-      </p:nvGrpSpPr>
-      <p:grpSpPr>
-        <a:xfrm>
-          <a:off x="0" y="0"/>
-          <a:ext cx="0" cy="0"/>
-          <a:chOff x="0" y="0"/>
-          <a:chExt cx="0" cy="0"/>
-        </a:xfrm>
-      </p:grpSpPr>
-      <p:sp>
-        <p:nvSpPr>
           <p:cNvPr id="6" name="TextBox 81"/>
           <p:cNvSpPr txBox="1"/>
           <p:nvPr/>
@@ -11753,62 +8783,22 @@
                 <a:ea typeface="楷体" panose="02010609060101010101" pitchFamily="49" charset="-122"/>
                 <a:cs typeface="黑体" charset="0"/>
               </a:rPr>
-              <a:t>一、</a:t>
-            </a:r>
-            <a:r>
-              <a:rPr lang="en-US" altLang="zh-CN" sz="3200" b="1" dirty="0">
-                <a:solidFill>
-                  <a:srgbClr val="C00000"/>
-                </a:solidFill>
-                <a:effectLst>
-                  <a:outerShdw blurRad="38100" dist="38100" dir="2700000" algn="tl">
-                    <a:srgbClr val="000000">
-                      <a:alpha val="43137"/>
-                    </a:srgbClr>
-                  </a:outerShdw>
-                </a:effectLst>
-                <a:latin typeface="Times New Roman" panose="02020603050405020304" pitchFamily="18" charset="0"/>
-                <a:ea typeface="楷体" panose="02010609060101010101" pitchFamily="49" charset="-122"/>
-                <a:cs typeface="黑体" charset="0"/>
-              </a:rPr>
-              <a:t>ML</a:t>
-            </a:r>
-            <a:r>
-              <a:rPr lang="zh-CN" altLang="en-US" sz="3200" b="1" dirty="0">
-                <a:solidFill>
-                  <a:srgbClr val="C00000"/>
-                </a:solidFill>
-                <a:effectLst>
-                  <a:outerShdw blurRad="38100" dist="38100" dir="2700000" algn="tl">
-                    <a:srgbClr val="000000">
-                      <a:alpha val="43137"/>
-                    </a:srgbClr>
-                  </a:outerShdw>
-                </a:effectLst>
-                <a:latin typeface="Times New Roman" panose="02020603050405020304" pitchFamily="18" charset="0"/>
-                <a:ea typeface="楷体" panose="02010609060101010101" pitchFamily="49" charset="-122"/>
-                <a:cs typeface="黑体" charset="0"/>
-              </a:rPr>
-              <a:t> </a:t>
-            </a:r>
-            <a:r>
-              <a:rPr lang="en-US" altLang="zh-CN" sz="3200" b="1" dirty="0">
-                <a:solidFill>
-                  <a:srgbClr val="C00000"/>
-                </a:solidFill>
-                <a:effectLst>
-                  <a:outerShdw blurRad="38100" dist="38100" dir="2700000" algn="tl">
-                    <a:srgbClr val="000000">
-                      <a:alpha val="43137"/>
-                    </a:srgbClr>
-                  </a:outerShdw>
-                </a:effectLst>
-                <a:latin typeface="Times New Roman" panose="02020603050405020304" pitchFamily="18" charset="0"/>
-                <a:ea typeface="楷体" panose="02010609060101010101" pitchFamily="49" charset="-122"/>
-                <a:cs typeface="黑体" charset="0"/>
-              </a:rPr>
-              <a:t>Overview</a:t>
-            </a:r>
+              <a:t>七、示例一、线性模型</a:t>
+            </a:r>
+            <a:endParaRPr lang="en-US" altLang="zh-CN" sz="3200" b="1" dirty="0">
+              <a:solidFill>
+                <a:srgbClr val="C00000"/>
+              </a:solidFill>
+              <a:effectLst>
+                <a:outerShdw blurRad="38100" dist="38100" dir="2700000" algn="tl">
+                  <a:srgbClr val="000000">
+                    <a:alpha val="43137"/>
+                  </a:srgbClr>
+                </a:outerShdw>
+              </a:effectLst>
+              <a:latin typeface="Times New Roman" panose="02020603050405020304" pitchFamily="18" charset="0"/>
+              <a:ea typeface="楷体" panose="02010609060101010101" pitchFamily="49" charset="-122"/>
+            </a:endParaRPr>
           </a:p>
         </p:txBody>
       </p:sp>
@@ -11943,6 +8933,2578 @@
           <a:p>
             <a:fld id="{5B8AC867-72ED-42EA-92C6-36FC511EE56C}" type="slidenum">
               <a:rPr lang="zh-CN" altLang="en-US" smtClean="0"/>
+              <a:t>15</a:t>
+            </a:fld>
+            <a:endParaRPr lang="zh-CN" altLang="en-US"/>
+          </a:p>
+        </p:txBody>
+      </p:sp>
+      <p:sp>
+        <p:nvSpPr>
+          <p:cNvPr id="3" name="文本框 2">
+            <a:extLst>
+              <a:ext uri="{FF2B5EF4-FFF2-40B4-BE49-F238E27FC236}">
+                <a16:creationId xmlns:a16="http://schemas.microsoft.com/office/drawing/2014/main" id="{72D7B932-4C6B-4C6C-ABBE-4EE7132F691D}"/>
+              </a:ext>
+            </a:extLst>
+          </p:cNvPr>
+          <p:cNvSpPr txBox="1"/>
+          <p:nvPr/>
+        </p:nvSpPr>
+        <p:spPr>
+          <a:xfrm>
+            <a:off x="173130" y="1131233"/>
+            <a:ext cx="2492990" cy="369332"/>
+          </a:xfrm>
+          <a:prstGeom prst="rect">
+            <a:avLst/>
+          </a:prstGeom>
+          <a:noFill/>
+        </p:spPr>
+        <p:txBody>
+          <a:bodyPr wrap="none" rtlCol="0">
+            <a:spAutoFit/>
+          </a:bodyPr>
+          <a:lstStyle/>
+          <a:p>
+            <a:r>
+              <a:rPr lang="zh-CN" altLang="en-US" dirty="0"/>
+              <a:t>构造神经网络的类模板</a:t>
+            </a:r>
+          </a:p>
+        </p:txBody>
+      </p:sp>
+      <p:pic>
+        <p:nvPicPr>
+          <p:cNvPr id="8" name="图片 7">
+            <a:extLst>
+              <a:ext uri="{FF2B5EF4-FFF2-40B4-BE49-F238E27FC236}">
+                <a16:creationId xmlns:a16="http://schemas.microsoft.com/office/drawing/2014/main" id="{15247B75-55D7-4BC2-9533-11B2044379F5}"/>
+              </a:ext>
+            </a:extLst>
+          </p:cNvPr>
+          <p:cNvPicPr>
+            <a:picLocks noChangeAspect="1"/>
+          </p:cNvPicPr>
+          <p:nvPr/>
+        </p:nvPicPr>
+        <p:blipFill>
+          <a:blip r:embed="rId3"/>
+          <a:stretch>
+            <a:fillRect/>
+          </a:stretch>
+        </p:blipFill>
+        <p:spPr>
+          <a:xfrm>
+            <a:off x="232482" y="1610813"/>
+            <a:ext cx="4867275" cy="2447925"/>
+          </a:xfrm>
+          <a:prstGeom prst="rect">
+            <a:avLst/>
+          </a:prstGeom>
+        </p:spPr>
+      </p:pic>
+    </p:spTree>
+    <p:extLst>
+      <p:ext uri="{BB962C8B-B14F-4D97-AF65-F5344CB8AC3E}">
+        <p14:creationId xmlns:p14="http://schemas.microsoft.com/office/powerpoint/2010/main" val="1319415997"/>
+      </p:ext>
+    </p:extLst>
+  </p:cSld>
+  <p:clrMapOvr>
+    <a:masterClrMapping/>
+  </p:clrMapOvr>
+</p:sld>
+</file>
+
+<file path=ppt/slides/slide16.xml><?xml version="1.0" encoding="utf-8"?>
+<p:sld xmlns:a="http://schemas.openxmlformats.org/drawingml/2006/main" xmlns:r="http://schemas.openxmlformats.org/officeDocument/2006/relationships" xmlns:p="http://schemas.openxmlformats.org/presentationml/2006/main">
+  <p:cSld>
+    <p:spTree>
+      <p:nvGrpSpPr>
+        <p:cNvPr id="1" name=""/>
+        <p:cNvGrpSpPr/>
+        <p:nvPr/>
+      </p:nvGrpSpPr>
+      <p:grpSpPr>
+        <a:xfrm>
+          <a:off x="0" y="0"/>
+          <a:ext cx="0" cy="0"/>
+          <a:chOff x="0" y="0"/>
+          <a:chExt cx="0" cy="0"/>
+        </a:xfrm>
+      </p:grpSpPr>
+      <p:sp>
+        <p:nvSpPr>
+          <p:cNvPr id="6" name="TextBox 81"/>
+          <p:cNvSpPr txBox="1"/>
+          <p:nvPr/>
+        </p:nvSpPr>
+        <p:spPr>
+          <a:xfrm>
+            <a:off x="173130" y="260648"/>
+            <a:ext cx="7691049" cy="584775"/>
+          </a:xfrm>
+          <a:prstGeom prst="rect">
+            <a:avLst/>
+          </a:prstGeom>
+          <a:noFill/>
+        </p:spPr>
+        <p:txBody>
+          <a:bodyPr wrap="square" rtlCol="0">
+            <a:spAutoFit/>
+          </a:bodyPr>
+          <a:lstStyle/>
+          <a:p>
+            <a:r>
+              <a:rPr lang="zh-CN" altLang="en-US" sz="3200" b="1" dirty="0">
+                <a:solidFill>
+                  <a:srgbClr val="C00000"/>
+                </a:solidFill>
+                <a:effectLst>
+                  <a:outerShdw blurRad="38100" dist="38100" dir="2700000" algn="tl">
+                    <a:srgbClr val="000000">
+                      <a:alpha val="43137"/>
+                    </a:srgbClr>
+                  </a:outerShdw>
+                </a:effectLst>
+                <a:latin typeface="Times New Roman" panose="02020603050405020304" pitchFamily="18" charset="0"/>
+                <a:ea typeface="楷体" panose="02010609060101010101" pitchFamily="49" charset="-122"/>
+                <a:cs typeface="黑体" charset="0"/>
+              </a:rPr>
+              <a:t>八、</a:t>
+            </a:r>
+            <a:r>
+              <a:rPr lang="en-US" altLang="zh-CN" sz="3200" b="1" dirty="0">
+                <a:solidFill>
+                  <a:srgbClr val="C00000"/>
+                </a:solidFill>
+                <a:effectLst>
+                  <a:outerShdw blurRad="38100" dist="38100" dir="2700000" algn="tl">
+                    <a:srgbClr val="000000">
+                      <a:alpha val="43137"/>
+                    </a:srgbClr>
+                  </a:outerShdw>
+                </a:effectLst>
+                <a:latin typeface="Times New Roman" panose="02020603050405020304" pitchFamily="18" charset="0"/>
+                <a:ea typeface="楷体" panose="02010609060101010101" pitchFamily="49" charset="-122"/>
+                <a:cs typeface="黑体" charset="0"/>
+              </a:rPr>
+              <a:t>DL Network</a:t>
+            </a:r>
+            <a:endParaRPr lang="en-US" altLang="zh-CN" sz="3200" b="1" dirty="0">
+              <a:solidFill>
+                <a:srgbClr val="C00000"/>
+              </a:solidFill>
+              <a:effectLst>
+                <a:outerShdw blurRad="38100" dist="38100" dir="2700000" algn="tl">
+                  <a:srgbClr val="000000">
+                    <a:alpha val="43137"/>
+                  </a:srgbClr>
+                </a:outerShdw>
+              </a:effectLst>
+              <a:latin typeface="Times New Roman" panose="02020603050405020304" pitchFamily="18" charset="0"/>
+              <a:ea typeface="楷体" panose="02010609060101010101" pitchFamily="49" charset="-122"/>
+            </a:endParaRPr>
+          </a:p>
+        </p:txBody>
+      </p:sp>
+      <p:sp>
+        <p:nvSpPr>
+          <p:cNvPr id="7" name="AutoShape 12"/>
+          <p:cNvSpPr>
+            <a:spLocks noChangeArrowheads="1"/>
+          </p:cNvSpPr>
+          <p:nvPr/>
+        </p:nvSpPr>
+        <p:spPr bwMode="auto">
+          <a:xfrm>
+            <a:off x="0" y="955671"/>
+            <a:ext cx="8367713" cy="65314"/>
+          </a:xfrm>
+          <a:custGeom>
+            <a:avLst/>
+            <a:gdLst>
+              <a:gd name="T0" fmla="*/ 0 w 1000"/>
+              <a:gd name="T1" fmla="*/ 0 h 1000"/>
+              <a:gd name="T2" fmla="*/ 2147483647 w 1000"/>
+              <a:gd name="T3" fmla="*/ 0 h 1000"/>
+              <a:gd name="T4" fmla="*/ 2147483647 w 1000"/>
+              <a:gd name="T5" fmla="*/ 2147483647 h 1000"/>
+              <a:gd name="T6" fmla="*/ 0 w 1000"/>
+              <a:gd name="T7" fmla="*/ 2147483647 h 1000"/>
+              <a:gd name="T8" fmla="*/ 0 w 1000"/>
+              <a:gd name="T9" fmla="*/ 0 h 1000"/>
+              <a:gd name="T10" fmla="*/ 2147483647 w 1000"/>
+              <a:gd name="T11" fmla="*/ 0 h 1000"/>
+              <a:gd name="T12" fmla="*/ 0 60000 65536"/>
+              <a:gd name="T13" fmla="*/ 0 60000 65536"/>
+              <a:gd name="T14" fmla="*/ 0 60000 65536"/>
+              <a:gd name="T15" fmla="*/ 0 60000 65536"/>
+              <a:gd name="T16" fmla="*/ 0 60000 65536"/>
+              <a:gd name="T17" fmla="*/ 0 60000 65536"/>
+              <a:gd name="T18" fmla="*/ 0 w 1000"/>
+              <a:gd name="T19" fmla="*/ 0 h 1000"/>
+              <a:gd name="T20" fmla="*/ 1000 w 1000"/>
+              <a:gd name="T21" fmla="*/ 1000 h 1000"/>
+            </a:gdLst>
+            <a:ahLst/>
+            <a:cxnLst>
+              <a:cxn ang="T12">
+                <a:pos x="T0" y="T1"/>
+              </a:cxn>
+              <a:cxn ang="T13">
+                <a:pos x="T2" y="T3"/>
+              </a:cxn>
+              <a:cxn ang="T14">
+                <a:pos x="T4" y="T5"/>
+              </a:cxn>
+              <a:cxn ang="T15">
+                <a:pos x="T6" y="T7"/>
+              </a:cxn>
+              <a:cxn ang="T16">
+                <a:pos x="T8" y="T9"/>
+              </a:cxn>
+              <a:cxn ang="T17">
+                <a:pos x="T10" y="T11"/>
+              </a:cxn>
+            </a:cxnLst>
+            <a:rect l="T18" t="T19" r="T20" b="T21"/>
+            <a:pathLst>
+              <a:path w="1000" h="1000" stroke="0">
+                <a:moveTo>
+                  <a:pt x="0" y="0"/>
+                </a:moveTo>
+                <a:lnTo>
+                  <a:pt x="585" y="0"/>
+                </a:lnTo>
+                <a:lnTo>
+                  <a:pt x="585" y="1000"/>
+                </a:lnTo>
+                <a:lnTo>
+                  <a:pt x="0" y="1000"/>
+                </a:lnTo>
+                <a:lnTo>
+                  <a:pt x="0" y="0"/>
+                </a:lnTo>
+                <a:close/>
+              </a:path>
+              <a:path w="1000" h="1000">
+                <a:moveTo>
+                  <a:pt x="0" y="0"/>
+                </a:moveTo>
+                <a:lnTo>
+                  <a:pt x="1000" y="0"/>
+                </a:lnTo>
+              </a:path>
+            </a:pathLst>
+          </a:custGeom>
+          <a:solidFill>
+            <a:srgbClr val="C00000"/>
+          </a:solidFill>
+          <a:ln w="9525">
+            <a:solidFill>
+              <a:srgbClr val="C00000"/>
+            </a:solidFill>
+            <a:round/>
+            <a:headEnd/>
+            <a:tailEnd/>
+          </a:ln>
+        </p:spPr>
+        <p:txBody>
+          <a:bodyPr/>
+          <a:lstStyle/>
+          <a:p>
+            <a:endParaRPr lang="zh-CN" altLang="en-US">
+              <a:solidFill>
+                <a:prstClr val="black"/>
+              </a:solidFill>
+            </a:endParaRPr>
+          </a:p>
+        </p:txBody>
+      </p:sp>
+      <p:sp>
+        <p:nvSpPr>
+          <p:cNvPr id="2" name="灯片编号占位符 1"/>
+          <p:cNvSpPr>
+            <a:spLocks noGrp="1"/>
+          </p:cNvSpPr>
+          <p:nvPr>
+            <p:ph type="sldNum" sz="quarter" idx="12"/>
+          </p:nvPr>
+        </p:nvSpPr>
+        <p:spPr>
+          <a:xfrm>
+            <a:off x="9144000" y="6860142"/>
+            <a:ext cx="2057400" cy="365125"/>
+          </a:xfrm>
+        </p:spPr>
+        <p:txBody>
+          <a:bodyPr/>
+          <a:lstStyle/>
+          <a:p>
+            <a:fld id="{5B8AC867-72ED-42EA-92C6-36FC511EE56C}" type="slidenum">
+              <a:rPr lang="zh-CN" altLang="en-US" smtClean="0"/>
+              <a:t>16</a:t>
+            </a:fld>
+            <a:endParaRPr lang="zh-CN" altLang="en-US"/>
+          </a:p>
+        </p:txBody>
+      </p:sp>
+      <p:pic>
+        <p:nvPicPr>
+          <p:cNvPr id="5" name="Picture 1">
+            <a:extLst>
+              <a:ext uri="{FF2B5EF4-FFF2-40B4-BE49-F238E27FC236}">
+                <a16:creationId xmlns:a16="http://schemas.microsoft.com/office/drawing/2014/main" id="{61E5CFD1-0B98-4E0D-9961-68BA41BD3299}"/>
+              </a:ext>
+            </a:extLst>
+          </p:cNvPr>
+          <p:cNvPicPr>
+            <a:picLocks noChangeAspect="1" noChangeArrowheads="1"/>
+          </p:cNvPicPr>
+          <p:nvPr/>
+        </p:nvPicPr>
+        <p:blipFill>
+          <a:blip r:embed="rId3">
+            <a:extLst>
+              <a:ext uri="{28A0092B-C50C-407E-A947-70E740481C1C}">
+                <a14:useLocalDpi xmlns:a14="http://schemas.microsoft.com/office/drawing/2010/main" val="0"/>
+              </a:ext>
+            </a:extLst>
+          </a:blip>
+          <a:srcRect/>
+          <a:stretch>
+            <a:fillRect/>
+          </a:stretch>
+        </p:blipFill>
+        <p:spPr bwMode="auto">
+          <a:xfrm>
+            <a:off x="173130" y="1400464"/>
+            <a:ext cx="8439150" cy="5048250"/>
+          </a:xfrm>
+          <a:prstGeom prst="rect">
+            <a:avLst/>
+          </a:prstGeom>
+          <a:noFill/>
+          <a:extLst>
+            <a:ext uri="{909E8E84-426E-40DD-AFC4-6F175D3DCCD1}">
+              <a14:hiddenFill xmlns:a14="http://schemas.microsoft.com/office/drawing/2010/main">
+                <a:solidFill>
+                  <a:srgbClr val="FFFFFF"/>
+                </a:solidFill>
+              </a14:hiddenFill>
+            </a:ext>
+          </a:extLst>
+        </p:spPr>
+      </p:pic>
+      <p:sp>
+        <p:nvSpPr>
+          <p:cNvPr id="8" name="文本框 7">
+            <a:extLst>
+              <a:ext uri="{FF2B5EF4-FFF2-40B4-BE49-F238E27FC236}">
+                <a16:creationId xmlns:a16="http://schemas.microsoft.com/office/drawing/2014/main" id="{FF4F0605-E136-423C-A7C2-33AF1E6922E0}"/>
+              </a:ext>
+            </a:extLst>
+          </p:cNvPr>
+          <p:cNvSpPr txBox="1"/>
+          <p:nvPr/>
+        </p:nvSpPr>
+        <p:spPr>
+          <a:xfrm>
+            <a:off x="312025" y="2025497"/>
+            <a:ext cx="646331" cy="369332"/>
+          </a:xfrm>
+          <a:prstGeom prst="rect">
+            <a:avLst/>
+          </a:prstGeom>
+          <a:noFill/>
+        </p:spPr>
+        <p:txBody>
+          <a:bodyPr wrap="none" rtlCol="0">
+            <a:spAutoFit/>
+          </a:bodyPr>
+          <a:lstStyle/>
+          <a:p>
+            <a:r>
+              <a:rPr lang="zh-CN" altLang="en-US" dirty="0">
+                <a:solidFill>
+                  <a:srgbClr val="FF0000"/>
+                </a:solidFill>
+              </a:rPr>
+              <a:t>输入</a:t>
+            </a:r>
+          </a:p>
+        </p:txBody>
+      </p:sp>
+      <p:sp>
+        <p:nvSpPr>
+          <p:cNvPr id="9" name="文本框 8">
+            <a:extLst>
+              <a:ext uri="{FF2B5EF4-FFF2-40B4-BE49-F238E27FC236}">
+                <a16:creationId xmlns:a16="http://schemas.microsoft.com/office/drawing/2014/main" id="{30B97A4E-E8E0-45AD-B95F-585FE6F36341}"/>
+              </a:ext>
+            </a:extLst>
+          </p:cNvPr>
+          <p:cNvSpPr txBox="1"/>
+          <p:nvPr/>
+        </p:nvSpPr>
+        <p:spPr>
+          <a:xfrm>
+            <a:off x="312024" y="2812046"/>
+            <a:ext cx="646331" cy="369332"/>
+          </a:xfrm>
+          <a:prstGeom prst="rect">
+            <a:avLst/>
+          </a:prstGeom>
+          <a:noFill/>
+        </p:spPr>
+        <p:txBody>
+          <a:bodyPr wrap="none" rtlCol="0">
+            <a:spAutoFit/>
+          </a:bodyPr>
+          <a:lstStyle/>
+          <a:p>
+            <a:r>
+              <a:rPr lang="zh-CN" altLang="en-US" dirty="0">
+                <a:solidFill>
+                  <a:srgbClr val="FF0000"/>
+                </a:solidFill>
+              </a:rPr>
+              <a:t>输入</a:t>
+            </a:r>
+          </a:p>
+        </p:txBody>
+      </p:sp>
+      <p:sp>
+        <p:nvSpPr>
+          <p:cNvPr id="10" name="文本框 9">
+            <a:extLst>
+              <a:ext uri="{FF2B5EF4-FFF2-40B4-BE49-F238E27FC236}">
+                <a16:creationId xmlns:a16="http://schemas.microsoft.com/office/drawing/2014/main" id="{16D73B14-3ADA-43DA-A314-8B704F8EADFB}"/>
+              </a:ext>
+            </a:extLst>
+          </p:cNvPr>
+          <p:cNvSpPr txBox="1"/>
+          <p:nvPr/>
+        </p:nvSpPr>
+        <p:spPr>
+          <a:xfrm>
+            <a:off x="312024" y="3555257"/>
+            <a:ext cx="646331" cy="369332"/>
+          </a:xfrm>
+          <a:prstGeom prst="rect">
+            <a:avLst/>
+          </a:prstGeom>
+          <a:noFill/>
+        </p:spPr>
+        <p:txBody>
+          <a:bodyPr wrap="none" rtlCol="0">
+            <a:spAutoFit/>
+          </a:bodyPr>
+          <a:lstStyle/>
+          <a:p>
+            <a:r>
+              <a:rPr lang="zh-CN" altLang="en-US" dirty="0">
+                <a:solidFill>
+                  <a:srgbClr val="FF0000"/>
+                </a:solidFill>
+              </a:rPr>
+              <a:t>输入</a:t>
+            </a:r>
+          </a:p>
+        </p:txBody>
+      </p:sp>
+      <p:sp>
+        <p:nvSpPr>
+          <p:cNvPr id="11" name="文本框 10">
+            <a:extLst>
+              <a:ext uri="{FF2B5EF4-FFF2-40B4-BE49-F238E27FC236}">
+                <a16:creationId xmlns:a16="http://schemas.microsoft.com/office/drawing/2014/main" id="{B29B443E-3C30-4BC9-BAEE-B0FC68AC5574}"/>
+              </a:ext>
+            </a:extLst>
+          </p:cNvPr>
+          <p:cNvSpPr txBox="1"/>
+          <p:nvPr/>
+        </p:nvSpPr>
+        <p:spPr>
+          <a:xfrm>
+            <a:off x="312023" y="4298468"/>
+            <a:ext cx="646331" cy="369332"/>
+          </a:xfrm>
+          <a:prstGeom prst="rect">
+            <a:avLst/>
+          </a:prstGeom>
+          <a:noFill/>
+        </p:spPr>
+        <p:txBody>
+          <a:bodyPr wrap="none" rtlCol="0">
+            <a:spAutoFit/>
+          </a:bodyPr>
+          <a:lstStyle/>
+          <a:p>
+            <a:r>
+              <a:rPr lang="zh-CN" altLang="en-US" dirty="0">
+                <a:solidFill>
+                  <a:srgbClr val="FF0000"/>
+                </a:solidFill>
+              </a:rPr>
+              <a:t>输入</a:t>
+            </a:r>
+          </a:p>
+        </p:txBody>
+      </p:sp>
+      <p:sp>
+        <p:nvSpPr>
+          <p:cNvPr id="12" name="文本框 11">
+            <a:extLst>
+              <a:ext uri="{FF2B5EF4-FFF2-40B4-BE49-F238E27FC236}">
+                <a16:creationId xmlns:a16="http://schemas.microsoft.com/office/drawing/2014/main" id="{66615F7C-5B9C-4D23-8A7D-A3DB37ED60F1}"/>
+              </a:ext>
+            </a:extLst>
+          </p:cNvPr>
+          <p:cNvSpPr txBox="1"/>
+          <p:nvPr/>
+        </p:nvSpPr>
+        <p:spPr>
+          <a:xfrm>
+            <a:off x="312022" y="5001985"/>
+            <a:ext cx="646331" cy="369332"/>
+          </a:xfrm>
+          <a:prstGeom prst="rect">
+            <a:avLst/>
+          </a:prstGeom>
+          <a:noFill/>
+        </p:spPr>
+        <p:txBody>
+          <a:bodyPr wrap="none" rtlCol="0">
+            <a:spAutoFit/>
+          </a:bodyPr>
+          <a:lstStyle/>
+          <a:p>
+            <a:r>
+              <a:rPr lang="zh-CN" altLang="en-US" dirty="0">
+                <a:solidFill>
+                  <a:srgbClr val="FF0000"/>
+                </a:solidFill>
+              </a:rPr>
+              <a:t>输入</a:t>
+            </a:r>
+          </a:p>
+        </p:txBody>
+      </p:sp>
+      <p:sp>
+        <p:nvSpPr>
+          <p:cNvPr id="13" name="文本框 12">
+            <a:extLst>
+              <a:ext uri="{FF2B5EF4-FFF2-40B4-BE49-F238E27FC236}">
+                <a16:creationId xmlns:a16="http://schemas.microsoft.com/office/drawing/2014/main" id="{2E954821-9769-4EB1-95FD-80C4CE9BA0DC}"/>
+              </a:ext>
+            </a:extLst>
+          </p:cNvPr>
+          <p:cNvSpPr txBox="1"/>
+          <p:nvPr/>
+        </p:nvSpPr>
+        <p:spPr>
+          <a:xfrm>
+            <a:off x="7779625" y="2025497"/>
+            <a:ext cx="646331" cy="369332"/>
+          </a:xfrm>
+          <a:prstGeom prst="rect">
+            <a:avLst/>
+          </a:prstGeom>
+          <a:noFill/>
+        </p:spPr>
+        <p:txBody>
+          <a:bodyPr wrap="none" rtlCol="0">
+            <a:spAutoFit/>
+          </a:bodyPr>
+          <a:lstStyle/>
+          <a:p>
+            <a:r>
+              <a:rPr lang="zh-CN" altLang="en-US" dirty="0">
+                <a:solidFill>
+                  <a:srgbClr val="FF0000"/>
+                </a:solidFill>
+              </a:rPr>
+              <a:t>输出</a:t>
+            </a:r>
+          </a:p>
+        </p:txBody>
+      </p:sp>
+      <p:sp>
+        <p:nvSpPr>
+          <p:cNvPr id="14" name="文本框 13">
+            <a:extLst>
+              <a:ext uri="{FF2B5EF4-FFF2-40B4-BE49-F238E27FC236}">
+                <a16:creationId xmlns:a16="http://schemas.microsoft.com/office/drawing/2014/main" id="{88BD38B0-7921-4C74-BD34-EAB05771171B}"/>
+              </a:ext>
+            </a:extLst>
+          </p:cNvPr>
+          <p:cNvSpPr txBox="1"/>
+          <p:nvPr/>
+        </p:nvSpPr>
+        <p:spPr>
+          <a:xfrm>
+            <a:off x="7779624" y="2812046"/>
+            <a:ext cx="646331" cy="369332"/>
+          </a:xfrm>
+          <a:prstGeom prst="rect">
+            <a:avLst/>
+          </a:prstGeom>
+          <a:noFill/>
+        </p:spPr>
+        <p:txBody>
+          <a:bodyPr wrap="none" rtlCol="0">
+            <a:spAutoFit/>
+          </a:bodyPr>
+          <a:lstStyle/>
+          <a:p>
+            <a:r>
+              <a:rPr lang="zh-CN" altLang="en-US" dirty="0">
+                <a:solidFill>
+                  <a:srgbClr val="FF0000"/>
+                </a:solidFill>
+              </a:rPr>
+              <a:t>输出</a:t>
+            </a:r>
+          </a:p>
+        </p:txBody>
+      </p:sp>
+      <p:sp>
+        <p:nvSpPr>
+          <p:cNvPr id="15" name="文本框 14">
+            <a:extLst>
+              <a:ext uri="{FF2B5EF4-FFF2-40B4-BE49-F238E27FC236}">
+                <a16:creationId xmlns:a16="http://schemas.microsoft.com/office/drawing/2014/main" id="{E7A2EA5B-C1BE-48FB-924D-6FAAB9D021D5}"/>
+              </a:ext>
+            </a:extLst>
+          </p:cNvPr>
+          <p:cNvSpPr txBox="1"/>
+          <p:nvPr/>
+        </p:nvSpPr>
+        <p:spPr>
+          <a:xfrm>
+            <a:off x="7779624" y="3555257"/>
+            <a:ext cx="646331" cy="369332"/>
+          </a:xfrm>
+          <a:prstGeom prst="rect">
+            <a:avLst/>
+          </a:prstGeom>
+          <a:noFill/>
+        </p:spPr>
+        <p:txBody>
+          <a:bodyPr wrap="none" rtlCol="0">
+            <a:spAutoFit/>
+          </a:bodyPr>
+          <a:lstStyle/>
+          <a:p>
+            <a:r>
+              <a:rPr lang="zh-CN" altLang="en-US" dirty="0">
+                <a:solidFill>
+                  <a:srgbClr val="FF0000"/>
+                </a:solidFill>
+              </a:rPr>
+              <a:t>输出</a:t>
+            </a:r>
+          </a:p>
+        </p:txBody>
+      </p:sp>
+      <p:sp>
+        <p:nvSpPr>
+          <p:cNvPr id="16" name="文本框 15">
+            <a:extLst>
+              <a:ext uri="{FF2B5EF4-FFF2-40B4-BE49-F238E27FC236}">
+                <a16:creationId xmlns:a16="http://schemas.microsoft.com/office/drawing/2014/main" id="{A02B3A99-C80B-4EBD-8952-0C04B8602900}"/>
+              </a:ext>
+            </a:extLst>
+          </p:cNvPr>
+          <p:cNvSpPr txBox="1"/>
+          <p:nvPr/>
+        </p:nvSpPr>
+        <p:spPr>
+          <a:xfrm>
+            <a:off x="7779623" y="4298468"/>
+            <a:ext cx="646331" cy="369332"/>
+          </a:xfrm>
+          <a:prstGeom prst="rect">
+            <a:avLst/>
+          </a:prstGeom>
+          <a:noFill/>
+        </p:spPr>
+        <p:txBody>
+          <a:bodyPr wrap="none" rtlCol="0">
+            <a:spAutoFit/>
+          </a:bodyPr>
+          <a:lstStyle/>
+          <a:p>
+            <a:r>
+              <a:rPr lang="zh-CN" altLang="en-US" dirty="0">
+                <a:solidFill>
+                  <a:srgbClr val="FF0000"/>
+                </a:solidFill>
+              </a:rPr>
+              <a:t>输出</a:t>
+            </a:r>
+          </a:p>
+        </p:txBody>
+      </p:sp>
+      <p:sp>
+        <p:nvSpPr>
+          <p:cNvPr id="17" name="文本框 16">
+            <a:extLst>
+              <a:ext uri="{FF2B5EF4-FFF2-40B4-BE49-F238E27FC236}">
+                <a16:creationId xmlns:a16="http://schemas.microsoft.com/office/drawing/2014/main" id="{4EE81C05-517C-4908-8B79-64C2D4303542}"/>
+              </a:ext>
+            </a:extLst>
+          </p:cNvPr>
+          <p:cNvSpPr txBox="1"/>
+          <p:nvPr/>
+        </p:nvSpPr>
+        <p:spPr>
+          <a:xfrm>
+            <a:off x="7779622" y="5001985"/>
+            <a:ext cx="646331" cy="369332"/>
+          </a:xfrm>
+          <a:prstGeom prst="rect">
+            <a:avLst/>
+          </a:prstGeom>
+          <a:noFill/>
+        </p:spPr>
+        <p:txBody>
+          <a:bodyPr wrap="none" rtlCol="0">
+            <a:spAutoFit/>
+          </a:bodyPr>
+          <a:lstStyle/>
+          <a:p>
+            <a:r>
+              <a:rPr lang="zh-CN" altLang="en-US" dirty="0">
+                <a:solidFill>
+                  <a:srgbClr val="FF0000"/>
+                </a:solidFill>
+              </a:rPr>
+              <a:t>输出</a:t>
+            </a:r>
+          </a:p>
+        </p:txBody>
+      </p:sp>
+      <p:sp>
+        <p:nvSpPr>
+          <p:cNvPr id="18" name="文本框 17">
+            <a:extLst>
+              <a:ext uri="{FF2B5EF4-FFF2-40B4-BE49-F238E27FC236}">
+                <a16:creationId xmlns:a16="http://schemas.microsoft.com/office/drawing/2014/main" id="{49EFC0DE-E8E1-478A-811F-B0AA524C303C}"/>
+              </a:ext>
+            </a:extLst>
+          </p:cNvPr>
+          <p:cNvSpPr txBox="1"/>
+          <p:nvPr/>
+        </p:nvSpPr>
+        <p:spPr>
+          <a:xfrm>
+            <a:off x="2036654" y="1400464"/>
+            <a:ext cx="761747" cy="369332"/>
+          </a:xfrm>
+          <a:prstGeom prst="rect">
+            <a:avLst/>
+          </a:prstGeom>
+          <a:noFill/>
+        </p:spPr>
+        <p:txBody>
+          <a:bodyPr wrap="none" rtlCol="0">
+            <a:spAutoFit/>
+          </a:bodyPr>
+          <a:lstStyle/>
+          <a:p>
+            <a:r>
+              <a:rPr lang="en-US" altLang="zh-CN" dirty="0">
+                <a:solidFill>
+                  <a:srgbClr val="7030A0"/>
+                </a:solidFill>
+              </a:rPr>
+              <a:t>layer1</a:t>
+            </a:r>
+            <a:endParaRPr lang="zh-CN" altLang="en-US" dirty="0">
+              <a:solidFill>
+                <a:srgbClr val="7030A0"/>
+              </a:solidFill>
+            </a:endParaRPr>
+          </a:p>
+        </p:txBody>
+      </p:sp>
+      <p:sp>
+        <p:nvSpPr>
+          <p:cNvPr id="19" name="文本框 18">
+            <a:extLst>
+              <a:ext uri="{FF2B5EF4-FFF2-40B4-BE49-F238E27FC236}">
+                <a16:creationId xmlns:a16="http://schemas.microsoft.com/office/drawing/2014/main" id="{F1560530-3011-4815-BE97-3A3116773B09}"/>
+              </a:ext>
+            </a:extLst>
+          </p:cNvPr>
+          <p:cNvSpPr txBox="1"/>
+          <p:nvPr/>
+        </p:nvSpPr>
+        <p:spPr>
+          <a:xfrm>
+            <a:off x="3346522" y="1065327"/>
+            <a:ext cx="761747" cy="369332"/>
+          </a:xfrm>
+          <a:prstGeom prst="rect">
+            <a:avLst/>
+          </a:prstGeom>
+          <a:noFill/>
+        </p:spPr>
+        <p:txBody>
+          <a:bodyPr wrap="none" rtlCol="0">
+            <a:spAutoFit/>
+          </a:bodyPr>
+          <a:lstStyle/>
+          <a:p>
+            <a:r>
+              <a:rPr lang="en-US" altLang="zh-CN" dirty="0">
+                <a:solidFill>
+                  <a:srgbClr val="7030A0"/>
+                </a:solidFill>
+              </a:rPr>
+              <a:t>layer2</a:t>
+            </a:r>
+            <a:endParaRPr lang="zh-CN" altLang="en-US" dirty="0">
+              <a:solidFill>
+                <a:srgbClr val="7030A0"/>
+              </a:solidFill>
+            </a:endParaRPr>
+          </a:p>
+        </p:txBody>
+      </p:sp>
+      <p:sp>
+        <p:nvSpPr>
+          <p:cNvPr id="20" name="文本框 19">
+            <a:extLst>
+              <a:ext uri="{FF2B5EF4-FFF2-40B4-BE49-F238E27FC236}">
+                <a16:creationId xmlns:a16="http://schemas.microsoft.com/office/drawing/2014/main" id="{94480399-4635-4B30-85D9-C7CADD61A5E5}"/>
+              </a:ext>
+            </a:extLst>
+          </p:cNvPr>
+          <p:cNvSpPr txBox="1"/>
+          <p:nvPr/>
+        </p:nvSpPr>
+        <p:spPr>
+          <a:xfrm>
+            <a:off x="4656390" y="1070851"/>
+            <a:ext cx="761747" cy="369332"/>
+          </a:xfrm>
+          <a:prstGeom prst="rect">
+            <a:avLst/>
+          </a:prstGeom>
+          <a:noFill/>
+        </p:spPr>
+        <p:txBody>
+          <a:bodyPr wrap="none" rtlCol="0">
+            <a:spAutoFit/>
+          </a:bodyPr>
+          <a:lstStyle/>
+          <a:p>
+            <a:r>
+              <a:rPr lang="en-US" altLang="zh-CN" dirty="0">
+                <a:solidFill>
+                  <a:srgbClr val="7030A0"/>
+                </a:solidFill>
+              </a:rPr>
+              <a:t>layer3</a:t>
+            </a:r>
+            <a:endParaRPr lang="zh-CN" altLang="en-US" dirty="0">
+              <a:solidFill>
+                <a:srgbClr val="7030A0"/>
+              </a:solidFill>
+            </a:endParaRPr>
+          </a:p>
+        </p:txBody>
+      </p:sp>
+      <p:sp>
+        <p:nvSpPr>
+          <p:cNvPr id="21" name="文本框 20">
+            <a:extLst>
+              <a:ext uri="{FF2B5EF4-FFF2-40B4-BE49-F238E27FC236}">
+                <a16:creationId xmlns:a16="http://schemas.microsoft.com/office/drawing/2014/main" id="{15A4BB67-3765-4786-87A7-644AF229D49A}"/>
+              </a:ext>
+            </a:extLst>
+          </p:cNvPr>
+          <p:cNvSpPr txBox="1"/>
+          <p:nvPr/>
+        </p:nvSpPr>
+        <p:spPr>
+          <a:xfrm>
+            <a:off x="5975651" y="1446234"/>
+            <a:ext cx="761747" cy="369332"/>
+          </a:xfrm>
+          <a:prstGeom prst="rect">
+            <a:avLst/>
+          </a:prstGeom>
+          <a:noFill/>
+        </p:spPr>
+        <p:txBody>
+          <a:bodyPr wrap="none" rtlCol="0">
+            <a:spAutoFit/>
+          </a:bodyPr>
+          <a:lstStyle/>
+          <a:p>
+            <a:r>
+              <a:rPr lang="en-US" altLang="zh-CN" dirty="0">
+                <a:solidFill>
+                  <a:srgbClr val="7030A0"/>
+                </a:solidFill>
+              </a:rPr>
+              <a:t>layer4</a:t>
+            </a:r>
+            <a:endParaRPr lang="zh-CN" altLang="en-US" dirty="0">
+              <a:solidFill>
+                <a:srgbClr val="7030A0"/>
+              </a:solidFill>
+            </a:endParaRPr>
+          </a:p>
+        </p:txBody>
+      </p:sp>
+      <p:sp>
+        <p:nvSpPr>
+          <p:cNvPr id="22" name="文本框 21">
+            <a:extLst>
+              <a:ext uri="{FF2B5EF4-FFF2-40B4-BE49-F238E27FC236}">
+                <a16:creationId xmlns:a16="http://schemas.microsoft.com/office/drawing/2014/main" id="{F6845B48-E1E3-4F4E-9574-8C583689ECF1}"/>
+              </a:ext>
+            </a:extLst>
+          </p:cNvPr>
+          <p:cNvSpPr txBox="1"/>
+          <p:nvPr/>
+        </p:nvSpPr>
+        <p:spPr>
+          <a:xfrm>
+            <a:off x="1368730" y="1815036"/>
+            <a:ext cx="466794" cy="369332"/>
+          </a:xfrm>
+          <a:prstGeom prst="rect">
+            <a:avLst/>
+          </a:prstGeom>
+          <a:noFill/>
+        </p:spPr>
+        <p:txBody>
+          <a:bodyPr wrap="none" rtlCol="0">
+            <a:spAutoFit/>
+          </a:bodyPr>
+          <a:lstStyle/>
+          <a:p>
+            <a:r>
+              <a:rPr lang="en-US" altLang="zh-CN" dirty="0">
+                <a:solidFill>
+                  <a:srgbClr val="00B0F0"/>
+                </a:solidFill>
+              </a:rPr>
+              <a:t>w1</a:t>
+            </a:r>
+            <a:endParaRPr lang="zh-CN" altLang="en-US" dirty="0">
+              <a:solidFill>
+                <a:srgbClr val="00B0F0"/>
+              </a:solidFill>
+            </a:endParaRPr>
+          </a:p>
+        </p:txBody>
+      </p:sp>
+      <p:sp>
+        <p:nvSpPr>
+          <p:cNvPr id="23" name="文本框 22">
+            <a:extLst>
+              <a:ext uri="{FF2B5EF4-FFF2-40B4-BE49-F238E27FC236}">
+                <a16:creationId xmlns:a16="http://schemas.microsoft.com/office/drawing/2014/main" id="{1CA4F012-F4BC-477B-887F-8DFD48E0E3C4}"/>
+              </a:ext>
+            </a:extLst>
+          </p:cNvPr>
+          <p:cNvSpPr txBox="1"/>
+          <p:nvPr/>
+        </p:nvSpPr>
+        <p:spPr>
+          <a:xfrm>
+            <a:off x="2863393" y="1446234"/>
+            <a:ext cx="466794" cy="369332"/>
+          </a:xfrm>
+          <a:prstGeom prst="rect">
+            <a:avLst/>
+          </a:prstGeom>
+          <a:noFill/>
+        </p:spPr>
+        <p:txBody>
+          <a:bodyPr wrap="none" rtlCol="0">
+            <a:spAutoFit/>
+          </a:bodyPr>
+          <a:lstStyle/>
+          <a:p>
+            <a:r>
+              <a:rPr lang="en-US" altLang="zh-CN" dirty="0">
+                <a:solidFill>
+                  <a:srgbClr val="00B0F0"/>
+                </a:solidFill>
+              </a:rPr>
+              <a:t>w2</a:t>
+            </a:r>
+            <a:endParaRPr lang="zh-CN" altLang="en-US" dirty="0">
+              <a:solidFill>
+                <a:srgbClr val="00B0F0"/>
+              </a:solidFill>
+            </a:endParaRPr>
+          </a:p>
+        </p:txBody>
+      </p:sp>
+      <p:sp>
+        <p:nvSpPr>
+          <p:cNvPr id="24" name="文本框 23">
+            <a:extLst>
+              <a:ext uri="{FF2B5EF4-FFF2-40B4-BE49-F238E27FC236}">
+                <a16:creationId xmlns:a16="http://schemas.microsoft.com/office/drawing/2014/main" id="{C5139F24-22E6-4CF0-9602-CB24E5CA1B3D}"/>
+              </a:ext>
+            </a:extLst>
+          </p:cNvPr>
+          <p:cNvSpPr txBox="1"/>
+          <p:nvPr/>
+        </p:nvSpPr>
+        <p:spPr>
+          <a:xfrm>
+            <a:off x="4217016" y="1249993"/>
+            <a:ext cx="466794" cy="369332"/>
+          </a:xfrm>
+          <a:prstGeom prst="rect">
+            <a:avLst/>
+          </a:prstGeom>
+          <a:noFill/>
+        </p:spPr>
+        <p:txBody>
+          <a:bodyPr wrap="none" rtlCol="0">
+            <a:spAutoFit/>
+          </a:bodyPr>
+          <a:lstStyle/>
+          <a:p>
+            <a:r>
+              <a:rPr lang="en-US" altLang="zh-CN" dirty="0">
+                <a:solidFill>
+                  <a:srgbClr val="00B0F0"/>
+                </a:solidFill>
+              </a:rPr>
+              <a:t>w3</a:t>
+            </a:r>
+            <a:endParaRPr lang="zh-CN" altLang="en-US" dirty="0">
+              <a:solidFill>
+                <a:srgbClr val="00B0F0"/>
+              </a:solidFill>
+            </a:endParaRPr>
+          </a:p>
+        </p:txBody>
+      </p:sp>
+      <p:sp>
+        <p:nvSpPr>
+          <p:cNvPr id="25" name="文本框 24">
+            <a:extLst>
+              <a:ext uri="{FF2B5EF4-FFF2-40B4-BE49-F238E27FC236}">
+                <a16:creationId xmlns:a16="http://schemas.microsoft.com/office/drawing/2014/main" id="{743C32B0-C19C-4833-9758-698B01A69BBF}"/>
+              </a:ext>
+            </a:extLst>
+          </p:cNvPr>
+          <p:cNvSpPr txBox="1"/>
+          <p:nvPr/>
+        </p:nvSpPr>
+        <p:spPr>
+          <a:xfrm>
+            <a:off x="5559281" y="1446234"/>
+            <a:ext cx="466794" cy="369332"/>
+          </a:xfrm>
+          <a:prstGeom prst="rect">
+            <a:avLst/>
+          </a:prstGeom>
+          <a:noFill/>
+        </p:spPr>
+        <p:txBody>
+          <a:bodyPr wrap="none" rtlCol="0">
+            <a:spAutoFit/>
+          </a:bodyPr>
+          <a:lstStyle/>
+          <a:p>
+            <a:r>
+              <a:rPr lang="en-US" altLang="zh-CN" dirty="0">
+                <a:solidFill>
+                  <a:srgbClr val="00B0F0"/>
+                </a:solidFill>
+              </a:rPr>
+              <a:t>w4</a:t>
+            </a:r>
+            <a:endParaRPr lang="zh-CN" altLang="en-US" dirty="0">
+              <a:solidFill>
+                <a:srgbClr val="00B0F0"/>
+              </a:solidFill>
+            </a:endParaRPr>
+          </a:p>
+        </p:txBody>
+      </p:sp>
+      <p:sp>
+        <p:nvSpPr>
+          <p:cNvPr id="26" name="文本框 25">
+            <a:extLst>
+              <a:ext uri="{FF2B5EF4-FFF2-40B4-BE49-F238E27FC236}">
+                <a16:creationId xmlns:a16="http://schemas.microsoft.com/office/drawing/2014/main" id="{4085BBC3-2B3B-4898-A8A4-33E7FB3C97D6}"/>
+              </a:ext>
+            </a:extLst>
+          </p:cNvPr>
+          <p:cNvSpPr txBox="1"/>
+          <p:nvPr/>
+        </p:nvSpPr>
+        <p:spPr>
+          <a:xfrm>
+            <a:off x="6920666" y="1815036"/>
+            <a:ext cx="466794" cy="369332"/>
+          </a:xfrm>
+          <a:prstGeom prst="rect">
+            <a:avLst/>
+          </a:prstGeom>
+          <a:noFill/>
+        </p:spPr>
+        <p:txBody>
+          <a:bodyPr wrap="none" rtlCol="0">
+            <a:spAutoFit/>
+          </a:bodyPr>
+          <a:lstStyle/>
+          <a:p>
+            <a:r>
+              <a:rPr lang="en-US" altLang="zh-CN" dirty="0">
+                <a:solidFill>
+                  <a:srgbClr val="00B0F0"/>
+                </a:solidFill>
+              </a:rPr>
+              <a:t>w5</a:t>
+            </a:r>
+            <a:endParaRPr lang="zh-CN" altLang="en-US" dirty="0">
+              <a:solidFill>
+                <a:srgbClr val="00B0F0"/>
+              </a:solidFill>
+            </a:endParaRPr>
+          </a:p>
+        </p:txBody>
+      </p:sp>
+      <p:sp>
+        <p:nvSpPr>
+          <p:cNvPr id="27" name="文本框 26">
+            <a:extLst>
+              <a:ext uri="{FF2B5EF4-FFF2-40B4-BE49-F238E27FC236}">
+                <a16:creationId xmlns:a16="http://schemas.microsoft.com/office/drawing/2014/main" id="{AB5D1734-4F1A-4216-9628-2D0B738B4179}"/>
+              </a:ext>
+            </a:extLst>
+          </p:cNvPr>
+          <p:cNvSpPr txBox="1"/>
+          <p:nvPr/>
+        </p:nvSpPr>
+        <p:spPr>
+          <a:xfrm>
+            <a:off x="-79111" y="6444982"/>
+            <a:ext cx="1428596" cy="369332"/>
+          </a:xfrm>
+          <a:prstGeom prst="rect">
+            <a:avLst/>
+          </a:prstGeom>
+          <a:noFill/>
+        </p:spPr>
+        <p:txBody>
+          <a:bodyPr wrap="none" rtlCol="0">
+            <a:spAutoFit/>
+          </a:bodyPr>
+          <a:lstStyle/>
+          <a:p>
+            <a:r>
+              <a:rPr lang="en-US" altLang="zh-CN" dirty="0">
+                <a:solidFill>
+                  <a:srgbClr val="FF0000"/>
+                </a:solidFill>
+              </a:rPr>
+              <a:t>Matrix[5 x 1]</a:t>
+            </a:r>
+            <a:endParaRPr lang="zh-CN" altLang="en-US" dirty="0">
+              <a:solidFill>
+                <a:srgbClr val="FF0000"/>
+              </a:solidFill>
+            </a:endParaRPr>
+          </a:p>
+        </p:txBody>
+      </p:sp>
+      <p:sp>
+        <p:nvSpPr>
+          <p:cNvPr id="28" name="文本框 27">
+            <a:extLst>
+              <a:ext uri="{FF2B5EF4-FFF2-40B4-BE49-F238E27FC236}">
+                <a16:creationId xmlns:a16="http://schemas.microsoft.com/office/drawing/2014/main" id="{7E152FA5-7A1D-47A7-A566-7CE86B652782}"/>
+              </a:ext>
+            </a:extLst>
+          </p:cNvPr>
+          <p:cNvSpPr txBox="1"/>
+          <p:nvPr/>
+        </p:nvSpPr>
+        <p:spPr>
+          <a:xfrm>
+            <a:off x="7471121" y="6444982"/>
+            <a:ext cx="1428596" cy="369332"/>
+          </a:xfrm>
+          <a:prstGeom prst="rect">
+            <a:avLst/>
+          </a:prstGeom>
+          <a:noFill/>
+        </p:spPr>
+        <p:txBody>
+          <a:bodyPr wrap="none" rtlCol="0">
+            <a:spAutoFit/>
+          </a:bodyPr>
+          <a:lstStyle/>
+          <a:p>
+            <a:r>
+              <a:rPr lang="en-US" altLang="zh-CN" dirty="0">
+                <a:solidFill>
+                  <a:srgbClr val="FF0000"/>
+                </a:solidFill>
+              </a:rPr>
+              <a:t>Matrix[5 x 1]</a:t>
+            </a:r>
+            <a:endParaRPr lang="zh-CN" altLang="en-US" dirty="0">
+              <a:solidFill>
+                <a:srgbClr val="FF0000"/>
+              </a:solidFill>
+            </a:endParaRPr>
+          </a:p>
+        </p:txBody>
+      </p:sp>
+      <p:sp>
+        <p:nvSpPr>
+          <p:cNvPr id="29" name="文本框 28">
+            <a:extLst>
+              <a:ext uri="{FF2B5EF4-FFF2-40B4-BE49-F238E27FC236}">
+                <a16:creationId xmlns:a16="http://schemas.microsoft.com/office/drawing/2014/main" id="{B0584EAC-5A4A-465C-BE15-DFF6911290EF}"/>
+              </a:ext>
+            </a:extLst>
+          </p:cNvPr>
+          <p:cNvSpPr txBox="1"/>
+          <p:nvPr/>
+        </p:nvSpPr>
+        <p:spPr>
+          <a:xfrm>
+            <a:off x="1672879" y="6457664"/>
+            <a:ext cx="1428596" cy="369332"/>
+          </a:xfrm>
+          <a:prstGeom prst="rect">
+            <a:avLst/>
+          </a:prstGeom>
+          <a:noFill/>
+        </p:spPr>
+        <p:txBody>
+          <a:bodyPr wrap="none" rtlCol="0">
+            <a:spAutoFit/>
+          </a:bodyPr>
+          <a:lstStyle/>
+          <a:p>
+            <a:r>
+              <a:rPr lang="en-US" altLang="zh-CN" dirty="0">
+                <a:solidFill>
+                  <a:srgbClr val="7030A0"/>
+                </a:solidFill>
+              </a:rPr>
+              <a:t>Matrix[6 x 1]</a:t>
+            </a:r>
+            <a:endParaRPr lang="zh-CN" altLang="en-US" dirty="0">
+              <a:solidFill>
+                <a:srgbClr val="7030A0"/>
+              </a:solidFill>
+            </a:endParaRPr>
+          </a:p>
+        </p:txBody>
+      </p:sp>
+      <p:sp>
+        <p:nvSpPr>
+          <p:cNvPr id="30" name="文本框 29">
+            <a:extLst>
+              <a:ext uri="{FF2B5EF4-FFF2-40B4-BE49-F238E27FC236}">
+                <a16:creationId xmlns:a16="http://schemas.microsoft.com/office/drawing/2014/main" id="{7A0AC6A4-558B-4B80-82FA-E7B8218ECED1}"/>
+              </a:ext>
+            </a:extLst>
+          </p:cNvPr>
+          <p:cNvSpPr txBox="1"/>
+          <p:nvPr/>
+        </p:nvSpPr>
+        <p:spPr>
+          <a:xfrm>
+            <a:off x="3039082" y="6444402"/>
+            <a:ext cx="1428596" cy="369332"/>
+          </a:xfrm>
+          <a:prstGeom prst="rect">
+            <a:avLst/>
+          </a:prstGeom>
+          <a:noFill/>
+        </p:spPr>
+        <p:txBody>
+          <a:bodyPr wrap="none" rtlCol="0">
+            <a:spAutoFit/>
+          </a:bodyPr>
+          <a:lstStyle/>
+          <a:p>
+            <a:r>
+              <a:rPr lang="en-US" altLang="zh-CN" dirty="0">
+                <a:solidFill>
+                  <a:srgbClr val="7030A0"/>
+                </a:solidFill>
+              </a:rPr>
+              <a:t>Matrix[7 x 1]</a:t>
+            </a:r>
+            <a:endParaRPr lang="zh-CN" altLang="en-US" dirty="0">
+              <a:solidFill>
+                <a:srgbClr val="7030A0"/>
+              </a:solidFill>
+            </a:endParaRPr>
+          </a:p>
+        </p:txBody>
+      </p:sp>
+      <p:sp>
+        <p:nvSpPr>
+          <p:cNvPr id="31" name="文本框 30">
+            <a:extLst>
+              <a:ext uri="{FF2B5EF4-FFF2-40B4-BE49-F238E27FC236}">
+                <a16:creationId xmlns:a16="http://schemas.microsoft.com/office/drawing/2014/main" id="{246C5C69-D55D-4A35-9EF1-1DF1C20C2E6A}"/>
+              </a:ext>
+            </a:extLst>
+          </p:cNvPr>
+          <p:cNvSpPr txBox="1"/>
+          <p:nvPr/>
+        </p:nvSpPr>
+        <p:spPr>
+          <a:xfrm>
+            <a:off x="4433371" y="6441249"/>
+            <a:ext cx="1428596" cy="369332"/>
+          </a:xfrm>
+          <a:prstGeom prst="rect">
+            <a:avLst/>
+          </a:prstGeom>
+          <a:noFill/>
+        </p:spPr>
+        <p:txBody>
+          <a:bodyPr wrap="none" rtlCol="0">
+            <a:spAutoFit/>
+          </a:bodyPr>
+          <a:lstStyle/>
+          <a:p>
+            <a:r>
+              <a:rPr lang="en-US" altLang="zh-CN" dirty="0">
+                <a:solidFill>
+                  <a:srgbClr val="7030A0"/>
+                </a:solidFill>
+              </a:rPr>
+              <a:t>Matrix[7 x 1]</a:t>
+            </a:r>
+            <a:endParaRPr lang="zh-CN" altLang="en-US" dirty="0">
+              <a:solidFill>
+                <a:srgbClr val="7030A0"/>
+              </a:solidFill>
+            </a:endParaRPr>
+          </a:p>
+        </p:txBody>
+      </p:sp>
+      <p:sp>
+        <p:nvSpPr>
+          <p:cNvPr id="32" name="文本框 31">
+            <a:extLst>
+              <a:ext uri="{FF2B5EF4-FFF2-40B4-BE49-F238E27FC236}">
+                <a16:creationId xmlns:a16="http://schemas.microsoft.com/office/drawing/2014/main" id="{BA813A30-35D8-4C21-9676-1D1ABC46AC30}"/>
+              </a:ext>
+            </a:extLst>
+          </p:cNvPr>
+          <p:cNvSpPr txBox="1"/>
+          <p:nvPr/>
+        </p:nvSpPr>
+        <p:spPr>
+          <a:xfrm>
+            <a:off x="5781361" y="6438096"/>
+            <a:ext cx="1428596" cy="369332"/>
+          </a:xfrm>
+          <a:prstGeom prst="rect">
+            <a:avLst/>
+          </a:prstGeom>
+          <a:noFill/>
+        </p:spPr>
+        <p:txBody>
+          <a:bodyPr wrap="none" rtlCol="0">
+            <a:spAutoFit/>
+          </a:bodyPr>
+          <a:lstStyle/>
+          <a:p>
+            <a:r>
+              <a:rPr lang="en-US" altLang="zh-CN" dirty="0">
+                <a:solidFill>
+                  <a:srgbClr val="7030A0"/>
+                </a:solidFill>
+              </a:rPr>
+              <a:t>Matrix[6 x 1]</a:t>
+            </a:r>
+            <a:endParaRPr lang="zh-CN" altLang="en-US" dirty="0">
+              <a:solidFill>
+                <a:srgbClr val="7030A0"/>
+              </a:solidFill>
+            </a:endParaRPr>
+          </a:p>
+        </p:txBody>
+      </p:sp>
+      <p:sp>
+        <p:nvSpPr>
+          <p:cNvPr id="33" name="文本框 32">
+            <a:extLst>
+              <a:ext uri="{FF2B5EF4-FFF2-40B4-BE49-F238E27FC236}">
+                <a16:creationId xmlns:a16="http://schemas.microsoft.com/office/drawing/2014/main" id="{20814B00-8E43-419E-B787-447D93F30AB3}"/>
+              </a:ext>
+            </a:extLst>
+          </p:cNvPr>
+          <p:cNvSpPr txBox="1"/>
+          <p:nvPr/>
+        </p:nvSpPr>
+        <p:spPr>
+          <a:xfrm>
+            <a:off x="654432" y="6960673"/>
+            <a:ext cx="1428596" cy="369332"/>
+          </a:xfrm>
+          <a:prstGeom prst="rect">
+            <a:avLst/>
+          </a:prstGeom>
+          <a:noFill/>
+        </p:spPr>
+        <p:txBody>
+          <a:bodyPr wrap="none" rtlCol="0">
+            <a:spAutoFit/>
+          </a:bodyPr>
+          <a:lstStyle/>
+          <a:p>
+            <a:r>
+              <a:rPr lang="en-US" altLang="zh-CN" dirty="0">
+                <a:solidFill>
+                  <a:srgbClr val="00B0F0"/>
+                </a:solidFill>
+              </a:rPr>
+              <a:t>Matrix[6 x 5]</a:t>
+            </a:r>
+            <a:endParaRPr lang="zh-CN" altLang="en-US" dirty="0">
+              <a:solidFill>
+                <a:srgbClr val="00B0F0"/>
+              </a:solidFill>
+            </a:endParaRPr>
+          </a:p>
+        </p:txBody>
+      </p:sp>
+      <p:sp>
+        <p:nvSpPr>
+          <p:cNvPr id="34" name="文本框 33">
+            <a:extLst>
+              <a:ext uri="{FF2B5EF4-FFF2-40B4-BE49-F238E27FC236}">
+                <a16:creationId xmlns:a16="http://schemas.microsoft.com/office/drawing/2014/main" id="{5CB9678A-9A85-4657-B587-208243576E71}"/>
+              </a:ext>
+            </a:extLst>
+          </p:cNvPr>
+          <p:cNvSpPr txBox="1"/>
+          <p:nvPr/>
+        </p:nvSpPr>
+        <p:spPr>
+          <a:xfrm>
+            <a:off x="2324784" y="6962817"/>
+            <a:ext cx="1428596" cy="369332"/>
+          </a:xfrm>
+          <a:prstGeom prst="rect">
+            <a:avLst/>
+          </a:prstGeom>
+          <a:noFill/>
+        </p:spPr>
+        <p:txBody>
+          <a:bodyPr wrap="none" rtlCol="0">
+            <a:spAutoFit/>
+          </a:bodyPr>
+          <a:lstStyle/>
+          <a:p>
+            <a:r>
+              <a:rPr lang="en-US" altLang="zh-CN" dirty="0">
+                <a:solidFill>
+                  <a:srgbClr val="00B0F0"/>
+                </a:solidFill>
+              </a:rPr>
+              <a:t>Matrix[7 x 6]</a:t>
+            </a:r>
+            <a:endParaRPr lang="zh-CN" altLang="en-US" dirty="0">
+              <a:solidFill>
+                <a:srgbClr val="00B0F0"/>
+              </a:solidFill>
+            </a:endParaRPr>
+          </a:p>
+        </p:txBody>
+      </p:sp>
+      <p:sp>
+        <p:nvSpPr>
+          <p:cNvPr id="35" name="文本框 34">
+            <a:extLst>
+              <a:ext uri="{FF2B5EF4-FFF2-40B4-BE49-F238E27FC236}">
+                <a16:creationId xmlns:a16="http://schemas.microsoft.com/office/drawing/2014/main" id="{E04F99B9-B070-4986-996A-77FE77C8907E}"/>
+              </a:ext>
+            </a:extLst>
+          </p:cNvPr>
+          <p:cNvSpPr txBox="1"/>
+          <p:nvPr/>
+        </p:nvSpPr>
+        <p:spPr>
+          <a:xfrm>
+            <a:off x="3753380" y="6990139"/>
+            <a:ext cx="1428596" cy="369332"/>
+          </a:xfrm>
+          <a:prstGeom prst="rect">
+            <a:avLst/>
+          </a:prstGeom>
+          <a:noFill/>
+        </p:spPr>
+        <p:txBody>
+          <a:bodyPr wrap="none" rtlCol="0">
+            <a:spAutoFit/>
+          </a:bodyPr>
+          <a:lstStyle/>
+          <a:p>
+            <a:r>
+              <a:rPr lang="en-US" altLang="zh-CN" dirty="0">
+                <a:solidFill>
+                  <a:srgbClr val="00B0F0"/>
+                </a:solidFill>
+              </a:rPr>
+              <a:t>Matrix[7 x 7]</a:t>
+            </a:r>
+            <a:endParaRPr lang="zh-CN" altLang="en-US" dirty="0">
+              <a:solidFill>
+                <a:srgbClr val="00B0F0"/>
+              </a:solidFill>
+            </a:endParaRPr>
+          </a:p>
+        </p:txBody>
+      </p:sp>
+      <p:sp>
+        <p:nvSpPr>
+          <p:cNvPr id="36" name="文本框 35">
+            <a:extLst>
+              <a:ext uri="{FF2B5EF4-FFF2-40B4-BE49-F238E27FC236}">
+                <a16:creationId xmlns:a16="http://schemas.microsoft.com/office/drawing/2014/main" id="{E9706EFD-44C7-43E9-9B98-8D112B1E9664}"/>
+              </a:ext>
+            </a:extLst>
+          </p:cNvPr>
+          <p:cNvSpPr txBox="1"/>
+          <p:nvPr/>
+        </p:nvSpPr>
+        <p:spPr>
+          <a:xfrm>
+            <a:off x="5181976" y="7008928"/>
+            <a:ext cx="1428596" cy="369332"/>
+          </a:xfrm>
+          <a:prstGeom prst="rect">
+            <a:avLst/>
+          </a:prstGeom>
+          <a:noFill/>
+        </p:spPr>
+        <p:txBody>
+          <a:bodyPr wrap="none" rtlCol="0">
+            <a:spAutoFit/>
+          </a:bodyPr>
+          <a:lstStyle/>
+          <a:p>
+            <a:r>
+              <a:rPr lang="en-US" altLang="zh-CN" dirty="0">
+                <a:solidFill>
+                  <a:srgbClr val="00B0F0"/>
+                </a:solidFill>
+              </a:rPr>
+              <a:t>Matrix[6 x 7]</a:t>
+            </a:r>
+            <a:endParaRPr lang="zh-CN" altLang="en-US" dirty="0">
+              <a:solidFill>
+                <a:srgbClr val="00B0F0"/>
+              </a:solidFill>
+            </a:endParaRPr>
+          </a:p>
+        </p:txBody>
+      </p:sp>
+      <p:sp>
+        <p:nvSpPr>
+          <p:cNvPr id="37" name="文本框 36">
+            <a:extLst>
+              <a:ext uri="{FF2B5EF4-FFF2-40B4-BE49-F238E27FC236}">
+                <a16:creationId xmlns:a16="http://schemas.microsoft.com/office/drawing/2014/main" id="{663B05FE-F503-4D79-BD02-4DC644F696A8}"/>
+              </a:ext>
+            </a:extLst>
+          </p:cNvPr>
+          <p:cNvSpPr txBox="1"/>
+          <p:nvPr/>
+        </p:nvSpPr>
+        <p:spPr>
+          <a:xfrm>
+            <a:off x="6785363" y="7017359"/>
+            <a:ext cx="1428596" cy="369332"/>
+          </a:xfrm>
+          <a:prstGeom prst="rect">
+            <a:avLst/>
+          </a:prstGeom>
+          <a:noFill/>
+        </p:spPr>
+        <p:txBody>
+          <a:bodyPr wrap="none" rtlCol="0">
+            <a:spAutoFit/>
+          </a:bodyPr>
+          <a:lstStyle/>
+          <a:p>
+            <a:r>
+              <a:rPr lang="en-US" altLang="zh-CN" dirty="0">
+                <a:solidFill>
+                  <a:srgbClr val="00B0F0"/>
+                </a:solidFill>
+              </a:rPr>
+              <a:t>Matrix[5 x 6]</a:t>
+            </a:r>
+            <a:endParaRPr lang="zh-CN" altLang="en-US" dirty="0">
+              <a:solidFill>
+                <a:srgbClr val="00B0F0"/>
+              </a:solidFill>
+            </a:endParaRPr>
+          </a:p>
+        </p:txBody>
+      </p:sp>
+      <p:sp>
+        <p:nvSpPr>
+          <p:cNvPr id="3" name="文本框 2">
+            <a:extLst>
+              <a:ext uri="{FF2B5EF4-FFF2-40B4-BE49-F238E27FC236}">
+                <a16:creationId xmlns:a16="http://schemas.microsoft.com/office/drawing/2014/main" id="{7E1DC7B0-2CED-496F-8B64-A63CC046AA7B}"/>
+              </a:ext>
+            </a:extLst>
+          </p:cNvPr>
+          <p:cNvSpPr txBox="1"/>
+          <p:nvPr/>
+        </p:nvSpPr>
+        <p:spPr>
+          <a:xfrm>
+            <a:off x="-1198730" y="7462192"/>
+            <a:ext cx="11182870" cy="369332"/>
+          </a:xfrm>
+          <a:prstGeom prst="rect">
+            <a:avLst/>
+          </a:prstGeom>
+          <a:noFill/>
+        </p:spPr>
+        <p:txBody>
+          <a:bodyPr wrap="none" rtlCol="0">
+            <a:spAutoFit/>
+          </a:bodyPr>
+          <a:lstStyle/>
+          <a:p>
+            <a:r>
+              <a:rPr lang="en-US" altLang="zh-CN" dirty="0"/>
+              <a:t>Input1 * w1 -&gt; layer1 = Input2 * w2 -&gt; layer2 = Input3 * w3 -&gt; layer3 = Input4 * w4 -&gt; layer4 =Input5 * w5 -&gt; Output</a:t>
+            </a:r>
+            <a:endParaRPr lang="zh-CN" altLang="en-US" dirty="0"/>
+          </a:p>
+        </p:txBody>
+      </p:sp>
+    </p:spTree>
+    <p:extLst>
+      <p:ext uri="{BB962C8B-B14F-4D97-AF65-F5344CB8AC3E}">
+        <p14:creationId xmlns:p14="http://schemas.microsoft.com/office/powerpoint/2010/main" val="3500806214"/>
+      </p:ext>
+    </p:extLst>
+  </p:cSld>
+  <p:clrMapOvr>
+    <a:masterClrMapping/>
+  </p:clrMapOvr>
+</p:sld>
+</file>
+
+<file path=ppt/slides/slide17.xml><?xml version="1.0" encoding="utf-8"?>
+<p:sld xmlns:a="http://schemas.openxmlformats.org/drawingml/2006/main" xmlns:r="http://schemas.openxmlformats.org/officeDocument/2006/relationships" xmlns:p="http://schemas.openxmlformats.org/presentationml/2006/main">
+  <p:cSld>
+    <p:spTree>
+      <p:nvGrpSpPr>
+        <p:cNvPr id="1" name=""/>
+        <p:cNvGrpSpPr/>
+        <p:nvPr/>
+      </p:nvGrpSpPr>
+      <p:grpSpPr>
+        <a:xfrm>
+          <a:off x="0" y="0"/>
+          <a:ext cx="0" cy="0"/>
+          <a:chOff x="0" y="0"/>
+          <a:chExt cx="0" cy="0"/>
+        </a:xfrm>
+      </p:grpSpPr>
+      <p:sp>
+        <p:nvSpPr>
+          <p:cNvPr id="7170" name="Text Box 2"/>
+          <p:cNvSpPr txBox="1">
+            <a:spLocks noChangeArrowheads="1"/>
+          </p:cNvSpPr>
+          <p:nvPr/>
+        </p:nvSpPr>
+        <p:spPr bwMode="auto">
+          <a:xfrm>
+            <a:off x="1162080" y="1606869"/>
+            <a:ext cx="7416800" cy="3323987"/>
+          </a:xfrm>
+          <a:prstGeom prst="rect">
+            <a:avLst/>
+          </a:prstGeom>
+          <a:noFill/>
+          <a:ln>
+            <a:noFill/>
+          </a:ln>
+          <a:effectLst/>
+          <a:extLst>
+            <a:ext uri="{909E8E84-426E-40DD-AFC4-6F175D3DCCD1}">
+              <a14:hiddenFill xmlns:a14="http://schemas.microsoft.com/office/drawing/2010/main">
+                <a:solidFill>
+                  <a:schemeClr val="accent1"/>
+                </a:solidFill>
+              </a14:hiddenFill>
+            </a:ext>
+            <a:ext uri="{91240B29-F687-4F45-9708-019B960494DF}">
+              <a14:hiddenLine xmlns:a14="http://schemas.microsoft.com/office/drawing/2010/main" w="9525">
+                <a:solidFill>
+                  <a:schemeClr val="tx1"/>
+                </a:solidFill>
+                <a:miter lim="800000"/>
+                <a:headEnd/>
+                <a:tailEnd/>
+              </a14:hiddenLine>
+            </a:ext>
+            <a:ext uri="{AF507438-7753-43E0-B8FC-AC1667EBCBE1}">
+              <a14:hiddenEffects xmlns:a14="http://schemas.microsoft.com/office/drawing/2010/main">
+                <a:effectLst>
+                  <a:outerShdw blurRad="63500" dist="38099" dir="2700000" algn="ctr" rotWithShape="0">
+                    <a:schemeClr val="bg2">
+                      <a:alpha val="74998"/>
+                    </a:schemeClr>
+                  </a:outerShdw>
+                </a:effectLst>
+              </a14:hiddenEffects>
+            </a:ext>
+          </a:extLst>
+        </p:spPr>
+        <p:txBody>
+          <a:bodyPr>
+            <a:spAutoFit/>
+          </a:bodyPr>
+          <a:lstStyle/>
+          <a:p>
+            <a:pPr>
+              <a:lnSpc>
+                <a:spcPct val="200000"/>
+              </a:lnSpc>
+              <a:spcBef>
+                <a:spcPct val="50000"/>
+              </a:spcBef>
+            </a:pPr>
+            <a:r>
+              <a:rPr lang="zh-CN" altLang="en-US" sz="3000" b="1" dirty="0">
+                <a:ea typeface="黑体" charset="0"/>
+                <a:cs typeface="黑体" charset="0"/>
+              </a:rPr>
+              <a:t>一、背景</a:t>
+            </a:r>
+          </a:p>
+          <a:p>
+            <a:pPr>
+              <a:lnSpc>
+                <a:spcPct val="200000"/>
+              </a:lnSpc>
+              <a:spcBef>
+                <a:spcPct val="50000"/>
+              </a:spcBef>
+            </a:pPr>
+            <a:r>
+              <a:rPr lang="zh-CN" altLang="en-US" sz="3000" b="1" dirty="0">
+                <a:solidFill>
+                  <a:srgbClr val="C00000"/>
+                </a:solidFill>
+                <a:ea typeface="黑体" charset="0"/>
+                <a:cs typeface="黑体" charset="0"/>
+              </a:rPr>
+              <a:t>二、研究进展</a:t>
+            </a:r>
+            <a:endParaRPr lang="en-US" altLang="zh-CN" sz="3000" b="1" dirty="0">
+              <a:solidFill>
+                <a:srgbClr val="C00000"/>
+              </a:solidFill>
+              <a:ea typeface="黑体" charset="0"/>
+              <a:cs typeface="黑体" charset="0"/>
+            </a:endParaRPr>
+          </a:p>
+          <a:p>
+            <a:pPr>
+              <a:lnSpc>
+                <a:spcPct val="200000"/>
+              </a:lnSpc>
+              <a:spcBef>
+                <a:spcPct val="50000"/>
+              </a:spcBef>
+            </a:pPr>
+            <a:r>
+              <a:rPr lang="zh-CN" altLang="en-US" sz="3000" b="1" dirty="0">
+                <a:ea typeface="黑体" charset="0"/>
+                <a:cs typeface="黑体" charset="0"/>
+              </a:rPr>
+              <a:t>三、未来计划</a:t>
+            </a:r>
+            <a:endParaRPr lang="en-US" altLang="zh-CN" sz="3000" b="1" dirty="0">
+              <a:ea typeface="黑体" charset="0"/>
+              <a:cs typeface="黑体" charset="0"/>
+            </a:endParaRPr>
+          </a:p>
+        </p:txBody>
+      </p:sp>
+      <p:sp>
+        <p:nvSpPr>
+          <p:cNvPr id="3" name="TextBox 2"/>
+          <p:cNvSpPr txBox="1"/>
+          <p:nvPr/>
+        </p:nvSpPr>
+        <p:spPr>
+          <a:xfrm>
+            <a:off x="1012190" y="294825"/>
+            <a:ext cx="6892290" cy="707886"/>
+          </a:xfrm>
+          <a:prstGeom prst="rect">
+            <a:avLst/>
+          </a:prstGeom>
+          <a:noFill/>
+        </p:spPr>
+        <p:txBody>
+          <a:bodyPr wrap="square" rtlCol="0">
+            <a:spAutoFit/>
+          </a:bodyPr>
+          <a:lstStyle/>
+          <a:p>
+            <a:pPr algn="ctr"/>
+            <a:r>
+              <a:rPr lang="zh-CN" altLang="en-US" sz="4000" b="1" dirty="0">
+                <a:solidFill>
+                  <a:srgbClr val="C00000"/>
+                </a:solidFill>
+                <a:latin typeface="黑体" pitchFamily="49" charset="-122"/>
+                <a:ea typeface="黑体" pitchFamily="49" charset="-122"/>
+              </a:rPr>
+              <a:t> 汇报内容</a:t>
+            </a:r>
+          </a:p>
+        </p:txBody>
+      </p:sp>
+      <p:cxnSp>
+        <p:nvCxnSpPr>
+          <p:cNvPr id="5" name="直接连接符 4"/>
+          <p:cNvCxnSpPr/>
+          <p:nvPr/>
+        </p:nvCxnSpPr>
+        <p:spPr>
+          <a:xfrm>
+            <a:off x="0" y="1026796"/>
+            <a:ext cx="9144000" cy="0"/>
+          </a:xfrm>
+          <a:prstGeom prst="line">
+            <a:avLst/>
+          </a:prstGeom>
+          <a:ln w="38100">
+            <a:solidFill>
+              <a:srgbClr val="C00000"/>
+            </a:solidFill>
+          </a:ln>
+        </p:spPr>
+        <p:style>
+          <a:lnRef idx="2">
+            <a:schemeClr val="accent1"/>
+          </a:lnRef>
+          <a:fillRef idx="0">
+            <a:schemeClr val="accent1"/>
+          </a:fillRef>
+          <a:effectRef idx="1">
+            <a:schemeClr val="accent1"/>
+          </a:effectRef>
+          <a:fontRef idx="minor">
+            <a:schemeClr val="tx1"/>
+          </a:fontRef>
+        </p:style>
+      </p:cxnSp>
+      <p:sp>
+        <p:nvSpPr>
+          <p:cNvPr id="2" name="灯片编号占位符 1"/>
+          <p:cNvSpPr>
+            <a:spLocks noGrp="1"/>
+          </p:cNvSpPr>
+          <p:nvPr>
+            <p:ph type="sldNum" sz="quarter" idx="12"/>
+          </p:nvPr>
+        </p:nvSpPr>
+        <p:spPr/>
+        <p:txBody>
+          <a:bodyPr/>
+          <a:lstStyle/>
+          <a:p>
+            <a:fld id="{5B8AC867-72ED-42EA-92C6-36FC511EE56C}" type="slidenum">
+              <a:rPr lang="zh-CN" altLang="en-US" smtClean="0"/>
+              <a:t>17</a:t>
+            </a:fld>
+            <a:endParaRPr lang="zh-CN" altLang="en-US"/>
+          </a:p>
+        </p:txBody>
+      </p:sp>
+    </p:spTree>
+    <p:extLst>
+      <p:ext uri="{BB962C8B-B14F-4D97-AF65-F5344CB8AC3E}">
+        <p14:creationId xmlns:p14="http://schemas.microsoft.com/office/powerpoint/2010/main" val="3058035894"/>
+      </p:ext>
+    </p:extLst>
+  </p:cSld>
+  <p:clrMapOvr>
+    <a:masterClrMapping/>
+  </p:clrMapOvr>
+</p:sld>
+</file>
+
+<file path=ppt/slides/slide18.xml><?xml version="1.0" encoding="utf-8"?>
+<p:sld xmlns:a="http://schemas.openxmlformats.org/drawingml/2006/main" xmlns:r="http://schemas.openxmlformats.org/officeDocument/2006/relationships" xmlns:p="http://schemas.openxmlformats.org/presentationml/2006/main">
+  <p:cSld>
+    <p:spTree>
+      <p:nvGrpSpPr>
+        <p:cNvPr id="1" name=""/>
+        <p:cNvGrpSpPr/>
+        <p:nvPr/>
+      </p:nvGrpSpPr>
+      <p:grpSpPr>
+        <a:xfrm>
+          <a:off x="0" y="0"/>
+          <a:ext cx="0" cy="0"/>
+          <a:chOff x="0" y="0"/>
+          <a:chExt cx="0" cy="0"/>
+        </a:xfrm>
+      </p:grpSpPr>
+      <p:sp>
+        <p:nvSpPr>
+          <p:cNvPr id="3" name="内容占位符 2"/>
+          <p:cNvSpPr>
+            <a:spLocks noGrp="1"/>
+          </p:cNvSpPr>
+          <p:nvPr>
+            <p:ph idx="1"/>
+          </p:nvPr>
+        </p:nvSpPr>
+        <p:spPr>
+          <a:xfrm>
+            <a:off x="309995" y="1022062"/>
+            <a:ext cx="7886700" cy="4741430"/>
+          </a:xfrm>
+        </p:spPr>
+        <p:txBody>
+          <a:bodyPr>
+            <a:normAutofit/>
+          </a:bodyPr>
+          <a:lstStyle/>
+          <a:p>
+            <a:pPr marL="0" indent="0">
+              <a:lnSpc>
+                <a:spcPct val="200000"/>
+              </a:lnSpc>
+              <a:buNone/>
+            </a:pPr>
+            <a:r>
+              <a:rPr lang="en-US" altLang="zh-CN" kern="100" dirty="0">
+                <a:solidFill>
+                  <a:srgbClr val="C00000"/>
+                </a:solidFill>
+                <a:latin typeface="Times New Roman" panose="02020603050405020304" pitchFamily="18" charset="0"/>
+                <a:cs typeface="Times New Roman" panose="02020603050405020304" pitchFamily="18" charset="0"/>
+              </a:rPr>
+              <a:t>2.1.</a:t>
+            </a:r>
+            <a:endParaRPr lang="en-US" altLang="zh-CN" kern="100" dirty="0">
+              <a:solidFill>
+                <a:srgbClr val="C00000"/>
+              </a:solidFill>
+              <a:latin typeface="Times New Roman" panose="02020603050405020304" pitchFamily="18" charset="0"/>
+              <a:ea typeface="宋体" panose="02010600030101010101" pitchFamily="2" charset="-122"/>
+              <a:cs typeface="Times New Roman" panose="02020603050405020304" pitchFamily="18" charset="0"/>
+            </a:endParaRPr>
+          </a:p>
+          <a:p>
+            <a:pPr marL="0" indent="0">
+              <a:lnSpc>
+                <a:spcPct val="200000"/>
+              </a:lnSpc>
+              <a:buNone/>
+            </a:pPr>
+            <a:r>
+              <a:rPr lang="en-US" altLang="zh-CN" kern="100" dirty="0">
+                <a:latin typeface="Times New Roman" panose="02020603050405020304" pitchFamily="18" charset="0"/>
+                <a:cs typeface="Times New Roman" panose="02020603050405020304" pitchFamily="18" charset="0"/>
+              </a:rPr>
+              <a:t>2.2. </a:t>
+            </a:r>
+          </a:p>
+          <a:p>
+            <a:pPr marL="0" indent="0">
+              <a:lnSpc>
+                <a:spcPct val="200000"/>
+              </a:lnSpc>
+              <a:buNone/>
+            </a:pPr>
+            <a:r>
+              <a:rPr lang="en-US" altLang="zh-CN" kern="100" dirty="0">
+                <a:latin typeface="Times New Roman" panose="02020603050405020304" pitchFamily="18" charset="0"/>
+                <a:cs typeface="Times New Roman" panose="02020603050405020304" pitchFamily="18" charset="0"/>
+              </a:rPr>
+              <a:t>2.3. </a:t>
+            </a:r>
+            <a:endParaRPr lang="en-US" altLang="zh-CN" kern="100" dirty="0">
+              <a:latin typeface="宋体" panose="02010600030101010101" pitchFamily="2" charset="-122"/>
+              <a:ea typeface="宋体" panose="02010600030101010101" pitchFamily="2" charset="-122"/>
+              <a:cs typeface="Times New Roman" panose="02020603050405020304" pitchFamily="18" charset="0"/>
+            </a:endParaRPr>
+          </a:p>
+          <a:p>
+            <a:endParaRPr lang="en-US" altLang="zh-CN" kern="100" dirty="0">
+              <a:latin typeface="Times New Roman" panose="02020603050405020304" pitchFamily="18" charset="0"/>
+              <a:cs typeface="Times New Roman" panose="02020603050405020304" pitchFamily="18" charset="0"/>
+            </a:endParaRPr>
+          </a:p>
+          <a:p>
+            <a:endParaRPr lang="zh-CN" altLang="en-US" dirty="0"/>
+          </a:p>
+        </p:txBody>
+      </p:sp>
+      <p:sp>
+        <p:nvSpPr>
+          <p:cNvPr id="4" name="TextBox 20"/>
+          <p:cNvSpPr txBox="1"/>
+          <p:nvPr/>
+        </p:nvSpPr>
+        <p:spPr>
+          <a:xfrm>
+            <a:off x="107504" y="230320"/>
+            <a:ext cx="4580965" cy="584775"/>
+          </a:xfrm>
+          <a:prstGeom prst="rect">
+            <a:avLst/>
+          </a:prstGeom>
+          <a:noFill/>
+        </p:spPr>
+        <p:txBody>
+          <a:bodyPr wrap="square" rtlCol="0">
+            <a:spAutoFit/>
+          </a:bodyPr>
+          <a:lstStyle/>
+          <a:p>
+            <a:r>
+              <a:rPr lang="zh-CN" altLang="en-US" sz="3200" b="1" dirty="0">
+                <a:solidFill>
+                  <a:srgbClr val="C00000"/>
+                </a:solidFill>
+                <a:latin typeface="黑体" panose="02010609060101010101" pitchFamily="49" charset="-122"/>
+                <a:ea typeface="黑体" panose="02010609060101010101" pitchFamily="49" charset="-122"/>
+                <a:cs typeface="黑体" charset="0"/>
+              </a:rPr>
+              <a:t>二</a:t>
+            </a:r>
+            <a:r>
+              <a:rPr lang="en-US" altLang="zh-CN" sz="3200" b="1" dirty="0">
+                <a:solidFill>
+                  <a:srgbClr val="C00000"/>
+                </a:solidFill>
+                <a:latin typeface="黑体" panose="02010609060101010101" pitchFamily="49" charset="-122"/>
+                <a:ea typeface="黑体" panose="02010609060101010101" pitchFamily="49" charset="-122"/>
+                <a:cs typeface="黑体" charset="0"/>
+              </a:rPr>
+              <a:t> </a:t>
+            </a:r>
+            <a:r>
+              <a:rPr lang="zh-CN" altLang="en-US" sz="3200" b="1" dirty="0">
+                <a:solidFill>
+                  <a:srgbClr val="C00000"/>
+                </a:solidFill>
+                <a:latin typeface="黑体" panose="02010609060101010101" pitchFamily="49" charset="-122"/>
+                <a:ea typeface="黑体" panose="02010609060101010101" pitchFamily="49" charset="-122"/>
+                <a:cs typeface="黑体" charset="0"/>
+              </a:rPr>
+              <a:t>研究进展</a:t>
+            </a:r>
+          </a:p>
+        </p:txBody>
+      </p:sp>
+      <p:cxnSp>
+        <p:nvCxnSpPr>
+          <p:cNvPr id="5" name="直接连接符 4"/>
+          <p:cNvCxnSpPr/>
+          <p:nvPr/>
+        </p:nvCxnSpPr>
+        <p:spPr>
+          <a:xfrm flipV="1">
+            <a:off x="-13123" y="904126"/>
+            <a:ext cx="9157123" cy="1487"/>
+          </a:xfrm>
+          <a:prstGeom prst="line">
+            <a:avLst/>
+          </a:prstGeom>
+          <a:ln w="38100">
+            <a:solidFill>
+              <a:srgbClr val="C00000"/>
+            </a:solidFill>
+          </a:ln>
+        </p:spPr>
+        <p:style>
+          <a:lnRef idx="2">
+            <a:schemeClr val="accent1"/>
+          </a:lnRef>
+          <a:fillRef idx="0">
+            <a:schemeClr val="accent1"/>
+          </a:fillRef>
+          <a:effectRef idx="1">
+            <a:schemeClr val="accent1"/>
+          </a:effectRef>
+          <a:fontRef idx="minor">
+            <a:schemeClr val="tx1"/>
+          </a:fontRef>
+        </p:style>
+      </p:cxnSp>
+      <p:sp>
+        <p:nvSpPr>
+          <p:cNvPr id="2" name="灯片编号占位符 1"/>
+          <p:cNvSpPr>
+            <a:spLocks noGrp="1"/>
+          </p:cNvSpPr>
+          <p:nvPr>
+            <p:ph type="sldNum" sz="quarter" idx="12"/>
+          </p:nvPr>
+        </p:nvSpPr>
+        <p:spPr/>
+        <p:txBody>
+          <a:bodyPr/>
+          <a:lstStyle/>
+          <a:p>
+            <a:fld id="{5B8AC867-72ED-42EA-92C6-36FC511EE56C}" type="slidenum">
+              <a:rPr lang="zh-CN" altLang="en-US" smtClean="0"/>
+              <a:t>18</a:t>
+            </a:fld>
+            <a:endParaRPr lang="zh-CN" altLang="en-US" dirty="0"/>
+          </a:p>
+        </p:txBody>
+      </p:sp>
+    </p:spTree>
+    <p:extLst>
+      <p:ext uri="{BB962C8B-B14F-4D97-AF65-F5344CB8AC3E}">
+        <p14:creationId xmlns:p14="http://schemas.microsoft.com/office/powerpoint/2010/main" val="3291909554"/>
+      </p:ext>
+    </p:extLst>
+  </p:cSld>
+  <p:clrMapOvr>
+    <a:masterClrMapping/>
+  </p:clrMapOvr>
+</p:sld>
+</file>
+
+<file path=ppt/slides/slide19.xml><?xml version="1.0" encoding="utf-8"?>
+<p:sld xmlns:a="http://schemas.openxmlformats.org/drawingml/2006/main" xmlns:r="http://schemas.openxmlformats.org/officeDocument/2006/relationships" xmlns:p="http://schemas.openxmlformats.org/presentationml/2006/main">
+  <p:cSld>
+    <p:spTree>
+      <p:nvGrpSpPr>
+        <p:cNvPr id="1" name=""/>
+        <p:cNvGrpSpPr/>
+        <p:nvPr/>
+      </p:nvGrpSpPr>
+      <p:grpSpPr>
+        <a:xfrm>
+          <a:off x="0" y="0"/>
+          <a:ext cx="0" cy="0"/>
+          <a:chOff x="0" y="0"/>
+          <a:chExt cx="0" cy="0"/>
+        </a:xfrm>
+      </p:grpSpPr>
+      <p:sp>
+        <p:nvSpPr>
+          <p:cNvPr id="3" name="内容占位符 2"/>
+          <p:cNvSpPr>
+            <a:spLocks noGrp="1"/>
+          </p:cNvSpPr>
+          <p:nvPr>
+            <p:ph idx="1"/>
+          </p:nvPr>
+        </p:nvSpPr>
+        <p:spPr>
+          <a:xfrm>
+            <a:off x="309995" y="1022062"/>
+            <a:ext cx="7886700" cy="4741430"/>
+          </a:xfrm>
+        </p:spPr>
+        <p:txBody>
+          <a:bodyPr>
+            <a:normAutofit/>
+          </a:bodyPr>
+          <a:lstStyle/>
+          <a:p>
+            <a:endParaRPr lang="en-US" altLang="zh-CN" kern="100" dirty="0">
+              <a:latin typeface="Times New Roman" panose="02020603050405020304" pitchFamily="18" charset="0"/>
+              <a:cs typeface="Times New Roman" panose="02020603050405020304" pitchFamily="18" charset="0"/>
+            </a:endParaRPr>
+          </a:p>
+          <a:p>
+            <a:endParaRPr lang="zh-CN" altLang="en-US" dirty="0"/>
+          </a:p>
+        </p:txBody>
+      </p:sp>
+      <p:sp>
+        <p:nvSpPr>
+          <p:cNvPr id="4" name="TextBox 20"/>
+          <p:cNvSpPr txBox="1"/>
+          <p:nvPr/>
+        </p:nvSpPr>
+        <p:spPr>
+          <a:xfrm>
+            <a:off x="107504" y="230320"/>
+            <a:ext cx="4580965" cy="584775"/>
+          </a:xfrm>
+          <a:prstGeom prst="rect">
+            <a:avLst/>
+          </a:prstGeom>
+          <a:noFill/>
+        </p:spPr>
+        <p:txBody>
+          <a:bodyPr wrap="square" rtlCol="0">
+            <a:spAutoFit/>
+          </a:bodyPr>
+          <a:lstStyle/>
+          <a:p>
+            <a:pPr lvl="0"/>
+            <a:r>
+              <a:rPr lang="en-US" altLang="zh-CN" sz="3200" b="1" dirty="0">
+                <a:solidFill>
+                  <a:srgbClr val="C00000"/>
+                </a:solidFill>
+                <a:ea typeface="黑体" panose="02010609060101010101" pitchFamily="49" charset="-122"/>
+                <a:cs typeface="Times New Roman" pitchFamily="18" charset="0"/>
+              </a:rPr>
+              <a:t>2.1. </a:t>
+            </a:r>
+          </a:p>
+        </p:txBody>
+      </p:sp>
+      <p:cxnSp>
+        <p:nvCxnSpPr>
+          <p:cNvPr id="5" name="直接连接符 4"/>
+          <p:cNvCxnSpPr/>
+          <p:nvPr/>
+        </p:nvCxnSpPr>
+        <p:spPr>
+          <a:xfrm flipV="1">
+            <a:off x="-13123" y="904126"/>
+            <a:ext cx="9157123" cy="1487"/>
+          </a:xfrm>
+          <a:prstGeom prst="line">
+            <a:avLst/>
+          </a:prstGeom>
+          <a:ln w="38100">
+            <a:solidFill>
+              <a:srgbClr val="C00000"/>
+            </a:solidFill>
+          </a:ln>
+        </p:spPr>
+        <p:style>
+          <a:lnRef idx="2">
+            <a:schemeClr val="accent1"/>
+          </a:lnRef>
+          <a:fillRef idx="0">
+            <a:schemeClr val="accent1"/>
+          </a:fillRef>
+          <a:effectRef idx="1">
+            <a:schemeClr val="accent1"/>
+          </a:effectRef>
+          <a:fontRef idx="minor">
+            <a:schemeClr val="tx1"/>
+          </a:fontRef>
+        </p:style>
+      </p:cxnSp>
+      <p:sp>
+        <p:nvSpPr>
+          <p:cNvPr id="2" name="灯片编号占位符 1"/>
+          <p:cNvSpPr>
+            <a:spLocks noGrp="1"/>
+          </p:cNvSpPr>
+          <p:nvPr>
+            <p:ph type="sldNum" sz="quarter" idx="12"/>
+          </p:nvPr>
+        </p:nvSpPr>
+        <p:spPr/>
+        <p:txBody>
+          <a:bodyPr/>
+          <a:lstStyle/>
+          <a:p>
+            <a:fld id="{5B8AC867-72ED-42EA-92C6-36FC511EE56C}" type="slidenum">
+              <a:rPr lang="zh-CN" altLang="en-US" smtClean="0"/>
+              <a:t>19</a:t>
+            </a:fld>
+            <a:endParaRPr lang="zh-CN" altLang="en-US" dirty="0"/>
+          </a:p>
+        </p:txBody>
+      </p:sp>
+    </p:spTree>
+    <p:extLst>
+      <p:ext uri="{BB962C8B-B14F-4D97-AF65-F5344CB8AC3E}">
+        <p14:creationId xmlns:p14="http://schemas.microsoft.com/office/powerpoint/2010/main" val="79607533"/>
+      </p:ext>
+    </p:extLst>
+  </p:cSld>
+  <p:clrMapOvr>
+    <a:masterClrMapping/>
+  </p:clrMapOvr>
+</p:sld>
+</file>
+
+<file path=ppt/slides/slide2.xml><?xml version="1.0" encoding="utf-8"?>
+<p:sld xmlns:a="http://schemas.openxmlformats.org/drawingml/2006/main" xmlns:r="http://schemas.openxmlformats.org/officeDocument/2006/relationships" xmlns:p="http://schemas.openxmlformats.org/presentationml/2006/main">
+  <p:cSld>
+    <p:spTree>
+      <p:nvGrpSpPr>
+        <p:cNvPr id="1" name=""/>
+        <p:cNvGrpSpPr/>
+        <p:nvPr/>
+      </p:nvGrpSpPr>
+      <p:grpSpPr>
+        <a:xfrm>
+          <a:off x="0" y="0"/>
+          <a:ext cx="0" cy="0"/>
+          <a:chOff x="0" y="0"/>
+          <a:chExt cx="0" cy="0"/>
+        </a:xfrm>
+      </p:grpSpPr>
+      <p:sp>
+        <p:nvSpPr>
+          <p:cNvPr id="6" name="TextBox 81"/>
+          <p:cNvSpPr txBox="1"/>
+          <p:nvPr/>
+        </p:nvSpPr>
+        <p:spPr>
+          <a:xfrm>
+            <a:off x="173130" y="260648"/>
+            <a:ext cx="7691049" cy="584775"/>
+          </a:xfrm>
+          <a:prstGeom prst="rect">
+            <a:avLst/>
+          </a:prstGeom>
+          <a:noFill/>
+        </p:spPr>
+        <p:txBody>
+          <a:bodyPr wrap="square" rtlCol="0">
+            <a:spAutoFit/>
+          </a:bodyPr>
+          <a:lstStyle/>
+          <a:p>
+            <a:r>
+              <a:rPr lang="zh-CN" altLang="en-US" sz="3200" b="1" dirty="0">
+                <a:solidFill>
+                  <a:srgbClr val="C00000"/>
+                </a:solidFill>
+                <a:effectLst>
+                  <a:outerShdw blurRad="38100" dist="38100" dir="2700000" algn="tl">
+                    <a:srgbClr val="000000">
+                      <a:alpha val="43137"/>
+                    </a:srgbClr>
+                  </a:outerShdw>
+                </a:effectLst>
+                <a:latin typeface="Times New Roman" panose="02020603050405020304" pitchFamily="18" charset="0"/>
+                <a:ea typeface="楷体" panose="02010609060101010101" pitchFamily="49" charset="-122"/>
+                <a:cs typeface="黑体" charset="0"/>
+              </a:rPr>
+              <a:t>一、</a:t>
+            </a:r>
+            <a:r>
+              <a:rPr lang="en-US" altLang="zh-CN" sz="3200" b="1" dirty="0">
+                <a:solidFill>
+                  <a:srgbClr val="C00000"/>
+                </a:solidFill>
+                <a:effectLst>
+                  <a:outerShdw blurRad="38100" dist="38100" dir="2700000" algn="tl">
+                    <a:srgbClr val="000000">
+                      <a:alpha val="43137"/>
+                    </a:srgbClr>
+                  </a:outerShdw>
+                </a:effectLst>
+                <a:latin typeface="Times New Roman" panose="02020603050405020304" pitchFamily="18" charset="0"/>
+                <a:ea typeface="楷体" panose="02010609060101010101" pitchFamily="49" charset="-122"/>
+                <a:cs typeface="黑体" charset="0"/>
+              </a:rPr>
+              <a:t>ML</a:t>
+            </a:r>
+            <a:r>
+              <a:rPr lang="zh-CN" altLang="en-US" sz="3200" b="1" dirty="0">
+                <a:solidFill>
+                  <a:srgbClr val="C00000"/>
+                </a:solidFill>
+                <a:effectLst>
+                  <a:outerShdw blurRad="38100" dist="38100" dir="2700000" algn="tl">
+                    <a:srgbClr val="000000">
+                      <a:alpha val="43137"/>
+                    </a:srgbClr>
+                  </a:outerShdw>
+                </a:effectLst>
+                <a:latin typeface="Times New Roman" panose="02020603050405020304" pitchFamily="18" charset="0"/>
+                <a:ea typeface="楷体" panose="02010609060101010101" pitchFamily="49" charset="-122"/>
+                <a:cs typeface="黑体" charset="0"/>
+              </a:rPr>
+              <a:t> </a:t>
+            </a:r>
+            <a:r>
+              <a:rPr lang="en-US" altLang="zh-CN" sz="3200" b="1" dirty="0">
+                <a:solidFill>
+                  <a:srgbClr val="C00000"/>
+                </a:solidFill>
+                <a:effectLst>
+                  <a:outerShdw blurRad="38100" dist="38100" dir="2700000" algn="tl">
+                    <a:srgbClr val="000000">
+                      <a:alpha val="43137"/>
+                    </a:srgbClr>
+                  </a:outerShdw>
+                </a:effectLst>
+                <a:latin typeface="Times New Roman" panose="02020603050405020304" pitchFamily="18" charset="0"/>
+                <a:ea typeface="楷体" panose="02010609060101010101" pitchFamily="49" charset="-122"/>
+                <a:cs typeface="黑体" charset="0"/>
+              </a:rPr>
+              <a:t>Overview</a:t>
+            </a:r>
+          </a:p>
+        </p:txBody>
+      </p:sp>
+      <p:sp>
+        <p:nvSpPr>
+          <p:cNvPr id="7" name="AutoShape 12"/>
+          <p:cNvSpPr>
+            <a:spLocks noChangeArrowheads="1"/>
+          </p:cNvSpPr>
+          <p:nvPr/>
+        </p:nvSpPr>
+        <p:spPr bwMode="auto">
+          <a:xfrm>
+            <a:off x="0" y="955671"/>
+            <a:ext cx="8367713" cy="65314"/>
+          </a:xfrm>
+          <a:custGeom>
+            <a:avLst/>
+            <a:gdLst>
+              <a:gd name="T0" fmla="*/ 0 w 1000"/>
+              <a:gd name="T1" fmla="*/ 0 h 1000"/>
+              <a:gd name="T2" fmla="*/ 2147483647 w 1000"/>
+              <a:gd name="T3" fmla="*/ 0 h 1000"/>
+              <a:gd name="T4" fmla="*/ 2147483647 w 1000"/>
+              <a:gd name="T5" fmla="*/ 2147483647 h 1000"/>
+              <a:gd name="T6" fmla="*/ 0 w 1000"/>
+              <a:gd name="T7" fmla="*/ 2147483647 h 1000"/>
+              <a:gd name="T8" fmla="*/ 0 w 1000"/>
+              <a:gd name="T9" fmla="*/ 0 h 1000"/>
+              <a:gd name="T10" fmla="*/ 2147483647 w 1000"/>
+              <a:gd name="T11" fmla="*/ 0 h 1000"/>
+              <a:gd name="T12" fmla="*/ 0 60000 65536"/>
+              <a:gd name="T13" fmla="*/ 0 60000 65536"/>
+              <a:gd name="T14" fmla="*/ 0 60000 65536"/>
+              <a:gd name="T15" fmla="*/ 0 60000 65536"/>
+              <a:gd name="T16" fmla="*/ 0 60000 65536"/>
+              <a:gd name="T17" fmla="*/ 0 60000 65536"/>
+              <a:gd name="T18" fmla="*/ 0 w 1000"/>
+              <a:gd name="T19" fmla="*/ 0 h 1000"/>
+              <a:gd name="T20" fmla="*/ 1000 w 1000"/>
+              <a:gd name="T21" fmla="*/ 1000 h 1000"/>
+            </a:gdLst>
+            <a:ahLst/>
+            <a:cxnLst>
+              <a:cxn ang="T12">
+                <a:pos x="T0" y="T1"/>
+              </a:cxn>
+              <a:cxn ang="T13">
+                <a:pos x="T2" y="T3"/>
+              </a:cxn>
+              <a:cxn ang="T14">
+                <a:pos x="T4" y="T5"/>
+              </a:cxn>
+              <a:cxn ang="T15">
+                <a:pos x="T6" y="T7"/>
+              </a:cxn>
+              <a:cxn ang="T16">
+                <a:pos x="T8" y="T9"/>
+              </a:cxn>
+              <a:cxn ang="T17">
+                <a:pos x="T10" y="T11"/>
+              </a:cxn>
+            </a:cxnLst>
+            <a:rect l="T18" t="T19" r="T20" b="T21"/>
+            <a:pathLst>
+              <a:path w="1000" h="1000" stroke="0">
+                <a:moveTo>
+                  <a:pt x="0" y="0"/>
+                </a:moveTo>
+                <a:lnTo>
+                  <a:pt x="585" y="0"/>
+                </a:lnTo>
+                <a:lnTo>
+                  <a:pt x="585" y="1000"/>
+                </a:lnTo>
+                <a:lnTo>
+                  <a:pt x="0" y="1000"/>
+                </a:lnTo>
+                <a:lnTo>
+                  <a:pt x="0" y="0"/>
+                </a:lnTo>
+                <a:close/>
+              </a:path>
+              <a:path w="1000" h="1000">
+                <a:moveTo>
+                  <a:pt x="0" y="0"/>
+                </a:moveTo>
+                <a:lnTo>
+                  <a:pt x="1000" y="0"/>
+                </a:lnTo>
+              </a:path>
+            </a:pathLst>
+          </a:custGeom>
+          <a:solidFill>
+            <a:srgbClr val="C00000"/>
+          </a:solidFill>
+          <a:ln w="9525">
+            <a:solidFill>
+              <a:srgbClr val="C00000"/>
+            </a:solidFill>
+            <a:round/>
+            <a:headEnd/>
+            <a:tailEnd/>
+          </a:ln>
+        </p:spPr>
+        <p:txBody>
+          <a:bodyPr/>
+          <a:lstStyle/>
+          <a:p>
+            <a:endParaRPr lang="zh-CN" altLang="en-US">
+              <a:solidFill>
+                <a:prstClr val="black"/>
+              </a:solidFill>
+            </a:endParaRPr>
+          </a:p>
+        </p:txBody>
+      </p:sp>
+      <p:sp>
+        <p:nvSpPr>
+          <p:cNvPr id="2" name="灯片编号占位符 1"/>
+          <p:cNvSpPr>
+            <a:spLocks noGrp="1"/>
+          </p:cNvSpPr>
+          <p:nvPr>
+            <p:ph type="sldNum" sz="quarter" idx="12"/>
+          </p:nvPr>
+        </p:nvSpPr>
+        <p:spPr/>
+        <p:txBody>
+          <a:bodyPr/>
+          <a:lstStyle/>
+          <a:p>
+            <a:fld id="{5B8AC867-72ED-42EA-92C6-36FC511EE56C}" type="slidenum">
+              <a:rPr lang="zh-CN" altLang="en-US" smtClean="0"/>
               <a:t>2</a:t>
             </a:fld>
             <a:endParaRPr lang="zh-CN" altLang="en-US"/>
@@ -12411,6 +11973,610 @@
     <p:extLst>
       <p:ext uri="{BB962C8B-B14F-4D97-AF65-F5344CB8AC3E}">
         <p14:creationId xmlns:p14="http://schemas.microsoft.com/office/powerpoint/2010/main" val="2287312209"/>
+      </p:ext>
+    </p:extLst>
+  </p:cSld>
+  <p:clrMapOvr>
+    <a:masterClrMapping/>
+  </p:clrMapOvr>
+</p:sld>
+</file>
+
+<file path=ppt/slides/slide20.xml><?xml version="1.0" encoding="utf-8"?>
+<p:sld xmlns:a="http://schemas.openxmlformats.org/drawingml/2006/main" xmlns:r="http://schemas.openxmlformats.org/officeDocument/2006/relationships" xmlns:p="http://schemas.openxmlformats.org/presentationml/2006/main">
+  <p:cSld>
+    <p:spTree>
+      <p:nvGrpSpPr>
+        <p:cNvPr id="1" name=""/>
+        <p:cNvGrpSpPr/>
+        <p:nvPr/>
+      </p:nvGrpSpPr>
+      <p:grpSpPr>
+        <a:xfrm>
+          <a:off x="0" y="0"/>
+          <a:ext cx="0" cy="0"/>
+          <a:chOff x="0" y="0"/>
+          <a:chExt cx="0" cy="0"/>
+        </a:xfrm>
+      </p:grpSpPr>
+      <p:sp>
+        <p:nvSpPr>
+          <p:cNvPr id="4" name="灯片编号占位符 3">
+            <a:extLst>
+              <a:ext uri="{FF2B5EF4-FFF2-40B4-BE49-F238E27FC236}">
+                <a16:creationId xmlns:a16="http://schemas.microsoft.com/office/drawing/2014/main" id="{7C4DDF51-5A9D-4877-9F00-A48FB2F09006}"/>
+              </a:ext>
+            </a:extLst>
+          </p:cNvPr>
+          <p:cNvSpPr>
+            <a:spLocks noGrp="1"/>
+          </p:cNvSpPr>
+          <p:nvPr>
+            <p:ph type="sldNum" sz="quarter" idx="12"/>
+          </p:nvPr>
+        </p:nvSpPr>
+        <p:spPr/>
+        <p:txBody>
+          <a:bodyPr/>
+          <a:lstStyle/>
+          <a:p>
+            <a:fld id="{5B8AC867-72ED-42EA-92C6-36FC511EE56C}" type="slidenum">
+              <a:rPr lang="zh-CN" altLang="en-US" smtClean="0"/>
+              <a:t>20</a:t>
+            </a:fld>
+            <a:endParaRPr lang="zh-CN" altLang="en-US" dirty="0"/>
+          </a:p>
+        </p:txBody>
+      </p:sp>
+      <p:pic>
+        <p:nvPicPr>
+          <p:cNvPr id="7" name="图片 6">
+            <a:extLst>
+              <a:ext uri="{FF2B5EF4-FFF2-40B4-BE49-F238E27FC236}">
+                <a16:creationId xmlns:a16="http://schemas.microsoft.com/office/drawing/2014/main" id="{976686F0-5A84-4400-AE7E-947828C9E5C1}"/>
+              </a:ext>
+            </a:extLst>
+          </p:cNvPr>
+          <p:cNvPicPr>
+            <a:picLocks noChangeAspect="1"/>
+          </p:cNvPicPr>
+          <p:nvPr/>
+        </p:nvPicPr>
+        <p:blipFill>
+          <a:blip r:embed="rId2"/>
+          <a:stretch>
+            <a:fillRect/>
+          </a:stretch>
+        </p:blipFill>
+        <p:spPr>
+          <a:xfrm>
+            <a:off x="0" y="0"/>
+            <a:ext cx="8239539" cy="2858616"/>
+          </a:xfrm>
+          <a:prstGeom prst="rect">
+            <a:avLst/>
+          </a:prstGeom>
+        </p:spPr>
+      </p:pic>
+      <p:sp>
+        <p:nvSpPr>
+          <p:cNvPr id="8" name="文本框 7">
+            <a:extLst>
+              <a:ext uri="{FF2B5EF4-FFF2-40B4-BE49-F238E27FC236}">
+                <a16:creationId xmlns:a16="http://schemas.microsoft.com/office/drawing/2014/main" id="{8893BCAC-E9FC-4C22-94F9-114B0C93BACD}"/>
+              </a:ext>
+            </a:extLst>
+          </p:cNvPr>
+          <p:cNvSpPr txBox="1"/>
+          <p:nvPr/>
+        </p:nvSpPr>
+        <p:spPr>
+          <a:xfrm>
+            <a:off x="0" y="3079858"/>
+            <a:ext cx="8667757" cy="646331"/>
+          </a:xfrm>
+          <a:prstGeom prst="rect">
+            <a:avLst/>
+          </a:prstGeom>
+          <a:noFill/>
+        </p:spPr>
+        <p:txBody>
+          <a:bodyPr wrap="none" rtlCol="0">
+            <a:spAutoFit/>
+          </a:bodyPr>
+          <a:lstStyle/>
+          <a:p>
+            <a:r>
+              <a:rPr lang="zh-CN" altLang="en-US" dirty="0"/>
+              <a:t>一个卷积层包括了输入、卷积核和输出三个步骤。</a:t>
+            </a:r>
+            <a:endParaRPr lang="en-US" altLang="zh-CN" dirty="0"/>
+          </a:p>
+          <a:p>
+            <a:r>
+              <a:rPr lang="zh-CN" altLang="en-US" dirty="0"/>
+              <a:t>每个卷积层的输入数据都是以三维的形式存在的，就相当于多张</a:t>
+            </a:r>
+            <a:r>
+              <a:rPr lang="en-US" altLang="zh-CN" dirty="0"/>
+              <a:t>feature map</a:t>
+            </a:r>
+            <a:r>
+              <a:rPr lang="zh-CN" altLang="en-US" dirty="0"/>
+              <a:t>的叠加。</a:t>
+            </a:r>
+            <a:endParaRPr lang="en-US" altLang="zh-CN" dirty="0"/>
+          </a:p>
+        </p:txBody>
+      </p:sp>
+      <p:sp>
+        <p:nvSpPr>
+          <p:cNvPr id="9" name="矩形 8">
+            <a:extLst>
+              <a:ext uri="{FF2B5EF4-FFF2-40B4-BE49-F238E27FC236}">
+                <a16:creationId xmlns:a16="http://schemas.microsoft.com/office/drawing/2014/main" id="{62FD523E-4D94-43C5-B393-62936EA04C9B}"/>
+              </a:ext>
+            </a:extLst>
+          </p:cNvPr>
+          <p:cNvSpPr/>
+          <p:nvPr/>
+        </p:nvSpPr>
+        <p:spPr>
+          <a:xfrm>
+            <a:off x="139148" y="516835"/>
+            <a:ext cx="1798982" cy="1779104"/>
+          </a:xfrm>
+          <a:prstGeom prst="rect">
+            <a:avLst/>
+          </a:prstGeom>
+          <a:noFill/>
+          <a:ln w="38100">
+            <a:solidFill>
+              <a:srgbClr val="0000FF"/>
+            </a:solidFill>
+          </a:ln>
+        </p:spPr>
+        <p:style>
+          <a:lnRef idx="2">
+            <a:schemeClr val="accent1">
+              <a:shade val="50000"/>
+            </a:schemeClr>
+          </a:lnRef>
+          <a:fillRef idx="1">
+            <a:schemeClr val="accent1"/>
+          </a:fillRef>
+          <a:effectRef idx="0">
+            <a:schemeClr val="accent1"/>
+          </a:effectRef>
+          <a:fontRef idx="minor">
+            <a:schemeClr val="lt1"/>
+          </a:fontRef>
+        </p:style>
+        <p:txBody>
+          <a:bodyPr rtlCol="0" anchor="ctr"/>
+          <a:lstStyle/>
+          <a:p>
+            <a:pPr algn="ctr"/>
+            <a:endParaRPr lang="zh-CN" altLang="en-US"/>
+          </a:p>
+        </p:txBody>
+      </p:sp>
+      <p:cxnSp>
+        <p:nvCxnSpPr>
+          <p:cNvPr id="12" name="直接箭头连接符 11">
+            <a:extLst>
+              <a:ext uri="{FF2B5EF4-FFF2-40B4-BE49-F238E27FC236}">
+                <a16:creationId xmlns:a16="http://schemas.microsoft.com/office/drawing/2014/main" id="{A43EBBD9-856B-4A07-8F71-5F0E68F073C1}"/>
+              </a:ext>
+            </a:extLst>
+          </p:cNvPr>
+          <p:cNvCxnSpPr>
+            <a:cxnSpLocks/>
+          </p:cNvCxnSpPr>
+          <p:nvPr/>
+        </p:nvCxnSpPr>
+        <p:spPr>
+          <a:xfrm>
+            <a:off x="1570383" y="2295939"/>
+            <a:ext cx="0" cy="365981"/>
+          </a:xfrm>
+          <a:prstGeom prst="straightConnector1">
+            <a:avLst/>
+          </a:prstGeom>
+          <a:ln w="38100">
+            <a:solidFill>
+              <a:srgbClr val="0000FF"/>
+            </a:solidFill>
+            <a:tailEnd type="triangle"/>
+          </a:ln>
+        </p:spPr>
+        <p:style>
+          <a:lnRef idx="1">
+            <a:schemeClr val="accent1"/>
+          </a:lnRef>
+          <a:fillRef idx="0">
+            <a:schemeClr val="accent1"/>
+          </a:fillRef>
+          <a:effectRef idx="0">
+            <a:schemeClr val="accent1"/>
+          </a:effectRef>
+          <a:fontRef idx="minor">
+            <a:schemeClr val="tx1"/>
+          </a:fontRef>
+        </p:style>
+      </p:cxnSp>
+      <p:sp>
+        <p:nvSpPr>
+          <p:cNvPr id="13" name="文本框 12">
+            <a:extLst>
+              <a:ext uri="{FF2B5EF4-FFF2-40B4-BE49-F238E27FC236}">
+                <a16:creationId xmlns:a16="http://schemas.microsoft.com/office/drawing/2014/main" id="{66986655-95CD-4946-B43D-1B80963BF00B}"/>
+              </a:ext>
+            </a:extLst>
+          </p:cNvPr>
+          <p:cNvSpPr txBox="1"/>
+          <p:nvPr/>
+        </p:nvSpPr>
+        <p:spPr>
+          <a:xfrm>
+            <a:off x="1038639" y="2560084"/>
+            <a:ext cx="1281120" cy="369332"/>
+          </a:xfrm>
+          <a:prstGeom prst="rect">
+            <a:avLst/>
+          </a:prstGeom>
+          <a:noFill/>
+        </p:spPr>
+        <p:txBody>
+          <a:bodyPr wrap="none" rtlCol="0">
+            <a:spAutoFit/>
+          </a:bodyPr>
+          <a:lstStyle/>
+          <a:p>
+            <a:r>
+              <a:rPr lang="en-US" altLang="zh-CN" dirty="0">
+                <a:solidFill>
+                  <a:srgbClr val="0000FF"/>
+                </a:solidFill>
+              </a:rPr>
+              <a:t>feature map</a:t>
+            </a:r>
+            <a:endParaRPr lang="zh-CN" altLang="en-US" dirty="0">
+              <a:solidFill>
+                <a:srgbClr val="0000FF"/>
+              </a:solidFill>
+            </a:endParaRPr>
+          </a:p>
+        </p:txBody>
+      </p:sp>
+      <p:sp>
+        <p:nvSpPr>
+          <p:cNvPr id="14" name="矩形 13">
+            <a:extLst>
+              <a:ext uri="{FF2B5EF4-FFF2-40B4-BE49-F238E27FC236}">
+                <a16:creationId xmlns:a16="http://schemas.microsoft.com/office/drawing/2014/main" id="{8A8AFCD5-8258-4B5B-A47E-3DE56962CCD4}"/>
+              </a:ext>
+            </a:extLst>
+          </p:cNvPr>
+          <p:cNvSpPr/>
+          <p:nvPr/>
+        </p:nvSpPr>
+        <p:spPr>
+          <a:xfrm>
+            <a:off x="10160" y="222294"/>
+            <a:ext cx="2319753" cy="2341781"/>
+          </a:xfrm>
+          <a:prstGeom prst="rect">
+            <a:avLst/>
+          </a:prstGeom>
+          <a:noFill/>
+          <a:ln w="28575">
+            <a:solidFill>
+              <a:srgbClr val="0000FF"/>
+            </a:solidFill>
+          </a:ln>
+        </p:spPr>
+        <p:style>
+          <a:lnRef idx="2">
+            <a:schemeClr val="accent1">
+              <a:shade val="50000"/>
+            </a:schemeClr>
+          </a:lnRef>
+          <a:fillRef idx="1">
+            <a:schemeClr val="accent1"/>
+          </a:fillRef>
+          <a:effectRef idx="0">
+            <a:schemeClr val="accent1"/>
+          </a:effectRef>
+          <a:fontRef idx="minor">
+            <a:schemeClr val="lt1"/>
+          </a:fontRef>
+        </p:style>
+        <p:txBody>
+          <a:bodyPr rtlCol="0" anchor="ctr"/>
+          <a:lstStyle/>
+          <a:p>
+            <a:pPr algn="ctr"/>
+            <a:endParaRPr lang="zh-CN" altLang="en-US"/>
+          </a:p>
+        </p:txBody>
+      </p:sp>
+      <p:sp>
+        <p:nvSpPr>
+          <p:cNvPr id="16" name="文本框 15">
+            <a:extLst>
+              <a:ext uri="{FF2B5EF4-FFF2-40B4-BE49-F238E27FC236}">
+                <a16:creationId xmlns:a16="http://schemas.microsoft.com/office/drawing/2014/main" id="{755582EC-C15E-404C-B36B-A3CE21527AA2}"/>
+              </a:ext>
+            </a:extLst>
+          </p:cNvPr>
+          <p:cNvSpPr txBox="1"/>
+          <p:nvPr/>
+        </p:nvSpPr>
+        <p:spPr>
+          <a:xfrm>
+            <a:off x="807597" y="-309888"/>
+            <a:ext cx="724878" cy="400110"/>
+          </a:xfrm>
+          <a:prstGeom prst="rect">
+            <a:avLst/>
+          </a:prstGeom>
+          <a:noFill/>
+        </p:spPr>
+        <p:txBody>
+          <a:bodyPr wrap="none" rtlCol="0">
+            <a:spAutoFit/>
+          </a:bodyPr>
+          <a:lstStyle/>
+          <a:p>
+            <a:r>
+              <a:rPr lang="en-US" altLang="zh-CN" sz="2000" dirty="0">
+                <a:solidFill>
+                  <a:srgbClr val="0000FF"/>
+                </a:solidFill>
+              </a:rPr>
+              <a:t>Input</a:t>
+            </a:r>
+            <a:endParaRPr lang="zh-CN" altLang="en-US" sz="2000" dirty="0">
+              <a:solidFill>
+                <a:srgbClr val="0000FF"/>
+              </a:solidFill>
+            </a:endParaRPr>
+          </a:p>
+        </p:txBody>
+      </p:sp>
+      <p:sp>
+        <p:nvSpPr>
+          <p:cNvPr id="17" name="矩形 16">
+            <a:extLst>
+              <a:ext uri="{FF2B5EF4-FFF2-40B4-BE49-F238E27FC236}">
+                <a16:creationId xmlns:a16="http://schemas.microsoft.com/office/drawing/2014/main" id="{7D05B39C-A152-421D-9061-536EF82E3B7F}"/>
+              </a:ext>
+            </a:extLst>
+          </p:cNvPr>
+          <p:cNvSpPr/>
+          <p:nvPr/>
+        </p:nvSpPr>
+        <p:spPr>
+          <a:xfrm>
+            <a:off x="2861658" y="81025"/>
+            <a:ext cx="1328378" cy="2580895"/>
+          </a:xfrm>
+          <a:prstGeom prst="rect">
+            <a:avLst/>
+          </a:prstGeom>
+          <a:noFill/>
+          <a:ln w="28575">
+            <a:solidFill>
+              <a:srgbClr val="0000FF"/>
+            </a:solidFill>
+          </a:ln>
+        </p:spPr>
+        <p:style>
+          <a:lnRef idx="2">
+            <a:schemeClr val="accent1">
+              <a:shade val="50000"/>
+            </a:schemeClr>
+          </a:lnRef>
+          <a:fillRef idx="1">
+            <a:schemeClr val="accent1"/>
+          </a:fillRef>
+          <a:effectRef idx="0">
+            <a:schemeClr val="accent1"/>
+          </a:effectRef>
+          <a:fontRef idx="minor">
+            <a:schemeClr val="lt1"/>
+          </a:fontRef>
+        </p:style>
+        <p:txBody>
+          <a:bodyPr rtlCol="0" anchor="ctr"/>
+          <a:lstStyle/>
+          <a:p>
+            <a:pPr algn="ctr"/>
+            <a:endParaRPr lang="zh-CN" altLang="en-US"/>
+          </a:p>
+        </p:txBody>
+      </p:sp>
+      <p:sp>
+        <p:nvSpPr>
+          <p:cNvPr id="18" name="文本框 17">
+            <a:extLst>
+              <a:ext uri="{FF2B5EF4-FFF2-40B4-BE49-F238E27FC236}">
+                <a16:creationId xmlns:a16="http://schemas.microsoft.com/office/drawing/2014/main" id="{6F009047-1A56-453C-9336-7E45C23D78B2}"/>
+              </a:ext>
+            </a:extLst>
+          </p:cNvPr>
+          <p:cNvSpPr txBox="1"/>
+          <p:nvPr/>
+        </p:nvSpPr>
+        <p:spPr>
+          <a:xfrm>
+            <a:off x="3113714" y="-309888"/>
+            <a:ext cx="824265" cy="400110"/>
+          </a:xfrm>
+          <a:prstGeom prst="rect">
+            <a:avLst/>
+          </a:prstGeom>
+          <a:noFill/>
+        </p:spPr>
+        <p:txBody>
+          <a:bodyPr wrap="none" rtlCol="0">
+            <a:spAutoFit/>
+          </a:bodyPr>
+          <a:lstStyle/>
+          <a:p>
+            <a:r>
+              <a:rPr lang="en-US" altLang="zh-CN" sz="2000" dirty="0">
+                <a:solidFill>
+                  <a:srgbClr val="0000FF"/>
+                </a:solidFill>
+              </a:rPr>
+              <a:t>kernel</a:t>
+            </a:r>
+            <a:endParaRPr lang="zh-CN" altLang="en-US" sz="2000" dirty="0">
+              <a:solidFill>
+                <a:srgbClr val="0000FF"/>
+              </a:solidFill>
+            </a:endParaRPr>
+          </a:p>
+        </p:txBody>
+      </p:sp>
+      <p:sp>
+        <p:nvSpPr>
+          <p:cNvPr id="19" name="矩形 18">
+            <a:extLst>
+              <a:ext uri="{FF2B5EF4-FFF2-40B4-BE49-F238E27FC236}">
+                <a16:creationId xmlns:a16="http://schemas.microsoft.com/office/drawing/2014/main" id="{55DC7E46-6867-4C66-8DAA-EFEF1C7482DA}"/>
+              </a:ext>
+            </a:extLst>
+          </p:cNvPr>
+          <p:cNvSpPr/>
+          <p:nvPr/>
+        </p:nvSpPr>
+        <p:spPr>
+          <a:xfrm>
+            <a:off x="4760381" y="81025"/>
+            <a:ext cx="3479158" cy="2777591"/>
+          </a:xfrm>
+          <a:prstGeom prst="rect">
+            <a:avLst/>
+          </a:prstGeom>
+          <a:noFill/>
+          <a:ln w="28575">
+            <a:solidFill>
+              <a:srgbClr val="0000FF"/>
+            </a:solidFill>
+          </a:ln>
+        </p:spPr>
+        <p:style>
+          <a:lnRef idx="2">
+            <a:schemeClr val="accent1">
+              <a:shade val="50000"/>
+            </a:schemeClr>
+          </a:lnRef>
+          <a:fillRef idx="1">
+            <a:schemeClr val="accent1"/>
+          </a:fillRef>
+          <a:effectRef idx="0">
+            <a:schemeClr val="accent1"/>
+          </a:effectRef>
+          <a:fontRef idx="minor">
+            <a:schemeClr val="lt1"/>
+          </a:fontRef>
+        </p:style>
+        <p:txBody>
+          <a:bodyPr rtlCol="0" anchor="ctr"/>
+          <a:lstStyle/>
+          <a:p>
+            <a:pPr algn="ctr"/>
+            <a:endParaRPr lang="zh-CN" altLang="en-US"/>
+          </a:p>
+        </p:txBody>
+      </p:sp>
+      <p:sp>
+        <p:nvSpPr>
+          <p:cNvPr id="20" name="文本框 19">
+            <a:extLst>
+              <a:ext uri="{FF2B5EF4-FFF2-40B4-BE49-F238E27FC236}">
+                <a16:creationId xmlns:a16="http://schemas.microsoft.com/office/drawing/2014/main" id="{799EA1C7-FA00-4E58-88DC-0CA0BC785B4F}"/>
+              </a:ext>
+            </a:extLst>
+          </p:cNvPr>
+          <p:cNvSpPr txBox="1"/>
+          <p:nvPr/>
+        </p:nvSpPr>
+        <p:spPr>
+          <a:xfrm>
+            <a:off x="6051760" y="-319085"/>
+            <a:ext cx="896399" cy="400110"/>
+          </a:xfrm>
+          <a:prstGeom prst="rect">
+            <a:avLst/>
+          </a:prstGeom>
+          <a:noFill/>
+        </p:spPr>
+        <p:txBody>
+          <a:bodyPr wrap="none" rtlCol="0">
+            <a:spAutoFit/>
+          </a:bodyPr>
+          <a:lstStyle/>
+          <a:p>
+            <a:r>
+              <a:rPr lang="en-US" altLang="zh-CN" sz="2000" dirty="0">
+                <a:solidFill>
+                  <a:srgbClr val="0000FF"/>
+                </a:solidFill>
+              </a:rPr>
+              <a:t>Output</a:t>
+            </a:r>
+            <a:endParaRPr lang="zh-CN" altLang="en-US" sz="2000" dirty="0">
+              <a:solidFill>
+                <a:srgbClr val="0000FF"/>
+              </a:solidFill>
+            </a:endParaRPr>
+          </a:p>
+        </p:txBody>
+      </p:sp>
+      <p:sp>
+        <p:nvSpPr>
+          <p:cNvPr id="21" name="文本框 20">
+            <a:extLst>
+              <a:ext uri="{FF2B5EF4-FFF2-40B4-BE49-F238E27FC236}">
+                <a16:creationId xmlns:a16="http://schemas.microsoft.com/office/drawing/2014/main" id="{CEE88769-BD0C-4ADF-B5F8-B29BEB4D5495}"/>
+              </a:ext>
+            </a:extLst>
+          </p:cNvPr>
+          <p:cNvSpPr txBox="1"/>
+          <p:nvPr/>
+        </p:nvSpPr>
+        <p:spPr>
+          <a:xfrm>
+            <a:off x="10160" y="3947431"/>
+            <a:ext cx="4339650" cy="369332"/>
+          </a:xfrm>
+          <a:prstGeom prst="rect">
+            <a:avLst/>
+          </a:prstGeom>
+          <a:noFill/>
+        </p:spPr>
+        <p:txBody>
+          <a:bodyPr wrap="none" rtlCol="0">
+            <a:spAutoFit/>
+          </a:bodyPr>
+          <a:lstStyle/>
+          <a:p>
+            <a:r>
+              <a:rPr lang="zh-CN" altLang="en-US" dirty="0"/>
+              <a:t>主要用于提取特征。特别是图片的特征。</a:t>
+            </a:r>
+            <a:endParaRPr lang="en-US" altLang="zh-CN" dirty="0"/>
+          </a:p>
+        </p:txBody>
+      </p:sp>
+    </p:spTree>
+    <p:extLst>
+      <p:ext uri="{BB962C8B-B14F-4D97-AF65-F5344CB8AC3E}">
+        <p14:creationId xmlns:p14="http://schemas.microsoft.com/office/powerpoint/2010/main" val="2715077172"/>
       </p:ext>
     </p:extLst>
   </p:cSld>
@@ -14479,8 +14645,128 @@
         </p:blipFill>
         <p:spPr>
           <a:xfrm>
-            <a:off x="173130" y="2304456"/>
+            <a:off x="-2932043" y="2145071"/>
             <a:ext cx="3017663" cy="3017663"/>
+          </a:xfrm>
+          <a:prstGeom prst="rect">
+            <a:avLst/>
+          </a:prstGeom>
+        </p:spPr>
+      </p:pic>
+      <p:pic>
+        <p:nvPicPr>
+          <p:cNvPr id="5" name="图片 4">
+            <a:extLst>
+              <a:ext uri="{FF2B5EF4-FFF2-40B4-BE49-F238E27FC236}">
+                <a16:creationId xmlns:a16="http://schemas.microsoft.com/office/drawing/2014/main" id="{46A09C54-4B71-4F86-B2C9-C46AECE041D7}"/>
+              </a:ext>
+            </a:extLst>
+          </p:cNvPr>
+          <p:cNvPicPr>
+            <a:picLocks noChangeAspect="1"/>
+          </p:cNvPicPr>
+          <p:nvPr/>
+        </p:nvPicPr>
+        <p:blipFill>
+          <a:blip r:embed="rId4"/>
+          <a:stretch>
+            <a:fillRect/>
+          </a:stretch>
+        </p:blipFill>
+        <p:spPr>
+          <a:xfrm>
+            <a:off x="173130" y="2164811"/>
+            <a:ext cx="3863935" cy="4303643"/>
+          </a:xfrm>
+          <a:prstGeom prst="rect">
+            <a:avLst/>
+          </a:prstGeom>
+        </p:spPr>
+      </p:pic>
+      <p:pic>
+        <p:nvPicPr>
+          <p:cNvPr id="10" name="图片 9">
+            <a:extLst>
+              <a:ext uri="{FF2B5EF4-FFF2-40B4-BE49-F238E27FC236}">
+                <a16:creationId xmlns:a16="http://schemas.microsoft.com/office/drawing/2014/main" id="{988103AE-E7CB-4272-A606-69B147BF4F9F}"/>
+              </a:ext>
+            </a:extLst>
+          </p:cNvPr>
+          <p:cNvPicPr>
+            <a:picLocks noChangeAspect="1"/>
+          </p:cNvPicPr>
+          <p:nvPr/>
+        </p:nvPicPr>
+        <p:blipFill>
+          <a:blip r:embed="rId5"/>
+          <a:stretch>
+            <a:fillRect/>
+          </a:stretch>
+        </p:blipFill>
+        <p:spPr>
+          <a:xfrm>
+            <a:off x="4176597" y="2148262"/>
+            <a:ext cx="3398142" cy="3091312"/>
+          </a:xfrm>
+          <a:prstGeom prst="rect">
+            <a:avLst/>
+          </a:prstGeom>
+        </p:spPr>
+      </p:pic>
+      <p:pic>
+        <p:nvPicPr>
+          <p:cNvPr id="12" name="图片 11">
+            <a:extLst>
+              <a:ext uri="{FF2B5EF4-FFF2-40B4-BE49-F238E27FC236}">
+                <a16:creationId xmlns:a16="http://schemas.microsoft.com/office/drawing/2014/main" id="{2E11E371-69C1-4AA0-86FA-E13BE24F2A01}"/>
+              </a:ext>
+            </a:extLst>
+          </p:cNvPr>
+          <p:cNvPicPr>
+            <a:picLocks noChangeAspect="1"/>
+          </p:cNvPicPr>
+          <p:nvPr/>
+        </p:nvPicPr>
+        <p:blipFill>
+          <a:blip r:embed="rId6"/>
+          <a:stretch>
+            <a:fillRect/>
+          </a:stretch>
+        </p:blipFill>
+        <p:spPr>
+          <a:xfrm>
+            <a:off x="7714271" y="2054563"/>
+            <a:ext cx="4694545" cy="2078276"/>
+          </a:xfrm>
+          <a:prstGeom prst="rect">
+            <a:avLst/>
+          </a:prstGeom>
+        </p:spPr>
+      </p:pic>
+      <p:pic>
+        <p:nvPicPr>
+          <p:cNvPr id="14" name="图片 13">
+            <a:extLst>
+              <a:ext uri="{FF2B5EF4-FFF2-40B4-BE49-F238E27FC236}">
+                <a16:creationId xmlns:a16="http://schemas.microsoft.com/office/drawing/2014/main" id="{DD915B4F-CA3B-49BD-8665-47606CB15E3E}"/>
+              </a:ext>
+            </a:extLst>
+          </p:cNvPr>
+          <p:cNvPicPr>
+            <a:picLocks noChangeAspect="1"/>
+          </p:cNvPicPr>
+          <p:nvPr/>
+        </p:nvPicPr>
+        <p:blipFill>
+          <a:blip r:embed="rId7"/>
+          <a:stretch>
+            <a:fillRect/>
+          </a:stretch>
+        </p:blipFill>
+        <p:spPr>
+          <a:xfrm>
+            <a:off x="7758413" y="4232519"/>
+            <a:ext cx="4610251" cy="2235935"/>
           </a:xfrm>
           <a:prstGeom prst="rect">
             <a:avLst/>

--- a/ML_Learning_PPT/ML.pptx
+++ b/ML_Learning_PPT/ML.pptx
@@ -265,7 +265,7 @@
           <a:p>
             <a:fld id="{3099E9A0-8747-49EA-9780-2B3AD1E61482}" type="datetimeFigureOut">
               <a:rPr lang="zh-CN" altLang="en-US" smtClean="0"/>
-              <a:t>2021/4/26</a:t>
+              <a:t>2021/5/6</a:t>
             </a:fld>
             <a:endParaRPr lang="zh-CN" altLang="en-US"/>
           </a:p>
@@ -430,7 +430,7 @@
           <a:p>
             <a:fld id="{59C3A3A5-2E5F-420B-9333-5CCC593BCAD9}" type="datetimeFigureOut">
               <a:rPr lang="zh-CN" altLang="en-US" smtClean="0"/>
-              <a:t>2021/4/26</a:t>
+              <a:t>2021/5/6</a:t>
             </a:fld>
             <a:endParaRPr lang="zh-CN" altLang="en-US"/>
           </a:p>
@@ -864,7 +864,7 @@
           <a:ln/>
           <a:extLst>
             <a:ext uri="{FAA26D3D-D897-4be2-8F04-BA451C77F1D7}">
-              <ma14:placeholderFlag xmlns:ma14="http://schemas.microsoft.com/office/mac/drawingml/2011/main" xmlns="" val="1"/>
+              <ma14:placeholderFlag xmlns="" xmlns:ma14="http://schemas.microsoft.com/office/mac/drawingml/2011/main" val="1"/>
             </a:ext>
           </a:extLst>
         </p:spPr>
@@ -958,7 +958,7 @@
           <a:ln/>
           <a:extLst>
             <a:ext uri="{FAA26D3D-D897-4be2-8F04-BA451C77F1D7}">
-              <ma14:placeholderFlag xmlns:ma14="http://schemas.microsoft.com/office/mac/drawingml/2011/main" xmlns="" val="1"/>
+              <ma14:placeholderFlag xmlns="" xmlns:ma14="http://schemas.microsoft.com/office/mac/drawingml/2011/main" val="1"/>
             </a:ext>
           </a:extLst>
         </p:spPr>
@@ -1052,7 +1052,7 @@
           <a:ln/>
           <a:extLst>
             <a:ext uri="{FAA26D3D-D897-4be2-8F04-BA451C77F1D7}">
-              <ma14:placeholderFlag xmlns:ma14="http://schemas.microsoft.com/office/mac/drawingml/2011/main" xmlns="" val="1"/>
+              <ma14:placeholderFlag xmlns="" xmlns:ma14="http://schemas.microsoft.com/office/mac/drawingml/2011/main" val="1"/>
             </a:ext>
           </a:extLst>
         </p:spPr>
@@ -1146,7 +1146,7 @@
           <a:ln/>
           <a:extLst>
             <a:ext uri="{FAA26D3D-D897-4be2-8F04-BA451C77F1D7}">
-              <ma14:placeholderFlag xmlns:ma14="http://schemas.microsoft.com/office/mac/drawingml/2011/main" xmlns="" val="1"/>
+              <ma14:placeholderFlag xmlns="" xmlns:ma14="http://schemas.microsoft.com/office/mac/drawingml/2011/main" val="1"/>
             </a:ext>
           </a:extLst>
         </p:spPr>
@@ -1240,7 +1240,7 @@
           <a:ln/>
           <a:extLst>
             <a:ext uri="{FAA26D3D-D897-4be2-8F04-BA451C77F1D7}">
-              <ma14:placeholderFlag xmlns:ma14="http://schemas.microsoft.com/office/mac/drawingml/2011/main" xmlns="" val="1"/>
+              <ma14:placeholderFlag xmlns="" xmlns:ma14="http://schemas.microsoft.com/office/mac/drawingml/2011/main" val="1"/>
             </a:ext>
           </a:extLst>
         </p:spPr>
@@ -1334,7 +1334,7 @@
           <a:ln/>
           <a:extLst>
             <a:ext uri="{FAA26D3D-D897-4be2-8F04-BA451C77F1D7}">
-              <ma14:placeholderFlag xmlns:ma14="http://schemas.microsoft.com/office/mac/drawingml/2011/main" xmlns="" val="1"/>
+              <ma14:placeholderFlag xmlns="" xmlns:ma14="http://schemas.microsoft.com/office/mac/drawingml/2011/main" val="1"/>
             </a:ext>
           </a:extLst>
         </p:spPr>
@@ -1428,7 +1428,7 @@
           <a:ln/>
           <a:extLst>
             <a:ext uri="{FAA26D3D-D897-4be2-8F04-BA451C77F1D7}">
-              <ma14:placeholderFlag xmlns:ma14="http://schemas.microsoft.com/office/mac/drawingml/2011/main" xmlns="" val="1"/>
+              <ma14:placeholderFlag xmlns="" xmlns:ma14="http://schemas.microsoft.com/office/mac/drawingml/2011/main" val="1"/>
             </a:ext>
           </a:extLst>
         </p:spPr>
@@ -1522,7 +1522,7 @@
           <a:ln/>
           <a:extLst>
             <a:ext uri="{FAA26D3D-D897-4be2-8F04-BA451C77F1D7}">
-              <ma14:placeholderFlag xmlns:ma14="http://schemas.microsoft.com/office/mac/drawingml/2011/main" xmlns="" val="1"/>
+              <ma14:placeholderFlag xmlns="" xmlns:ma14="http://schemas.microsoft.com/office/mac/drawingml/2011/main" val="1"/>
             </a:ext>
           </a:extLst>
         </p:spPr>
@@ -1616,7 +1616,7 @@
           <a:ln/>
           <a:extLst>
             <a:ext uri="{FAA26D3D-D897-4be2-8F04-BA451C77F1D7}">
-              <ma14:placeholderFlag xmlns:ma14="http://schemas.microsoft.com/office/mac/drawingml/2011/main" xmlns="" val="1"/>
+              <ma14:placeholderFlag xmlns="" xmlns:ma14="http://schemas.microsoft.com/office/mac/drawingml/2011/main" val="1"/>
             </a:ext>
           </a:extLst>
         </p:spPr>
@@ -1836,7 +1836,7 @@
           <a:ln/>
           <a:extLst>
             <a:ext uri="{FAA26D3D-D897-4be2-8F04-BA451C77F1D7}">
-              <ma14:placeholderFlag xmlns:ma14="http://schemas.microsoft.com/office/mac/drawingml/2011/main" xmlns="" val="1"/>
+              <ma14:placeholderFlag xmlns="" xmlns:ma14="http://schemas.microsoft.com/office/mac/drawingml/2011/main" val="1"/>
             </a:ext>
           </a:extLst>
         </p:spPr>
@@ -1930,7 +1930,7 @@
           <a:ln/>
           <a:extLst>
             <a:ext uri="{FAA26D3D-D897-4be2-8F04-BA451C77F1D7}">
-              <ma14:placeholderFlag xmlns:ma14="http://schemas.microsoft.com/office/mac/drawingml/2011/main" xmlns="" val="1"/>
+              <ma14:placeholderFlag xmlns="" xmlns:ma14="http://schemas.microsoft.com/office/mac/drawingml/2011/main" val="1"/>
             </a:ext>
           </a:extLst>
         </p:spPr>
@@ -2024,7 +2024,7 @@
           <a:ln/>
           <a:extLst>
             <a:ext uri="{FAA26D3D-D897-4be2-8F04-BA451C77F1D7}">
-              <ma14:placeholderFlag xmlns:ma14="http://schemas.microsoft.com/office/mac/drawingml/2011/main" xmlns="" val="1"/>
+              <ma14:placeholderFlag xmlns="" xmlns:ma14="http://schemas.microsoft.com/office/mac/drawingml/2011/main" val="1"/>
             </a:ext>
           </a:extLst>
         </p:spPr>
@@ -2118,7 +2118,7 @@
           <a:ln/>
           <a:extLst>
             <a:ext uri="{FAA26D3D-D897-4be2-8F04-BA451C77F1D7}">
-              <ma14:placeholderFlag xmlns:ma14="http://schemas.microsoft.com/office/mac/drawingml/2011/main" xmlns="" val="1"/>
+              <ma14:placeholderFlag xmlns="" xmlns:ma14="http://schemas.microsoft.com/office/mac/drawingml/2011/main" val="1"/>
             </a:ext>
           </a:extLst>
         </p:spPr>
@@ -2212,7 +2212,7 @@
           <a:ln/>
           <a:extLst>
             <a:ext uri="{FAA26D3D-D897-4be2-8F04-BA451C77F1D7}">
-              <ma14:placeholderFlag xmlns:ma14="http://schemas.microsoft.com/office/mac/drawingml/2011/main" xmlns="" val="1"/>
+              <ma14:placeholderFlag xmlns="" xmlns:ma14="http://schemas.microsoft.com/office/mac/drawingml/2011/main" val="1"/>
             </a:ext>
           </a:extLst>
         </p:spPr>
@@ -2306,7 +2306,7 @@
           <a:ln/>
           <a:extLst>
             <a:ext uri="{FAA26D3D-D897-4be2-8F04-BA451C77F1D7}">
-              <ma14:placeholderFlag xmlns:ma14="http://schemas.microsoft.com/office/mac/drawingml/2011/main" xmlns="" val="1"/>
+              <ma14:placeholderFlag xmlns="" xmlns:ma14="http://schemas.microsoft.com/office/mac/drawingml/2011/main" val="1"/>
             </a:ext>
           </a:extLst>
         </p:spPr>
@@ -2400,7 +2400,7 @@
           <a:ln/>
           <a:extLst>
             <a:ext uri="{FAA26D3D-D897-4be2-8F04-BA451C77F1D7}">
-              <ma14:placeholderFlag xmlns:ma14="http://schemas.microsoft.com/office/mac/drawingml/2011/main" xmlns="" val="1"/>
+              <ma14:placeholderFlag xmlns="" xmlns:ma14="http://schemas.microsoft.com/office/mac/drawingml/2011/main" val="1"/>
             </a:ext>
           </a:extLst>
         </p:spPr>
@@ -2568,7 +2568,7 @@
           <a:p>
             <a:fld id="{C9544B7A-89B0-4708-90D9-4851185AB967}" type="datetime1">
               <a:rPr lang="zh-CN" altLang="en-US" smtClean="0"/>
-              <a:t>2021/4/26</a:t>
+              <a:t>2021/5/6</a:t>
             </a:fld>
             <a:endParaRPr lang="zh-CN" altLang="en-US"/>
           </a:p>
@@ -2738,7 +2738,7 @@
           <a:p>
             <a:fld id="{C5CE6E85-5101-4F30-91E0-43D5E4CE8B33}" type="datetime1">
               <a:rPr lang="zh-CN" altLang="en-US" smtClean="0"/>
-              <a:t>2021/4/26</a:t>
+              <a:t>2021/5/6</a:t>
             </a:fld>
             <a:endParaRPr lang="zh-CN" altLang="en-US"/>
           </a:p>
@@ -2918,7 +2918,7 @@
           <a:p>
             <a:fld id="{ED62CA32-954D-41B0-BA0E-73100E0F5945}" type="datetime1">
               <a:rPr lang="zh-CN" altLang="en-US" smtClean="0"/>
-              <a:t>2021/4/26</a:t>
+              <a:t>2021/5/6</a:t>
             </a:fld>
             <a:endParaRPr lang="zh-CN" altLang="en-US"/>
           </a:p>
@@ -3088,7 +3088,7 @@
           <a:p>
             <a:fld id="{972C16B0-41EA-4964-9422-BB0F2CF7D4B4}" type="datetime1">
               <a:rPr lang="zh-CN" altLang="en-US" smtClean="0"/>
-              <a:t>2021/4/26</a:t>
+              <a:t>2021/5/6</a:t>
             </a:fld>
             <a:endParaRPr lang="zh-CN" altLang="en-US"/>
           </a:p>
@@ -3332,7 +3332,7 @@
           <a:p>
             <a:fld id="{ADD84556-FFFA-4F06-B1C0-2145885148D0}" type="datetime1">
               <a:rPr lang="zh-CN" altLang="en-US" smtClean="0"/>
-              <a:t>2021/4/26</a:t>
+              <a:t>2021/5/6</a:t>
             </a:fld>
             <a:endParaRPr lang="zh-CN" altLang="en-US"/>
           </a:p>
@@ -3564,7 +3564,7 @@
           <a:p>
             <a:fld id="{53D7A5D9-EB6E-40A7-999E-3636C7FD9FE5}" type="datetime1">
               <a:rPr lang="zh-CN" altLang="en-US" smtClean="0"/>
-              <a:t>2021/4/26</a:t>
+              <a:t>2021/5/6</a:t>
             </a:fld>
             <a:endParaRPr lang="zh-CN" altLang="en-US"/>
           </a:p>
@@ -3931,7 +3931,7 @@
           <a:p>
             <a:fld id="{789FA6D4-9D2F-41BC-B089-08CE1C7CA19A}" type="datetime1">
               <a:rPr lang="zh-CN" altLang="en-US" smtClean="0"/>
-              <a:t>2021/4/26</a:t>
+              <a:t>2021/5/6</a:t>
             </a:fld>
             <a:endParaRPr lang="zh-CN" altLang="en-US"/>
           </a:p>
@@ -4049,7 +4049,7 @@
           <a:p>
             <a:fld id="{721D6D56-92EC-4EC7-AE10-A882F5209FA6}" type="datetime1">
               <a:rPr lang="zh-CN" altLang="en-US" smtClean="0"/>
-              <a:t>2021/4/26</a:t>
+              <a:t>2021/5/6</a:t>
             </a:fld>
             <a:endParaRPr lang="zh-CN" altLang="en-US"/>
           </a:p>
@@ -4144,7 +4144,7 @@
           <a:p>
             <a:fld id="{45C249D4-D4EA-453C-9A5E-4D60B279AEF4}" type="datetime1">
               <a:rPr lang="zh-CN" altLang="en-US" smtClean="0"/>
-              <a:t>2021/4/26</a:t>
+              <a:t>2021/5/6</a:t>
             </a:fld>
             <a:endParaRPr lang="zh-CN" altLang="en-US"/>
           </a:p>
@@ -4421,7 +4421,7 @@
           <a:p>
             <a:fld id="{8E59B9C2-4314-4738-9763-842DF54F2218}" type="datetime1">
               <a:rPr lang="zh-CN" altLang="en-US" smtClean="0"/>
-              <a:t>2021/4/26</a:t>
+              <a:t>2021/5/6</a:t>
             </a:fld>
             <a:endParaRPr lang="zh-CN" altLang="en-US"/>
           </a:p>
@@ -4678,7 +4678,7 @@
           <a:p>
             <a:fld id="{EAE112E3-CE56-4101-8F26-B4781A1234B7}" type="datetime1">
               <a:rPr lang="zh-CN" altLang="en-US" smtClean="0"/>
-              <a:t>2021/4/26</a:t>
+              <a:t>2021/5/6</a:t>
             </a:fld>
             <a:endParaRPr lang="zh-CN" altLang="en-US"/>
           </a:p>
@@ -4915,7 +4915,7 @@
           <a:p>
             <a:fld id="{A8B2831D-05F0-48EB-AC61-FDBCF13AF6DD}" type="datetime1">
               <a:rPr lang="zh-CN" altLang="en-US" smtClean="0"/>
-              <a:t>2021/4/26</a:t>
+              <a:t>2021/5/6</a:t>
             </a:fld>
             <a:endParaRPr lang="zh-CN" altLang="en-US"/>
           </a:p>
@@ -8612,7 +8612,19 @@
           <a:p>
             <a:r>
               <a:rPr lang="zh-CN" altLang="en-US" dirty="0"/>
-              <a:t>的时候主要的关键在于构建计算图。</a:t>
+              <a:t>的时候主要的关键在于</a:t>
+            </a:r>
+            <a:r>
+              <a:rPr lang="zh-CN" altLang="en-US" dirty="0">
+                <a:solidFill>
+                  <a:srgbClr val="FF0000"/>
+                </a:solidFill>
+              </a:rPr>
+              <a:t>构建计算图</a:t>
+            </a:r>
+            <a:r>
+              <a:rPr lang="zh-CN" altLang="en-US" dirty="0"/>
+              <a:t>。</a:t>
             </a:r>
             <a:r>
               <a:rPr lang="en-US" altLang="zh-CN" dirty="0" err="1"/>
@@ -8935,7 +8947,7 @@
               <a:rPr lang="zh-CN" altLang="en-US" smtClean="0"/>
               <a:t>15</a:t>
             </a:fld>
-            <a:endParaRPr lang="zh-CN" altLang="en-US"/>
+            <a:endParaRPr lang="zh-CN" altLang="en-US" dirty="0"/>
           </a:p>
         </p:txBody>
       </p:sp>
@@ -8996,8 +9008,1471 @@
         </p:blipFill>
         <p:spPr>
           <a:xfrm>
-            <a:off x="232482" y="1610813"/>
+            <a:off x="173130" y="1610813"/>
             <a:ext cx="4867275" cy="2447925"/>
+          </a:xfrm>
+          <a:prstGeom prst="rect">
+            <a:avLst/>
+          </a:prstGeom>
+        </p:spPr>
+      </p:pic>
+      <p:sp>
+        <p:nvSpPr>
+          <p:cNvPr id="4" name="矩形 3">
+            <a:extLst>
+              <a:ext uri="{FF2B5EF4-FFF2-40B4-BE49-F238E27FC236}">
+                <a16:creationId xmlns:a16="http://schemas.microsoft.com/office/drawing/2014/main" id="{50358B90-490A-44C2-B99F-AEBFAF5C1CC5}"/>
+              </a:ext>
+            </a:extLst>
+          </p:cNvPr>
+          <p:cNvSpPr/>
+          <p:nvPr/>
+        </p:nvSpPr>
+        <p:spPr>
+          <a:xfrm>
+            <a:off x="640080" y="1853184"/>
+            <a:ext cx="4346448" cy="737616"/>
+          </a:xfrm>
+          <a:prstGeom prst="rect">
+            <a:avLst/>
+          </a:prstGeom>
+          <a:noFill/>
+          <a:ln w="19050">
+            <a:solidFill>
+              <a:srgbClr val="FF0000"/>
+            </a:solidFill>
+          </a:ln>
+        </p:spPr>
+        <p:style>
+          <a:lnRef idx="2">
+            <a:schemeClr val="accent1">
+              <a:shade val="50000"/>
+            </a:schemeClr>
+          </a:lnRef>
+          <a:fillRef idx="1">
+            <a:schemeClr val="accent1"/>
+          </a:fillRef>
+          <a:effectRef idx="0">
+            <a:schemeClr val="accent1"/>
+          </a:effectRef>
+          <a:fontRef idx="minor">
+            <a:schemeClr val="lt1"/>
+          </a:fontRef>
+        </p:style>
+        <p:txBody>
+          <a:bodyPr rtlCol="0" anchor="ctr"/>
+          <a:lstStyle/>
+          <a:p>
+            <a:pPr algn="ctr"/>
+            <a:endParaRPr lang="zh-CN" altLang="en-US"/>
+          </a:p>
+        </p:txBody>
+      </p:sp>
+      <p:cxnSp>
+        <p:nvCxnSpPr>
+          <p:cNvPr id="9" name="直接箭头连接符 8">
+            <a:extLst>
+              <a:ext uri="{FF2B5EF4-FFF2-40B4-BE49-F238E27FC236}">
+                <a16:creationId xmlns:a16="http://schemas.microsoft.com/office/drawing/2014/main" id="{3CA38A79-EE45-4F5E-BF49-86D170D0897E}"/>
+              </a:ext>
+            </a:extLst>
+          </p:cNvPr>
+          <p:cNvCxnSpPr/>
+          <p:nvPr/>
+        </p:nvCxnSpPr>
+        <p:spPr>
+          <a:xfrm>
+            <a:off x="4986528" y="2218944"/>
+            <a:ext cx="451104" cy="0"/>
+          </a:xfrm>
+          <a:prstGeom prst="straightConnector1">
+            <a:avLst/>
+          </a:prstGeom>
+          <a:ln w="19050">
+            <a:solidFill>
+              <a:srgbClr val="FF0000"/>
+            </a:solidFill>
+            <a:tailEnd type="triangle"/>
+          </a:ln>
+        </p:spPr>
+        <p:style>
+          <a:lnRef idx="1">
+            <a:schemeClr val="accent1"/>
+          </a:lnRef>
+          <a:fillRef idx="0">
+            <a:schemeClr val="accent1"/>
+          </a:fillRef>
+          <a:effectRef idx="0">
+            <a:schemeClr val="accent1"/>
+          </a:effectRef>
+          <a:fontRef idx="minor">
+            <a:schemeClr val="tx1"/>
+          </a:fontRef>
+        </p:style>
+      </p:cxnSp>
+      <p:sp>
+        <p:nvSpPr>
+          <p:cNvPr id="10" name="文本框 9">
+            <a:extLst>
+              <a:ext uri="{FF2B5EF4-FFF2-40B4-BE49-F238E27FC236}">
+                <a16:creationId xmlns:a16="http://schemas.microsoft.com/office/drawing/2014/main" id="{C8AFCDFD-7B40-4520-A428-5CA14B640B7A}"/>
+              </a:ext>
+            </a:extLst>
+          </p:cNvPr>
+          <p:cNvSpPr txBox="1"/>
+          <p:nvPr/>
+        </p:nvSpPr>
+        <p:spPr>
+          <a:xfrm>
+            <a:off x="5375353" y="2049667"/>
+            <a:ext cx="3467616" cy="338554"/>
+          </a:xfrm>
+          <a:prstGeom prst="rect">
+            <a:avLst/>
+          </a:prstGeom>
+          <a:noFill/>
+        </p:spPr>
+        <p:txBody>
+          <a:bodyPr wrap="none" rtlCol="0">
+            <a:spAutoFit/>
+          </a:bodyPr>
+          <a:lstStyle/>
+          <a:p>
+            <a:r>
+              <a:rPr lang="zh-CN" altLang="en-US" sz="1600" dirty="0">
+                <a:solidFill>
+                  <a:srgbClr val="FF0000"/>
+                </a:solidFill>
+              </a:rPr>
+              <a:t>模型初始化的时候默认调用的函数。</a:t>
+            </a:r>
+          </a:p>
+        </p:txBody>
+      </p:sp>
+      <p:sp>
+        <p:nvSpPr>
+          <p:cNvPr id="11" name="矩形 10">
+            <a:extLst>
+              <a:ext uri="{FF2B5EF4-FFF2-40B4-BE49-F238E27FC236}">
+                <a16:creationId xmlns:a16="http://schemas.microsoft.com/office/drawing/2014/main" id="{7177D7EB-DF12-4ABC-999F-9E9A9322B471}"/>
+              </a:ext>
+            </a:extLst>
+          </p:cNvPr>
+          <p:cNvSpPr/>
+          <p:nvPr/>
+        </p:nvSpPr>
+        <p:spPr>
+          <a:xfrm>
+            <a:off x="597408" y="2804815"/>
+            <a:ext cx="3060192" cy="737616"/>
+          </a:xfrm>
+          <a:prstGeom prst="rect">
+            <a:avLst/>
+          </a:prstGeom>
+          <a:noFill/>
+          <a:ln w="19050">
+            <a:solidFill>
+              <a:srgbClr val="FF0000"/>
+            </a:solidFill>
+          </a:ln>
+        </p:spPr>
+        <p:style>
+          <a:lnRef idx="2">
+            <a:schemeClr val="accent1">
+              <a:shade val="50000"/>
+            </a:schemeClr>
+          </a:lnRef>
+          <a:fillRef idx="1">
+            <a:schemeClr val="accent1"/>
+          </a:fillRef>
+          <a:effectRef idx="0">
+            <a:schemeClr val="accent1"/>
+          </a:effectRef>
+          <a:fontRef idx="minor">
+            <a:schemeClr val="lt1"/>
+          </a:fontRef>
+        </p:style>
+        <p:txBody>
+          <a:bodyPr rtlCol="0" anchor="ctr"/>
+          <a:lstStyle/>
+          <a:p>
+            <a:pPr algn="ctr"/>
+            <a:endParaRPr lang="zh-CN" altLang="en-US"/>
+          </a:p>
+        </p:txBody>
+      </p:sp>
+      <p:cxnSp>
+        <p:nvCxnSpPr>
+          <p:cNvPr id="12" name="直接箭头连接符 11">
+            <a:extLst>
+              <a:ext uri="{FF2B5EF4-FFF2-40B4-BE49-F238E27FC236}">
+                <a16:creationId xmlns:a16="http://schemas.microsoft.com/office/drawing/2014/main" id="{3652DD1E-71A1-4FB6-A9FA-1C64EE8772D7}"/>
+              </a:ext>
+            </a:extLst>
+          </p:cNvPr>
+          <p:cNvCxnSpPr/>
+          <p:nvPr/>
+        </p:nvCxnSpPr>
+        <p:spPr>
+          <a:xfrm>
+            <a:off x="3657600" y="3194304"/>
+            <a:ext cx="451104" cy="0"/>
+          </a:xfrm>
+          <a:prstGeom prst="straightConnector1">
+            <a:avLst/>
+          </a:prstGeom>
+          <a:ln w="19050">
+            <a:solidFill>
+              <a:srgbClr val="FF0000"/>
+            </a:solidFill>
+            <a:tailEnd type="triangle"/>
+          </a:ln>
+        </p:spPr>
+        <p:style>
+          <a:lnRef idx="1">
+            <a:schemeClr val="accent1"/>
+          </a:lnRef>
+          <a:fillRef idx="0">
+            <a:schemeClr val="accent1"/>
+          </a:fillRef>
+          <a:effectRef idx="0">
+            <a:schemeClr val="accent1"/>
+          </a:effectRef>
+          <a:fontRef idx="minor">
+            <a:schemeClr val="tx1"/>
+          </a:fontRef>
+        </p:style>
+      </p:cxnSp>
+      <p:sp>
+        <p:nvSpPr>
+          <p:cNvPr id="13" name="文本框 12">
+            <a:extLst>
+              <a:ext uri="{FF2B5EF4-FFF2-40B4-BE49-F238E27FC236}">
+                <a16:creationId xmlns:a16="http://schemas.microsoft.com/office/drawing/2014/main" id="{E09363A9-029D-466D-986E-5088EE44FBE6}"/>
+              </a:ext>
+            </a:extLst>
+          </p:cNvPr>
+          <p:cNvSpPr txBox="1"/>
+          <p:nvPr/>
+        </p:nvSpPr>
+        <p:spPr>
+          <a:xfrm>
+            <a:off x="4081878" y="3025027"/>
+            <a:ext cx="2271776" cy="338554"/>
+          </a:xfrm>
+          <a:prstGeom prst="rect">
+            <a:avLst/>
+          </a:prstGeom>
+          <a:noFill/>
+        </p:spPr>
+        <p:txBody>
+          <a:bodyPr wrap="none" rtlCol="0">
+            <a:spAutoFit/>
+          </a:bodyPr>
+          <a:lstStyle/>
+          <a:p>
+            <a:r>
+              <a:rPr lang="zh-CN" altLang="en-US" sz="1600" dirty="0">
+                <a:solidFill>
+                  <a:srgbClr val="FF0000"/>
+                </a:solidFill>
+              </a:rPr>
+              <a:t>前馈，必须是</a:t>
+            </a:r>
+            <a:r>
+              <a:rPr lang="en-US" altLang="zh-CN" sz="1600" dirty="0">
+                <a:solidFill>
+                  <a:srgbClr val="FF0000"/>
+                </a:solidFill>
+              </a:rPr>
+              <a:t>forward</a:t>
+            </a:r>
+            <a:r>
+              <a:rPr lang="zh-CN" altLang="en-US" sz="1600" dirty="0">
+                <a:solidFill>
+                  <a:srgbClr val="FF0000"/>
+                </a:solidFill>
+              </a:rPr>
+              <a:t>。</a:t>
+            </a:r>
+          </a:p>
+        </p:txBody>
+      </p:sp>
+      <p:sp>
+        <p:nvSpPr>
+          <p:cNvPr id="14" name="文本框 13">
+            <a:extLst>
+              <a:ext uri="{FF2B5EF4-FFF2-40B4-BE49-F238E27FC236}">
+                <a16:creationId xmlns:a16="http://schemas.microsoft.com/office/drawing/2014/main" id="{08149DBB-CEFA-4D14-9816-3175723CB46D}"/>
+              </a:ext>
+            </a:extLst>
+          </p:cNvPr>
+          <p:cNvSpPr txBox="1"/>
+          <p:nvPr/>
+        </p:nvSpPr>
+        <p:spPr>
+          <a:xfrm>
+            <a:off x="2666120" y="3711708"/>
+            <a:ext cx="6136616" cy="338554"/>
+          </a:xfrm>
+          <a:prstGeom prst="rect">
+            <a:avLst/>
+          </a:prstGeom>
+          <a:noFill/>
+        </p:spPr>
+        <p:txBody>
+          <a:bodyPr wrap="none" rtlCol="0">
+            <a:spAutoFit/>
+          </a:bodyPr>
+          <a:lstStyle/>
+          <a:p>
+            <a:r>
+              <a:rPr lang="zh-CN" altLang="en-US" sz="1600" dirty="0">
+                <a:solidFill>
+                  <a:srgbClr val="FF0000"/>
+                </a:solidFill>
+              </a:rPr>
+              <a:t>之所以没有</a:t>
+            </a:r>
+            <a:r>
+              <a:rPr lang="en-US" altLang="zh-CN" sz="1600" dirty="0">
+                <a:solidFill>
+                  <a:srgbClr val="FF0000"/>
+                </a:solidFill>
+              </a:rPr>
+              <a:t>backward</a:t>
+            </a:r>
+            <a:r>
+              <a:rPr lang="zh-CN" altLang="en-US" sz="1600" dirty="0">
+                <a:solidFill>
+                  <a:srgbClr val="FF0000"/>
+                </a:solidFill>
+              </a:rPr>
+              <a:t>，是因为使用</a:t>
+            </a:r>
+            <a:r>
+              <a:rPr lang="en-US" altLang="zh-CN" sz="1600" dirty="0">
+                <a:solidFill>
+                  <a:srgbClr val="FF0000"/>
+                </a:solidFill>
+              </a:rPr>
+              <a:t>Module</a:t>
+            </a:r>
+            <a:r>
+              <a:rPr lang="zh-CN" altLang="en-US" sz="1600" dirty="0">
+                <a:solidFill>
+                  <a:srgbClr val="FF0000"/>
+                </a:solidFill>
+              </a:rPr>
+              <a:t>的时候会自动实现反馈。</a:t>
+            </a:r>
+          </a:p>
+        </p:txBody>
+      </p:sp>
+      <p:sp>
+        <p:nvSpPr>
+          <p:cNvPr id="15" name="矩形 14">
+            <a:extLst>
+              <a:ext uri="{FF2B5EF4-FFF2-40B4-BE49-F238E27FC236}">
+                <a16:creationId xmlns:a16="http://schemas.microsoft.com/office/drawing/2014/main" id="{0ABD6710-9C69-4340-A7F3-5BD097442C75}"/>
+              </a:ext>
+            </a:extLst>
+          </p:cNvPr>
+          <p:cNvSpPr/>
+          <p:nvPr/>
+        </p:nvSpPr>
+        <p:spPr>
+          <a:xfrm>
+            <a:off x="2606767" y="2337816"/>
+            <a:ext cx="2379761" cy="246888"/>
+          </a:xfrm>
+          <a:prstGeom prst="rect">
+            <a:avLst/>
+          </a:prstGeom>
+          <a:noFill/>
+          <a:ln w="19050">
+            <a:solidFill>
+              <a:srgbClr val="FF0000"/>
+            </a:solidFill>
+          </a:ln>
+        </p:spPr>
+        <p:style>
+          <a:lnRef idx="2">
+            <a:schemeClr val="accent1">
+              <a:shade val="50000"/>
+            </a:schemeClr>
+          </a:lnRef>
+          <a:fillRef idx="1">
+            <a:schemeClr val="accent1"/>
+          </a:fillRef>
+          <a:effectRef idx="0">
+            <a:schemeClr val="accent1"/>
+          </a:effectRef>
+          <a:fontRef idx="minor">
+            <a:schemeClr val="lt1"/>
+          </a:fontRef>
+        </p:style>
+        <p:txBody>
+          <a:bodyPr rtlCol="0" anchor="ctr"/>
+          <a:lstStyle/>
+          <a:p>
+            <a:pPr algn="ctr"/>
+            <a:endParaRPr lang="zh-CN" altLang="en-US"/>
+          </a:p>
+        </p:txBody>
+      </p:sp>
+      <p:cxnSp>
+        <p:nvCxnSpPr>
+          <p:cNvPr id="16" name="直接箭头连接符 15">
+            <a:extLst>
+              <a:ext uri="{FF2B5EF4-FFF2-40B4-BE49-F238E27FC236}">
+                <a16:creationId xmlns:a16="http://schemas.microsoft.com/office/drawing/2014/main" id="{C7955825-7FB3-4B00-8503-83FA9234DB5A}"/>
+              </a:ext>
+            </a:extLst>
+          </p:cNvPr>
+          <p:cNvCxnSpPr/>
+          <p:nvPr/>
+        </p:nvCxnSpPr>
+        <p:spPr>
+          <a:xfrm>
+            <a:off x="4986528" y="2468621"/>
+            <a:ext cx="451104" cy="0"/>
+          </a:xfrm>
+          <a:prstGeom prst="straightConnector1">
+            <a:avLst/>
+          </a:prstGeom>
+          <a:ln w="19050">
+            <a:solidFill>
+              <a:srgbClr val="FF0000"/>
+            </a:solidFill>
+            <a:tailEnd type="triangle"/>
+          </a:ln>
+        </p:spPr>
+        <p:style>
+          <a:lnRef idx="1">
+            <a:schemeClr val="accent1"/>
+          </a:lnRef>
+          <a:fillRef idx="0">
+            <a:schemeClr val="accent1"/>
+          </a:fillRef>
+          <a:effectRef idx="0">
+            <a:schemeClr val="accent1"/>
+          </a:effectRef>
+          <a:fontRef idx="minor">
+            <a:schemeClr val="tx1"/>
+          </a:fontRef>
+        </p:style>
+      </p:cxnSp>
+      <p:sp>
+        <p:nvSpPr>
+          <p:cNvPr id="17" name="文本框 16">
+            <a:extLst>
+              <a:ext uri="{FF2B5EF4-FFF2-40B4-BE49-F238E27FC236}">
+                <a16:creationId xmlns:a16="http://schemas.microsoft.com/office/drawing/2014/main" id="{88662DA1-BC90-42C8-9572-9B1B31D40748}"/>
+              </a:ext>
+            </a:extLst>
+          </p:cNvPr>
+          <p:cNvSpPr txBox="1"/>
+          <p:nvPr/>
+        </p:nvSpPr>
+        <p:spPr>
+          <a:xfrm>
+            <a:off x="5375353" y="2304746"/>
+            <a:ext cx="3879588" cy="584775"/>
+          </a:xfrm>
+          <a:prstGeom prst="rect">
+            <a:avLst/>
+          </a:prstGeom>
+          <a:noFill/>
+        </p:spPr>
+        <p:txBody>
+          <a:bodyPr wrap="none" rtlCol="0">
+            <a:spAutoFit/>
+          </a:bodyPr>
+          <a:lstStyle/>
+          <a:p>
+            <a:r>
+              <a:rPr lang="en-US" altLang="zh-CN" sz="1600" dirty="0">
+                <a:solidFill>
+                  <a:srgbClr val="FF0000"/>
+                </a:solidFill>
+              </a:rPr>
+              <a:t>Linear</a:t>
+            </a:r>
+            <a:r>
+              <a:rPr lang="zh-CN" altLang="en-US" sz="1600" dirty="0">
+                <a:solidFill>
+                  <a:srgbClr val="FF0000"/>
+                </a:solidFill>
+              </a:rPr>
+              <a:t>含有两个成员张量，分别是权重</a:t>
+            </a:r>
+            <a:r>
+              <a:rPr lang="en-US" altLang="zh-CN" sz="1600" dirty="0">
+                <a:solidFill>
+                  <a:srgbClr val="FF0000"/>
+                </a:solidFill>
+              </a:rPr>
+              <a:t>(w)</a:t>
+            </a:r>
+          </a:p>
+          <a:p>
+            <a:r>
+              <a:rPr lang="zh-CN" altLang="en-US" sz="1600" dirty="0">
+                <a:solidFill>
+                  <a:srgbClr val="FF0000"/>
+                </a:solidFill>
+              </a:rPr>
+              <a:t>和偏置</a:t>
+            </a:r>
+            <a:r>
+              <a:rPr lang="en-US" altLang="zh-CN" sz="1600" dirty="0">
+                <a:solidFill>
+                  <a:srgbClr val="FF0000"/>
+                </a:solidFill>
+              </a:rPr>
+              <a:t>(b)</a:t>
+            </a:r>
+            <a:r>
+              <a:rPr lang="zh-CN" altLang="en-US" sz="1600" dirty="0">
+                <a:solidFill>
+                  <a:srgbClr val="FF0000"/>
+                </a:solidFill>
+              </a:rPr>
+              <a:t>。</a:t>
+            </a:r>
+          </a:p>
+        </p:txBody>
+      </p:sp>
+      <p:sp>
+        <p:nvSpPr>
+          <p:cNvPr id="18" name="文本框 17">
+            <a:extLst>
+              <a:ext uri="{FF2B5EF4-FFF2-40B4-BE49-F238E27FC236}">
+                <a16:creationId xmlns:a16="http://schemas.microsoft.com/office/drawing/2014/main" id="{D4C63D68-3BD9-4423-A897-BC3DF7E63679}"/>
+              </a:ext>
+            </a:extLst>
+          </p:cNvPr>
+          <p:cNvSpPr txBox="1"/>
+          <p:nvPr/>
+        </p:nvSpPr>
+        <p:spPr>
+          <a:xfrm>
+            <a:off x="173130" y="4294519"/>
+            <a:ext cx="2492990" cy="369332"/>
+          </a:xfrm>
+          <a:prstGeom prst="rect">
+            <a:avLst/>
+          </a:prstGeom>
+          <a:noFill/>
+        </p:spPr>
+        <p:txBody>
+          <a:bodyPr wrap="none" rtlCol="0">
+            <a:spAutoFit/>
+          </a:bodyPr>
+          <a:lstStyle/>
+          <a:p>
+            <a:r>
+              <a:rPr lang="zh-CN" altLang="en-US" dirty="0"/>
+              <a:t>构建损失函数和优化器</a:t>
+            </a:r>
+          </a:p>
+        </p:txBody>
+      </p:sp>
+      <p:pic>
+        <p:nvPicPr>
+          <p:cNvPr id="19" name="图片 18">
+            <a:extLst>
+              <a:ext uri="{FF2B5EF4-FFF2-40B4-BE49-F238E27FC236}">
+                <a16:creationId xmlns:a16="http://schemas.microsoft.com/office/drawing/2014/main" id="{0F8769EC-25B3-4D2F-8A6C-01F0D1353825}"/>
+              </a:ext>
+            </a:extLst>
+          </p:cNvPr>
+          <p:cNvPicPr>
+            <a:picLocks noChangeAspect="1"/>
+          </p:cNvPicPr>
+          <p:nvPr/>
+        </p:nvPicPr>
+        <p:blipFill>
+          <a:blip r:embed="rId4"/>
+          <a:stretch>
+            <a:fillRect/>
+          </a:stretch>
+        </p:blipFill>
+        <p:spPr>
+          <a:xfrm>
+            <a:off x="204129" y="4742362"/>
+            <a:ext cx="6524625" cy="504825"/>
+          </a:xfrm>
+          <a:prstGeom prst="rect">
+            <a:avLst/>
+          </a:prstGeom>
+        </p:spPr>
+      </p:pic>
+      <p:sp>
+        <p:nvSpPr>
+          <p:cNvPr id="20" name="矩形 19">
+            <a:extLst>
+              <a:ext uri="{FF2B5EF4-FFF2-40B4-BE49-F238E27FC236}">
+                <a16:creationId xmlns:a16="http://schemas.microsoft.com/office/drawing/2014/main" id="{F72391C0-8F03-4D71-8CD8-DE9D2C39EB64}"/>
+              </a:ext>
+            </a:extLst>
+          </p:cNvPr>
+          <p:cNvSpPr/>
+          <p:nvPr/>
+        </p:nvSpPr>
+        <p:spPr>
+          <a:xfrm>
+            <a:off x="3354668" y="4996427"/>
+            <a:ext cx="2020686" cy="240814"/>
+          </a:xfrm>
+          <a:prstGeom prst="rect">
+            <a:avLst/>
+          </a:prstGeom>
+          <a:noFill/>
+          <a:ln w="19050">
+            <a:solidFill>
+              <a:srgbClr val="FF0000"/>
+            </a:solidFill>
+          </a:ln>
+        </p:spPr>
+        <p:style>
+          <a:lnRef idx="2">
+            <a:schemeClr val="accent1">
+              <a:shade val="50000"/>
+            </a:schemeClr>
+          </a:lnRef>
+          <a:fillRef idx="1">
+            <a:schemeClr val="accent1"/>
+          </a:fillRef>
+          <a:effectRef idx="0">
+            <a:schemeClr val="accent1"/>
+          </a:effectRef>
+          <a:fontRef idx="minor">
+            <a:schemeClr val="lt1"/>
+          </a:fontRef>
+        </p:style>
+        <p:txBody>
+          <a:bodyPr rtlCol="0" anchor="ctr"/>
+          <a:lstStyle/>
+          <a:p>
+            <a:pPr algn="ctr"/>
+            <a:endParaRPr lang="zh-CN" altLang="en-US"/>
+          </a:p>
+        </p:txBody>
+      </p:sp>
+      <p:cxnSp>
+        <p:nvCxnSpPr>
+          <p:cNvPr id="21" name="直接箭头连接符 20">
+            <a:extLst>
+              <a:ext uri="{FF2B5EF4-FFF2-40B4-BE49-F238E27FC236}">
+                <a16:creationId xmlns:a16="http://schemas.microsoft.com/office/drawing/2014/main" id="{E03A7C39-5616-4575-84D3-C9AE147D0613}"/>
+              </a:ext>
+            </a:extLst>
+          </p:cNvPr>
+          <p:cNvCxnSpPr>
+            <a:cxnSpLocks/>
+          </p:cNvCxnSpPr>
+          <p:nvPr/>
+        </p:nvCxnSpPr>
+        <p:spPr>
+          <a:xfrm>
+            <a:off x="5375353" y="5247187"/>
+            <a:ext cx="1511830" cy="0"/>
+          </a:xfrm>
+          <a:prstGeom prst="straightConnector1">
+            <a:avLst/>
+          </a:prstGeom>
+          <a:ln w="19050">
+            <a:solidFill>
+              <a:srgbClr val="FF0000"/>
+            </a:solidFill>
+            <a:tailEnd type="triangle"/>
+          </a:ln>
+        </p:spPr>
+        <p:style>
+          <a:lnRef idx="1">
+            <a:schemeClr val="accent1"/>
+          </a:lnRef>
+          <a:fillRef idx="0">
+            <a:schemeClr val="accent1"/>
+          </a:fillRef>
+          <a:effectRef idx="0">
+            <a:schemeClr val="accent1"/>
+          </a:effectRef>
+          <a:fontRef idx="minor">
+            <a:schemeClr val="tx1"/>
+          </a:fontRef>
+        </p:style>
+      </p:cxnSp>
+      <p:sp>
+        <p:nvSpPr>
+          <p:cNvPr id="23" name="文本框 22">
+            <a:extLst>
+              <a:ext uri="{FF2B5EF4-FFF2-40B4-BE49-F238E27FC236}">
+                <a16:creationId xmlns:a16="http://schemas.microsoft.com/office/drawing/2014/main" id="{8947F81A-8EB6-4C26-90F1-5E111930F692}"/>
+              </a:ext>
+            </a:extLst>
+          </p:cNvPr>
+          <p:cNvSpPr txBox="1"/>
+          <p:nvPr/>
+        </p:nvSpPr>
+        <p:spPr>
+          <a:xfrm>
+            <a:off x="6872224" y="5067964"/>
+            <a:ext cx="2031325" cy="338554"/>
+          </a:xfrm>
+          <a:prstGeom prst="rect">
+            <a:avLst/>
+          </a:prstGeom>
+          <a:noFill/>
+        </p:spPr>
+        <p:txBody>
+          <a:bodyPr wrap="none" rtlCol="0">
+            <a:spAutoFit/>
+          </a:bodyPr>
+          <a:lstStyle/>
+          <a:p>
+            <a:r>
+              <a:rPr lang="zh-CN" altLang="en-US" sz="1600" dirty="0">
+                <a:solidFill>
+                  <a:srgbClr val="FF0000"/>
+                </a:solidFill>
+              </a:rPr>
+              <a:t>模型的参数，权重。</a:t>
+            </a:r>
+          </a:p>
+        </p:txBody>
+      </p:sp>
+      <p:pic>
+        <p:nvPicPr>
+          <p:cNvPr id="25" name="图片 24">
+            <a:extLst>
+              <a:ext uri="{FF2B5EF4-FFF2-40B4-BE49-F238E27FC236}">
+                <a16:creationId xmlns:a16="http://schemas.microsoft.com/office/drawing/2014/main" id="{6FBA3B9E-DD1C-4CD7-B6C0-BABDF0BA375E}"/>
+              </a:ext>
+            </a:extLst>
+          </p:cNvPr>
+          <p:cNvPicPr>
+            <a:picLocks noChangeAspect="1"/>
+          </p:cNvPicPr>
+          <p:nvPr/>
+        </p:nvPicPr>
+        <p:blipFill>
+          <a:blip r:embed="rId5"/>
+          <a:stretch>
+            <a:fillRect/>
+          </a:stretch>
+        </p:blipFill>
+        <p:spPr>
+          <a:xfrm>
+            <a:off x="216638" y="5397747"/>
+            <a:ext cx="6486525" cy="2609850"/>
+          </a:xfrm>
+          <a:prstGeom prst="rect">
+            <a:avLst/>
+          </a:prstGeom>
+        </p:spPr>
+      </p:pic>
+      <p:sp>
+        <p:nvSpPr>
+          <p:cNvPr id="26" name="矩形 25">
+            <a:extLst>
+              <a:ext uri="{FF2B5EF4-FFF2-40B4-BE49-F238E27FC236}">
+                <a16:creationId xmlns:a16="http://schemas.microsoft.com/office/drawing/2014/main" id="{86840D29-8FDB-4579-AB0D-7E5C7AEEFE02}"/>
+              </a:ext>
+            </a:extLst>
+          </p:cNvPr>
+          <p:cNvSpPr/>
+          <p:nvPr/>
+        </p:nvSpPr>
+        <p:spPr>
+          <a:xfrm>
+            <a:off x="216638" y="5397746"/>
+            <a:ext cx="5574561" cy="220734"/>
+          </a:xfrm>
+          <a:prstGeom prst="rect">
+            <a:avLst/>
+          </a:prstGeom>
+          <a:noFill/>
+          <a:ln w="19050">
+            <a:solidFill>
+              <a:srgbClr val="FF0000"/>
+            </a:solidFill>
+          </a:ln>
+        </p:spPr>
+        <p:style>
+          <a:lnRef idx="2">
+            <a:schemeClr val="accent1">
+              <a:shade val="50000"/>
+            </a:schemeClr>
+          </a:lnRef>
+          <a:fillRef idx="1">
+            <a:schemeClr val="accent1"/>
+          </a:fillRef>
+          <a:effectRef idx="0">
+            <a:schemeClr val="accent1"/>
+          </a:effectRef>
+          <a:fontRef idx="minor">
+            <a:schemeClr val="lt1"/>
+          </a:fontRef>
+        </p:style>
+        <p:txBody>
+          <a:bodyPr rtlCol="0" anchor="ctr"/>
+          <a:lstStyle/>
+          <a:p>
+            <a:pPr algn="ctr"/>
+            <a:endParaRPr lang="zh-CN" altLang="en-US"/>
+          </a:p>
+        </p:txBody>
+      </p:sp>
+      <p:cxnSp>
+        <p:nvCxnSpPr>
+          <p:cNvPr id="27" name="直接箭头连接符 26">
+            <a:extLst>
+              <a:ext uri="{FF2B5EF4-FFF2-40B4-BE49-F238E27FC236}">
+                <a16:creationId xmlns:a16="http://schemas.microsoft.com/office/drawing/2014/main" id="{3D75BF3F-51B1-4D94-A7C8-948C2A128268}"/>
+              </a:ext>
+            </a:extLst>
+          </p:cNvPr>
+          <p:cNvCxnSpPr>
+            <a:cxnSpLocks/>
+          </p:cNvCxnSpPr>
+          <p:nvPr/>
+        </p:nvCxnSpPr>
+        <p:spPr>
+          <a:xfrm>
+            <a:off x="5791199" y="5492425"/>
+            <a:ext cx="822961" cy="0"/>
+          </a:xfrm>
+          <a:prstGeom prst="straightConnector1">
+            <a:avLst/>
+          </a:prstGeom>
+          <a:ln w="19050">
+            <a:solidFill>
+              <a:srgbClr val="FF0000"/>
+            </a:solidFill>
+            <a:tailEnd type="triangle"/>
+          </a:ln>
+        </p:spPr>
+        <p:style>
+          <a:lnRef idx="1">
+            <a:schemeClr val="accent1"/>
+          </a:lnRef>
+          <a:fillRef idx="0">
+            <a:schemeClr val="accent1"/>
+          </a:fillRef>
+          <a:effectRef idx="0">
+            <a:schemeClr val="accent1"/>
+          </a:effectRef>
+          <a:fontRef idx="minor">
+            <a:schemeClr val="tx1"/>
+          </a:fontRef>
+        </p:style>
+      </p:cxnSp>
+      <p:sp>
+        <p:nvSpPr>
+          <p:cNvPr id="29" name="文本框 28">
+            <a:extLst>
+              <a:ext uri="{FF2B5EF4-FFF2-40B4-BE49-F238E27FC236}">
+                <a16:creationId xmlns:a16="http://schemas.microsoft.com/office/drawing/2014/main" id="{39B0B531-C80F-4150-AFEB-DB4B9AD4F820}"/>
+              </a:ext>
+            </a:extLst>
+          </p:cNvPr>
+          <p:cNvSpPr txBox="1"/>
+          <p:nvPr/>
+        </p:nvSpPr>
+        <p:spPr>
+          <a:xfrm>
+            <a:off x="6614160" y="5320804"/>
+            <a:ext cx="2236510" cy="338554"/>
+          </a:xfrm>
+          <a:prstGeom prst="rect">
+            <a:avLst/>
+          </a:prstGeom>
+          <a:noFill/>
+        </p:spPr>
+        <p:txBody>
+          <a:bodyPr wrap="none" rtlCol="0">
+            <a:spAutoFit/>
+          </a:bodyPr>
+          <a:lstStyle/>
+          <a:p>
+            <a:r>
+              <a:rPr lang="zh-CN" altLang="en-US" sz="1600" dirty="0">
+                <a:solidFill>
+                  <a:srgbClr val="FF0000"/>
+                </a:solidFill>
+              </a:rPr>
+              <a:t>计算损失。实例化类。</a:t>
+            </a:r>
+          </a:p>
+        </p:txBody>
+      </p:sp>
+      <p:sp>
+        <p:nvSpPr>
+          <p:cNvPr id="30" name="矩形 29">
+            <a:extLst>
+              <a:ext uri="{FF2B5EF4-FFF2-40B4-BE49-F238E27FC236}">
+                <a16:creationId xmlns:a16="http://schemas.microsoft.com/office/drawing/2014/main" id="{7AB96CC6-4FD1-4841-B061-6F649C05CA8D}"/>
+              </a:ext>
+            </a:extLst>
+          </p:cNvPr>
+          <p:cNvSpPr/>
+          <p:nvPr/>
+        </p:nvSpPr>
+        <p:spPr>
+          <a:xfrm>
+            <a:off x="216637" y="5616399"/>
+            <a:ext cx="6486525" cy="256075"/>
+          </a:xfrm>
+          <a:prstGeom prst="rect">
+            <a:avLst/>
+          </a:prstGeom>
+          <a:noFill/>
+          <a:ln w="19050">
+            <a:solidFill>
+              <a:srgbClr val="FF0000"/>
+            </a:solidFill>
+          </a:ln>
+        </p:spPr>
+        <p:style>
+          <a:lnRef idx="2">
+            <a:schemeClr val="accent1">
+              <a:shade val="50000"/>
+            </a:schemeClr>
+          </a:lnRef>
+          <a:fillRef idx="1">
+            <a:schemeClr val="accent1"/>
+          </a:fillRef>
+          <a:effectRef idx="0">
+            <a:schemeClr val="accent1"/>
+          </a:effectRef>
+          <a:fontRef idx="minor">
+            <a:schemeClr val="lt1"/>
+          </a:fontRef>
+        </p:style>
+        <p:txBody>
+          <a:bodyPr rtlCol="0" anchor="ctr"/>
+          <a:lstStyle/>
+          <a:p>
+            <a:pPr algn="ctr"/>
+            <a:endParaRPr lang="zh-CN" altLang="en-US"/>
+          </a:p>
+        </p:txBody>
+      </p:sp>
+      <p:cxnSp>
+        <p:nvCxnSpPr>
+          <p:cNvPr id="31" name="直接箭头连接符 30">
+            <a:extLst>
+              <a:ext uri="{FF2B5EF4-FFF2-40B4-BE49-F238E27FC236}">
+                <a16:creationId xmlns:a16="http://schemas.microsoft.com/office/drawing/2014/main" id="{0F76B7BA-C6F7-4155-9EA6-5A96673E231D}"/>
+              </a:ext>
+            </a:extLst>
+          </p:cNvPr>
+          <p:cNvCxnSpPr>
+            <a:cxnSpLocks/>
+          </p:cNvCxnSpPr>
+          <p:nvPr/>
+        </p:nvCxnSpPr>
+        <p:spPr>
+          <a:xfrm>
+            <a:off x="6703162" y="5746425"/>
+            <a:ext cx="405999" cy="0"/>
+          </a:xfrm>
+          <a:prstGeom prst="straightConnector1">
+            <a:avLst/>
+          </a:prstGeom>
+          <a:ln w="19050">
+            <a:solidFill>
+              <a:srgbClr val="FF0000"/>
+            </a:solidFill>
+            <a:tailEnd type="triangle"/>
+          </a:ln>
+        </p:spPr>
+        <p:style>
+          <a:lnRef idx="1">
+            <a:schemeClr val="accent1"/>
+          </a:lnRef>
+          <a:fillRef idx="0">
+            <a:schemeClr val="accent1"/>
+          </a:fillRef>
+          <a:effectRef idx="0">
+            <a:schemeClr val="accent1"/>
+          </a:effectRef>
+          <a:fontRef idx="minor">
+            <a:schemeClr val="tx1"/>
+          </a:fontRef>
+        </p:style>
+      </p:cxnSp>
+      <p:sp>
+        <p:nvSpPr>
+          <p:cNvPr id="32" name="文本框 31">
+            <a:extLst>
+              <a:ext uri="{FF2B5EF4-FFF2-40B4-BE49-F238E27FC236}">
+                <a16:creationId xmlns:a16="http://schemas.microsoft.com/office/drawing/2014/main" id="{A2104C9C-2F07-4C4A-9A24-906213F6B1F2}"/>
+              </a:ext>
+            </a:extLst>
+          </p:cNvPr>
+          <p:cNvSpPr txBox="1"/>
+          <p:nvPr/>
+        </p:nvSpPr>
+        <p:spPr>
+          <a:xfrm>
+            <a:off x="7081414" y="5575159"/>
+            <a:ext cx="3132589" cy="338554"/>
+          </a:xfrm>
+          <a:prstGeom prst="rect">
+            <a:avLst/>
+          </a:prstGeom>
+          <a:noFill/>
+        </p:spPr>
+        <p:txBody>
+          <a:bodyPr wrap="none" rtlCol="0">
+            <a:spAutoFit/>
+          </a:bodyPr>
+          <a:lstStyle/>
+          <a:p>
+            <a:r>
+              <a:rPr lang="zh-CN" altLang="en-US" sz="1600" dirty="0">
+                <a:solidFill>
+                  <a:srgbClr val="FF0000"/>
+                </a:solidFill>
+              </a:rPr>
+              <a:t>定义梯度下降的参数和学习率。</a:t>
+            </a:r>
+          </a:p>
+        </p:txBody>
+      </p:sp>
+      <p:sp>
+        <p:nvSpPr>
+          <p:cNvPr id="34" name="矩形 33">
+            <a:extLst>
+              <a:ext uri="{FF2B5EF4-FFF2-40B4-BE49-F238E27FC236}">
+                <a16:creationId xmlns:a16="http://schemas.microsoft.com/office/drawing/2014/main" id="{FB615DC1-89CD-44B4-83DE-7D52B2CAFA2A}"/>
+              </a:ext>
+            </a:extLst>
+          </p:cNvPr>
+          <p:cNvSpPr/>
+          <p:nvPr/>
+        </p:nvSpPr>
+        <p:spPr>
+          <a:xfrm>
+            <a:off x="651419" y="7297592"/>
+            <a:ext cx="2404298" cy="237527"/>
+          </a:xfrm>
+          <a:prstGeom prst="rect">
+            <a:avLst/>
+          </a:prstGeom>
+          <a:noFill/>
+          <a:ln w="19050">
+            <a:solidFill>
+              <a:srgbClr val="FF0000"/>
+            </a:solidFill>
+          </a:ln>
+        </p:spPr>
+        <p:style>
+          <a:lnRef idx="2">
+            <a:schemeClr val="accent1">
+              <a:shade val="50000"/>
+            </a:schemeClr>
+          </a:lnRef>
+          <a:fillRef idx="1">
+            <a:schemeClr val="accent1"/>
+          </a:fillRef>
+          <a:effectRef idx="0">
+            <a:schemeClr val="accent1"/>
+          </a:effectRef>
+          <a:fontRef idx="minor">
+            <a:schemeClr val="lt1"/>
+          </a:fontRef>
+        </p:style>
+        <p:txBody>
+          <a:bodyPr rtlCol="0" anchor="ctr"/>
+          <a:lstStyle/>
+          <a:p>
+            <a:pPr algn="ctr"/>
+            <a:endParaRPr lang="zh-CN" altLang="en-US"/>
+          </a:p>
+        </p:txBody>
+      </p:sp>
+      <p:cxnSp>
+        <p:nvCxnSpPr>
+          <p:cNvPr id="35" name="直接箭头连接符 34">
+            <a:extLst>
+              <a:ext uri="{FF2B5EF4-FFF2-40B4-BE49-F238E27FC236}">
+                <a16:creationId xmlns:a16="http://schemas.microsoft.com/office/drawing/2014/main" id="{797938CC-0BF3-4A0A-BD46-B557469FC868}"/>
+              </a:ext>
+            </a:extLst>
+          </p:cNvPr>
+          <p:cNvCxnSpPr>
+            <a:cxnSpLocks/>
+          </p:cNvCxnSpPr>
+          <p:nvPr/>
+        </p:nvCxnSpPr>
+        <p:spPr>
+          <a:xfrm>
+            <a:off x="3055717" y="7426684"/>
+            <a:ext cx="405999" cy="0"/>
+          </a:xfrm>
+          <a:prstGeom prst="straightConnector1">
+            <a:avLst/>
+          </a:prstGeom>
+          <a:ln w="19050">
+            <a:solidFill>
+              <a:srgbClr val="FF0000"/>
+            </a:solidFill>
+            <a:tailEnd type="triangle"/>
+          </a:ln>
+        </p:spPr>
+        <p:style>
+          <a:lnRef idx="1">
+            <a:schemeClr val="accent1"/>
+          </a:lnRef>
+          <a:fillRef idx="0">
+            <a:schemeClr val="accent1"/>
+          </a:fillRef>
+          <a:effectRef idx="0">
+            <a:schemeClr val="accent1"/>
+          </a:effectRef>
+          <a:fontRef idx="minor">
+            <a:schemeClr val="tx1"/>
+          </a:fontRef>
+        </p:style>
+      </p:cxnSp>
+      <p:sp>
+        <p:nvSpPr>
+          <p:cNvPr id="36" name="文本框 35">
+            <a:extLst>
+              <a:ext uri="{FF2B5EF4-FFF2-40B4-BE49-F238E27FC236}">
+                <a16:creationId xmlns:a16="http://schemas.microsoft.com/office/drawing/2014/main" id="{D1377658-00DD-40B2-809F-93685C0591C9}"/>
+              </a:ext>
+            </a:extLst>
+          </p:cNvPr>
+          <p:cNvSpPr txBox="1"/>
+          <p:nvPr/>
+        </p:nvSpPr>
+        <p:spPr>
+          <a:xfrm>
+            <a:off x="3393732" y="7221357"/>
+            <a:ext cx="1210588" cy="338554"/>
+          </a:xfrm>
+          <a:prstGeom prst="rect">
+            <a:avLst/>
+          </a:prstGeom>
+          <a:noFill/>
+        </p:spPr>
+        <p:txBody>
+          <a:bodyPr wrap="none" rtlCol="0">
+            <a:spAutoFit/>
+          </a:bodyPr>
+          <a:lstStyle/>
+          <a:p>
+            <a:r>
+              <a:rPr lang="zh-CN" altLang="en-US" sz="1600" dirty="0">
+                <a:solidFill>
+                  <a:srgbClr val="FF0000"/>
+                </a:solidFill>
+              </a:rPr>
+              <a:t>梯度清零。</a:t>
+            </a:r>
+          </a:p>
+        </p:txBody>
+      </p:sp>
+      <p:sp>
+        <p:nvSpPr>
+          <p:cNvPr id="37" name="矩形 36">
+            <a:extLst>
+              <a:ext uri="{FF2B5EF4-FFF2-40B4-BE49-F238E27FC236}">
+                <a16:creationId xmlns:a16="http://schemas.microsoft.com/office/drawing/2014/main" id="{9999015A-9756-4AFB-A60E-45F19DA020AC}"/>
+              </a:ext>
+            </a:extLst>
+          </p:cNvPr>
+          <p:cNvSpPr/>
+          <p:nvPr/>
+        </p:nvSpPr>
+        <p:spPr>
+          <a:xfrm>
+            <a:off x="658363" y="7536850"/>
+            <a:ext cx="1714447" cy="237527"/>
+          </a:xfrm>
+          <a:prstGeom prst="rect">
+            <a:avLst/>
+          </a:prstGeom>
+          <a:noFill/>
+          <a:ln w="19050">
+            <a:solidFill>
+              <a:srgbClr val="FF0000"/>
+            </a:solidFill>
+          </a:ln>
+        </p:spPr>
+        <p:style>
+          <a:lnRef idx="2">
+            <a:schemeClr val="accent1">
+              <a:shade val="50000"/>
+            </a:schemeClr>
+          </a:lnRef>
+          <a:fillRef idx="1">
+            <a:schemeClr val="accent1"/>
+          </a:fillRef>
+          <a:effectRef idx="0">
+            <a:schemeClr val="accent1"/>
+          </a:effectRef>
+          <a:fontRef idx="minor">
+            <a:schemeClr val="lt1"/>
+          </a:fontRef>
+        </p:style>
+        <p:txBody>
+          <a:bodyPr rtlCol="0" anchor="ctr"/>
+          <a:lstStyle/>
+          <a:p>
+            <a:pPr algn="ctr"/>
+            <a:endParaRPr lang="zh-CN" altLang="en-US"/>
+          </a:p>
+        </p:txBody>
+      </p:sp>
+      <p:cxnSp>
+        <p:nvCxnSpPr>
+          <p:cNvPr id="38" name="直接箭头连接符 37">
+            <a:extLst>
+              <a:ext uri="{FF2B5EF4-FFF2-40B4-BE49-F238E27FC236}">
+                <a16:creationId xmlns:a16="http://schemas.microsoft.com/office/drawing/2014/main" id="{38C36913-1DCC-4FC8-9631-02314FA6E442}"/>
+              </a:ext>
+            </a:extLst>
+          </p:cNvPr>
+          <p:cNvCxnSpPr>
+            <a:cxnSpLocks/>
+          </p:cNvCxnSpPr>
+          <p:nvPr/>
+        </p:nvCxnSpPr>
+        <p:spPr>
+          <a:xfrm>
+            <a:off x="2372810" y="7660107"/>
+            <a:ext cx="405999" cy="0"/>
+          </a:xfrm>
+          <a:prstGeom prst="straightConnector1">
+            <a:avLst/>
+          </a:prstGeom>
+          <a:ln w="19050">
+            <a:solidFill>
+              <a:srgbClr val="FF0000"/>
+            </a:solidFill>
+            <a:tailEnd type="triangle"/>
+          </a:ln>
+        </p:spPr>
+        <p:style>
+          <a:lnRef idx="1">
+            <a:schemeClr val="accent1"/>
+          </a:lnRef>
+          <a:fillRef idx="0">
+            <a:schemeClr val="accent1"/>
+          </a:fillRef>
+          <a:effectRef idx="0">
+            <a:schemeClr val="accent1"/>
+          </a:effectRef>
+          <a:fontRef idx="minor">
+            <a:schemeClr val="tx1"/>
+          </a:fontRef>
+        </p:style>
+      </p:cxnSp>
+      <p:sp>
+        <p:nvSpPr>
+          <p:cNvPr id="39" name="文本框 38">
+            <a:extLst>
+              <a:ext uri="{FF2B5EF4-FFF2-40B4-BE49-F238E27FC236}">
+                <a16:creationId xmlns:a16="http://schemas.microsoft.com/office/drawing/2014/main" id="{7ABC2AA0-C770-497A-B1CE-842A959E0A2A}"/>
+              </a:ext>
+            </a:extLst>
+          </p:cNvPr>
+          <p:cNvSpPr txBox="1"/>
+          <p:nvPr/>
+        </p:nvSpPr>
+        <p:spPr>
+          <a:xfrm>
+            <a:off x="2710825" y="7486336"/>
+            <a:ext cx="800219" cy="338554"/>
+          </a:xfrm>
+          <a:prstGeom prst="rect">
+            <a:avLst/>
+          </a:prstGeom>
+          <a:noFill/>
+        </p:spPr>
+        <p:txBody>
+          <a:bodyPr wrap="none" rtlCol="0">
+            <a:spAutoFit/>
+          </a:bodyPr>
+          <a:lstStyle/>
+          <a:p>
+            <a:r>
+              <a:rPr lang="zh-CN" altLang="en-US" sz="1600" dirty="0">
+                <a:solidFill>
+                  <a:srgbClr val="FF0000"/>
+                </a:solidFill>
+              </a:rPr>
+              <a:t>反馈。</a:t>
+            </a:r>
+          </a:p>
+        </p:txBody>
+      </p:sp>
+      <p:sp>
+        <p:nvSpPr>
+          <p:cNvPr id="40" name="矩形 39">
+            <a:extLst>
+              <a:ext uri="{FF2B5EF4-FFF2-40B4-BE49-F238E27FC236}">
+                <a16:creationId xmlns:a16="http://schemas.microsoft.com/office/drawing/2014/main" id="{97E997A2-347E-49DA-8B3C-F20051897565}"/>
+              </a:ext>
+            </a:extLst>
+          </p:cNvPr>
+          <p:cNvSpPr/>
+          <p:nvPr/>
+        </p:nvSpPr>
+        <p:spPr>
+          <a:xfrm>
+            <a:off x="630582" y="7770936"/>
+            <a:ext cx="1876457" cy="236662"/>
+          </a:xfrm>
+          <a:prstGeom prst="rect">
+            <a:avLst/>
+          </a:prstGeom>
+          <a:noFill/>
+          <a:ln w="19050">
+            <a:solidFill>
+              <a:srgbClr val="FF0000"/>
+            </a:solidFill>
+          </a:ln>
+        </p:spPr>
+        <p:style>
+          <a:lnRef idx="2">
+            <a:schemeClr val="accent1">
+              <a:shade val="50000"/>
+            </a:schemeClr>
+          </a:lnRef>
+          <a:fillRef idx="1">
+            <a:schemeClr val="accent1"/>
+          </a:fillRef>
+          <a:effectRef idx="0">
+            <a:schemeClr val="accent1"/>
+          </a:effectRef>
+          <a:fontRef idx="minor">
+            <a:schemeClr val="lt1"/>
+          </a:fontRef>
+        </p:style>
+        <p:txBody>
+          <a:bodyPr rtlCol="0" anchor="ctr"/>
+          <a:lstStyle/>
+          <a:p>
+            <a:pPr algn="ctr"/>
+            <a:endParaRPr lang="zh-CN" altLang="en-US"/>
+          </a:p>
+        </p:txBody>
+      </p:sp>
+      <p:cxnSp>
+        <p:nvCxnSpPr>
+          <p:cNvPr id="41" name="直接箭头连接符 40">
+            <a:extLst>
+              <a:ext uri="{FF2B5EF4-FFF2-40B4-BE49-F238E27FC236}">
+                <a16:creationId xmlns:a16="http://schemas.microsoft.com/office/drawing/2014/main" id="{9DADDB22-0A47-48C6-87B3-56BCE43FFACE}"/>
+              </a:ext>
+            </a:extLst>
+          </p:cNvPr>
+          <p:cNvCxnSpPr>
+            <a:cxnSpLocks/>
+          </p:cNvCxnSpPr>
+          <p:nvPr/>
+        </p:nvCxnSpPr>
+        <p:spPr>
+          <a:xfrm>
+            <a:off x="2515984" y="7868856"/>
+            <a:ext cx="405999" cy="0"/>
+          </a:xfrm>
+          <a:prstGeom prst="straightConnector1">
+            <a:avLst/>
+          </a:prstGeom>
+          <a:ln w="19050">
+            <a:solidFill>
+              <a:srgbClr val="FF0000"/>
+            </a:solidFill>
+            <a:tailEnd type="triangle"/>
+          </a:ln>
+        </p:spPr>
+        <p:style>
+          <a:lnRef idx="1">
+            <a:schemeClr val="accent1"/>
+          </a:lnRef>
+          <a:fillRef idx="0">
+            <a:schemeClr val="accent1"/>
+          </a:fillRef>
+          <a:effectRef idx="0">
+            <a:schemeClr val="accent1"/>
+          </a:effectRef>
+          <a:fontRef idx="minor">
+            <a:schemeClr val="tx1"/>
+          </a:fontRef>
+        </p:style>
+      </p:cxnSp>
+      <p:sp>
+        <p:nvSpPr>
+          <p:cNvPr id="42" name="文本框 41">
+            <a:extLst>
+              <a:ext uri="{FF2B5EF4-FFF2-40B4-BE49-F238E27FC236}">
+                <a16:creationId xmlns:a16="http://schemas.microsoft.com/office/drawing/2014/main" id="{43A0996A-75CF-4803-97B1-CD85D901BE04}"/>
+              </a:ext>
+            </a:extLst>
+          </p:cNvPr>
+          <p:cNvSpPr txBox="1"/>
+          <p:nvPr/>
+        </p:nvSpPr>
+        <p:spPr>
+          <a:xfrm>
+            <a:off x="2845054" y="7698244"/>
+            <a:ext cx="800219" cy="338554"/>
+          </a:xfrm>
+          <a:prstGeom prst="rect">
+            <a:avLst/>
+          </a:prstGeom>
+          <a:noFill/>
+        </p:spPr>
+        <p:txBody>
+          <a:bodyPr wrap="none" rtlCol="0">
+            <a:spAutoFit/>
+          </a:bodyPr>
+          <a:lstStyle/>
+          <a:p>
+            <a:r>
+              <a:rPr lang="zh-CN" altLang="en-US" sz="1600" dirty="0">
+                <a:solidFill>
+                  <a:srgbClr val="FF0000"/>
+                </a:solidFill>
+              </a:rPr>
+              <a:t>更新。</a:t>
+            </a:r>
+          </a:p>
+        </p:txBody>
+      </p:sp>
+      <p:pic>
+        <p:nvPicPr>
+          <p:cNvPr id="44" name="图片 43">
+            <a:extLst>
+              <a:ext uri="{FF2B5EF4-FFF2-40B4-BE49-F238E27FC236}">
+                <a16:creationId xmlns:a16="http://schemas.microsoft.com/office/drawing/2014/main" id="{9BF0595F-60B6-45E5-9D3E-56BEB17448EE}"/>
+              </a:ext>
+            </a:extLst>
+          </p:cNvPr>
+          <p:cNvPicPr>
+            <a:picLocks noChangeAspect="1"/>
+          </p:cNvPicPr>
+          <p:nvPr/>
+        </p:nvPicPr>
+        <p:blipFill>
+          <a:blip r:embed="rId6"/>
+          <a:stretch>
+            <a:fillRect/>
+          </a:stretch>
+        </p:blipFill>
+        <p:spPr>
+          <a:xfrm>
+            <a:off x="6688138" y="6047046"/>
+            <a:ext cx="4638675" cy="1962150"/>
           </a:xfrm>
           <a:prstGeom prst="rect">
             <a:avLst/>

--- a/ML_Learning_PPT/ML.pptx
+++ b/ML_Learning_PPT/ML.pptx
@@ -5,10 +5,10 @@
     <p:sldMasterId id="2147483660" r:id="rId1"/>
   </p:sldMasterIdLst>
   <p:notesMasterIdLst>
-    <p:notesMasterId r:id="rId22"/>
+    <p:notesMasterId r:id="rId24"/>
   </p:notesMasterIdLst>
   <p:handoutMasterIdLst>
-    <p:handoutMasterId r:id="rId23"/>
+    <p:handoutMasterId r:id="rId25"/>
   </p:handoutMasterIdLst>
   <p:sldIdLst>
     <p:sldId id="395" r:id="rId2"/>
@@ -26,11 +26,13 @@
     <p:sldId id="522" r:id="rId14"/>
     <p:sldId id="530" r:id="rId15"/>
     <p:sldId id="531" r:id="rId16"/>
-    <p:sldId id="525" r:id="rId17"/>
-    <p:sldId id="513" r:id="rId18"/>
-    <p:sldId id="418" r:id="rId19"/>
-    <p:sldId id="516" r:id="rId20"/>
-    <p:sldId id="523" r:id="rId21"/>
+    <p:sldId id="533" r:id="rId17"/>
+    <p:sldId id="532" r:id="rId18"/>
+    <p:sldId id="525" r:id="rId19"/>
+    <p:sldId id="513" r:id="rId20"/>
+    <p:sldId id="418" r:id="rId21"/>
+    <p:sldId id="516" r:id="rId22"/>
+    <p:sldId id="523" r:id="rId23"/>
   </p:sldIdLst>
   <p:sldSz cx="9144000" cy="6858000" type="screen4x3"/>
   <p:notesSz cx="6858000" cy="9144000"/>
@@ -149,6 +151,8 @@
             <p14:sldId id="522"/>
             <p14:sldId id="530"/>
             <p14:sldId id="531"/>
+            <p14:sldId id="533"/>
+            <p14:sldId id="532"/>
             <p14:sldId id="525"/>
             <p14:sldId id="513"/>
             <p14:sldId id="418"/>
@@ -265,7 +269,7 @@
           <a:p>
             <a:fld id="{3099E9A0-8747-49EA-9780-2B3AD1E61482}" type="datetimeFigureOut">
               <a:rPr lang="zh-CN" altLang="en-US" smtClean="0"/>
-              <a:t>2021/5/6</a:t>
+              <a:t>2021/6/1</a:t>
             </a:fld>
             <a:endParaRPr lang="zh-CN" altLang="en-US"/>
           </a:p>
@@ -430,7 +434,7 @@
           <a:p>
             <a:fld id="{59C3A3A5-2E5F-420B-9333-5CCC593BCAD9}" type="datetimeFigureOut">
               <a:rPr lang="zh-CN" altLang="en-US" smtClean="0"/>
-              <a:t>2021/5/6</a:t>
+              <a:t>2021/6/1</a:t>
             </a:fld>
             <a:endParaRPr lang="zh-CN" altLang="en-US"/>
           </a:p>
@@ -864,7 +868,7 @@
           <a:ln/>
           <a:extLst>
             <a:ext uri="{FAA26D3D-D897-4be2-8F04-BA451C77F1D7}">
-              <ma14:placeholderFlag xmlns="" xmlns:ma14="http://schemas.microsoft.com/office/mac/drawingml/2011/main" val="1"/>
+              <ma14:placeholderFlag xmlns:ma14="http://schemas.microsoft.com/office/mac/drawingml/2011/main" xmlns="" val="1"/>
             </a:ext>
           </a:extLst>
         </p:spPr>
@@ -958,7 +962,7 @@
           <a:ln/>
           <a:extLst>
             <a:ext uri="{FAA26D3D-D897-4be2-8F04-BA451C77F1D7}">
-              <ma14:placeholderFlag xmlns="" xmlns:ma14="http://schemas.microsoft.com/office/mac/drawingml/2011/main" val="1"/>
+              <ma14:placeholderFlag xmlns:ma14="http://schemas.microsoft.com/office/mac/drawingml/2011/main" xmlns="" val="1"/>
             </a:ext>
           </a:extLst>
         </p:spPr>
@@ -1052,7 +1056,7 @@
           <a:ln/>
           <a:extLst>
             <a:ext uri="{FAA26D3D-D897-4be2-8F04-BA451C77F1D7}">
-              <ma14:placeholderFlag xmlns="" xmlns:ma14="http://schemas.microsoft.com/office/mac/drawingml/2011/main" val="1"/>
+              <ma14:placeholderFlag xmlns:ma14="http://schemas.microsoft.com/office/mac/drawingml/2011/main" xmlns="" val="1"/>
             </a:ext>
           </a:extLst>
         </p:spPr>
@@ -1146,7 +1150,7 @@
           <a:ln/>
           <a:extLst>
             <a:ext uri="{FAA26D3D-D897-4be2-8F04-BA451C77F1D7}">
-              <ma14:placeholderFlag xmlns="" xmlns:ma14="http://schemas.microsoft.com/office/mac/drawingml/2011/main" val="1"/>
+              <ma14:placeholderFlag xmlns:ma14="http://schemas.microsoft.com/office/mac/drawingml/2011/main" xmlns="" val="1"/>
             </a:ext>
           </a:extLst>
         </p:spPr>
@@ -1240,7 +1244,7 @@
           <a:ln/>
           <a:extLst>
             <a:ext uri="{FAA26D3D-D897-4be2-8F04-BA451C77F1D7}">
-              <ma14:placeholderFlag xmlns="" xmlns:ma14="http://schemas.microsoft.com/office/mac/drawingml/2011/main" val="1"/>
+              <ma14:placeholderFlag xmlns:ma14="http://schemas.microsoft.com/office/mac/drawingml/2011/main" xmlns="" val="1"/>
             </a:ext>
           </a:extLst>
         </p:spPr>
@@ -1334,7 +1338,7 @@
           <a:ln/>
           <a:extLst>
             <a:ext uri="{FAA26D3D-D897-4be2-8F04-BA451C77F1D7}">
-              <ma14:placeholderFlag xmlns="" xmlns:ma14="http://schemas.microsoft.com/office/mac/drawingml/2011/main" val="1"/>
+              <ma14:placeholderFlag xmlns:ma14="http://schemas.microsoft.com/office/mac/drawingml/2011/main" xmlns="" val="1"/>
             </a:ext>
           </a:extLst>
         </p:spPr>
@@ -1428,7 +1432,7 @@
           <a:ln/>
           <a:extLst>
             <a:ext uri="{FAA26D3D-D897-4be2-8F04-BA451C77F1D7}">
-              <ma14:placeholderFlag xmlns="" xmlns:ma14="http://schemas.microsoft.com/office/mac/drawingml/2011/main" val="1"/>
+              <ma14:placeholderFlag xmlns:ma14="http://schemas.microsoft.com/office/mac/drawingml/2011/main" xmlns="" val="1"/>
             </a:ext>
           </a:extLst>
         </p:spPr>
@@ -1455,7 +1459,7 @@
     </p:spTree>
     <p:extLst>
       <p:ext uri="{BB962C8B-B14F-4D97-AF65-F5344CB8AC3E}">
-        <p14:creationId xmlns:p14="http://schemas.microsoft.com/office/powerpoint/2010/main" val="3965163589"/>
+        <p14:creationId xmlns:p14="http://schemas.microsoft.com/office/powerpoint/2010/main" val="862205013"/>
       </p:ext>
     </p:extLst>
   </p:cSld>
@@ -1522,7 +1526,195 @@
           <a:ln/>
           <a:extLst>
             <a:ext uri="{FAA26D3D-D897-4be2-8F04-BA451C77F1D7}">
-              <ma14:placeholderFlag xmlns="" xmlns:ma14="http://schemas.microsoft.com/office/mac/drawingml/2011/main" val="1"/>
+              <ma14:placeholderFlag xmlns:ma14="http://schemas.microsoft.com/office/mac/drawingml/2011/main" xmlns="" val="1"/>
+            </a:ext>
+          </a:extLst>
+        </p:spPr>
+      </p:sp>
+      <p:sp>
+        <p:nvSpPr>
+          <p:cNvPr id="8195" name="Rectangle 3"/>
+          <p:cNvSpPr>
+            <a:spLocks noGrp="1" noChangeArrowheads="1"/>
+          </p:cNvSpPr>
+          <p:nvPr>
+            <p:ph type="body" idx="1"/>
+          </p:nvPr>
+        </p:nvSpPr>
+        <p:spPr/>
+        <p:txBody>
+          <a:bodyPr/>
+          <a:lstStyle/>
+          <a:p>
+            <a:endParaRPr lang="en-US" dirty="0"/>
+          </a:p>
+        </p:txBody>
+      </p:sp>
+    </p:spTree>
+    <p:extLst>
+      <p:ext uri="{BB962C8B-B14F-4D97-AF65-F5344CB8AC3E}">
+        <p14:creationId xmlns:p14="http://schemas.microsoft.com/office/powerpoint/2010/main" val="2522792654"/>
+      </p:ext>
+    </p:extLst>
+  </p:cSld>
+  <p:clrMapOvr>
+    <a:masterClrMapping/>
+  </p:clrMapOvr>
+</p:notes>
+</file>
+
+<file path=ppt/notesSlides/notesSlide18.xml><?xml version="1.0" encoding="utf-8"?>
+<p:notes xmlns:a="http://schemas.openxmlformats.org/drawingml/2006/main" xmlns:r="http://schemas.openxmlformats.org/officeDocument/2006/relationships" xmlns:p="http://schemas.openxmlformats.org/presentationml/2006/main">
+  <p:cSld>
+    <p:spTree>
+      <p:nvGrpSpPr>
+        <p:cNvPr id="1" name=""/>
+        <p:cNvGrpSpPr/>
+        <p:nvPr/>
+      </p:nvGrpSpPr>
+      <p:grpSpPr>
+        <a:xfrm>
+          <a:off x="0" y="0"/>
+          <a:ext cx="0" cy="0"/>
+          <a:chOff x="0" y="0"/>
+          <a:chExt cx="0" cy="0"/>
+        </a:xfrm>
+      </p:grpSpPr>
+      <p:sp>
+        <p:nvSpPr>
+          <p:cNvPr id="7" name="Rectangle 7"/>
+          <p:cNvSpPr>
+            <a:spLocks noGrp="1" noChangeArrowheads="1"/>
+          </p:cNvSpPr>
+          <p:nvPr>
+            <p:ph type="sldNum" sz="quarter" idx="5"/>
+          </p:nvPr>
+        </p:nvSpPr>
+        <p:spPr>
+          <a:ln/>
+        </p:spPr>
+        <p:txBody>
+          <a:bodyPr/>
+          <a:lstStyle/>
+          <a:p>
+            <a:fld id="{FD9AD67F-86B5-4A4D-809C-2178BD2EEAE4}" type="slidenum">
+              <a:rPr lang="en-US" altLang="zh-CN"/>
+              <a:pPr/>
+              <a:t>18</a:t>
+            </a:fld>
+            <a:endParaRPr lang="en-US" altLang="zh-CN"/>
+          </a:p>
+        </p:txBody>
+      </p:sp>
+      <p:sp>
+        <p:nvSpPr>
+          <p:cNvPr id="8194" name="Rectangle 2"/>
+          <p:cNvSpPr>
+            <a:spLocks noGrp="1" noRot="1" noChangeAspect="1" noChangeArrowheads="1" noTextEdit="1"/>
+          </p:cNvSpPr>
+          <p:nvPr>
+            <p:ph type="sldImg"/>
+          </p:nvPr>
+        </p:nvSpPr>
+        <p:spPr>
+          <a:ln/>
+          <a:extLst>
+            <a:ext uri="{FAA26D3D-D897-4be2-8F04-BA451C77F1D7}">
+              <ma14:placeholderFlag xmlns:ma14="http://schemas.microsoft.com/office/mac/drawingml/2011/main" xmlns="" val="1"/>
+            </a:ext>
+          </a:extLst>
+        </p:spPr>
+      </p:sp>
+      <p:sp>
+        <p:nvSpPr>
+          <p:cNvPr id="8195" name="Rectangle 3"/>
+          <p:cNvSpPr>
+            <a:spLocks noGrp="1" noChangeArrowheads="1"/>
+          </p:cNvSpPr>
+          <p:nvPr>
+            <p:ph type="body" idx="1"/>
+          </p:nvPr>
+        </p:nvSpPr>
+        <p:spPr/>
+        <p:txBody>
+          <a:bodyPr/>
+          <a:lstStyle/>
+          <a:p>
+            <a:endParaRPr lang="en-US" dirty="0"/>
+          </a:p>
+        </p:txBody>
+      </p:sp>
+    </p:spTree>
+    <p:extLst>
+      <p:ext uri="{BB962C8B-B14F-4D97-AF65-F5344CB8AC3E}">
+        <p14:creationId xmlns:p14="http://schemas.microsoft.com/office/powerpoint/2010/main" val="3965163589"/>
+      </p:ext>
+    </p:extLst>
+  </p:cSld>
+  <p:clrMapOvr>
+    <a:masterClrMapping/>
+  </p:clrMapOvr>
+</p:notes>
+</file>
+
+<file path=ppt/notesSlides/notesSlide19.xml><?xml version="1.0" encoding="utf-8"?>
+<p:notes xmlns:a="http://schemas.openxmlformats.org/drawingml/2006/main" xmlns:r="http://schemas.openxmlformats.org/officeDocument/2006/relationships" xmlns:p="http://schemas.openxmlformats.org/presentationml/2006/main">
+  <p:cSld>
+    <p:spTree>
+      <p:nvGrpSpPr>
+        <p:cNvPr id="1" name=""/>
+        <p:cNvGrpSpPr/>
+        <p:nvPr/>
+      </p:nvGrpSpPr>
+      <p:grpSpPr>
+        <a:xfrm>
+          <a:off x="0" y="0"/>
+          <a:ext cx="0" cy="0"/>
+          <a:chOff x="0" y="0"/>
+          <a:chExt cx="0" cy="0"/>
+        </a:xfrm>
+      </p:grpSpPr>
+      <p:sp>
+        <p:nvSpPr>
+          <p:cNvPr id="7" name="Rectangle 7"/>
+          <p:cNvSpPr>
+            <a:spLocks noGrp="1" noChangeArrowheads="1"/>
+          </p:cNvSpPr>
+          <p:nvPr>
+            <p:ph type="sldNum" sz="quarter" idx="5"/>
+          </p:nvPr>
+        </p:nvSpPr>
+        <p:spPr>
+          <a:ln/>
+        </p:spPr>
+        <p:txBody>
+          <a:bodyPr/>
+          <a:lstStyle/>
+          <a:p>
+            <a:fld id="{FD9AD67F-86B5-4A4D-809C-2178BD2EEAE4}" type="slidenum">
+              <a:rPr lang="en-US" altLang="zh-CN"/>
+              <a:pPr/>
+              <a:t>19</a:t>
+            </a:fld>
+            <a:endParaRPr lang="en-US" altLang="zh-CN"/>
+          </a:p>
+        </p:txBody>
+      </p:sp>
+      <p:sp>
+        <p:nvSpPr>
+          <p:cNvPr id="8194" name="Rectangle 2"/>
+          <p:cNvSpPr>
+            <a:spLocks noGrp="1" noRot="1" noChangeAspect="1" noChangeArrowheads="1" noTextEdit="1"/>
+          </p:cNvSpPr>
+          <p:nvPr>
+            <p:ph type="sldImg"/>
+          </p:nvPr>
+        </p:nvSpPr>
+        <p:spPr>
+          <a:ln/>
+          <a:extLst>
+            <a:ext uri="{FAA26D3D-D897-4be2-8F04-BA451C77F1D7}">
+              <ma14:placeholderFlag xmlns:ma14="http://schemas.microsoft.com/office/mac/drawingml/2011/main" xmlns="" val="1"/>
             </a:ext>
           </a:extLst>
         </p:spPr>
@@ -1616,7 +1808,7 @@
           <a:ln/>
           <a:extLst>
             <a:ext uri="{FAA26D3D-D897-4be2-8F04-BA451C77F1D7}">
-              <ma14:placeholderFlag xmlns="" xmlns:ma14="http://schemas.microsoft.com/office/mac/drawingml/2011/main" val="1"/>
+              <ma14:placeholderFlag xmlns:ma14="http://schemas.microsoft.com/office/mac/drawingml/2011/main" xmlns="" val="1"/>
             </a:ext>
           </a:extLst>
         </p:spPr>
@@ -1836,7 +2028,7 @@
           <a:ln/>
           <a:extLst>
             <a:ext uri="{FAA26D3D-D897-4be2-8F04-BA451C77F1D7}">
-              <ma14:placeholderFlag xmlns="" xmlns:ma14="http://schemas.microsoft.com/office/mac/drawingml/2011/main" val="1"/>
+              <ma14:placeholderFlag xmlns:ma14="http://schemas.microsoft.com/office/mac/drawingml/2011/main" xmlns="" val="1"/>
             </a:ext>
           </a:extLst>
         </p:spPr>
@@ -1930,7 +2122,7 @@
           <a:ln/>
           <a:extLst>
             <a:ext uri="{FAA26D3D-D897-4be2-8F04-BA451C77F1D7}">
-              <ma14:placeholderFlag xmlns="" xmlns:ma14="http://schemas.microsoft.com/office/mac/drawingml/2011/main" val="1"/>
+              <ma14:placeholderFlag xmlns:ma14="http://schemas.microsoft.com/office/mac/drawingml/2011/main" xmlns="" val="1"/>
             </a:ext>
           </a:extLst>
         </p:spPr>
@@ -2024,7 +2216,7 @@
           <a:ln/>
           <a:extLst>
             <a:ext uri="{FAA26D3D-D897-4be2-8F04-BA451C77F1D7}">
-              <ma14:placeholderFlag xmlns="" xmlns:ma14="http://schemas.microsoft.com/office/mac/drawingml/2011/main" val="1"/>
+              <ma14:placeholderFlag xmlns:ma14="http://schemas.microsoft.com/office/mac/drawingml/2011/main" xmlns="" val="1"/>
             </a:ext>
           </a:extLst>
         </p:spPr>
@@ -2118,7 +2310,7 @@
           <a:ln/>
           <a:extLst>
             <a:ext uri="{FAA26D3D-D897-4be2-8F04-BA451C77F1D7}">
-              <ma14:placeholderFlag xmlns="" xmlns:ma14="http://schemas.microsoft.com/office/mac/drawingml/2011/main" val="1"/>
+              <ma14:placeholderFlag xmlns:ma14="http://schemas.microsoft.com/office/mac/drawingml/2011/main" xmlns="" val="1"/>
             </a:ext>
           </a:extLst>
         </p:spPr>
@@ -2212,7 +2404,7 @@
           <a:ln/>
           <a:extLst>
             <a:ext uri="{FAA26D3D-D897-4be2-8F04-BA451C77F1D7}">
-              <ma14:placeholderFlag xmlns="" xmlns:ma14="http://schemas.microsoft.com/office/mac/drawingml/2011/main" val="1"/>
+              <ma14:placeholderFlag xmlns:ma14="http://schemas.microsoft.com/office/mac/drawingml/2011/main" xmlns="" val="1"/>
             </a:ext>
           </a:extLst>
         </p:spPr>
@@ -2306,7 +2498,7 @@
           <a:ln/>
           <a:extLst>
             <a:ext uri="{FAA26D3D-D897-4be2-8F04-BA451C77F1D7}">
-              <ma14:placeholderFlag xmlns="" xmlns:ma14="http://schemas.microsoft.com/office/mac/drawingml/2011/main" val="1"/>
+              <ma14:placeholderFlag xmlns:ma14="http://schemas.microsoft.com/office/mac/drawingml/2011/main" xmlns="" val="1"/>
             </a:ext>
           </a:extLst>
         </p:spPr>
@@ -2400,7 +2592,7 @@
           <a:ln/>
           <a:extLst>
             <a:ext uri="{FAA26D3D-D897-4be2-8F04-BA451C77F1D7}">
-              <ma14:placeholderFlag xmlns="" xmlns:ma14="http://schemas.microsoft.com/office/mac/drawingml/2011/main" val="1"/>
+              <ma14:placeholderFlag xmlns:ma14="http://schemas.microsoft.com/office/mac/drawingml/2011/main" xmlns="" val="1"/>
             </a:ext>
           </a:extLst>
         </p:spPr>
@@ -2568,7 +2760,7 @@
           <a:p>
             <a:fld id="{C9544B7A-89B0-4708-90D9-4851185AB967}" type="datetime1">
               <a:rPr lang="zh-CN" altLang="en-US" smtClean="0"/>
-              <a:t>2021/5/6</a:t>
+              <a:t>2021/6/1</a:t>
             </a:fld>
             <a:endParaRPr lang="zh-CN" altLang="en-US"/>
           </a:p>
@@ -2738,7 +2930,7 @@
           <a:p>
             <a:fld id="{C5CE6E85-5101-4F30-91E0-43D5E4CE8B33}" type="datetime1">
               <a:rPr lang="zh-CN" altLang="en-US" smtClean="0"/>
-              <a:t>2021/5/6</a:t>
+              <a:t>2021/6/1</a:t>
             </a:fld>
             <a:endParaRPr lang="zh-CN" altLang="en-US"/>
           </a:p>
@@ -2918,7 +3110,7 @@
           <a:p>
             <a:fld id="{ED62CA32-954D-41B0-BA0E-73100E0F5945}" type="datetime1">
               <a:rPr lang="zh-CN" altLang="en-US" smtClean="0"/>
-              <a:t>2021/5/6</a:t>
+              <a:t>2021/6/1</a:t>
             </a:fld>
             <a:endParaRPr lang="zh-CN" altLang="en-US"/>
           </a:p>
@@ -3088,7 +3280,7 @@
           <a:p>
             <a:fld id="{972C16B0-41EA-4964-9422-BB0F2CF7D4B4}" type="datetime1">
               <a:rPr lang="zh-CN" altLang="en-US" smtClean="0"/>
-              <a:t>2021/5/6</a:t>
+              <a:t>2021/6/1</a:t>
             </a:fld>
             <a:endParaRPr lang="zh-CN" altLang="en-US"/>
           </a:p>
@@ -3332,7 +3524,7 @@
           <a:p>
             <a:fld id="{ADD84556-FFFA-4F06-B1C0-2145885148D0}" type="datetime1">
               <a:rPr lang="zh-CN" altLang="en-US" smtClean="0"/>
-              <a:t>2021/5/6</a:t>
+              <a:t>2021/6/1</a:t>
             </a:fld>
             <a:endParaRPr lang="zh-CN" altLang="en-US"/>
           </a:p>
@@ -3564,7 +3756,7 @@
           <a:p>
             <a:fld id="{53D7A5D9-EB6E-40A7-999E-3636C7FD9FE5}" type="datetime1">
               <a:rPr lang="zh-CN" altLang="en-US" smtClean="0"/>
-              <a:t>2021/5/6</a:t>
+              <a:t>2021/6/1</a:t>
             </a:fld>
             <a:endParaRPr lang="zh-CN" altLang="en-US"/>
           </a:p>
@@ -3931,7 +4123,7 @@
           <a:p>
             <a:fld id="{789FA6D4-9D2F-41BC-B089-08CE1C7CA19A}" type="datetime1">
               <a:rPr lang="zh-CN" altLang="en-US" smtClean="0"/>
-              <a:t>2021/5/6</a:t>
+              <a:t>2021/6/1</a:t>
             </a:fld>
             <a:endParaRPr lang="zh-CN" altLang="en-US"/>
           </a:p>
@@ -4049,7 +4241,7 @@
           <a:p>
             <a:fld id="{721D6D56-92EC-4EC7-AE10-A882F5209FA6}" type="datetime1">
               <a:rPr lang="zh-CN" altLang="en-US" smtClean="0"/>
-              <a:t>2021/5/6</a:t>
+              <a:t>2021/6/1</a:t>
             </a:fld>
             <a:endParaRPr lang="zh-CN" altLang="en-US"/>
           </a:p>
@@ -4144,7 +4336,7 @@
           <a:p>
             <a:fld id="{45C249D4-D4EA-453C-9A5E-4D60B279AEF4}" type="datetime1">
               <a:rPr lang="zh-CN" altLang="en-US" smtClean="0"/>
-              <a:t>2021/5/6</a:t>
+              <a:t>2021/6/1</a:t>
             </a:fld>
             <a:endParaRPr lang="zh-CN" altLang="en-US"/>
           </a:p>
@@ -4421,7 +4613,7 @@
           <a:p>
             <a:fld id="{8E59B9C2-4314-4738-9763-842DF54F2218}" type="datetime1">
               <a:rPr lang="zh-CN" altLang="en-US" smtClean="0"/>
-              <a:t>2021/5/6</a:t>
+              <a:t>2021/6/1</a:t>
             </a:fld>
             <a:endParaRPr lang="zh-CN" altLang="en-US"/>
           </a:p>
@@ -4678,7 +4870,7 @@
           <a:p>
             <a:fld id="{EAE112E3-CE56-4101-8F26-B4781A1234B7}" type="datetime1">
               <a:rPr lang="zh-CN" altLang="en-US" smtClean="0"/>
-              <a:t>2021/5/6</a:t>
+              <a:t>2021/6/1</a:t>
             </a:fld>
             <a:endParaRPr lang="zh-CN" altLang="en-US"/>
           </a:p>
@@ -4915,7 +5107,7 @@
           <a:p>
             <a:fld id="{A8B2831D-05F0-48EB-AC61-FDBCF13AF6DD}" type="datetime1">
               <a:rPr lang="zh-CN" altLang="en-US" smtClean="0"/>
-              <a:t>2021/5/6</a:t>
+              <a:t>2021/6/1</a:t>
             </a:fld>
             <a:endParaRPr lang="zh-CN" altLang="en-US"/>
           </a:p>
@@ -10565,7 +10757,25 @@
                 <a:ea typeface="楷体" panose="02010609060101010101" pitchFamily="49" charset="-122"/>
                 <a:cs typeface="黑体" charset="0"/>
               </a:rPr>
-              <a:t>DL Network</a:t>
+              <a:t>logistic</a:t>
+            </a:r>
+            <a:r>
+              <a:rPr lang="zh-CN" altLang="en-US" sz="3200" b="1" dirty="0">
+                <a:solidFill>
+                  <a:srgbClr val="C00000"/>
+                </a:solidFill>
+                <a:effectLst>
+                  <a:outerShdw blurRad="38100" dist="38100" dir="2700000" algn="tl">
+                    <a:srgbClr val="000000">
+                      <a:alpha val="43137"/>
+                    </a:srgbClr>
+                  </a:outerShdw>
+                </a:effectLst>
+                <a:latin typeface="Times New Roman" panose="02020603050405020304" pitchFamily="18" charset="0"/>
+                <a:ea typeface="楷体" panose="02010609060101010101" pitchFamily="49" charset="-122"/>
+                <a:cs typeface="黑体" charset="0"/>
+              </a:rPr>
+              <a:t>回归</a:t>
             </a:r>
             <a:endParaRPr lang="en-US" altLang="zh-CN" sz="3200" b="1" dirty="0">
               <a:solidFill>
@@ -10708,12 +10918,7 @@
             <p:ph type="sldNum" sz="quarter" idx="12"/>
           </p:nvPr>
         </p:nvSpPr>
-        <p:spPr>
-          <a:xfrm>
-            <a:off x="9144000" y="6860142"/>
-            <a:ext cx="2057400" cy="365125"/>
-          </a:xfrm>
-        </p:spPr>
+        <p:spPr/>
         <p:txBody>
           <a:bodyPr/>
           <a:lstStyle/>
@@ -10722,63 +10927,81 @@
               <a:rPr lang="zh-CN" altLang="en-US" smtClean="0"/>
               <a:t>16</a:t>
             </a:fld>
-            <a:endParaRPr lang="zh-CN" altLang="en-US"/>
+            <a:endParaRPr lang="zh-CN" altLang="en-US" dirty="0"/>
+          </a:p>
+        </p:txBody>
+      </p:sp>
+      <p:sp>
+        <p:nvSpPr>
+          <p:cNvPr id="5" name="文本框 4">
+            <a:extLst>
+              <a:ext uri="{FF2B5EF4-FFF2-40B4-BE49-F238E27FC236}">
+                <a16:creationId xmlns:a16="http://schemas.microsoft.com/office/drawing/2014/main" id="{3038BE03-4451-4FA6-91EE-9D2BC97A6AF5}"/>
+              </a:ext>
+            </a:extLst>
+          </p:cNvPr>
+          <p:cNvSpPr txBox="1"/>
+          <p:nvPr/>
+        </p:nvSpPr>
+        <p:spPr>
+          <a:xfrm>
+            <a:off x="133323" y="1131233"/>
+            <a:ext cx="6878806" cy="369332"/>
+          </a:xfrm>
+          <a:prstGeom prst="rect">
+            <a:avLst/>
+          </a:prstGeom>
+          <a:noFill/>
+        </p:spPr>
+        <p:txBody>
+          <a:bodyPr wrap="none" rtlCol="0">
+            <a:spAutoFit/>
+          </a:bodyPr>
+          <a:lstStyle/>
+          <a:p>
+            <a:r>
+              <a:rPr lang="zh-CN" altLang="en-US" dirty="0"/>
+              <a:t>分类问题中输出的是一个概率，即输入是输出一类的概率是多大。</a:t>
+            </a:r>
           </a:p>
         </p:txBody>
       </p:sp>
       <p:pic>
         <p:nvPicPr>
-          <p:cNvPr id="5" name="Picture 1">
+          <p:cNvPr id="24" name="图片 23">
             <a:extLst>
               <a:ext uri="{FF2B5EF4-FFF2-40B4-BE49-F238E27FC236}">
-                <a16:creationId xmlns:a16="http://schemas.microsoft.com/office/drawing/2014/main" id="{61E5CFD1-0B98-4E0D-9961-68BA41BD3299}"/>
+                <a16:creationId xmlns:a16="http://schemas.microsoft.com/office/drawing/2014/main" id="{A4240AEF-C020-4CE1-9F5D-AF0CDCEABBCD}"/>
               </a:ext>
             </a:extLst>
           </p:cNvPr>
           <p:cNvPicPr>
-            <a:picLocks noChangeAspect="1" noChangeArrowheads="1"/>
+            <a:picLocks noChangeAspect="1"/>
           </p:cNvPicPr>
           <p:nvPr/>
         </p:nvPicPr>
         <p:blipFill>
-          <a:blip r:embed="rId3">
-            <a:extLst>
-              <a:ext uri="{28A0092B-C50C-407E-A947-70E740481C1C}">
-                <a14:useLocalDpi xmlns:a14="http://schemas.microsoft.com/office/drawing/2010/main" val="0"/>
-              </a:ext>
-            </a:extLst>
-          </a:blip>
-          <a:srcRect/>
+          <a:blip r:embed="rId3"/>
           <a:stretch>
             <a:fillRect/>
           </a:stretch>
         </p:blipFill>
-        <p:spPr bwMode="auto">
-          <a:xfrm>
-            <a:off x="173130" y="1400464"/>
-            <a:ext cx="8439150" cy="5048250"/>
+        <p:spPr>
+          <a:xfrm>
+            <a:off x="145461" y="1500565"/>
+            <a:ext cx="2881355" cy="2881355"/>
           </a:xfrm>
           <a:prstGeom prst="rect">
             <a:avLst/>
           </a:prstGeom>
-          <a:noFill/>
-          <a:extLst>
-            <a:ext uri="{909E8E84-426E-40DD-AFC4-6F175D3DCCD1}">
-              <a14:hiddenFill xmlns:a14="http://schemas.microsoft.com/office/drawing/2010/main">
-                <a:solidFill>
-                  <a:srgbClr val="FFFFFF"/>
-                </a:solidFill>
-              </a14:hiddenFill>
-            </a:ext>
-          </a:extLst>
         </p:spPr>
       </p:pic>
       <p:sp>
         <p:nvSpPr>
-          <p:cNvPr id="8" name="文本框 7">
+          <p:cNvPr id="28" name="文本框 27">
             <a:extLst>
               <a:ext uri="{FF2B5EF4-FFF2-40B4-BE49-F238E27FC236}">
-                <a16:creationId xmlns:a16="http://schemas.microsoft.com/office/drawing/2014/main" id="{FF4F0605-E136-423C-A7C2-33AF1E6922E0}"/>
+                <a16:creationId xmlns:a16="http://schemas.microsoft.com/office/drawing/2014/main" id="{AA0C0D66-0388-4CE1-AD5E-B791452DC178}"/>
               </a:ext>
             </a:extLst>
           </p:cNvPr>
@@ -10787,8 +11010,8 @@
         </p:nvSpPr>
         <p:spPr>
           <a:xfrm>
-            <a:off x="312025" y="2025497"/>
-            <a:ext cx="646331" cy="369332"/>
+            <a:off x="3385226" y="1610813"/>
+            <a:ext cx="3570208" cy="646331"/>
           </a:xfrm>
           <a:prstGeom prst="rect">
             <a:avLst/>
@@ -10802,1278 +11025,26 @@
           <a:lstStyle/>
           <a:p>
             <a:r>
-              <a:rPr lang="zh-CN" altLang="en-US" dirty="0">
-                <a:solidFill>
-                  <a:srgbClr val="FF0000"/>
-                </a:solidFill>
-              </a:rPr>
-              <a:t>输入</a:t>
-            </a:r>
-          </a:p>
-        </p:txBody>
-      </p:sp>
-      <p:sp>
-        <p:nvSpPr>
-          <p:cNvPr id="9" name="文本框 8">
-            <a:extLst>
-              <a:ext uri="{FF2B5EF4-FFF2-40B4-BE49-F238E27FC236}">
-                <a16:creationId xmlns:a16="http://schemas.microsoft.com/office/drawing/2014/main" id="{30B97A4E-E8E0-45AD-B95F-585FE6F36341}"/>
-              </a:ext>
-            </a:extLst>
-          </p:cNvPr>
-          <p:cNvSpPr txBox="1"/>
-          <p:nvPr/>
-        </p:nvSpPr>
-        <p:spPr>
-          <a:xfrm>
-            <a:off x="312024" y="2812046"/>
-            <a:ext cx="646331" cy="369332"/>
-          </a:xfrm>
-          <a:prstGeom prst="rect">
-            <a:avLst/>
-          </a:prstGeom>
-          <a:noFill/>
-        </p:spPr>
-        <p:txBody>
-          <a:bodyPr wrap="none" rtlCol="0">
-            <a:spAutoFit/>
-          </a:bodyPr>
-          <a:lstStyle/>
-          <a:p>
-            <a:r>
-              <a:rPr lang="zh-CN" altLang="en-US" dirty="0">
-                <a:solidFill>
-                  <a:srgbClr val="FF0000"/>
-                </a:solidFill>
-              </a:rPr>
-              <a:t>输入</a:t>
-            </a:r>
-          </a:p>
-        </p:txBody>
-      </p:sp>
-      <p:sp>
-        <p:nvSpPr>
-          <p:cNvPr id="10" name="文本框 9">
-            <a:extLst>
-              <a:ext uri="{FF2B5EF4-FFF2-40B4-BE49-F238E27FC236}">
-                <a16:creationId xmlns:a16="http://schemas.microsoft.com/office/drawing/2014/main" id="{16D73B14-3ADA-43DA-A314-8B704F8EADFB}"/>
-              </a:ext>
-            </a:extLst>
-          </p:cNvPr>
-          <p:cNvSpPr txBox="1"/>
-          <p:nvPr/>
-        </p:nvSpPr>
-        <p:spPr>
-          <a:xfrm>
-            <a:off x="312024" y="3555257"/>
-            <a:ext cx="646331" cy="369332"/>
-          </a:xfrm>
-          <a:prstGeom prst="rect">
-            <a:avLst/>
-          </a:prstGeom>
-          <a:noFill/>
-        </p:spPr>
-        <p:txBody>
-          <a:bodyPr wrap="none" rtlCol="0">
-            <a:spAutoFit/>
-          </a:bodyPr>
-          <a:lstStyle/>
-          <a:p>
-            <a:r>
-              <a:rPr lang="zh-CN" altLang="en-US" dirty="0">
-                <a:solidFill>
-                  <a:srgbClr val="FF0000"/>
-                </a:solidFill>
-              </a:rPr>
-              <a:t>输入</a:t>
-            </a:r>
-          </a:p>
-        </p:txBody>
-      </p:sp>
-      <p:sp>
-        <p:nvSpPr>
-          <p:cNvPr id="11" name="文本框 10">
-            <a:extLst>
-              <a:ext uri="{FF2B5EF4-FFF2-40B4-BE49-F238E27FC236}">
-                <a16:creationId xmlns:a16="http://schemas.microsoft.com/office/drawing/2014/main" id="{B29B443E-3C30-4BC9-BAEE-B0FC68AC5574}"/>
-              </a:ext>
-            </a:extLst>
-          </p:cNvPr>
-          <p:cNvSpPr txBox="1"/>
-          <p:nvPr/>
-        </p:nvSpPr>
-        <p:spPr>
-          <a:xfrm>
-            <a:off x="312023" y="4298468"/>
-            <a:ext cx="646331" cy="369332"/>
-          </a:xfrm>
-          <a:prstGeom prst="rect">
-            <a:avLst/>
-          </a:prstGeom>
-          <a:noFill/>
-        </p:spPr>
-        <p:txBody>
-          <a:bodyPr wrap="none" rtlCol="0">
-            <a:spAutoFit/>
-          </a:bodyPr>
-          <a:lstStyle/>
-          <a:p>
-            <a:r>
-              <a:rPr lang="zh-CN" altLang="en-US" dirty="0">
-                <a:solidFill>
-                  <a:srgbClr val="FF0000"/>
-                </a:solidFill>
-              </a:rPr>
-              <a:t>输入</a:t>
-            </a:r>
-          </a:p>
-        </p:txBody>
-      </p:sp>
-      <p:sp>
-        <p:nvSpPr>
-          <p:cNvPr id="12" name="文本框 11">
-            <a:extLst>
-              <a:ext uri="{FF2B5EF4-FFF2-40B4-BE49-F238E27FC236}">
-                <a16:creationId xmlns:a16="http://schemas.microsoft.com/office/drawing/2014/main" id="{66615F7C-5B9C-4D23-8A7D-A3DB37ED60F1}"/>
-              </a:ext>
-            </a:extLst>
-          </p:cNvPr>
-          <p:cNvSpPr txBox="1"/>
-          <p:nvPr/>
-        </p:nvSpPr>
-        <p:spPr>
-          <a:xfrm>
-            <a:off x="312022" y="5001985"/>
-            <a:ext cx="646331" cy="369332"/>
-          </a:xfrm>
-          <a:prstGeom prst="rect">
-            <a:avLst/>
-          </a:prstGeom>
-          <a:noFill/>
-        </p:spPr>
-        <p:txBody>
-          <a:bodyPr wrap="none" rtlCol="0">
-            <a:spAutoFit/>
-          </a:bodyPr>
-          <a:lstStyle/>
-          <a:p>
-            <a:r>
-              <a:rPr lang="zh-CN" altLang="en-US" dirty="0">
-                <a:solidFill>
-                  <a:srgbClr val="FF0000"/>
-                </a:solidFill>
-              </a:rPr>
-              <a:t>输入</a:t>
-            </a:r>
-          </a:p>
-        </p:txBody>
-      </p:sp>
-      <p:sp>
-        <p:nvSpPr>
-          <p:cNvPr id="13" name="文本框 12">
-            <a:extLst>
-              <a:ext uri="{FF2B5EF4-FFF2-40B4-BE49-F238E27FC236}">
-                <a16:creationId xmlns:a16="http://schemas.microsoft.com/office/drawing/2014/main" id="{2E954821-9769-4EB1-95FD-80C4CE9BA0DC}"/>
-              </a:ext>
-            </a:extLst>
-          </p:cNvPr>
-          <p:cNvSpPr txBox="1"/>
-          <p:nvPr/>
-        </p:nvSpPr>
-        <p:spPr>
-          <a:xfrm>
-            <a:off x="7779625" y="2025497"/>
-            <a:ext cx="646331" cy="369332"/>
-          </a:xfrm>
-          <a:prstGeom prst="rect">
-            <a:avLst/>
-          </a:prstGeom>
-          <a:noFill/>
-        </p:spPr>
-        <p:txBody>
-          <a:bodyPr wrap="none" rtlCol="0">
-            <a:spAutoFit/>
-          </a:bodyPr>
-          <a:lstStyle/>
-          <a:p>
-            <a:r>
-              <a:rPr lang="zh-CN" altLang="en-US" dirty="0">
-                <a:solidFill>
-                  <a:srgbClr val="FF0000"/>
-                </a:solidFill>
-              </a:rPr>
-              <a:t>输出</a:t>
-            </a:r>
-          </a:p>
-        </p:txBody>
-      </p:sp>
-      <p:sp>
-        <p:nvSpPr>
-          <p:cNvPr id="14" name="文本框 13">
-            <a:extLst>
-              <a:ext uri="{FF2B5EF4-FFF2-40B4-BE49-F238E27FC236}">
-                <a16:creationId xmlns:a16="http://schemas.microsoft.com/office/drawing/2014/main" id="{88BD38B0-7921-4C74-BD34-EAB05771171B}"/>
-              </a:ext>
-            </a:extLst>
-          </p:cNvPr>
-          <p:cNvSpPr txBox="1"/>
-          <p:nvPr/>
-        </p:nvSpPr>
-        <p:spPr>
-          <a:xfrm>
-            <a:off x="7779624" y="2812046"/>
-            <a:ext cx="646331" cy="369332"/>
-          </a:xfrm>
-          <a:prstGeom prst="rect">
-            <a:avLst/>
-          </a:prstGeom>
-          <a:noFill/>
-        </p:spPr>
-        <p:txBody>
-          <a:bodyPr wrap="none" rtlCol="0">
-            <a:spAutoFit/>
-          </a:bodyPr>
-          <a:lstStyle/>
-          <a:p>
-            <a:r>
-              <a:rPr lang="zh-CN" altLang="en-US" dirty="0">
-                <a:solidFill>
-                  <a:srgbClr val="FF0000"/>
-                </a:solidFill>
-              </a:rPr>
-              <a:t>输出</a:t>
-            </a:r>
-          </a:p>
-        </p:txBody>
-      </p:sp>
-      <p:sp>
-        <p:nvSpPr>
-          <p:cNvPr id="15" name="文本框 14">
-            <a:extLst>
-              <a:ext uri="{FF2B5EF4-FFF2-40B4-BE49-F238E27FC236}">
-                <a16:creationId xmlns:a16="http://schemas.microsoft.com/office/drawing/2014/main" id="{E7A2EA5B-C1BE-48FB-924D-6FAAB9D021D5}"/>
-              </a:ext>
-            </a:extLst>
-          </p:cNvPr>
-          <p:cNvSpPr txBox="1"/>
-          <p:nvPr/>
-        </p:nvSpPr>
-        <p:spPr>
-          <a:xfrm>
-            <a:off x="7779624" y="3555257"/>
-            <a:ext cx="646331" cy="369332"/>
-          </a:xfrm>
-          <a:prstGeom prst="rect">
-            <a:avLst/>
-          </a:prstGeom>
-          <a:noFill/>
-        </p:spPr>
-        <p:txBody>
-          <a:bodyPr wrap="none" rtlCol="0">
-            <a:spAutoFit/>
-          </a:bodyPr>
-          <a:lstStyle/>
-          <a:p>
-            <a:r>
-              <a:rPr lang="zh-CN" altLang="en-US" dirty="0">
-                <a:solidFill>
-                  <a:srgbClr val="FF0000"/>
-                </a:solidFill>
-              </a:rPr>
-              <a:t>输出</a:t>
-            </a:r>
-          </a:p>
-        </p:txBody>
-      </p:sp>
-      <p:sp>
-        <p:nvSpPr>
-          <p:cNvPr id="16" name="文本框 15">
-            <a:extLst>
-              <a:ext uri="{FF2B5EF4-FFF2-40B4-BE49-F238E27FC236}">
-                <a16:creationId xmlns:a16="http://schemas.microsoft.com/office/drawing/2014/main" id="{A02B3A99-C80B-4EBD-8952-0C04B8602900}"/>
-              </a:ext>
-            </a:extLst>
-          </p:cNvPr>
-          <p:cNvSpPr txBox="1"/>
-          <p:nvPr/>
-        </p:nvSpPr>
-        <p:spPr>
-          <a:xfrm>
-            <a:off x="7779623" y="4298468"/>
-            <a:ext cx="646331" cy="369332"/>
-          </a:xfrm>
-          <a:prstGeom prst="rect">
-            <a:avLst/>
-          </a:prstGeom>
-          <a:noFill/>
-        </p:spPr>
-        <p:txBody>
-          <a:bodyPr wrap="none" rtlCol="0">
-            <a:spAutoFit/>
-          </a:bodyPr>
-          <a:lstStyle/>
-          <a:p>
-            <a:r>
-              <a:rPr lang="zh-CN" altLang="en-US" dirty="0">
-                <a:solidFill>
-                  <a:srgbClr val="FF0000"/>
-                </a:solidFill>
-              </a:rPr>
-              <a:t>输出</a:t>
-            </a:r>
-          </a:p>
-        </p:txBody>
-      </p:sp>
-      <p:sp>
-        <p:nvSpPr>
-          <p:cNvPr id="17" name="文本框 16">
-            <a:extLst>
-              <a:ext uri="{FF2B5EF4-FFF2-40B4-BE49-F238E27FC236}">
-                <a16:creationId xmlns:a16="http://schemas.microsoft.com/office/drawing/2014/main" id="{4EE81C05-517C-4908-8B79-64C2D4303542}"/>
-              </a:ext>
-            </a:extLst>
-          </p:cNvPr>
-          <p:cNvSpPr txBox="1"/>
-          <p:nvPr/>
-        </p:nvSpPr>
-        <p:spPr>
-          <a:xfrm>
-            <a:off x="7779622" y="5001985"/>
-            <a:ext cx="646331" cy="369332"/>
-          </a:xfrm>
-          <a:prstGeom prst="rect">
-            <a:avLst/>
-          </a:prstGeom>
-          <a:noFill/>
-        </p:spPr>
-        <p:txBody>
-          <a:bodyPr wrap="none" rtlCol="0">
-            <a:spAutoFit/>
-          </a:bodyPr>
-          <a:lstStyle/>
-          <a:p>
-            <a:r>
-              <a:rPr lang="zh-CN" altLang="en-US" dirty="0">
-                <a:solidFill>
-                  <a:srgbClr val="FF0000"/>
-                </a:solidFill>
-              </a:rPr>
-              <a:t>输出</a:t>
-            </a:r>
-          </a:p>
-        </p:txBody>
-      </p:sp>
-      <p:sp>
-        <p:nvSpPr>
-          <p:cNvPr id="18" name="文本框 17">
-            <a:extLst>
-              <a:ext uri="{FF2B5EF4-FFF2-40B4-BE49-F238E27FC236}">
-                <a16:creationId xmlns:a16="http://schemas.microsoft.com/office/drawing/2014/main" id="{49EFC0DE-E8E1-478A-811F-B0AA524C303C}"/>
-              </a:ext>
-            </a:extLst>
-          </p:cNvPr>
-          <p:cNvSpPr txBox="1"/>
-          <p:nvPr/>
-        </p:nvSpPr>
-        <p:spPr>
-          <a:xfrm>
-            <a:off x="2036654" y="1400464"/>
-            <a:ext cx="761747" cy="369332"/>
-          </a:xfrm>
-          <a:prstGeom prst="rect">
-            <a:avLst/>
-          </a:prstGeom>
-          <a:noFill/>
-        </p:spPr>
-        <p:txBody>
-          <a:bodyPr wrap="none" rtlCol="0">
-            <a:spAutoFit/>
-          </a:bodyPr>
-          <a:lstStyle/>
-          <a:p>
-            <a:r>
-              <a:rPr lang="en-US" altLang="zh-CN" dirty="0">
-                <a:solidFill>
-                  <a:srgbClr val="7030A0"/>
-                </a:solidFill>
-              </a:rPr>
-              <a:t>layer1</a:t>
-            </a:r>
-            <a:endParaRPr lang="zh-CN" altLang="en-US" dirty="0">
-              <a:solidFill>
-                <a:srgbClr val="7030A0"/>
-              </a:solidFill>
-            </a:endParaRPr>
-          </a:p>
-        </p:txBody>
-      </p:sp>
-      <p:sp>
-        <p:nvSpPr>
-          <p:cNvPr id="19" name="文本框 18">
-            <a:extLst>
-              <a:ext uri="{FF2B5EF4-FFF2-40B4-BE49-F238E27FC236}">
-                <a16:creationId xmlns:a16="http://schemas.microsoft.com/office/drawing/2014/main" id="{F1560530-3011-4815-BE97-3A3116773B09}"/>
-              </a:ext>
-            </a:extLst>
-          </p:cNvPr>
-          <p:cNvSpPr txBox="1"/>
-          <p:nvPr/>
-        </p:nvSpPr>
-        <p:spPr>
-          <a:xfrm>
-            <a:off x="3346522" y="1065327"/>
-            <a:ext cx="761747" cy="369332"/>
-          </a:xfrm>
-          <a:prstGeom prst="rect">
-            <a:avLst/>
-          </a:prstGeom>
-          <a:noFill/>
-        </p:spPr>
-        <p:txBody>
-          <a:bodyPr wrap="none" rtlCol="0">
-            <a:spAutoFit/>
-          </a:bodyPr>
-          <a:lstStyle/>
-          <a:p>
-            <a:r>
-              <a:rPr lang="en-US" altLang="zh-CN" dirty="0">
-                <a:solidFill>
-                  <a:srgbClr val="7030A0"/>
-                </a:solidFill>
-              </a:rPr>
-              <a:t>layer2</a:t>
-            </a:r>
-            <a:endParaRPr lang="zh-CN" altLang="en-US" dirty="0">
-              <a:solidFill>
-                <a:srgbClr val="7030A0"/>
-              </a:solidFill>
-            </a:endParaRPr>
-          </a:p>
-        </p:txBody>
-      </p:sp>
-      <p:sp>
-        <p:nvSpPr>
-          <p:cNvPr id="20" name="文本框 19">
-            <a:extLst>
-              <a:ext uri="{FF2B5EF4-FFF2-40B4-BE49-F238E27FC236}">
-                <a16:creationId xmlns:a16="http://schemas.microsoft.com/office/drawing/2014/main" id="{94480399-4635-4B30-85D9-C7CADD61A5E5}"/>
-              </a:ext>
-            </a:extLst>
-          </p:cNvPr>
-          <p:cNvSpPr txBox="1"/>
-          <p:nvPr/>
-        </p:nvSpPr>
-        <p:spPr>
-          <a:xfrm>
-            <a:off x="4656390" y="1070851"/>
-            <a:ext cx="761747" cy="369332"/>
-          </a:xfrm>
-          <a:prstGeom prst="rect">
-            <a:avLst/>
-          </a:prstGeom>
-          <a:noFill/>
-        </p:spPr>
-        <p:txBody>
-          <a:bodyPr wrap="none" rtlCol="0">
-            <a:spAutoFit/>
-          </a:bodyPr>
-          <a:lstStyle/>
-          <a:p>
-            <a:r>
-              <a:rPr lang="en-US" altLang="zh-CN" dirty="0">
-                <a:solidFill>
-                  <a:srgbClr val="7030A0"/>
-                </a:solidFill>
-              </a:rPr>
-              <a:t>layer3</a:t>
-            </a:r>
-            <a:endParaRPr lang="zh-CN" altLang="en-US" dirty="0">
-              <a:solidFill>
-                <a:srgbClr val="7030A0"/>
-              </a:solidFill>
-            </a:endParaRPr>
-          </a:p>
-        </p:txBody>
-      </p:sp>
-      <p:sp>
-        <p:nvSpPr>
-          <p:cNvPr id="21" name="文本框 20">
-            <a:extLst>
-              <a:ext uri="{FF2B5EF4-FFF2-40B4-BE49-F238E27FC236}">
-                <a16:creationId xmlns:a16="http://schemas.microsoft.com/office/drawing/2014/main" id="{15A4BB67-3765-4786-87A7-644AF229D49A}"/>
-              </a:ext>
-            </a:extLst>
-          </p:cNvPr>
-          <p:cNvSpPr txBox="1"/>
-          <p:nvPr/>
-        </p:nvSpPr>
-        <p:spPr>
-          <a:xfrm>
-            <a:off x="5975651" y="1446234"/>
-            <a:ext cx="761747" cy="369332"/>
-          </a:xfrm>
-          <a:prstGeom prst="rect">
-            <a:avLst/>
-          </a:prstGeom>
-          <a:noFill/>
-        </p:spPr>
-        <p:txBody>
-          <a:bodyPr wrap="none" rtlCol="0">
-            <a:spAutoFit/>
-          </a:bodyPr>
-          <a:lstStyle/>
-          <a:p>
-            <a:r>
-              <a:rPr lang="en-US" altLang="zh-CN" dirty="0">
-                <a:solidFill>
-                  <a:srgbClr val="7030A0"/>
-                </a:solidFill>
-              </a:rPr>
-              <a:t>layer4</a:t>
-            </a:r>
-            <a:endParaRPr lang="zh-CN" altLang="en-US" dirty="0">
-              <a:solidFill>
-                <a:srgbClr val="7030A0"/>
-              </a:solidFill>
-            </a:endParaRPr>
-          </a:p>
-        </p:txBody>
-      </p:sp>
-      <p:sp>
-        <p:nvSpPr>
-          <p:cNvPr id="22" name="文本框 21">
-            <a:extLst>
-              <a:ext uri="{FF2B5EF4-FFF2-40B4-BE49-F238E27FC236}">
-                <a16:creationId xmlns:a16="http://schemas.microsoft.com/office/drawing/2014/main" id="{F6845B48-E1E3-4F4E-9574-8C583689ECF1}"/>
-              </a:ext>
-            </a:extLst>
-          </p:cNvPr>
-          <p:cNvSpPr txBox="1"/>
-          <p:nvPr/>
-        </p:nvSpPr>
-        <p:spPr>
-          <a:xfrm>
-            <a:off x="1368730" y="1815036"/>
-            <a:ext cx="466794" cy="369332"/>
-          </a:xfrm>
-          <a:prstGeom prst="rect">
-            <a:avLst/>
-          </a:prstGeom>
-          <a:noFill/>
-        </p:spPr>
-        <p:txBody>
-          <a:bodyPr wrap="none" rtlCol="0">
-            <a:spAutoFit/>
-          </a:bodyPr>
-          <a:lstStyle/>
-          <a:p>
-            <a:r>
-              <a:rPr lang="en-US" altLang="zh-CN" dirty="0">
-                <a:solidFill>
-                  <a:srgbClr val="00B0F0"/>
-                </a:solidFill>
-              </a:rPr>
-              <a:t>w1</a:t>
-            </a:r>
-            <a:endParaRPr lang="zh-CN" altLang="en-US" dirty="0">
-              <a:solidFill>
-                <a:srgbClr val="00B0F0"/>
-              </a:solidFill>
-            </a:endParaRPr>
-          </a:p>
-        </p:txBody>
-      </p:sp>
-      <p:sp>
-        <p:nvSpPr>
-          <p:cNvPr id="23" name="文本框 22">
-            <a:extLst>
-              <a:ext uri="{FF2B5EF4-FFF2-40B4-BE49-F238E27FC236}">
-                <a16:creationId xmlns:a16="http://schemas.microsoft.com/office/drawing/2014/main" id="{1CA4F012-F4BC-477B-887F-8DFD48E0E3C4}"/>
-              </a:ext>
-            </a:extLst>
-          </p:cNvPr>
-          <p:cNvSpPr txBox="1"/>
-          <p:nvPr/>
-        </p:nvSpPr>
-        <p:spPr>
-          <a:xfrm>
-            <a:off x="2863393" y="1446234"/>
-            <a:ext cx="466794" cy="369332"/>
-          </a:xfrm>
-          <a:prstGeom prst="rect">
-            <a:avLst/>
-          </a:prstGeom>
-          <a:noFill/>
-        </p:spPr>
-        <p:txBody>
-          <a:bodyPr wrap="none" rtlCol="0">
-            <a:spAutoFit/>
-          </a:bodyPr>
-          <a:lstStyle/>
-          <a:p>
-            <a:r>
-              <a:rPr lang="en-US" altLang="zh-CN" dirty="0">
-                <a:solidFill>
-                  <a:srgbClr val="00B0F0"/>
-                </a:solidFill>
-              </a:rPr>
-              <a:t>w2</a:t>
-            </a:r>
-            <a:endParaRPr lang="zh-CN" altLang="en-US" dirty="0">
-              <a:solidFill>
-                <a:srgbClr val="00B0F0"/>
-              </a:solidFill>
-            </a:endParaRPr>
-          </a:p>
-        </p:txBody>
-      </p:sp>
-      <p:sp>
-        <p:nvSpPr>
-          <p:cNvPr id="24" name="文本框 23">
-            <a:extLst>
-              <a:ext uri="{FF2B5EF4-FFF2-40B4-BE49-F238E27FC236}">
-                <a16:creationId xmlns:a16="http://schemas.microsoft.com/office/drawing/2014/main" id="{C5139F24-22E6-4CF0-9602-CB24E5CA1B3D}"/>
-              </a:ext>
-            </a:extLst>
-          </p:cNvPr>
-          <p:cNvSpPr txBox="1"/>
-          <p:nvPr/>
-        </p:nvSpPr>
-        <p:spPr>
-          <a:xfrm>
-            <a:off x="4217016" y="1249993"/>
-            <a:ext cx="466794" cy="369332"/>
-          </a:xfrm>
-          <a:prstGeom prst="rect">
-            <a:avLst/>
-          </a:prstGeom>
-          <a:noFill/>
-        </p:spPr>
-        <p:txBody>
-          <a:bodyPr wrap="none" rtlCol="0">
-            <a:spAutoFit/>
-          </a:bodyPr>
-          <a:lstStyle/>
-          <a:p>
-            <a:r>
-              <a:rPr lang="en-US" altLang="zh-CN" dirty="0">
-                <a:solidFill>
-                  <a:srgbClr val="00B0F0"/>
-                </a:solidFill>
-              </a:rPr>
-              <a:t>w3</a:t>
-            </a:r>
-            <a:endParaRPr lang="zh-CN" altLang="en-US" dirty="0">
-              <a:solidFill>
-                <a:srgbClr val="00B0F0"/>
-              </a:solidFill>
-            </a:endParaRPr>
-          </a:p>
-        </p:txBody>
-      </p:sp>
-      <p:sp>
-        <p:nvSpPr>
-          <p:cNvPr id="25" name="文本框 24">
-            <a:extLst>
-              <a:ext uri="{FF2B5EF4-FFF2-40B4-BE49-F238E27FC236}">
-                <a16:creationId xmlns:a16="http://schemas.microsoft.com/office/drawing/2014/main" id="{743C32B0-C19C-4833-9758-698B01A69BBF}"/>
-              </a:ext>
-            </a:extLst>
-          </p:cNvPr>
-          <p:cNvSpPr txBox="1"/>
-          <p:nvPr/>
-        </p:nvSpPr>
-        <p:spPr>
-          <a:xfrm>
-            <a:off x="5559281" y="1446234"/>
-            <a:ext cx="466794" cy="369332"/>
-          </a:xfrm>
-          <a:prstGeom prst="rect">
-            <a:avLst/>
-          </a:prstGeom>
-          <a:noFill/>
-        </p:spPr>
-        <p:txBody>
-          <a:bodyPr wrap="none" rtlCol="0">
-            <a:spAutoFit/>
-          </a:bodyPr>
-          <a:lstStyle/>
-          <a:p>
-            <a:r>
-              <a:rPr lang="en-US" altLang="zh-CN" dirty="0">
-                <a:solidFill>
-                  <a:srgbClr val="00B0F0"/>
-                </a:solidFill>
-              </a:rPr>
-              <a:t>w4</a:t>
-            </a:r>
-            <a:endParaRPr lang="zh-CN" altLang="en-US" dirty="0">
-              <a:solidFill>
-                <a:srgbClr val="00B0F0"/>
-              </a:solidFill>
-            </a:endParaRPr>
-          </a:p>
-        </p:txBody>
-      </p:sp>
-      <p:sp>
-        <p:nvSpPr>
-          <p:cNvPr id="26" name="文本框 25">
-            <a:extLst>
-              <a:ext uri="{FF2B5EF4-FFF2-40B4-BE49-F238E27FC236}">
-                <a16:creationId xmlns:a16="http://schemas.microsoft.com/office/drawing/2014/main" id="{4085BBC3-2B3B-4898-A8A4-33E7FB3C97D6}"/>
-              </a:ext>
-            </a:extLst>
-          </p:cNvPr>
-          <p:cNvSpPr txBox="1"/>
-          <p:nvPr/>
-        </p:nvSpPr>
-        <p:spPr>
-          <a:xfrm>
-            <a:off x="6920666" y="1815036"/>
-            <a:ext cx="466794" cy="369332"/>
-          </a:xfrm>
-          <a:prstGeom prst="rect">
-            <a:avLst/>
-          </a:prstGeom>
-          <a:noFill/>
-        </p:spPr>
-        <p:txBody>
-          <a:bodyPr wrap="none" rtlCol="0">
-            <a:spAutoFit/>
-          </a:bodyPr>
-          <a:lstStyle/>
-          <a:p>
-            <a:r>
-              <a:rPr lang="en-US" altLang="zh-CN" dirty="0">
-                <a:solidFill>
-                  <a:srgbClr val="00B0F0"/>
-                </a:solidFill>
-              </a:rPr>
-              <a:t>w5</a:t>
-            </a:r>
-            <a:endParaRPr lang="zh-CN" altLang="en-US" dirty="0">
-              <a:solidFill>
-                <a:srgbClr val="00B0F0"/>
-              </a:solidFill>
-            </a:endParaRPr>
-          </a:p>
-        </p:txBody>
-      </p:sp>
-      <p:sp>
-        <p:nvSpPr>
-          <p:cNvPr id="27" name="文本框 26">
-            <a:extLst>
-              <a:ext uri="{FF2B5EF4-FFF2-40B4-BE49-F238E27FC236}">
-                <a16:creationId xmlns:a16="http://schemas.microsoft.com/office/drawing/2014/main" id="{AB5D1734-4F1A-4216-9628-2D0B738B4179}"/>
-              </a:ext>
-            </a:extLst>
-          </p:cNvPr>
-          <p:cNvSpPr txBox="1"/>
-          <p:nvPr/>
-        </p:nvSpPr>
-        <p:spPr>
-          <a:xfrm>
-            <a:off x="-79111" y="6444982"/>
-            <a:ext cx="1428596" cy="369332"/>
-          </a:xfrm>
-          <a:prstGeom prst="rect">
-            <a:avLst/>
-          </a:prstGeom>
-          <a:noFill/>
-        </p:spPr>
-        <p:txBody>
-          <a:bodyPr wrap="none" rtlCol="0">
-            <a:spAutoFit/>
-          </a:bodyPr>
-          <a:lstStyle/>
-          <a:p>
-            <a:r>
-              <a:rPr lang="en-US" altLang="zh-CN" dirty="0">
-                <a:solidFill>
-                  <a:srgbClr val="FF0000"/>
-                </a:solidFill>
-              </a:rPr>
-              <a:t>Matrix[5 x 1]</a:t>
-            </a:r>
-            <a:endParaRPr lang="zh-CN" altLang="en-US" dirty="0">
-              <a:solidFill>
-                <a:srgbClr val="FF0000"/>
-              </a:solidFill>
-            </a:endParaRPr>
-          </a:p>
-        </p:txBody>
-      </p:sp>
-      <p:sp>
-        <p:nvSpPr>
-          <p:cNvPr id="28" name="文本框 27">
-            <a:extLst>
-              <a:ext uri="{FF2B5EF4-FFF2-40B4-BE49-F238E27FC236}">
-                <a16:creationId xmlns:a16="http://schemas.microsoft.com/office/drawing/2014/main" id="{7E152FA5-7A1D-47A7-A566-7CE86B652782}"/>
-              </a:ext>
-            </a:extLst>
-          </p:cNvPr>
-          <p:cNvSpPr txBox="1"/>
-          <p:nvPr/>
-        </p:nvSpPr>
-        <p:spPr>
-          <a:xfrm>
-            <a:off x="7471121" y="6444982"/>
-            <a:ext cx="1428596" cy="369332"/>
-          </a:xfrm>
-          <a:prstGeom prst="rect">
-            <a:avLst/>
-          </a:prstGeom>
-          <a:noFill/>
-        </p:spPr>
-        <p:txBody>
-          <a:bodyPr wrap="none" rtlCol="0">
-            <a:spAutoFit/>
-          </a:bodyPr>
-          <a:lstStyle/>
-          <a:p>
-            <a:r>
-              <a:rPr lang="en-US" altLang="zh-CN" dirty="0">
-                <a:solidFill>
-                  <a:srgbClr val="FF0000"/>
-                </a:solidFill>
-              </a:rPr>
-              <a:t>Matrix[5 x 1]</a:t>
-            </a:r>
-            <a:endParaRPr lang="zh-CN" altLang="en-US" dirty="0">
-              <a:solidFill>
-                <a:srgbClr val="FF0000"/>
-              </a:solidFill>
-            </a:endParaRPr>
-          </a:p>
-        </p:txBody>
-      </p:sp>
-      <p:sp>
-        <p:nvSpPr>
-          <p:cNvPr id="29" name="文本框 28">
-            <a:extLst>
-              <a:ext uri="{FF2B5EF4-FFF2-40B4-BE49-F238E27FC236}">
-                <a16:creationId xmlns:a16="http://schemas.microsoft.com/office/drawing/2014/main" id="{B0584EAC-5A4A-465C-BE15-DFF6911290EF}"/>
-              </a:ext>
-            </a:extLst>
-          </p:cNvPr>
-          <p:cNvSpPr txBox="1"/>
-          <p:nvPr/>
-        </p:nvSpPr>
-        <p:spPr>
-          <a:xfrm>
-            <a:off x="1672879" y="6457664"/>
-            <a:ext cx="1428596" cy="369332"/>
-          </a:xfrm>
-          <a:prstGeom prst="rect">
-            <a:avLst/>
-          </a:prstGeom>
-          <a:noFill/>
-        </p:spPr>
-        <p:txBody>
-          <a:bodyPr wrap="none" rtlCol="0">
-            <a:spAutoFit/>
-          </a:bodyPr>
-          <a:lstStyle/>
-          <a:p>
-            <a:r>
-              <a:rPr lang="en-US" altLang="zh-CN" dirty="0">
-                <a:solidFill>
-                  <a:srgbClr val="7030A0"/>
-                </a:solidFill>
-              </a:rPr>
-              <a:t>Matrix[6 x 1]</a:t>
-            </a:r>
-            <a:endParaRPr lang="zh-CN" altLang="en-US" dirty="0">
-              <a:solidFill>
-                <a:srgbClr val="7030A0"/>
-              </a:solidFill>
-            </a:endParaRPr>
-          </a:p>
-        </p:txBody>
-      </p:sp>
-      <p:sp>
-        <p:nvSpPr>
-          <p:cNvPr id="30" name="文本框 29">
-            <a:extLst>
-              <a:ext uri="{FF2B5EF4-FFF2-40B4-BE49-F238E27FC236}">
-                <a16:creationId xmlns:a16="http://schemas.microsoft.com/office/drawing/2014/main" id="{7A0AC6A4-558B-4B80-82FA-E7B8218ECED1}"/>
-              </a:ext>
-            </a:extLst>
-          </p:cNvPr>
-          <p:cNvSpPr txBox="1"/>
-          <p:nvPr/>
-        </p:nvSpPr>
-        <p:spPr>
-          <a:xfrm>
-            <a:off x="3039082" y="6444402"/>
-            <a:ext cx="1428596" cy="369332"/>
-          </a:xfrm>
-          <a:prstGeom prst="rect">
-            <a:avLst/>
-          </a:prstGeom>
-          <a:noFill/>
-        </p:spPr>
-        <p:txBody>
-          <a:bodyPr wrap="none" rtlCol="0">
-            <a:spAutoFit/>
-          </a:bodyPr>
-          <a:lstStyle/>
-          <a:p>
-            <a:r>
-              <a:rPr lang="en-US" altLang="zh-CN" dirty="0">
-                <a:solidFill>
-                  <a:srgbClr val="7030A0"/>
-                </a:solidFill>
-              </a:rPr>
-              <a:t>Matrix[7 x 1]</a:t>
-            </a:r>
-            <a:endParaRPr lang="zh-CN" altLang="en-US" dirty="0">
-              <a:solidFill>
-                <a:srgbClr val="7030A0"/>
-              </a:solidFill>
-            </a:endParaRPr>
-          </a:p>
-        </p:txBody>
-      </p:sp>
-      <p:sp>
-        <p:nvSpPr>
-          <p:cNvPr id="31" name="文本框 30">
-            <a:extLst>
-              <a:ext uri="{FF2B5EF4-FFF2-40B4-BE49-F238E27FC236}">
-                <a16:creationId xmlns:a16="http://schemas.microsoft.com/office/drawing/2014/main" id="{246C5C69-D55D-4A35-9EF1-1DF1C20C2E6A}"/>
-              </a:ext>
-            </a:extLst>
-          </p:cNvPr>
-          <p:cNvSpPr txBox="1"/>
-          <p:nvPr/>
-        </p:nvSpPr>
-        <p:spPr>
-          <a:xfrm>
-            <a:off x="4433371" y="6441249"/>
-            <a:ext cx="1428596" cy="369332"/>
-          </a:xfrm>
-          <a:prstGeom prst="rect">
-            <a:avLst/>
-          </a:prstGeom>
-          <a:noFill/>
-        </p:spPr>
-        <p:txBody>
-          <a:bodyPr wrap="none" rtlCol="0">
-            <a:spAutoFit/>
-          </a:bodyPr>
-          <a:lstStyle/>
-          <a:p>
-            <a:r>
-              <a:rPr lang="en-US" altLang="zh-CN" dirty="0">
-                <a:solidFill>
-                  <a:srgbClr val="7030A0"/>
-                </a:solidFill>
-              </a:rPr>
-              <a:t>Matrix[7 x 1]</a:t>
-            </a:r>
-            <a:endParaRPr lang="zh-CN" altLang="en-US" dirty="0">
-              <a:solidFill>
-                <a:srgbClr val="7030A0"/>
-              </a:solidFill>
-            </a:endParaRPr>
-          </a:p>
-        </p:txBody>
-      </p:sp>
-      <p:sp>
-        <p:nvSpPr>
-          <p:cNvPr id="32" name="文本框 31">
-            <a:extLst>
-              <a:ext uri="{FF2B5EF4-FFF2-40B4-BE49-F238E27FC236}">
-                <a16:creationId xmlns:a16="http://schemas.microsoft.com/office/drawing/2014/main" id="{BA813A30-35D8-4C21-9676-1D1ABC46AC30}"/>
-              </a:ext>
-            </a:extLst>
-          </p:cNvPr>
-          <p:cNvSpPr txBox="1"/>
-          <p:nvPr/>
-        </p:nvSpPr>
-        <p:spPr>
-          <a:xfrm>
-            <a:off x="5781361" y="6438096"/>
-            <a:ext cx="1428596" cy="369332"/>
-          </a:xfrm>
-          <a:prstGeom prst="rect">
-            <a:avLst/>
-          </a:prstGeom>
-          <a:noFill/>
-        </p:spPr>
-        <p:txBody>
-          <a:bodyPr wrap="none" rtlCol="0">
-            <a:spAutoFit/>
-          </a:bodyPr>
-          <a:lstStyle/>
-          <a:p>
-            <a:r>
-              <a:rPr lang="en-US" altLang="zh-CN" dirty="0">
-                <a:solidFill>
-                  <a:srgbClr val="7030A0"/>
-                </a:solidFill>
-              </a:rPr>
-              <a:t>Matrix[6 x 1]</a:t>
-            </a:r>
-            <a:endParaRPr lang="zh-CN" altLang="en-US" dirty="0">
-              <a:solidFill>
-                <a:srgbClr val="7030A0"/>
-              </a:solidFill>
-            </a:endParaRPr>
-          </a:p>
-        </p:txBody>
-      </p:sp>
-      <p:sp>
-        <p:nvSpPr>
-          <p:cNvPr id="33" name="文本框 32">
-            <a:extLst>
-              <a:ext uri="{FF2B5EF4-FFF2-40B4-BE49-F238E27FC236}">
-                <a16:creationId xmlns:a16="http://schemas.microsoft.com/office/drawing/2014/main" id="{20814B00-8E43-419E-B787-447D93F30AB3}"/>
-              </a:ext>
-            </a:extLst>
-          </p:cNvPr>
-          <p:cNvSpPr txBox="1"/>
-          <p:nvPr/>
-        </p:nvSpPr>
-        <p:spPr>
-          <a:xfrm>
-            <a:off x="654432" y="6960673"/>
-            <a:ext cx="1428596" cy="369332"/>
-          </a:xfrm>
-          <a:prstGeom prst="rect">
-            <a:avLst/>
-          </a:prstGeom>
-          <a:noFill/>
-        </p:spPr>
-        <p:txBody>
-          <a:bodyPr wrap="none" rtlCol="0">
-            <a:spAutoFit/>
-          </a:bodyPr>
-          <a:lstStyle/>
-          <a:p>
-            <a:r>
-              <a:rPr lang="en-US" altLang="zh-CN" dirty="0">
-                <a:solidFill>
-                  <a:srgbClr val="00B0F0"/>
-                </a:solidFill>
-              </a:rPr>
-              <a:t>Matrix[6 x 5]</a:t>
-            </a:r>
-            <a:endParaRPr lang="zh-CN" altLang="en-US" dirty="0">
-              <a:solidFill>
-                <a:srgbClr val="00B0F0"/>
-              </a:solidFill>
-            </a:endParaRPr>
-          </a:p>
-        </p:txBody>
-      </p:sp>
-      <p:sp>
-        <p:nvSpPr>
-          <p:cNvPr id="34" name="文本框 33">
-            <a:extLst>
-              <a:ext uri="{FF2B5EF4-FFF2-40B4-BE49-F238E27FC236}">
-                <a16:creationId xmlns:a16="http://schemas.microsoft.com/office/drawing/2014/main" id="{5CB9678A-9A85-4657-B587-208243576E71}"/>
-              </a:ext>
-            </a:extLst>
-          </p:cNvPr>
-          <p:cNvSpPr txBox="1"/>
-          <p:nvPr/>
-        </p:nvSpPr>
-        <p:spPr>
-          <a:xfrm>
-            <a:off x="2324784" y="6962817"/>
-            <a:ext cx="1428596" cy="369332"/>
-          </a:xfrm>
-          <a:prstGeom prst="rect">
-            <a:avLst/>
-          </a:prstGeom>
-          <a:noFill/>
-        </p:spPr>
-        <p:txBody>
-          <a:bodyPr wrap="none" rtlCol="0">
-            <a:spAutoFit/>
-          </a:bodyPr>
-          <a:lstStyle/>
-          <a:p>
-            <a:r>
-              <a:rPr lang="en-US" altLang="zh-CN" dirty="0">
-                <a:solidFill>
-                  <a:srgbClr val="00B0F0"/>
-                </a:solidFill>
-              </a:rPr>
-              <a:t>Matrix[7 x 6]</a:t>
-            </a:r>
-            <a:endParaRPr lang="zh-CN" altLang="en-US" dirty="0">
-              <a:solidFill>
-                <a:srgbClr val="00B0F0"/>
-              </a:solidFill>
-            </a:endParaRPr>
-          </a:p>
-        </p:txBody>
-      </p:sp>
-      <p:sp>
-        <p:nvSpPr>
-          <p:cNvPr id="35" name="文本框 34">
-            <a:extLst>
-              <a:ext uri="{FF2B5EF4-FFF2-40B4-BE49-F238E27FC236}">
-                <a16:creationId xmlns:a16="http://schemas.microsoft.com/office/drawing/2014/main" id="{E04F99B9-B070-4986-996A-77FE77C8907E}"/>
-              </a:ext>
-            </a:extLst>
-          </p:cNvPr>
-          <p:cNvSpPr txBox="1"/>
-          <p:nvPr/>
-        </p:nvSpPr>
-        <p:spPr>
-          <a:xfrm>
-            <a:off x="3753380" y="6990139"/>
-            <a:ext cx="1428596" cy="369332"/>
-          </a:xfrm>
-          <a:prstGeom prst="rect">
-            <a:avLst/>
-          </a:prstGeom>
-          <a:noFill/>
-        </p:spPr>
-        <p:txBody>
-          <a:bodyPr wrap="none" rtlCol="0">
-            <a:spAutoFit/>
-          </a:bodyPr>
-          <a:lstStyle/>
-          <a:p>
-            <a:r>
-              <a:rPr lang="en-US" altLang="zh-CN" dirty="0">
-                <a:solidFill>
-                  <a:srgbClr val="00B0F0"/>
-                </a:solidFill>
-              </a:rPr>
-              <a:t>Matrix[7 x 7]</a:t>
-            </a:r>
-            <a:endParaRPr lang="zh-CN" altLang="en-US" dirty="0">
-              <a:solidFill>
-                <a:srgbClr val="00B0F0"/>
-              </a:solidFill>
-            </a:endParaRPr>
-          </a:p>
-        </p:txBody>
-      </p:sp>
-      <p:sp>
-        <p:nvSpPr>
-          <p:cNvPr id="36" name="文本框 35">
-            <a:extLst>
-              <a:ext uri="{FF2B5EF4-FFF2-40B4-BE49-F238E27FC236}">
-                <a16:creationId xmlns:a16="http://schemas.microsoft.com/office/drawing/2014/main" id="{E9706EFD-44C7-43E9-9B98-8D112B1E9664}"/>
-              </a:ext>
-            </a:extLst>
-          </p:cNvPr>
-          <p:cNvSpPr txBox="1"/>
-          <p:nvPr/>
-        </p:nvSpPr>
-        <p:spPr>
-          <a:xfrm>
-            <a:off x="5181976" y="7008928"/>
-            <a:ext cx="1428596" cy="369332"/>
-          </a:xfrm>
-          <a:prstGeom prst="rect">
-            <a:avLst/>
-          </a:prstGeom>
-          <a:noFill/>
-        </p:spPr>
-        <p:txBody>
-          <a:bodyPr wrap="none" rtlCol="0">
-            <a:spAutoFit/>
-          </a:bodyPr>
-          <a:lstStyle/>
-          <a:p>
-            <a:r>
-              <a:rPr lang="en-US" altLang="zh-CN" dirty="0">
-                <a:solidFill>
-                  <a:srgbClr val="00B0F0"/>
-                </a:solidFill>
-              </a:rPr>
-              <a:t>Matrix[6 x 7]</a:t>
-            </a:r>
-            <a:endParaRPr lang="zh-CN" altLang="en-US" dirty="0">
-              <a:solidFill>
-                <a:srgbClr val="00B0F0"/>
-              </a:solidFill>
-            </a:endParaRPr>
-          </a:p>
-        </p:txBody>
-      </p:sp>
-      <p:sp>
-        <p:nvSpPr>
-          <p:cNvPr id="37" name="文本框 36">
-            <a:extLst>
-              <a:ext uri="{FF2B5EF4-FFF2-40B4-BE49-F238E27FC236}">
-                <a16:creationId xmlns:a16="http://schemas.microsoft.com/office/drawing/2014/main" id="{663B05FE-F503-4D79-BD02-4DC644F696A8}"/>
-              </a:ext>
-            </a:extLst>
-          </p:cNvPr>
-          <p:cNvSpPr txBox="1"/>
-          <p:nvPr/>
-        </p:nvSpPr>
-        <p:spPr>
-          <a:xfrm>
-            <a:off x="6785363" y="7017359"/>
-            <a:ext cx="1428596" cy="369332"/>
-          </a:xfrm>
-          <a:prstGeom prst="rect">
-            <a:avLst/>
-          </a:prstGeom>
-          <a:noFill/>
-        </p:spPr>
-        <p:txBody>
-          <a:bodyPr wrap="none" rtlCol="0">
-            <a:spAutoFit/>
-          </a:bodyPr>
-          <a:lstStyle/>
-          <a:p>
-            <a:r>
-              <a:rPr lang="en-US" altLang="zh-CN" dirty="0">
-                <a:solidFill>
-                  <a:srgbClr val="00B0F0"/>
-                </a:solidFill>
-              </a:rPr>
-              <a:t>Matrix[5 x 6]</a:t>
-            </a:r>
-            <a:endParaRPr lang="zh-CN" altLang="en-US" dirty="0">
-              <a:solidFill>
-                <a:srgbClr val="00B0F0"/>
-              </a:solidFill>
-            </a:endParaRPr>
-          </a:p>
-        </p:txBody>
-      </p:sp>
-      <p:sp>
-        <p:nvSpPr>
-          <p:cNvPr id="3" name="文本框 2">
-            <a:extLst>
-              <a:ext uri="{FF2B5EF4-FFF2-40B4-BE49-F238E27FC236}">
-                <a16:creationId xmlns:a16="http://schemas.microsoft.com/office/drawing/2014/main" id="{7E1DC7B0-2CED-496F-8B64-A63CC046AA7B}"/>
-              </a:ext>
-            </a:extLst>
-          </p:cNvPr>
-          <p:cNvSpPr txBox="1"/>
-          <p:nvPr/>
-        </p:nvSpPr>
-        <p:spPr>
-          <a:xfrm>
-            <a:off x="-1198730" y="7462192"/>
-            <a:ext cx="11182870" cy="369332"/>
-          </a:xfrm>
-          <a:prstGeom prst="rect">
-            <a:avLst/>
-          </a:prstGeom>
-          <a:noFill/>
-        </p:spPr>
-        <p:txBody>
-          <a:bodyPr wrap="none" rtlCol="0">
-            <a:spAutoFit/>
-          </a:bodyPr>
-          <a:lstStyle/>
-          <a:p>
-            <a:r>
               <a:rPr lang="en-US" altLang="zh-CN" dirty="0"/>
-              <a:t>Input1 * w1 -&gt; layer1 = Input2 * w2 -&gt; layer2 = Input3 * w3 -&gt; layer3 = Input4 * w4 -&gt; layer4 =Input5 * w5 -&gt; Output</a:t>
+              <a:t>y </a:t>
+            </a:r>
+            <a:r>
+              <a:rPr lang="zh-CN" altLang="en-US" dirty="0"/>
+              <a:t>∈ </a:t>
+            </a:r>
+            <a:r>
+              <a:rPr lang="en-US" altLang="zh-CN" dirty="0"/>
+              <a:t>{0, 1, 2, 3, 4, 5, 6, 7, 8, 9}</a:t>
+            </a:r>
+          </a:p>
+          <a:p>
+            <a:r>
+              <a:rPr lang="en-US" altLang="zh-CN" dirty="0"/>
+              <a:t>p(0), p(1), p(2)……p(9)    </a:t>
+            </a:r>
+            <a:r>
+              <a:rPr lang="zh-CN" altLang="en-US"/>
+              <a:t>选最大值</a:t>
             </a:r>
             <a:endParaRPr lang="zh-CN" altLang="en-US" dirty="0"/>
           </a:p>
@@ -12082,7 +11053,7 @@
     </p:spTree>
     <p:extLst>
       <p:ext uri="{BB962C8B-B14F-4D97-AF65-F5344CB8AC3E}">
-        <p14:creationId xmlns:p14="http://schemas.microsoft.com/office/powerpoint/2010/main" val="3500806214"/>
+        <p14:creationId xmlns:p14="http://schemas.microsoft.com/office/powerpoint/2010/main" val="624208786"/>
       </p:ext>
     </p:extLst>
   </p:cSld>
@@ -12111,649 +11082,6 @@
       </p:grpSpPr>
       <p:sp>
         <p:nvSpPr>
-          <p:cNvPr id="7170" name="Text Box 2"/>
-          <p:cNvSpPr txBox="1">
-            <a:spLocks noChangeArrowheads="1"/>
-          </p:cNvSpPr>
-          <p:nvPr/>
-        </p:nvSpPr>
-        <p:spPr bwMode="auto">
-          <a:xfrm>
-            <a:off x="1162080" y="1606869"/>
-            <a:ext cx="7416800" cy="3323987"/>
-          </a:xfrm>
-          <a:prstGeom prst="rect">
-            <a:avLst/>
-          </a:prstGeom>
-          <a:noFill/>
-          <a:ln>
-            <a:noFill/>
-          </a:ln>
-          <a:effectLst/>
-          <a:extLst>
-            <a:ext uri="{909E8E84-426E-40DD-AFC4-6F175D3DCCD1}">
-              <a14:hiddenFill xmlns:a14="http://schemas.microsoft.com/office/drawing/2010/main">
-                <a:solidFill>
-                  <a:schemeClr val="accent1"/>
-                </a:solidFill>
-              </a14:hiddenFill>
-            </a:ext>
-            <a:ext uri="{91240B29-F687-4F45-9708-019B960494DF}">
-              <a14:hiddenLine xmlns:a14="http://schemas.microsoft.com/office/drawing/2010/main" w="9525">
-                <a:solidFill>
-                  <a:schemeClr val="tx1"/>
-                </a:solidFill>
-                <a:miter lim="800000"/>
-                <a:headEnd/>
-                <a:tailEnd/>
-              </a14:hiddenLine>
-            </a:ext>
-            <a:ext uri="{AF507438-7753-43E0-B8FC-AC1667EBCBE1}">
-              <a14:hiddenEffects xmlns:a14="http://schemas.microsoft.com/office/drawing/2010/main">
-                <a:effectLst>
-                  <a:outerShdw blurRad="63500" dist="38099" dir="2700000" algn="ctr" rotWithShape="0">
-                    <a:schemeClr val="bg2">
-                      <a:alpha val="74998"/>
-                    </a:schemeClr>
-                  </a:outerShdw>
-                </a:effectLst>
-              </a14:hiddenEffects>
-            </a:ext>
-          </a:extLst>
-        </p:spPr>
-        <p:txBody>
-          <a:bodyPr>
-            <a:spAutoFit/>
-          </a:bodyPr>
-          <a:lstStyle/>
-          <a:p>
-            <a:pPr>
-              <a:lnSpc>
-                <a:spcPct val="200000"/>
-              </a:lnSpc>
-              <a:spcBef>
-                <a:spcPct val="50000"/>
-              </a:spcBef>
-            </a:pPr>
-            <a:r>
-              <a:rPr lang="zh-CN" altLang="en-US" sz="3000" b="1" dirty="0">
-                <a:ea typeface="黑体" charset="0"/>
-                <a:cs typeface="黑体" charset="0"/>
-              </a:rPr>
-              <a:t>一、背景</a:t>
-            </a:r>
-          </a:p>
-          <a:p>
-            <a:pPr>
-              <a:lnSpc>
-                <a:spcPct val="200000"/>
-              </a:lnSpc>
-              <a:spcBef>
-                <a:spcPct val="50000"/>
-              </a:spcBef>
-            </a:pPr>
-            <a:r>
-              <a:rPr lang="zh-CN" altLang="en-US" sz="3000" b="1" dirty="0">
-                <a:solidFill>
-                  <a:srgbClr val="C00000"/>
-                </a:solidFill>
-                <a:ea typeface="黑体" charset="0"/>
-                <a:cs typeface="黑体" charset="0"/>
-              </a:rPr>
-              <a:t>二、研究进展</a:t>
-            </a:r>
-            <a:endParaRPr lang="en-US" altLang="zh-CN" sz="3000" b="1" dirty="0">
-              <a:solidFill>
-                <a:srgbClr val="C00000"/>
-              </a:solidFill>
-              <a:ea typeface="黑体" charset="0"/>
-              <a:cs typeface="黑体" charset="0"/>
-            </a:endParaRPr>
-          </a:p>
-          <a:p>
-            <a:pPr>
-              <a:lnSpc>
-                <a:spcPct val="200000"/>
-              </a:lnSpc>
-              <a:spcBef>
-                <a:spcPct val="50000"/>
-              </a:spcBef>
-            </a:pPr>
-            <a:r>
-              <a:rPr lang="zh-CN" altLang="en-US" sz="3000" b="1" dirty="0">
-                <a:ea typeface="黑体" charset="0"/>
-                <a:cs typeface="黑体" charset="0"/>
-              </a:rPr>
-              <a:t>三、未来计划</a:t>
-            </a:r>
-            <a:endParaRPr lang="en-US" altLang="zh-CN" sz="3000" b="1" dirty="0">
-              <a:ea typeface="黑体" charset="0"/>
-              <a:cs typeface="黑体" charset="0"/>
-            </a:endParaRPr>
-          </a:p>
-        </p:txBody>
-      </p:sp>
-      <p:sp>
-        <p:nvSpPr>
-          <p:cNvPr id="3" name="TextBox 2"/>
-          <p:cNvSpPr txBox="1"/>
-          <p:nvPr/>
-        </p:nvSpPr>
-        <p:spPr>
-          <a:xfrm>
-            <a:off x="1012190" y="294825"/>
-            <a:ext cx="6892290" cy="707886"/>
-          </a:xfrm>
-          <a:prstGeom prst="rect">
-            <a:avLst/>
-          </a:prstGeom>
-          <a:noFill/>
-        </p:spPr>
-        <p:txBody>
-          <a:bodyPr wrap="square" rtlCol="0">
-            <a:spAutoFit/>
-          </a:bodyPr>
-          <a:lstStyle/>
-          <a:p>
-            <a:pPr algn="ctr"/>
-            <a:r>
-              <a:rPr lang="zh-CN" altLang="en-US" sz="4000" b="1" dirty="0">
-                <a:solidFill>
-                  <a:srgbClr val="C00000"/>
-                </a:solidFill>
-                <a:latin typeface="黑体" pitchFamily="49" charset="-122"/>
-                <a:ea typeface="黑体" pitchFamily="49" charset="-122"/>
-              </a:rPr>
-              <a:t> 汇报内容</a:t>
-            </a:r>
-          </a:p>
-        </p:txBody>
-      </p:sp>
-      <p:cxnSp>
-        <p:nvCxnSpPr>
-          <p:cNvPr id="5" name="直接连接符 4"/>
-          <p:cNvCxnSpPr/>
-          <p:nvPr/>
-        </p:nvCxnSpPr>
-        <p:spPr>
-          <a:xfrm>
-            <a:off x="0" y="1026796"/>
-            <a:ext cx="9144000" cy="0"/>
-          </a:xfrm>
-          <a:prstGeom prst="line">
-            <a:avLst/>
-          </a:prstGeom>
-          <a:ln w="38100">
-            <a:solidFill>
-              <a:srgbClr val="C00000"/>
-            </a:solidFill>
-          </a:ln>
-        </p:spPr>
-        <p:style>
-          <a:lnRef idx="2">
-            <a:schemeClr val="accent1"/>
-          </a:lnRef>
-          <a:fillRef idx="0">
-            <a:schemeClr val="accent1"/>
-          </a:fillRef>
-          <a:effectRef idx="1">
-            <a:schemeClr val="accent1"/>
-          </a:effectRef>
-          <a:fontRef idx="minor">
-            <a:schemeClr val="tx1"/>
-          </a:fontRef>
-        </p:style>
-      </p:cxnSp>
-      <p:sp>
-        <p:nvSpPr>
-          <p:cNvPr id="2" name="灯片编号占位符 1"/>
-          <p:cNvSpPr>
-            <a:spLocks noGrp="1"/>
-          </p:cNvSpPr>
-          <p:nvPr>
-            <p:ph type="sldNum" sz="quarter" idx="12"/>
-          </p:nvPr>
-        </p:nvSpPr>
-        <p:spPr/>
-        <p:txBody>
-          <a:bodyPr/>
-          <a:lstStyle/>
-          <a:p>
-            <a:fld id="{5B8AC867-72ED-42EA-92C6-36FC511EE56C}" type="slidenum">
-              <a:rPr lang="zh-CN" altLang="en-US" smtClean="0"/>
-              <a:t>17</a:t>
-            </a:fld>
-            <a:endParaRPr lang="zh-CN" altLang="en-US"/>
-          </a:p>
-        </p:txBody>
-      </p:sp>
-    </p:spTree>
-    <p:extLst>
-      <p:ext uri="{BB962C8B-B14F-4D97-AF65-F5344CB8AC3E}">
-        <p14:creationId xmlns:p14="http://schemas.microsoft.com/office/powerpoint/2010/main" val="3058035894"/>
-      </p:ext>
-    </p:extLst>
-  </p:cSld>
-  <p:clrMapOvr>
-    <a:masterClrMapping/>
-  </p:clrMapOvr>
-</p:sld>
-</file>
-
-<file path=ppt/slides/slide18.xml><?xml version="1.0" encoding="utf-8"?>
-<p:sld xmlns:a="http://schemas.openxmlformats.org/drawingml/2006/main" xmlns:r="http://schemas.openxmlformats.org/officeDocument/2006/relationships" xmlns:p="http://schemas.openxmlformats.org/presentationml/2006/main">
-  <p:cSld>
-    <p:spTree>
-      <p:nvGrpSpPr>
-        <p:cNvPr id="1" name=""/>
-        <p:cNvGrpSpPr/>
-        <p:nvPr/>
-      </p:nvGrpSpPr>
-      <p:grpSpPr>
-        <a:xfrm>
-          <a:off x="0" y="0"/>
-          <a:ext cx="0" cy="0"/>
-          <a:chOff x="0" y="0"/>
-          <a:chExt cx="0" cy="0"/>
-        </a:xfrm>
-      </p:grpSpPr>
-      <p:sp>
-        <p:nvSpPr>
-          <p:cNvPr id="3" name="内容占位符 2"/>
-          <p:cNvSpPr>
-            <a:spLocks noGrp="1"/>
-          </p:cNvSpPr>
-          <p:nvPr>
-            <p:ph idx="1"/>
-          </p:nvPr>
-        </p:nvSpPr>
-        <p:spPr>
-          <a:xfrm>
-            <a:off x="309995" y="1022062"/>
-            <a:ext cx="7886700" cy="4741430"/>
-          </a:xfrm>
-        </p:spPr>
-        <p:txBody>
-          <a:bodyPr>
-            <a:normAutofit/>
-          </a:bodyPr>
-          <a:lstStyle/>
-          <a:p>
-            <a:pPr marL="0" indent="0">
-              <a:lnSpc>
-                <a:spcPct val="200000"/>
-              </a:lnSpc>
-              <a:buNone/>
-            </a:pPr>
-            <a:r>
-              <a:rPr lang="en-US" altLang="zh-CN" kern="100" dirty="0">
-                <a:solidFill>
-                  <a:srgbClr val="C00000"/>
-                </a:solidFill>
-                <a:latin typeface="Times New Roman" panose="02020603050405020304" pitchFamily="18" charset="0"/>
-                <a:cs typeface="Times New Roman" panose="02020603050405020304" pitchFamily="18" charset="0"/>
-              </a:rPr>
-              <a:t>2.1.</a:t>
-            </a:r>
-            <a:endParaRPr lang="en-US" altLang="zh-CN" kern="100" dirty="0">
-              <a:solidFill>
-                <a:srgbClr val="C00000"/>
-              </a:solidFill>
-              <a:latin typeface="Times New Roman" panose="02020603050405020304" pitchFamily="18" charset="0"/>
-              <a:ea typeface="宋体" panose="02010600030101010101" pitchFamily="2" charset="-122"/>
-              <a:cs typeface="Times New Roman" panose="02020603050405020304" pitchFamily="18" charset="0"/>
-            </a:endParaRPr>
-          </a:p>
-          <a:p>
-            <a:pPr marL="0" indent="0">
-              <a:lnSpc>
-                <a:spcPct val="200000"/>
-              </a:lnSpc>
-              <a:buNone/>
-            </a:pPr>
-            <a:r>
-              <a:rPr lang="en-US" altLang="zh-CN" kern="100" dirty="0">
-                <a:latin typeface="Times New Roman" panose="02020603050405020304" pitchFamily="18" charset="0"/>
-                <a:cs typeface="Times New Roman" panose="02020603050405020304" pitchFamily="18" charset="0"/>
-              </a:rPr>
-              <a:t>2.2. </a:t>
-            </a:r>
-          </a:p>
-          <a:p>
-            <a:pPr marL="0" indent="0">
-              <a:lnSpc>
-                <a:spcPct val="200000"/>
-              </a:lnSpc>
-              <a:buNone/>
-            </a:pPr>
-            <a:r>
-              <a:rPr lang="en-US" altLang="zh-CN" kern="100" dirty="0">
-                <a:latin typeface="Times New Roman" panose="02020603050405020304" pitchFamily="18" charset="0"/>
-                <a:cs typeface="Times New Roman" panose="02020603050405020304" pitchFamily="18" charset="0"/>
-              </a:rPr>
-              <a:t>2.3. </a:t>
-            </a:r>
-            <a:endParaRPr lang="en-US" altLang="zh-CN" kern="100" dirty="0">
-              <a:latin typeface="宋体" panose="02010600030101010101" pitchFamily="2" charset="-122"/>
-              <a:ea typeface="宋体" panose="02010600030101010101" pitchFamily="2" charset="-122"/>
-              <a:cs typeface="Times New Roman" panose="02020603050405020304" pitchFamily="18" charset="0"/>
-            </a:endParaRPr>
-          </a:p>
-          <a:p>
-            <a:endParaRPr lang="en-US" altLang="zh-CN" kern="100" dirty="0">
-              <a:latin typeface="Times New Roman" panose="02020603050405020304" pitchFamily="18" charset="0"/>
-              <a:cs typeface="Times New Roman" panose="02020603050405020304" pitchFamily="18" charset="0"/>
-            </a:endParaRPr>
-          </a:p>
-          <a:p>
-            <a:endParaRPr lang="zh-CN" altLang="en-US" dirty="0"/>
-          </a:p>
-        </p:txBody>
-      </p:sp>
-      <p:sp>
-        <p:nvSpPr>
-          <p:cNvPr id="4" name="TextBox 20"/>
-          <p:cNvSpPr txBox="1"/>
-          <p:nvPr/>
-        </p:nvSpPr>
-        <p:spPr>
-          <a:xfrm>
-            <a:off x="107504" y="230320"/>
-            <a:ext cx="4580965" cy="584775"/>
-          </a:xfrm>
-          <a:prstGeom prst="rect">
-            <a:avLst/>
-          </a:prstGeom>
-          <a:noFill/>
-        </p:spPr>
-        <p:txBody>
-          <a:bodyPr wrap="square" rtlCol="0">
-            <a:spAutoFit/>
-          </a:bodyPr>
-          <a:lstStyle/>
-          <a:p>
-            <a:r>
-              <a:rPr lang="zh-CN" altLang="en-US" sz="3200" b="1" dirty="0">
-                <a:solidFill>
-                  <a:srgbClr val="C00000"/>
-                </a:solidFill>
-                <a:latin typeface="黑体" panose="02010609060101010101" pitchFamily="49" charset="-122"/>
-                <a:ea typeface="黑体" panose="02010609060101010101" pitchFamily="49" charset="-122"/>
-                <a:cs typeface="黑体" charset="0"/>
-              </a:rPr>
-              <a:t>二</a:t>
-            </a:r>
-            <a:r>
-              <a:rPr lang="en-US" altLang="zh-CN" sz="3200" b="1" dirty="0">
-                <a:solidFill>
-                  <a:srgbClr val="C00000"/>
-                </a:solidFill>
-                <a:latin typeface="黑体" panose="02010609060101010101" pitchFamily="49" charset="-122"/>
-                <a:ea typeface="黑体" panose="02010609060101010101" pitchFamily="49" charset="-122"/>
-                <a:cs typeface="黑体" charset="0"/>
-              </a:rPr>
-              <a:t> </a:t>
-            </a:r>
-            <a:r>
-              <a:rPr lang="zh-CN" altLang="en-US" sz="3200" b="1" dirty="0">
-                <a:solidFill>
-                  <a:srgbClr val="C00000"/>
-                </a:solidFill>
-                <a:latin typeface="黑体" panose="02010609060101010101" pitchFamily="49" charset="-122"/>
-                <a:ea typeface="黑体" panose="02010609060101010101" pitchFamily="49" charset="-122"/>
-                <a:cs typeface="黑体" charset="0"/>
-              </a:rPr>
-              <a:t>研究进展</a:t>
-            </a:r>
-          </a:p>
-        </p:txBody>
-      </p:sp>
-      <p:cxnSp>
-        <p:nvCxnSpPr>
-          <p:cNvPr id="5" name="直接连接符 4"/>
-          <p:cNvCxnSpPr/>
-          <p:nvPr/>
-        </p:nvCxnSpPr>
-        <p:spPr>
-          <a:xfrm flipV="1">
-            <a:off x="-13123" y="904126"/>
-            <a:ext cx="9157123" cy="1487"/>
-          </a:xfrm>
-          <a:prstGeom prst="line">
-            <a:avLst/>
-          </a:prstGeom>
-          <a:ln w="38100">
-            <a:solidFill>
-              <a:srgbClr val="C00000"/>
-            </a:solidFill>
-          </a:ln>
-        </p:spPr>
-        <p:style>
-          <a:lnRef idx="2">
-            <a:schemeClr val="accent1"/>
-          </a:lnRef>
-          <a:fillRef idx="0">
-            <a:schemeClr val="accent1"/>
-          </a:fillRef>
-          <a:effectRef idx="1">
-            <a:schemeClr val="accent1"/>
-          </a:effectRef>
-          <a:fontRef idx="minor">
-            <a:schemeClr val="tx1"/>
-          </a:fontRef>
-        </p:style>
-      </p:cxnSp>
-      <p:sp>
-        <p:nvSpPr>
-          <p:cNvPr id="2" name="灯片编号占位符 1"/>
-          <p:cNvSpPr>
-            <a:spLocks noGrp="1"/>
-          </p:cNvSpPr>
-          <p:nvPr>
-            <p:ph type="sldNum" sz="quarter" idx="12"/>
-          </p:nvPr>
-        </p:nvSpPr>
-        <p:spPr/>
-        <p:txBody>
-          <a:bodyPr/>
-          <a:lstStyle/>
-          <a:p>
-            <a:fld id="{5B8AC867-72ED-42EA-92C6-36FC511EE56C}" type="slidenum">
-              <a:rPr lang="zh-CN" altLang="en-US" smtClean="0"/>
-              <a:t>18</a:t>
-            </a:fld>
-            <a:endParaRPr lang="zh-CN" altLang="en-US" dirty="0"/>
-          </a:p>
-        </p:txBody>
-      </p:sp>
-    </p:spTree>
-    <p:extLst>
-      <p:ext uri="{BB962C8B-B14F-4D97-AF65-F5344CB8AC3E}">
-        <p14:creationId xmlns:p14="http://schemas.microsoft.com/office/powerpoint/2010/main" val="3291909554"/>
-      </p:ext>
-    </p:extLst>
-  </p:cSld>
-  <p:clrMapOvr>
-    <a:masterClrMapping/>
-  </p:clrMapOvr>
-</p:sld>
-</file>
-
-<file path=ppt/slides/slide19.xml><?xml version="1.0" encoding="utf-8"?>
-<p:sld xmlns:a="http://schemas.openxmlformats.org/drawingml/2006/main" xmlns:r="http://schemas.openxmlformats.org/officeDocument/2006/relationships" xmlns:p="http://schemas.openxmlformats.org/presentationml/2006/main">
-  <p:cSld>
-    <p:spTree>
-      <p:nvGrpSpPr>
-        <p:cNvPr id="1" name=""/>
-        <p:cNvGrpSpPr/>
-        <p:nvPr/>
-      </p:nvGrpSpPr>
-      <p:grpSpPr>
-        <a:xfrm>
-          <a:off x="0" y="0"/>
-          <a:ext cx="0" cy="0"/>
-          <a:chOff x="0" y="0"/>
-          <a:chExt cx="0" cy="0"/>
-        </a:xfrm>
-      </p:grpSpPr>
-      <p:sp>
-        <p:nvSpPr>
-          <p:cNvPr id="3" name="内容占位符 2"/>
-          <p:cNvSpPr>
-            <a:spLocks noGrp="1"/>
-          </p:cNvSpPr>
-          <p:nvPr>
-            <p:ph idx="1"/>
-          </p:nvPr>
-        </p:nvSpPr>
-        <p:spPr>
-          <a:xfrm>
-            <a:off x="309995" y="1022062"/>
-            <a:ext cx="7886700" cy="4741430"/>
-          </a:xfrm>
-        </p:spPr>
-        <p:txBody>
-          <a:bodyPr>
-            <a:normAutofit/>
-          </a:bodyPr>
-          <a:lstStyle/>
-          <a:p>
-            <a:endParaRPr lang="en-US" altLang="zh-CN" kern="100" dirty="0">
-              <a:latin typeface="Times New Roman" panose="02020603050405020304" pitchFamily="18" charset="0"/>
-              <a:cs typeface="Times New Roman" panose="02020603050405020304" pitchFamily="18" charset="0"/>
-            </a:endParaRPr>
-          </a:p>
-          <a:p>
-            <a:endParaRPr lang="zh-CN" altLang="en-US" dirty="0"/>
-          </a:p>
-        </p:txBody>
-      </p:sp>
-      <p:sp>
-        <p:nvSpPr>
-          <p:cNvPr id="4" name="TextBox 20"/>
-          <p:cNvSpPr txBox="1"/>
-          <p:nvPr/>
-        </p:nvSpPr>
-        <p:spPr>
-          <a:xfrm>
-            <a:off x="107504" y="230320"/>
-            <a:ext cx="4580965" cy="584775"/>
-          </a:xfrm>
-          <a:prstGeom prst="rect">
-            <a:avLst/>
-          </a:prstGeom>
-          <a:noFill/>
-        </p:spPr>
-        <p:txBody>
-          <a:bodyPr wrap="square" rtlCol="0">
-            <a:spAutoFit/>
-          </a:bodyPr>
-          <a:lstStyle/>
-          <a:p>
-            <a:pPr lvl="0"/>
-            <a:r>
-              <a:rPr lang="en-US" altLang="zh-CN" sz="3200" b="1" dirty="0">
-                <a:solidFill>
-                  <a:srgbClr val="C00000"/>
-                </a:solidFill>
-                <a:ea typeface="黑体" panose="02010609060101010101" pitchFamily="49" charset="-122"/>
-                <a:cs typeface="Times New Roman" pitchFamily="18" charset="0"/>
-              </a:rPr>
-              <a:t>2.1. </a:t>
-            </a:r>
-          </a:p>
-        </p:txBody>
-      </p:sp>
-      <p:cxnSp>
-        <p:nvCxnSpPr>
-          <p:cNvPr id="5" name="直接连接符 4"/>
-          <p:cNvCxnSpPr/>
-          <p:nvPr/>
-        </p:nvCxnSpPr>
-        <p:spPr>
-          <a:xfrm flipV="1">
-            <a:off x="-13123" y="904126"/>
-            <a:ext cx="9157123" cy="1487"/>
-          </a:xfrm>
-          <a:prstGeom prst="line">
-            <a:avLst/>
-          </a:prstGeom>
-          <a:ln w="38100">
-            <a:solidFill>
-              <a:srgbClr val="C00000"/>
-            </a:solidFill>
-          </a:ln>
-        </p:spPr>
-        <p:style>
-          <a:lnRef idx="2">
-            <a:schemeClr val="accent1"/>
-          </a:lnRef>
-          <a:fillRef idx="0">
-            <a:schemeClr val="accent1"/>
-          </a:fillRef>
-          <a:effectRef idx="1">
-            <a:schemeClr val="accent1"/>
-          </a:effectRef>
-          <a:fontRef idx="minor">
-            <a:schemeClr val="tx1"/>
-          </a:fontRef>
-        </p:style>
-      </p:cxnSp>
-      <p:sp>
-        <p:nvSpPr>
-          <p:cNvPr id="2" name="灯片编号占位符 1"/>
-          <p:cNvSpPr>
-            <a:spLocks noGrp="1"/>
-          </p:cNvSpPr>
-          <p:nvPr>
-            <p:ph type="sldNum" sz="quarter" idx="12"/>
-          </p:nvPr>
-        </p:nvSpPr>
-        <p:spPr/>
-        <p:txBody>
-          <a:bodyPr/>
-          <a:lstStyle/>
-          <a:p>
-            <a:fld id="{5B8AC867-72ED-42EA-92C6-36FC511EE56C}" type="slidenum">
-              <a:rPr lang="zh-CN" altLang="en-US" smtClean="0"/>
-              <a:t>19</a:t>
-            </a:fld>
-            <a:endParaRPr lang="zh-CN" altLang="en-US" dirty="0"/>
-          </a:p>
-        </p:txBody>
-      </p:sp>
-    </p:spTree>
-    <p:extLst>
-      <p:ext uri="{BB962C8B-B14F-4D97-AF65-F5344CB8AC3E}">
-        <p14:creationId xmlns:p14="http://schemas.microsoft.com/office/powerpoint/2010/main" val="79607533"/>
-      </p:ext>
-    </p:extLst>
-  </p:cSld>
-  <p:clrMapOvr>
-    <a:masterClrMapping/>
-  </p:clrMapOvr>
-</p:sld>
-</file>
-
-<file path=ppt/slides/slide2.xml><?xml version="1.0" encoding="utf-8"?>
-<p:sld xmlns:a="http://schemas.openxmlformats.org/drawingml/2006/main" xmlns:r="http://schemas.openxmlformats.org/officeDocument/2006/relationships" xmlns:p="http://schemas.openxmlformats.org/presentationml/2006/main">
-  <p:cSld>
-    <p:spTree>
-      <p:nvGrpSpPr>
-        <p:cNvPr id="1" name=""/>
-        <p:cNvGrpSpPr/>
-        <p:nvPr/>
-      </p:nvGrpSpPr>
-      <p:grpSpPr>
-        <a:xfrm>
-          <a:off x="0" y="0"/>
-          <a:ext cx="0" cy="0"/>
-          <a:chOff x="0" y="0"/>
-          <a:chExt cx="0" cy="0"/>
-        </a:xfrm>
-      </p:grpSpPr>
-      <p:sp>
-        <p:nvSpPr>
           <p:cNvPr id="6" name="TextBox 81"/>
           <p:cNvSpPr txBox="1"/>
           <p:nvPr/>
@@ -12788,64 +11116,23 @@
                 </a:effectLst>
                 <a:latin typeface="Times New Roman" panose="02020603050405020304" pitchFamily="18" charset="0"/>
                 <a:ea typeface="楷体" panose="02010609060101010101" pitchFamily="49" charset="-122"/>
-                <a:cs typeface="黑体" charset="0"/>
               </a:rPr>
-              <a:t>一、</a:t>
-            </a:r>
-            <a:r>
-              <a:rPr lang="en-US" altLang="zh-CN" sz="3200" b="1" dirty="0">
-                <a:solidFill>
-                  <a:srgbClr val="C00000"/>
-                </a:solidFill>
-                <a:effectLst>
-                  <a:outerShdw blurRad="38100" dist="38100" dir="2700000" algn="tl">
-                    <a:srgbClr val="000000">
-                      <a:alpha val="43137"/>
-                    </a:srgbClr>
-                  </a:outerShdw>
-                </a:effectLst>
-                <a:latin typeface="Times New Roman" panose="02020603050405020304" pitchFamily="18" charset="0"/>
-                <a:ea typeface="楷体" panose="02010609060101010101" pitchFamily="49" charset="-122"/>
-                <a:cs typeface="黑体" charset="0"/>
-              </a:rPr>
-              <a:t>ML</a:t>
-            </a:r>
-            <a:r>
-              <a:rPr lang="zh-CN" altLang="en-US" sz="3200" b="1" dirty="0">
-                <a:solidFill>
-                  <a:srgbClr val="C00000"/>
-                </a:solidFill>
-                <a:effectLst>
-                  <a:outerShdw blurRad="38100" dist="38100" dir="2700000" algn="tl">
-                    <a:srgbClr val="000000">
-                      <a:alpha val="43137"/>
-                    </a:srgbClr>
-                  </a:outerShdw>
-                </a:effectLst>
-                <a:latin typeface="Times New Roman" panose="02020603050405020304" pitchFamily="18" charset="0"/>
-                <a:ea typeface="楷体" panose="02010609060101010101" pitchFamily="49" charset="-122"/>
-                <a:cs typeface="黑体" charset="0"/>
-              </a:rPr>
-              <a:t> </a:t>
-            </a:r>
-            <a:r>
-              <a:rPr lang="en-US" altLang="zh-CN" sz="3200" b="1" dirty="0">
-                <a:solidFill>
-                  <a:srgbClr val="C00000"/>
-                </a:solidFill>
-                <a:effectLst>
-                  <a:outerShdw blurRad="38100" dist="38100" dir="2700000" algn="tl">
-                    <a:srgbClr val="000000">
-                      <a:alpha val="43137"/>
-                    </a:srgbClr>
-                  </a:outerShdw>
-                </a:effectLst>
-                <a:latin typeface="Times New Roman" panose="02020603050405020304" pitchFamily="18" charset="0"/>
-                <a:ea typeface="楷体" panose="02010609060101010101" pitchFamily="49" charset="-122"/>
-                <a:cs typeface="黑体" charset="0"/>
-              </a:rPr>
-              <a:t>Overview</a:t>
-            </a:r>
+              <a:t>优化器</a:t>
+            </a:r>
+            <a:endParaRPr lang="en-US" altLang="zh-CN" sz="3200" b="1" dirty="0">
+              <a:solidFill>
+                <a:srgbClr val="C00000"/>
+              </a:solidFill>
+              <a:effectLst>
+                <a:outerShdw blurRad="38100" dist="38100" dir="2700000" algn="tl">
+                  <a:srgbClr val="000000">
+                    <a:alpha val="43137"/>
+                  </a:srgbClr>
+                </a:outerShdw>
+              </a:effectLst>
+              <a:latin typeface="Times New Roman" panose="02020603050405020304" pitchFamily="18" charset="0"/>
+              <a:ea typeface="楷体" panose="02010609060101010101" pitchFamily="49" charset="-122"/>
+            </a:endParaRPr>
           </a:p>
         </p:txBody>
       </p:sp>
@@ -12965,166 +11252,10 @@
       </p:sp>
       <p:sp>
         <p:nvSpPr>
-          <p:cNvPr id="2" name="灯片编号占位符 1"/>
-          <p:cNvSpPr>
-            <a:spLocks noGrp="1"/>
-          </p:cNvSpPr>
-          <p:nvPr>
-            <p:ph type="sldNum" sz="quarter" idx="12"/>
-          </p:nvPr>
-        </p:nvSpPr>
-        <p:spPr/>
-        <p:txBody>
-          <a:bodyPr/>
-          <a:lstStyle/>
-          <a:p>
-            <a:fld id="{5B8AC867-72ED-42EA-92C6-36FC511EE56C}" type="slidenum">
-              <a:rPr lang="zh-CN" altLang="en-US" smtClean="0"/>
-              <a:t>2</a:t>
-            </a:fld>
-            <a:endParaRPr lang="zh-CN" altLang="en-US"/>
-          </a:p>
-        </p:txBody>
-      </p:sp>
-      <p:pic>
-        <p:nvPicPr>
-          <p:cNvPr id="8" name="图片 7">
+          <p:cNvPr id="5" name="文本框 4">
             <a:extLst>
               <a:ext uri="{FF2B5EF4-FFF2-40B4-BE49-F238E27FC236}">
-                <a16:creationId xmlns:a16="http://schemas.microsoft.com/office/drawing/2014/main" id="{AE2D5CA7-533E-4EBB-AE62-A303B79B6290}"/>
-              </a:ext>
-            </a:extLst>
-          </p:cNvPr>
-          <p:cNvPicPr>
-            <a:picLocks noChangeAspect="1"/>
-          </p:cNvPicPr>
-          <p:nvPr/>
-        </p:nvPicPr>
-        <p:blipFill>
-          <a:blip r:embed="rId3"/>
-          <a:stretch>
-            <a:fillRect/>
-          </a:stretch>
-        </p:blipFill>
-        <p:spPr>
-          <a:xfrm>
-            <a:off x="3594218" y="1120110"/>
-            <a:ext cx="5425440" cy="2456175"/>
-          </a:xfrm>
-          <a:prstGeom prst="rect">
-            <a:avLst/>
-          </a:prstGeom>
-        </p:spPr>
-      </p:pic>
-      <p:grpSp>
-        <p:nvGrpSpPr>
-          <p:cNvPr id="11" name="组合 10">
-            <a:extLst>
-              <a:ext uri="{FF2B5EF4-FFF2-40B4-BE49-F238E27FC236}">
-                <a16:creationId xmlns:a16="http://schemas.microsoft.com/office/drawing/2014/main" id="{339D033C-F8B4-4EE2-8169-AD0AE7E9AC33}"/>
-              </a:ext>
-            </a:extLst>
-          </p:cNvPr>
-          <p:cNvGrpSpPr/>
-          <p:nvPr/>
-        </p:nvGrpSpPr>
-        <p:grpSpPr>
-          <a:xfrm>
-            <a:off x="-1" y="1120110"/>
-            <a:ext cx="3519585" cy="2727632"/>
-            <a:chOff x="-1" y="1118466"/>
-            <a:chExt cx="4003106" cy="3130682"/>
-          </a:xfrm>
-        </p:grpSpPr>
-        <p:pic>
-          <p:nvPicPr>
-            <p:cNvPr id="4" name="图片 3">
-              <a:extLst>
-                <a:ext uri="{FF2B5EF4-FFF2-40B4-BE49-F238E27FC236}">
-                  <a16:creationId xmlns:a16="http://schemas.microsoft.com/office/drawing/2014/main" id="{4FDC8B78-D9B6-4095-9038-5646844CC0F2}"/>
-                </a:ext>
-              </a:extLst>
-            </p:cNvPr>
-            <p:cNvPicPr>
-              <a:picLocks noChangeAspect="1"/>
-            </p:cNvPicPr>
-            <p:nvPr/>
-          </p:nvPicPr>
-          <p:blipFill>
-            <a:blip r:embed="rId4"/>
-            <a:stretch>
-              <a:fillRect/>
-            </a:stretch>
-          </p:blipFill>
-          <p:spPr>
-            <a:xfrm>
-              <a:off x="196915" y="1118466"/>
-              <a:ext cx="3616960" cy="2888301"/>
-            </a:xfrm>
-            <a:prstGeom prst="rect">
-              <a:avLst/>
-            </a:prstGeom>
-          </p:spPr>
-        </p:pic>
-        <p:sp>
-          <p:nvSpPr>
-            <p:cNvPr id="10" name="文本框 9">
-              <a:extLst>
-                <a:ext uri="{FF2B5EF4-FFF2-40B4-BE49-F238E27FC236}">
-                  <a16:creationId xmlns:a16="http://schemas.microsoft.com/office/drawing/2014/main" id="{BF5AC948-21BF-4A40-A487-EE5C221E1CA0}"/>
-                </a:ext>
-              </a:extLst>
-            </p:cNvPr>
-            <p:cNvSpPr txBox="1"/>
-            <p:nvPr/>
-          </p:nvSpPr>
-          <p:spPr>
-            <a:xfrm>
-              <a:off x="-1" y="4019532"/>
-              <a:ext cx="4003106" cy="229616"/>
-            </a:xfrm>
-            <a:prstGeom prst="rect">
-              <a:avLst/>
-            </a:prstGeom>
-            <a:noFill/>
-          </p:spPr>
-          <p:txBody>
-            <a:bodyPr wrap="square">
-              <a:spAutoFit/>
-            </a:bodyPr>
-            <a:lstStyle/>
-            <a:p>
-              <a:r>
-                <a:rPr lang="en-US" altLang="zh-CN" sz="700" dirty="0"/>
-                <a:t>Ian Goodfellow; </a:t>
-              </a:r>
-              <a:r>
-                <a:rPr lang="en-US" altLang="zh-CN" sz="700" dirty="0" err="1"/>
-                <a:t>Yoshua</a:t>
-              </a:r>
-              <a:r>
-                <a:rPr lang="en-US" altLang="zh-CN" sz="700" dirty="0"/>
-                <a:t> </a:t>
-              </a:r>
-              <a:r>
-                <a:rPr lang="en-US" altLang="zh-CN" sz="700" dirty="0" err="1"/>
-                <a:t>Bengio</a:t>
-              </a:r>
-              <a:r>
-                <a:rPr lang="en-US" altLang="zh-CN" sz="700" dirty="0"/>
-                <a:t>; Aaron Courville, DEEP LEARNING, The MIT Press, 2016</a:t>
-              </a:r>
-              <a:endParaRPr lang="zh-CN" altLang="en-US" sz="700" dirty="0"/>
-            </a:p>
-          </p:txBody>
-        </p:sp>
-      </p:grpSp>
-      <p:sp>
-        <p:nvSpPr>
-          <p:cNvPr id="12" name="文本框 11">
-            <a:extLst>
-              <a:ext uri="{FF2B5EF4-FFF2-40B4-BE49-F238E27FC236}">
-                <a16:creationId xmlns:a16="http://schemas.microsoft.com/office/drawing/2014/main" id="{2C0CF8D2-DDBB-4959-B46B-C64562AB1AD6}"/>
+                <a16:creationId xmlns:a16="http://schemas.microsoft.com/office/drawing/2014/main" id="{3C1C8BD8-1ED9-4802-A022-6CADD0391097}"/>
               </a:ext>
             </a:extLst>
           </p:cNvPr>
@@ -13133,8 +11264,8 @@
         </p:nvSpPr>
         <p:spPr>
           <a:xfrm>
-            <a:off x="7700273" y="3589575"/>
-            <a:ext cx="1334880" cy="200055"/>
+            <a:off x="444500" y="1600200"/>
+            <a:ext cx="2223686" cy="2308324"/>
           </a:xfrm>
           <a:prstGeom prst="rect">
             <a:avLst/>
@@ -13142,312 +11273,80 @@
           <a:noFill/>
         </p:spPr>
         <p:txBody>
-          <a:bodyPr wrap="square">
+          <a:bodyPr wrap="none" rtlCol="0">
             <a:spAutoFit/>
           </a:bodyPr>
           <a:lstStyle/>
           <a:p>
             <a:r>
-              <a:rPr lang="en-US" altLang="zh-CN" sz="700" dirty="0" err="1"/>
-              <a:t>Pytorch</a:t>
-            </a:r>
-            <a:r>
-              <a:rPr lang="en-US" altLang="zh-CN" sz="700" dirty="0"/>
-              <a:t> </a:t>
-            </a:r>
-            <a:r>
-              <a:rPr lang="zh-CN" altLang="en-US" sz="700" dirty="0"/>
-              <a:t>深度学习实践</a:t>
-            </a:r>
-            <a:r>
-              <a:rPr lang="en-US" altLang="zh-CN" sz="700" dirty="0"/>
-              <a:t>, </a:t>
-            </a:r>
-            <a:r>
-              <a:rPr lang="en-US" altLang="zh-CN" sz="700" dirty="0" err="1"/>
-              <a:t>bilibili</a:t>
-            </a:r>
-            <a:r>
-              <a:rPr lang="en-US" altLang="zh-CN" sz="700" dirty="0"/>
-              <a:t> </a:t>
-            </a:r>
-            <a:endParaRPr lang="zh-CN" altLang="en-US" sz="700" dirty="0"/>
-          </a:p>
-        </p:txBody>
-      </p:sp>
-      <p:grpSp>
-        <p:nvGrpSpPr>
-          <p:cNvPr id="17" name="组合 16">
-            <a:extLst>
-              <a:ext uri="{FF2B5EF4-FFF2-40B4-BE49-F238E27FC236}">
-                <a16:creationId xmlns:a16="http://schemas.microsoft.com/office/drawing/2014/main" id="{2CBABC75-8514-4654-A119-287F7DDA0668}"/>
-              </a:ext>
-            </a:extLst>
-          </p:cNvPr>
-          <p:cNvGrpSpPr/>
-          <p:nvPr/>
-        </p:nvGrpSpPr>
-        <p:grpSpPr>
-          <a:xfrm>
-            <a:off x="0" y="3947620"/>
-            <a:ext cx="4714966" cy="2415089"/>
-            <a:chOff x="173130" y="4238429"/>
-            <a:chExt cx="4714966" cy="2415089"/>
-          </a:xfrm>
-        </p:grpSpPr>
-        <p:pic>
-          <p:nvPicPr>
-            <p:cNvPr id="14" name="图片 13">
-              <a:extLst>
-                <a:ext uri="{FF2B5EF4-FFF2-40B4-BE49-F238E27FC236}">
-                  <a16:creationId xmlns:a16="http://schemas.microsoft.com/office/drawing/2014/main" id="{DAB012BB-C8D1-481B-B93F-508E909FC210}"/>
-                </a:ext>
-              </a:extLst>
-            </p:cNvPr>
-            <p:cNvPicPr>
-              <a:picLocks noChangeAspect="1"/>
-            </p:cNvPicPr>
-            <p:nvPr/>
-          </p:nvPicPr>
-          <p:blipFill>
-            <a:blip r:embed="rId5"/>
-            <a:stretch>
-              <a:fillRect/>
-            </a:stretch>
-          </p:blipFill>
-          <p:spPr>
-            <a:xfrm>
-              <a:off x="173130" y="4238429"/>
-              <a:ext cx="2057401" cy="2392847"/>
-            </a:xfrm>
-            <a:prstGeom prst="rect">
-              <a:avLst/>
-            </a:prstGeom>
-          </p:spPr>
-        </p:pic>
-        <p:pic>
-          <p:nvPicPr>
-            <p:cNvPr id="16" name="图片 15">
-              <a:extLst>
-                <a:ext uri="{FF2B5EF4-FFF2-40B4-BE49-F238E27FC236}">
-                  <a16:creationId xmlns:a16="http://schemas.microsoft.com/office/drawing/2014/main" id="{856CCD35-2718-4DAF-9BF8-276BA9DBD467}"/>
-                </a:ext>
-              </a:extLst>
-            </p:cNvPr>
-            <p:cNvPicPr>
-              <a:picLocks noChangeAspect="1"/>
-            </p:cNvPicPr>
-            <p:nvPr/>
-          </p:nvPicPr>
-          <p:blipFill>
-            <a:blip r:embed="rId6"/>
-            <a:stretch>
-              <a:fillRect/>
-            </a:stretch>
-          </p:blipFill>
-          <p:spPr>
-            <a:xfrm>
-              <a:off x="2198951" y="4260672"/>
-              <a:ext cx="2689145" cy="2392846"/>
-            </a:xfrm>
-            <a:prstGeom prst="rect">
-              <a:avLst/>
-            </a:prstGeom>
-          </p:spPr>
-        </p:pic>
-      </p:grpSp>
-      <p:sp>
-        <p:nvSpPr>
-          <p:cNvPr id="18" name="文本框 17">
-            <a:extLst>
-              <a:ext uri="{FF2B5EF4-FFF2-40B4-BE49-F238E27FC236}">
-                <a16:creationId xmlns:a16="http://schemas.microsoft.com/office/drawing/2014/main" id="{28A887F7-3AC4-4BF1-A126-0CAB260690DE}"/>
-              </a:ext>
-            </a:extLst>
-          </p:cNvPr>
-          <p:cNvSpPr txBox="1"/>
-          <p:nvPr/>
-        </p:nvSpPr>
-        <p:spPr>
-          <a:xfrm>
-            <a:off x="3516416" y="6368144"/>
-            <a:ext cx="1334880" cy="200055"/>
-          </a:xfrm>
-          <a:prstGeom prst="rect">
-            <a:avLst/>
-          </a:prstGeom>
-          <a:noFill/>
-        </p:spPr>
-        <p:txBody>
-          <a:bodyPr wrap="square">
-            <a:spAutoFit/>
-          </a:bodyPr>
-          <a:lstStyle/>
-          <a:p>
-            <a:r>
-              <a:rPr lang="en-US" altLang="zh-CN" sz="700" dirty="0" err="1"/>
-              <a:t>Pytorch</a:t>
-            </a:r>
-            <a:r>
-              <a:rPr lang="en-US" altLang="zh-CN" sz="700" dirty="0"/>
-              <a:t> </a:t>
-            </a:r>
-            <a:r>
-              <a:rPr lang="zh-CN" altLang="en-US" sz="700" dirty="0"/>
-              <a:t>深度学习实践</a:t>
-            </a:r>
-            <a:r>
-              <a:rPr lang="en-US" altLang="zh-CN" sz="700" dirty="0"/>
-              <a:t>, </a:t>
-            </a:r>
-            <a:r>
-              <a:rPr lang="en-US" altLang="zh-CN" sz="700" dirty="0" err="1"/>
-              <a:t>bilibili</a:t>
-            </a:r>
-            <a:r>
-              <a:rPr lang="en-US" altLang="zh-CN" sz="700" dirty="0"/>
-              <a:t> </a:t>
-            </a:r>
-            <a:endParaRPr lang="zh-CN" altLang="en-US" sz="700" dirty="0"/>
-          </a:p>
-        </p:txBody>
-      </p:sp>
-      <p:pic>
-        <p:nvPicPr>
-          <p:cNvPr id="20" name="图片 19">
-            <a:extLst>
-              <a:ext uri="{FF2B5EF4-FFF2-40B4-BE49-F238E27FC236}">
-                <a16:creationId xmlns:a16="http://schemas.microsoft.com/office/drawing/2014/main" id="{4ACD3A3D-6E61-4930-9B45-39336F3CF167}"/>
-              </a:ext>
-            </a:extLst>
-          </p:cNvPr>
-          <p:cNvPicPr>
-            <a:picLocks noChangeAspect="1"/>
-          </p:cNvPicPr>
-          <p:nvPr/>
-        </p:nvPicPr>
-        <p:blipFill>
-          <a:blip r:embed="rId7"/>
-          <a:stretch>
-            <a:fillRect/>
-          </a:stretch>
-        </p:blipFill>
-        <p:spPr>
-          <a:xfrm>
-            <a:off x="5004600" y="4019534"/>
-            <a:ext cx="4015058" cy="1980762"/>
-          </a:xfrm>
-          <a:prstGeom prst="rect">
-            <a:avLst/>
-          </a:prstGeom>
-        </p:spPr>
-      </p:pic>
-      <p:sp>
-        <p:nvSpPr>
-          <p:cNvPr id="22" name="文本框 21">
-            <a:extLst>
-              <a:ext uri="{FF2B5EF4-FFF2-40B4-BE49-F238E27FC236}">
-                <a16:creationId xmlns:a16="http://schemas.microsoft.com/office/drawing/2014/main" id="{E7484FE8-8F5C-489E-9313-FACCCAE903FA}"/>
-              </a:ext>
-            </a:extLst>
-          </p:cNvPr>
-          <p:cNvSpPr txBox="1"/>
-          <p:nvPr/>
-        </p:nvSpPr>
-        <p:spPr>
-          <a:xfrm>
-            <a:off x="-1" y="6525163"/>
-            <a:ext cx="5425440" cy="338554"/>
-          </a:xfrm>
-          <a:prstGeom prst="rect">
-            <a:avLst/>
-          </a:prstGeom>
-          <a:noFill/>
-        </p:spPr>
-        <p:txBody>
-          <a:bodyPr wrap="square">
-            <a:spAutoFit/>
-          </a:bodyPr>
-          <a:lstStyle/>
-          <a:p>
-            <a:pPr algn="l"/>
-            <a:r>
-              <a:rPr lang="zh-CN" altLang="en-US" sz="1600" dirty="0">
-                <a:solidFill>
-                  <a:srgbClr val="FF0000"/>
-                </a:solidFill>
-                <a:effectLst/>
-              </a:rPr>
-              <a:t>神经网络来源于神经科学，深度学习来源于数学和工程学。</a:t>
-            </a:r>
-          </a:p>
-        </p:txBody>
-      </p:sp>
-      <p:sp>
-        <p:nvSpPr>
-          <p:cNvPr id="24" name="文本框 23">
-            <a:extLst>
-              <a:ext uri="{FF2B5EF4-FFF2-40B4-BE49-F238E27FC236}">
-                <a16:creationId xmlns:a16="http://schemas.microsoft.com/office/drawing/2014/main" id="{A48E2127-31CC-495B-B313-282F5E0B08A6}"/>
-              </a:ext>
-            </a:extLst>
-          </p:cNvPr>
-          <p:cNvSpPr txBox="1"/>
-          <p:nvPr/>
-        </p:nvSpPr>
-        <p:spPr>
-          <a:xfrm>
-            <a:off x="1962945" y="4362449"/>
-            <a:ext cx="739615" cy="1815882"/>
-          </a:xfrm>
-          <a:prstGeom prst="rect">
-            <a:avLst/>
-          </a:prstGeom>
-          <a:noFill/>
-        </p:spPr>
-        <p:txBody>
-          <a:bodyPr wrap="square">
-            <a:spAutoFit/>
-          </a:bodyPr>
-          <a:lstStyle/>
-          <a:p>
-            <a:r>
-              <a:rPr lang="zh-CN" altLang="en-US" sz="1400" dirty="0">
-                <a:solidFill>
-                  <a:srgbClr val="0000FF"/>
-                </a:solidFill>
-              </a:rPr>
-              <a:t>神经科学实验发现哺</a:t>
-            </a:r>
-            <a:endParaRPr lang="en-US" altLang="zh-CN" sz="1400" dirty="0">
-              <a:solidFill>
-                <a:srgbClr val="0000FF"/>
-              </a:solidFill>
-            </a:endParaRPr>
-          </a:p>
-          <a:p>
-            <a:endParaRPr lang="en-US" altLang="zh-CN" sz="1400" dirty="0">
-              <a:solidFill>
-                <a:srgbClr val="0000FF"/>
-              </a:solidFill>
-            </a:endParaRPr>
-          </a:p>
-          <a:p>
-            <a:r>
-              <a:rPr lang="zh-CN" altLang="en-US" sz="1400" dirty="0">
-                <a:solidFill>
-                  <a:srgbClr val="0000FF"/>
-                </a:solidFill>
-              </a:rPr>
-              <a:t>乳动物的视觉处理是分层的。</a:t>
-            </a:r>
+              <a:rPr lang="en-US" altLang="zh-CN" dirty="0" err="1"/>
+              <a:t>torch.optim.Adagrad</a:t>
+            </a:r>
+            <a:endParaRPr lang="en-US" altLang="zh-CN" dirty="0"/>
+          </a:p>
+          <a:p>
+            <a:r>
+              <a:rPr lang="en-US" altLang="zh-CN" dirty="0" err="1"/>
+              <a:t>torch.optim.Adam</a:t>
+            </a:r>
+            <a:endParaRPr lang="en-US" altLang="zh-CN" dirty="0"/>
+          </a:p>
+          <a:p>
+            <a:r>
+              <a:rPr lang="en-US" altLang="zh-CN" dirty="0" err="1"/>
+              <a:t>torch.optim.Adamax</a:t>
+            </a:r>
+            <a:endParaRPr lang="en-US" altLang="zh-CN" dirty="0"/>
+          </a:p>
+          <a:p>
+            <a:r>
+              <a:rPr lang="en-US" altLang="zh-CN" dirty="0" err="1"/>
+              <a:t>torch.optim.ASGD</a:t>
+            </a:r>
+            <a:endParaRPr lang="en-US" altLang="zh-CN" dirty="0"/>
+          </a:p>
+          <a:p>
+            <a:r>
+              <a:rPr lang="en-US" altLang="zh-CN" dirty="0" err="1"/>
+              <a:t>torch.optim.LBFGS</a:t>
+            </a:r>
+            <a:endParaRPr lang="en-US" altLang="zh-CN" dirty="0"/>
+          </a:p>
+          <a:p>
+            <a:r>
+              <a:rPr lang="en-US" altLang="zh-CN" dirty="0" err="1"/>
+              <a:t>torch.optim.RMSprop</a:t>
+            </a:r>
+            <a:endParaRPr lang="en-US" altLang="zh-CN" dirty="0"/>
+          </a:p>
+          <a:p>
+            <a:r>
+              <a:rPr lang="en-US" altLang="zh-CN" dirty="0" err="1"/>
+              <a:t>torch.optim.Rprop</a:t>
+            </a:r>
+            <a:endParaRPr lang="en-US" altLang="zh-CN" dirty="0"/>
+          </a:p>
+          <a:p>
+            <a:r>
+              <a:rPr lang="en-US" altLang="zh-CN" dirty="0" err="1"/>
+              <a:t>torch.</a:t>
+            </a:r>
+            <a:r>
+              <a:rPr lang="en-US" altLang="zh-CN" err="1"/>
+              <a:t>optim</a:t>
+            </a:r>
+            <a:r>
+              <a:rPr lang="en-US" altLang="zh-CN"/>
+              <a:t>.SGD</a:t>
+            </a:r>
+            <a:endParaRPr lang="zh-CN" altLang="en-US" dirty="0"/>
           </a:p>
         </p:txBody>
       </p:sp>
     </p:spTree>
     <p:extLst>
       <p:ext uri="{BB962C8B-B14F-4D97-AF65-F5344CB8AC3E}">
-        <p14:creationId xmlns:p14="http://schemas.microsoft.com/office/powerpoint/2010/main" val="2287312209"/>
+        <p14:creationId xmlns:p14="http://schemas.microsoft.com/office/powerpoint/2010/main" val="313402732"/>
       </p:ext>
     </p:extLst>
   </p:cSld>
@@ -13457,7 +11356,7 @@
 </p:sld>
 </file>
 
-<file path=ppt/slides/slide20.xml><?xml version="1.0" encoding="utf-8"?>
+<file path=ppt/slides/slide18.xml><?xml version="1.0" encoding="utf-8"?>
 <p:sld xmlns:a="http://schemas.openxmlformats.org/drawingml/2006/main" xmlns:r="http://schemas.openxmlformats.org/officeDocument/2006/relationships" xmlns:p="http://schemas.openxmlformats.org/presentationml/2006/main">
   <p:cSld>
     <p:spTree>
@@ -13476,610 +11375,6 @@
       </p:grpSpPr>
       <p:sp>
         <p:nvSpPr>
-          <p:cNvPr id="4" name="灯片编号占位符 3">
-            <a:extLst>
-              <a:ext uri="{FF2B5EF4-FFF2-40B4-BE49-F238E27FC236}">
-                <a16:creationId xmlns:a16="http://schemas.microsoft.com/office/drawing/2014/main" id="{7C4DDF51-5A9D-4877-9F00-A48FB2F09006}"/>
-              </a:ext>
-            </a:extLst>
-          </p:cNvPr>
-          <p:cNvSpPr>
-            <a:spLocks noGrp="1"/>
-          </p:cNvSpPr>
-          <p:nvPr>
-            <p:ph type="sldNum" sz="quarter" idx="12"/>
-          </p:nvPr>
-        </p:nvSpPr>
-        <p:spPr/>
-        <p:txBody>
-          <a:bodyPr/>
-          <a:lstStyle/>
-          <a:p>
-            <a:fld id="{5B8AC867-72ED-42EA-92C6-36FC511EE56C}" type="slidenum">
-              <a:rPr lang="zh-CN" altLang="en-US" smtClean="0"/>
-              <a:t>20</a:t>
-            </a:fld>
-            <a:endParaRPr lang="zh-CN" altLang="en-US" dirty="0"/>
-          </a:p>
-        </p:txBody>
-      </p:sp>
-      <p:pic>
-        <p:nvPicPr>
-          <p:cNvPr id="7" name="图片 6">
-            <a:extLst>
-              <a:ext uri="{FF2B5EF4-FFF2-40B4-BE49-F238E27FC236}">
-                <a16:creationId xmlns:a16="http://schemas.microsoft.com/office/drawing/2014/main" id="{976686F0-5A84-4400-AE7E-947828C9E5C1}"/>
-              </a:ext>
-            </a:extLst>
-          </p:cNvPr>
-          <p:cNvPicPr>
-            <a:picLocks noChangeAspect="1"/>
-          </p:cNvPicPr>
-          <p:nvPr/>
-        </p:nvPicPr>
-        <p:blipFill>
-          <a:blip r:embed="rId2"/>
-          <a:stretch>
-            <a:fillRect/>
-          </a:stretch>
-        </p:blipFill>
-        <p:spPr>
-          <a:xfrm>
-            <a:off x="0" y="0"/>
-            <a:ext cx="8239539" cy="2858616"/>
-          </a:xfrm>
-          <a:prstGeom prst="rect">
-            <a:avLst/>
-          </a:prstGeom>
-        </p:spPr>
-      </p:pic>
-      <p:sp>
-        <p:nvSpPr>
-          <p:cNvPr id="8" name="文本框 7">
-            <a:extLst>
-              <a:ext uri="{FF2B5EF4-FFF2-40B4-BE49-F238E27FC236}">
-                <a16:creationId xmlns:a16="http://schemas.microsoft.com/office/drawing/2014/main" id="{8893BCAC-E9FC-4C22-94F9-114B0C93BACD}"/>
-              </a:ext>
-            </a:extLst>
-          </p:cNvPr>
-          <p:cNvSpPr txBox="1"/>
-          <p:nvPr/>
-        </p:nvSpPr>
-        <p:spPr>
-          <a:xfrm>
-            <a:off x="0" y="3079858"/>
-            <a:ext cx="8667757" cy="646331"/>
-          </a:xfrm>
-          <a:prstGeom prst="rect">
-            <a:avLst/>
-          </a:prstGeom>
-          <a:noFill/>
-        </p:spPr>
-        <p:txBody>
-          <a:bodyPr wrap="none" rtlCol="0">
-            <a:spAutoFit/>
-          </a:bodyPr>
-          <a:lstStyle/>
-          <a:p>
-            <a:r>
-              <a:rPr lang="zh-CN" altLang="en-US" dirty="0"/>
-              <a:t>一个卷积层包括了输入、卷积核和输出三个步骤。</a:t>
-            </a:r>
-            <a:endParaRPr lang="en-US" altLang="zh-CN" dirty="0"/>
-          </a:p>
-          <a:p>
-            <a:r>
-              <a:rPr lang="zh-CN" altLang="en-US" dirty="0"/>
-              <a:t>每个卷积层的输入数据都是以三维的形式存在的，就相当于多张</a:t>
-            </a:r>
-            <a:r>
-              <a:rPr lang="en-US" altLang="zh-CN" dirty="0"/>
-              <a:t>feature map</a:t>
-            </a:r>
-            <a:r>
-              <a:rPr lang="zh-CN" altLang="en-US" dirty="0"/>
-              <a:t>的叠加。</a:t>
-            </a:r>
-            <a:endParaRPr lang="en-US" altLang="zh-CN" dirty="0"/>
-          </a:p>
-        </p:txBody>
-      </p:sp>
-      <p:sp>
-        <p:nvSpPr>
-          <p:cNvPr id="9" name="矩形 8">
-            <a:extLst>
-              <a:ext uri="{FF2B5EF4-FFF2-40B4-BE49-F238E27FC236}">
-                <a16:creationId xmlns:a16="http://schemas.microsoft.com/office/drawing/2014/main" id="{62FD523E-4D94-43C5-B393-62936EA04C9B}"/>
-              </a:ext>
-            </a:extLst>
-          </p:cNvPr>
-          <p:cNvSpPr/>
-          <p:nvPr/>
-        </p:nvSpPr>
-        <p:spPr>
-          <a:xfrm>
-            <a:off x="139148" y="516835"/>
-            <a:ext cx="1798982" cy="1779104"/>
-          </a:xfrm>
-          <a:prstGeom prst="rect">
-            <a:avLst/>
-          </a:prstGeom>
-          <a:noFill/>
-          <a:ln w="38100">
-            <a:solidFill>
-              <a:srgbClr val="0000FF"/>
-            </a:solidFill>
-          </a:ln>
-        </p:spPr>
-        <p:style>
-          <a:lnRef idx="2">
-            <a:schemeClr val="accent1">
-              <a:shade val="50000"/>
-            </a:schemeClr>
-          </a:lnRef>
-          <a:fillRef idx="1">
-            <a:schemeClr val="accent1"/>
-          </a:fillRef>
-          <a:effectRef idx="0">
-            <a:schemeClr val="accent1"/>
-          </a:effectRef>
-          <a:fontRef idx="minor">
-            <a:schemeClr val="lt1"/>
-          </a:fontRef>
-        </p:style>
-        <p:txBody>
-          <a:bodyPr rtlCol="0" anchor="ctr"/>
-          <a:lstStyle/>
-          <a:p>
-            <a:pPr algn="ctr"/>
-            <a:endParaRPr lang="zh-CN" altLang="en-US"/>
-          </a:p>
-        </p:txBody>
-      </p:sp>
-      <p:cxnSp>
-        <p:nvCxnSpPr>
-          <p:cNvPr id="12" name="直接箭头连接符 11">
-            <a:extLst>
-              <a:ext uri="{FF2B5EF4-FFF2-40B4-BE49-F238E27FC236}">
-                <a16:creationId xmlns:a16="http://schemas.microsoft.com/office/drawing/2014/main" id="{A43EBBD9-856B-4A07-8F71-5F0E68F073C1}"/>
-              </a:ext>
-            </a:extLst>
-          </p:cNvPr>
-          <p:cNvCxnSpPr>
-            <a:cxnSpLocks/>
-          </p:cNvCxnSpPr>
-          <p:nvPr/>
-        </p:nvCxnSpPr>
-        <p:spPr>
-          <a:xfrm>
-            <a:off x="1570383" y="2295939"/>
-            <a:ext cx="0" cy="365981"/>
-          </a:xfrm>
-          <a:prstGeom prst="straightConnector1">
-            <a:avLst/>
-          </a:prstGeom>
-          <a:ln w="38100">
-            <a:solidFill>
-              <a:srgbClr val="0000FF"/>
-            </a:solidFill>
-            <a:tailEnd type="triangle"/>
-          </a:ln>
-        </p:spPr>
-        <p:style>
-          <a:lnRef idx="1">
-            <a:schemeClr val="accent1"/>
-          </a:lnRef>
-          <a:fillRef idx="0">
-            <a:schemeClr val="accent1"/>
-          </a:fillRef>
-          <a:effectRef idx="0">
-            <a:schemeClr val="accent1"/>
-          </a:effectRef>
-          <a:fontRef idx="minor">
-            <a:schemeClr val="tx1"/>
-          </a:fontRef>
-        </p:style>
-      </p:cxnSp>
-      <p:sp>
-        <p:nvSpPr>
-          <p:cNvPr id="13" name="文本框 12">
-            <a:extLst>
-              <a:ext uri="{FF2B5EF4-FFF2-40B4-BE49-F238E27FC236}">
-                <a16:creationId xmlns:a16="http://schemas.microsoft.com/office/drawing/2014/main" id="{66986655-95CD-4946-B43D-1B80963BF00B}"/>
-              </a:ext>
-            </a:extLst>
-          </p:cNvPr>
-          <p:cNvSpPr txBox="1"/>
-          <p:nvPr/>
-        </p:nvSpPr>
-        <p:spPr>
-          <a:xfrm>
-            <a:off x="1038639" y="2560084"/>
-            <a:ext cx="1281120" cy="369332"/>
-          </a:xfrm>
-          <a:prstGeom prst="rect">
-            <a:avLst/>
-          </a:prstGeom>
-          <a:noFill/>
-        </p:spPr>
-        <p:txBody>
-          <a:bodyPr wrap="none" rtlCol="0">
-            <a:spAutoFit/>
-          </a:bodyPr>
-          <a:lstStyle/>
-          <a:p>
-            <a:r>
-              <a:rPr lang="en-US" altLang="zh-CN" dirty="0">
-                <a:solidFill>
-                  <a:srgbClr val="0000FF"/>
-                </a:solidFill>
-              </a:rPr>
-              <a:t>feature map</a:t>
-            </a:r>
-            <a:endParaRPr lang="zh-CN" altLang="en-US" dirty="0">
-              <a:solidFill>
-                <a:srgbClr val="0000FF"/>
-              </a:solidFill>
-            </a:endParaRPr>
-          </a:p>
-        </p:txBody>
-      </p:sp>
-      <p:sp>
-        <p:nvSpPr>
-          <p:cNvPr id="14" name="矩形 13">
-            <a:extLst>
-              <a:ext uri="{FF2B5EF4-FFF2-40B4-BE49-F238E27FC236}">
-                <a16:creationId xmlns:a16="http://schemas.microsoft.com/office/drawing/2014/main" id="{8A8AFCD5-8258-4B5B-A47E-3DE56962CCD4}"/>
-              </a:ext>
-            </a:extLst>
-          </p:cNvPr>
-          <p:cNvSpPr/>
-          <p:nvPr/>
-        </p:nvSpPr>
-        <p:spPr>
-          <a:xfrm>
-            <a:off x="10160" y="222294"/>
-            <a:ext cx="2319753" cy="2341781"/>
-          </a:xfrm>
-          <a:prstGeom prst="rect">
-            <a:avLst/>
-          </a:prstGeom>
-          <a:noFill/>
-          <a:ln w="28575">
-            <a:solidFill>
-              <a:srgbClr val="0000FF"/>
-            </a:solidFill>
-          </a:ln>
-        </p:spPr>
-        <p:style>
-          <a:lnRef idx="2">
-            <a:schemeClr val="accent1">
-              <a:shade val="50000"/>
-            </a:schemeClr>
-          </a:lnRef>
-          <a:fillRef idx="1">
-            <a:schemeClr val="accent1"/>
-          </a:fillRef>
-          <a:effectRef idx="0">
-            <a:schemeClr val="accent1"/>
-          </a:effectRef>
-          <a:fontRef idx="minor">
-            <a:schemeClr val="lt1"/>
-          </a:fontRef>
-        </p:style>
-        <p:txBody>
-          <a:bodyPr rtlCol="0" anchor="ctr"/>
-          <a:lstStyle/>
-          <a:p>
-            <a:pPr algn="ctr"/>
-            <a:endParaRPr lang="zh-CN" altLang="en-US"/>
-          </a:p>
-        </p:txBody>
-      </p:sp>
-      <p:sp>
-        <p:nvSpPr>
-          <p:cNvPr id="16" name="文本框 15">
-            <a:extLst>
-              <a:ext uri="{FF2B5EF4-FFF2-40B4-BE49-F238E27FC236}">
-                <a16:creationId xmlns:a16="http://schemas.microsoft.com/office/drawing/2014/main" id="{755582EC-C15E-404C-B36B-A3CE21527AA2}"/>
-              </a:ext>
-            </a:extLst>
-          </p:cNvPr>
-          <p:cNvSpPr txBox="1"/>
-          <p:nvPr/>
-        </p:nvSpPr>
-        <p:spPr>
-          <a:xfrm>
-            <a:off x="807597" y="-309888"/>
-            <a:ext cx="724878" cy="400110"/>
-          </a:xfrm>
-          <a:prstGeom prst="rect">
-            <a:avLst/>
-          </a:prstGeom>
-          <a:noFill/>
-        </p:spPr>
-        <p:txBody>
-          <a:bodyPr wrap="none" rtlCol="0">
-            <a:spAutoFit/>
-          </a:bodyPr>
-          <a:lstStyle/>
-          <a:p>
-            <a:r>
-              <a:rPr lang="en-US" altLang="zh-CN" sz="2000" dirty="0">
-                <a:solidFill>
-                  <a:srgbClr val="0000FF"/>
-                </a:solidFill>
-              </a:rPr>
-              <a:t>Input</a:t>
-            </a:r>
-            <a:endParaRPr lang="zh-CN" altLang="en-US" sz="2000" dirty="0">
-              <a:solidFill>
-                <a:srgbClr val="0000FF"/>
-              </a:solidFill>
-            </a:endParaRPr>
-          </a:p>
-        </p:txBody>
-      </p:sp>
-      <p:sp>
-        <p:nvSpPr>
-          <p:cNvPr id="17" name="矩形 16">
-            <a:extLst>
-              <a:ext uri="{FF2B5EF4-FFF2-40B4-BE49-F238E27FC236}">
-                <a16:creationId xmlns:a16="http://schemas.microsoft.com/office/drawing/2014/main" id="{7D05B39C-A152-421D-9061-536EF82E3B7F}"/>
-              </a:ext>
-            </a:extLst>
-          </p:cNvPr>
-          <p:cNvSpPr/>
-          <p:nvPr/>
-        </p:nvSpPr>
-        <p:spPr>
-          <a:xfrm>
-            <a:off x="2861658" y="81025"/>
-            <a:ext cx="1328378" cy="2580895"/>
-          </a:xfrm>
-          <a:prstGeom prst="rect">
-            <a:avLst/>
-          </a:prstGeom>
-          <a:noFill/>
-          <a:ln w="28575">
-            <a:solidFill>
-              <a:srgbClr val="0000FF"/>
-            </a:solidFill>
-          </a:ln>
-        </p:spPr>
-        <p:style>
-          <a:lnRef idx="2">
-            <a:schemeClr val="accent1">
-              <a:shade val="50000"/>
-            </a:schemeClr>
-          </a:lnRef>
-          <a:fillRef idx="1">
-            <a:schemeClr val="accent1"/>
-          </a:fillRef>
-          <a:effectRef idx="0">
-            <a:schemeClr val="accent1"/>
-          </a:effectRef>
-          <a:fontRef idx="minor">
-            <a:schemeClr val="lt1"/>
-          </a:fontRef>
-        </p:style>
-        <p:txBody>
-          <a:bodyPr rtlCol="0" anchor="ctr"/>
-          <a:lstStyle/>
-          <a:p>
-            <a:pPr algn="ctr"/>
-            <a:endParaRPr lang="zh-CN" altLang="en-US"/>
-          </a:p>
-        </p:txBody>
-      </p:sp>
-      <p:sp>
-        <p:nvSpPr>
-          <p:cNvPr id="18" name="文本框 17">
-            <a:extLst>
-              <a:ext uri="{FF2B5EF4-FFF2-40B4-BE49-F238E27FC236}">
-                <a16:creationId xmlns:a16="http://schemas.microsoft.com/office/drawing/2014/main" id="{6F009047-1A56-453C-9336-7E45C23D78B2}"/>
-              </a:ext>
-            </a:extLst>
-          </p:cNvPr>
-          <p:cNvSpPr txBox="1"/>
-          <p:nvPr/>
-        </p:nvSpPr>
-        <p:spPr>
-          <a:xfrm>
-            <a:off x="3113714" y="-309888"/>
-            <a:ext cx="824265" cy="400110"/>
-          </a:xfrm>
-          <a:prstGeom prst="rect">
-            <a:avLst/>
-          </a:prstGeom>
-          <a:noFill/>
-        </p:spPr>
-        <p:txBody>
-          <a:bodyPr wrap="none" rtlCol="0">
-            <a:spAutoFit/>
-          </a:bodyPr>
-          <a:lstStyle/>
-          <a:p>
-            <a:r>
-              <a:rPr lang="en-US" altLang="zh-CN" sz="2000" dirty="0">
-                <a:solidFill>
-                  <a:srgbClr val="0000FF"/>
-                </a:solidFill>
-              </a:rPr>
-              <a:t>kernel</a:t>
-            </a:r>
-            <a:endParaRPr lang="zh-CN" altLang="en-US" sz="2000" dirty="0">
-              <a:solidFill>
-                <a:srgbClr val="0000FF"/>
-              </a:solidFill>
-            </a:endParaRPr>
-          </a:p>
-        </p:txBody>
-      </p:sp>
-      <p:sp>
-        <p:nvSpPr>
-          <p:cNvPr id="19" name="矩形 18">
-            <a:extLst>
-              <a:ext uri="{FF2B5EF4-FFF2-40B4-BE49-F238E27FC236}">
-                <a16:creationId xmlns:a16="http://schemas.microsoft.com/office/drawing/2014/main" id="{55DC7E46-6867-4C66-8DAA-EFEF1C7482DA}"/>
-              </a:ext>
-            </a:extLst>
-          </p:cNvPr>
-          <p:cNvSpPr/>
-          <p:nvPr/>
-        </p:nvSpPr>
-        <p:spPr>
-          <a:xfrm>
-            <a:off x="4760381" y="81025"/>
-            <a:ext cx="3479158" cy="2777591"/>
-          </a:xfrm>
-          <a:prstGeom prst="rect">
-            <a:avLst/>
-          </a:prstGeom>
-          <a:noFill/>
-          <a:ln w="28575">
-            <a:solidFill>
-              <a:srgbClr val="0000FF"/>
-            </a:solidFill>
-          </a:ln>
-        </p:spPr>
-        <p:style>
-          <a:lnRef idx="2">
-            <a:schemeClr val="accent1">
-              <a:shade val="50000"/>
-            </a:schemeClr>
-          </a:lnRef>
-          <a:fillRef idx="1">
-            <a:schemeClr val="accent1"/>
-          </a:fillRef>
-          <a:effectRef idx="0">
-            <a:schemeClr val="accent1"/>
-          </a:effectRef>
-          <a:fontRef idx="minor">
-            <a:schemeClr val="lt1"/>
-          </a:fontRef>
-        </p:style>
-        <p:txBody>
-          <a:bodyPr rtlCol="0" anchor="ctr"/>
-          <a:lstStyle/>
-          <a:p>
-            <a:pPr algn="ctr"/>
-            <a:endParaRPr lang="zh-CN" altLang="en-US"/>
-          </a:p>
-        </p:txBody>
-      </p:sp>
-      <p:sp>
-        <p:nvSpPr>
-          <p:cNvPr id="20" name="文本框 19">
-            <a:extLst>
-              <a:ext uri="{FF2B5EF4-FFF2-40B4-BE49-F238E27FC236}">
-                <a16:creationId xmlns:a16="http://schemas.microsoft.com/office/drawing/2014/main" id="{799EA1C7-FA00-4E58-88DC-0CA0BC785B4F}"/>
-              </a:ext>
-            </a:extLst>
-          </p:cNvPr>
-          <p:cNvSpPr txBox="1"/>
-          <p:nvPr/>
-        </p:nvSpPr>
-        <p:spPr>
-          <a:xfrm>
-            <a:off x="6051760" y="-319085"/>
-            <a:ext cx="896399" cy="400110"/>
-          </a:xfrm>
-          <a:prstGeom prst="rect">
-            <a:avLst/>
-          </a:prstGeom>
-          <a:noFill/>
-        </p:spPr>
-        <p:txBody>
-          <a:bodyPr wrap="none" rtlCol="0">
-            <a:spAutoFit/>
-          </a:bodyPr>
-          <a:lstStyle/>
-          <a:p>
-            <a:r>
-              <a:rPr lang="en-US" altLang="zh-CN" sz="2000" dirty="0">
-                <a:solidFill>
-                  <a:srgbClr val="0000FF"/>
-                </a:solidFill>
-              </a:rPr>
-              <a:t>Output</a:t>
-            </a:r>
-            <a:endParaRPr lang="zh-CN" altLang="en-US" sz="2000" dirty="0">
-              <a:solidFill>
-                <a:srgbClr val="0000FF"/>
-              </a:solidFill>
-            </a:endParaRPr>
-          </a:p>
-        </p:txBody>
-      </p:sp>
-      <p:sp>
-        <p:nvSpPr>
-          <p:cNvPr id="21" name="文本框 20">
-            <a:extLst>
-              <a:ext uri="{FF2B5EF4-FFF2-40B4-BE49-F238E27FC236}">
-                <a16:creationId xmlns:a16="http://schemas.microsoft.com/office/drawing/2014/main" id="{CEE88769-BD0C-4ADF-B5F8-B29BEB4D5495}"/>
-              </a:ext>
-            </a:extLst>
-          </p:cNvPr>
-          <p:cNvSpPr txBox="1"/>
-          <p:nvPr/>
-        </p:nvSpPr>
-        <p:spPr>
-          <a:xfrm>
-            <a:off x="10160" y="3947431"/>
-            <a:ext cx="4339650" cy="369332"/>
-          </a:xfrm>
-          <a:prstGeom prst="rect">
-            <a:avLst/>
-          </a:prstGeom>
-          <a:noFill/>
-        </p:spPr>
-        <p:txBody>
-          <a:bodyPr wrap="none" rtlCol="0">
-            <a:spAutoFit/>
-          </a:bodyPr>
-          <a:lstStyle/>
-          <a:p>
-            <a:r>
-              <a:rPr lang="zh-CN" altLang="en-US" dirty="0"/>
-              <a:t>主要用于提取特征。特别是图片的特征。</a:t>
-            </a:r>
-            <a:endParaRPr lang="en-US" altLang="zh-CN" dirty="0"/>
-          </a:p>
-        </p:txBody>
-      </p:sp>
-    </p:spTree>
-    <p:extLst>
-      <p:ext uri="{BB962C8B-B14F-4D97-AF65-F5344CB8AC3E}">
-        <p14:creationId xmlns:p14="http://schemas.microsoft.com/office/powerpoint/2010/main" val="2715077172"/>
-      </p:ext>
-    </p:extLst>
-  </p:cSld>
-  <p:clrMapOvr>
-    <a:masterClrMapping/>
-  </p:clrMapOvr>
-</p:sld>
-</file>
-
-<file path=ppt/slides/slide3.xml><?xml version="1.0" encoding="utf-8"?>
-<p:sld xmlns:a="http://schemas.openxmlformats.org/drawingml/2006/main" xmlns:r="http://schemas.openxmlformats.org/officeDocument/2006/relationships" xmlns:p="http://schemas.openxmlformats.org/presentationml/2006/main">
-  <p:cSld>
-    <p:spTree>
-      <p:nvGrpSpPr>
-        <p:cNvPr id="1" name=""/>
-        <p:cNvGrpSpPr/>
-        <p:nvPr/>
-      </p:nvGrpSpPr>
-      <p:grpSpPr>
-        <a:xfrm>
-          <a:off x="0" y="0"/>
-          <a:ext cx="0" cy="0"/>
-          <a:chOff x="0" y="0"/>
-          <a:chExt cx="0" cy="0"/>
-        </a:xfrm>
-      </p:grpSpPr>
-      <p:sp>
-        <p:nvSpPr>
           <p:cNvPr id="6" name="TextBox 81"/>
           <p:cNvSpPr txBox="1"/>
           <p:nvPr/>
@@ -14116,7 +11411,7 @@
                 <a:ea typeface="楷体" panose="02010609060101010101" pitchFamily="49" charset="-122"/>
                 <a:cs typeface="黑体" charset="0"/>
               </a:rPr>
-              <a:t>二、</a:t>
+              <a:t>八、</a:t>
             </a:r>
             <a:r>
               <a:rPr lang="en-US" altLang="zh-CN" sz="3200" b="1" dirty="0">
@@ -14134,8 +11429,22 @@
                 <a:ea typeface="楷体" panose="02010609060101010101" pitchFamily="49" charset="-122"/>
                 <a:cs typeface="黑体" charset="0"/>
               </a:rPr>
-              <a:t>Back Propagation</a:t>
-            </a:r>
+              <a:t>DL Network</a:t>
+            </a:r>
+            <a:endParaRPr lang="en-US" altLang="zh-CN" sz="3200" b="1" dirty="0">
+              <a:solidFill>
+                <a:srgbClr val="C00000"/>
+              </a:solidFill>
+              <a:effectLst>
+                <a:outerShdw blurRad="38100" dist="38100" dir="2700000" algn="tl">
+                  <a:srgbClr val="000000">
+                    <a:alpha val="43137"/>
+                  </a:srgbClr>
+                </a:outerShdw>
+              </a:effectLst>
+              <a:latin typeface="Times New Roman" panose="02020603050405020304" pitchFamily="18" charset="0"/>
+              <a:ea typeface="楷体" panose="02010609060101010101" pitchFamily="49" charset="-122"/>
+            </a:endParaRPr>
           </a:p>
         </p:txBody>
       </p:sp>
@@ -14263,6 +11572,3626 @@
             <p:ph type="sldNum" sz="quarter" idx="12"/>
           </p:nvPr>
         </p:nvSpPr>
+        <p:spPr>
+          <a:xfrm>
+            <a:off x="9144000" y="6860142"/>
+            <a:ext cx="2057400" cy="365125"/>
+          </a:xfrm>
+        </p:spPr>
+        <p:txBody>
+          <a:bodyPr/>
+          <a:lstStyle/>
+          <a:p>
+            <a:fld id="{5B8AC867-72ED-42EA-92C6-36FC511EE56C}" type="slidenum">
+              <a:rPr lang="zh-CN" altLang="en-US" smtClean="0"/>
+              <a:t>18</a:t>
+            </a:fld>
+            <a:endParaRPr lang="zh-CN" altLang="en-US"/>
+          </a:p>
+        </p:txBody>
+      </p:sp>
+      <p:pic>
+        <p:nvPicPr>
+          <p:cNvPr id="5" name="Picture 1">
+            <a:extLst>
+              <a:ext uri="{FF2B5EF4-FFF2-40B4-BE49-F238E27FC236}">
+                <a16:creationId xmlns:a16="http://schemas.microsoft.com/office/drawing/2014/main" id="{61E5CFD1-0B98-4E0D-9961-68BA41BD3299}"/>
+              </a:ext>
+            </a:extLst>
+          </p:cNvPr>
+          <p:cNvPicPr>
+            <a:picLocks noChangeAspect="1" noChangeArrowheads="1"/>
+          </p:cNvPicPr>
+          <p:nvPr/>
+        </p:nvPicPr>
+        <p:blipFill>
+          <a:blip r:embed="rId3">
+            <a:extLst>
+              <a:ext uri="{28A0092B-C50C-407E-A947-70E740481C1C}">
+                <a14:useLocalDpi xmlns:a14="http://schemas.microsoft.com/office/drawing/2010/main" val="0"/>
+              </a:ext>
+            </a:extLst>
+          </a:blip>
+          <a:srcRect/>
+          <a:stretch>
+            <a:fillRect/>
+          </a:stretch>
+        </p:blipFill>
+        <p:spPr bwMode="auto">
+          <a:xfrm>
+            <a:off x="173130" y="1400464"/>
+            <a:ext cx="8439150" cy="5048250"/>
+          </a:xfrm>
+          <a:prstGeom prst="rect">
+            <a:avLst/>
+          </a:prstGeom>
+          <a:noFill/>
+          <a:extLst>
+            <a:ext uri="{909E8E84-426E-40DD-AFC4-6F175D3DCCD1}">
+              <a14:hiddenFill xmlns:a14="http://schemas.microsoft.com/office/drawing/2010/main">
+                <a:solidFill>
+                  <a:srgbClr val="FFFFFF"/>
+                </a:solidFill>
+              </a14:hiddenFill>
+            </a:ext>
+          </a:extLst>
+        </p:spPr>
+      </p:pic>
+      <p:sp>
+        <p:nvSpPr>
+          <p:cNvPr id="8" name="文本框 7">
+            <a:extLst>
+              <a:ext uri="{FF2B5EF4-FFF2-40B4-BE49-F238E27FC236}">
+                <a16:creationId xmlns:a16="http://schemas.microsoft.com/office/drawing/2014/main" id="{FF4F0605-E136-423C-A7C2-33AF1E6922E0}"/>
+              </a:ext>
+            </a:extLst>
+          </p:cNvPr>
+          <p:cNvSpPr txBox="1"/>
+          <p:nvPr/>
+        </p:nvSpPr>
+        <p:spPr>
+          <a:xfrm>
+            <a:off x="312025" y="2025497"/>
+            <a:ext cx="646331" cy="369332"/>
+          </a:xfrm>
+          <a:prstGeom prst="rect">
+            <a:avLst/>
+          </a:prstGeom>
+          <a:noFill/>
+        </p:spPr>
+        <p:txBody>
+          <a:bodyPr wrap="none" rtlCol="0">
+            <a:spAutoFit/>
+          </a:bodyPr>
+          <a:lstStyle/>
+          <a:p>
+            <a:r>
+              <a:rPr lang="zh-CN" altLang="en-US" dirty="0">
+                <a:solidFill>
+                  <a:srgbClr val="FF0000"/>
+                </a:solidFill>
+              </a:rPr>
+              <a:t>输入</a:t>
+            </a:r>
+          </a:p>
+        </p:txBody>
+      </p:sp>
+      <p:sp>
+        <p:nvSpPr>
+          <p:cNvPr id="9" name="文本框 8">
+            <a:extLst>
+              <a:ext uri="{FF2B5EF4-FFF2-40B4-BE49-F238E27FC236}">
+                <a16:creationId xmlns:a16="http://schemas.microsoft.com/office/drawing/2014/main" id="{30B97A4E-E8E0-45AD-B95F-585FE6F36341}"/>
+              </a:ext>
+            </a:extLst>
+          </p:cNvPr>
+          <p:cNvSpPr txBox="1"/>
+          <p:nvPr/>
+        </p:nvSpPr>
+        <p:spPr>
+          <a:xfrm>
+            <a:off x="312024" y="2812046"/>
+            <a:ext cx="646331" cy="369332"/>
+          </a:xfrm>
+          <a:prstGeom prst="rect">
+            <a:avLst/>
+          </a:prstGeom>
+          <a:noFill/>
+        </p:spPr>
+        <p:txBody>
+          <a:bodyPr wrap="none" rtlCol="0">
+            <a:spAutoFit/>
+          </a:bodyPr>
+          <a:lstStyle/>
+          <a:p>
+            <a:r>
+              <a:rPr lang="zh-CN" altLang="en-US" dirty="0">
+                <a:solidFill>
+                  <a:srgbClr val="FF0000"/>
+                </a:solidFill>
+              </a:rPr>
+              <a:t>输入</a:t>
+            </a:r>
+          </a:p>
+        </p:txBody>
+      </p:sp>
+      <p:sp>
+        <p:nvSpPr>
+          <p:cNvPr id="10" name="文本框 9">
+            <a:extLst>
+              <a:ext uri="{FF2B5EF4-FFF2-40B4-BE49-F238E27FC236}">
+                <a16:creationId xmlns:a16="http://schemas.microsoft.com/office/drawing/2014/main" id="{16D73B14-3ADA-43DA-A314-8B704F8EADFB}"/>
+              </a:ext>
+            </a:extLst>
+          </p:cNvPr>
+          <p:cNvSpPr txBox="1"/>
+          <p:nvPr/>
+        </p:nvSpPr>
+        <p:spPr>
+          <a:xfrm>
+            <a:off x="312024" y="3555257"/>
+            <a:ext cx="646331" cy="369332"/>
+          </a:xfrm>
+          <a:prstGeom prst="rect">
+            <a:avLst/>
+          </a:prstGeom>
+          <a:noFill/>
+        </p:spPr>
+        <p:txBody>
+          <a:bodyPr wrap="none" rtlCol="0">
+            <a:spAutoFit/>
+          </a:bodyPr>
+          <a:lstStyle/>
+          <a:p>
+            <a:r>
+              <a:rPr lang="zh-CN" altLang="en-US" dirty="0">
+                <a:solidFill>
+                  <a:srgbClr val="FF0000"/>
+                </a:solidFill>
+              </a:rPr>
+              <a:t>输入</a:t>
+            </a:r>
+          </a:p>
+        </p:txBody>
+      </p:sp>
+      <p:sp>
+        <p:nvSpPr>
+          <p:cNvPr id="11" name="文本框 10">
+            <a:extLst>
+              <a:ext uri="{FF2B5EF4-FFF2-40B4-BE49-F238E27FC236}">
+                <a16:creationId xmlns:a16="http://schemas.microsoft.com/office/drawing/2014/main" id="{B29B443E-3C30-4BC9-BAEE-B0FC68AC5574}"/>
+              </a:ext>
+            </a:extLst>
+          </p:cNvPr>
+          <p:cNvSpPr txBox="1"/>
+          <p:nvPr/>
+        </p:nvSpPr>
+        <p:spPr>
+          <a:xfrm>
+            <a:off x="312023" y="4298468"/>
+            <a:ext cx="646331" cy="369332"/>
+          </a:xfrm>
+          <a:prstGeom prst="rect">
+            <a:avLst/>
+          </a:prstGeom>
+          <a:noFill/>
+        </p:spPr>
+        <p:txBody>
+          <a:bodyPr wrap="none" rtlCol="0">
+            <a:spAutoFit/>
+          </a:bodyPr>
+          <a:lstStyle/>
+          <a:p>
+            <a:r>
+              <a:rPr lang="zh-CN" altLang="en-US" dirty="0">
+                <a:solidFill>
+                  <a:srgbClr val="FF0000"/>
+                </a:solidFill>
+              </a:rPr>
+              <a:t>输入</a:t>
+            </a:r>
+          </a:p>
+        </p:txBody>
+      </p:sp>
+      <p:sp>
+        <p:nvSpPr>
+          <p:cNvPr id="12" name="文本框 11">
+            <a:extLst>
+              <a:ext uri="{FF2B5EF4-FFF2-40B4-BE49-F238E27FC236}">
+                <a16:creationId xmlns:a16="http://schemas.microsoft.com/office/drawing/2014/main" id="{66615F7C-5B9C-4D23-8A7D-A3DB37ED60F1}"/>
+              </a:ext>
+            </a:extLst>
+          </p:cNvPr>
+          <p:cNvSpPr txBox="1"/>
+          <p:nvPr/>
+        </p:nvSpPr>
+        <p:spPr>
+          <a:xfrm>
+            <a:off x="312022" y="5001985"/>
+            <a:ext cx="646331" cy="369332"/>
+          </a:xfrm>
+          <a:prstGeom prst="rect">
+            <a:avLst/>
+          </a:prstGeom>
+          <a:noFill/>
+        </p:spPr>
+        <p:txBody>
+          <a:bodyPr wrap="none" rtlCol="0">
+            <a:spAutoFit/>
+          </a:bodyPr>
+          <a:lstStyle/>
+          <a:p>
+            <a:r>
+              <a:rPr lang="zh-CN" altLang="en-US" dirty="0">
+                <a:solidFill>
+                  <a:srgbClr val="FF0000"/>
+                </a:solidFill>
+              </a:rPr>
+              <a:t>输入</a:t>
+            </a:r>
+          </a:p>
+        </p:txBody>
+      </p:sp>
+      <p:sp>
+        <p:nvSpPr>
+          <p:cNvPr id="13" name="文本框 12">
+            <a:extLst>
+              <a:ext uri="{FF2B5EF4-FFF2-40B4-BE49-F238E27FC236}">
+                <a16:creationId xmlns:a16="http://schemas.microsoft.com/office/drawing/2014/main" id="{2E954821-9769-4EB1-95FD-80C4CE9BA0DC}"/>
+              </a:ext>
+            </a:extLst>
+          </p:cNvPr>
+          <p:cNvSpPr txBox="1"/>
+          <p:nvPr/>
+        </p:nvSpPr>
+        <p:spPr>
+          <a:xfrm>
+            <a:off x="7779625" y="2025497"/>
+            <a:ext cx="646331" cy="369332"/>
+          </a:xfrm>
+          <a:prstGeom prst="rect">
+            <a:avLst/>
+          </a:prstGeom>
+          <a:noFill/>
+        </p:spPr>
+        <p:txBody>
+          <a:bodyPr wrap="none" rtlCol="0">
+            <a:spAutoFit/>
+          </a:bodyPr>
+          <a:lstStyle/>
+          <a:p>
+            <a:r>
+              <a:rPr lang="zh-CN" altLang="en-US" dirty="0">
+                <a:solidFill>
+                  <a:srgbClr val="FF0000"/>
+                </a:solidFill>
+              </a:rPr>
+              <a:t>输出</a:t>
+            </a:r>
+          </a:p>
+        </p:txBody>
+      </p:sp>
+      <p:sp>
+        <p:nvSpPr>
+          <p:cNvPr id="14" name="文本框 13">
+            <a:extLst>
+              <a:ext uri="{FF2B5EF4-FFF2-40B4-BE49-F238E27FC236}">
+                <a16:creationId xmlns:a16="http://schemas.microsoft.com/office/drawing/2014/main" id="{88BD38B0-7921-4C74-BD34-EAB05771171B}"/>
+              </a:ext>
+            </a:extLst>
+          </p:cNvPr>
+          <p:cNvSpPr txBox="1"/>
+          <p:nvPr/>
+        </p:nvSpPr>
+        <p:spPr>
+          <a:xfrm>
+            <a:off x="7779624" y="2812046"/>
+            <a:ext cx="646331" cy="369332"/>
+          </a:xfrm>
+          <a:prstGeom prst="rect">
+            <a:avLst/>
+          </a:prstGeom>
+          <a:noFill/>
+        </p:spPr>
+        <p:txBody>
+          <a:bodyPr wrap="none" rtlCol="0">
+            <a:spAutoFit/>
+          </a:bodyPr>
+          <a:lstStyle/>
+          <a:p>
+            <a:r>
+              <a:rPr lang="zh-CN" altLang="en-US" dirty="0">
+                <a:solidFill>
+                  <a:srgbClr val="FF0000"/>
+                </a:solidFill>
+              </a:rPr>
+              <a:t>输出</a:t>
+            </a:r>
+          </a:p>
+        </p:txBody>
+      </p:sp>
+      <p:sp>
+        <p:nvSpPr>
+          <p:cNvPr id="15" name="文本框 14">
+            <a:extLst>
+              <a:ext uri="{FF2B5EF4-FFF2-40B4-BE49-F238E27FC236}">
+                <a16:creationId xmlns:a16="http://schemas.microsoft.com/office/drawing/2014/main" id="{E7A2EA5B-C1BE-48FB-924D-6FAAB9D021D5}"/>
+              </a:ext>
+            </a:extLst>
+          </p:cNvPr>
+          <p:cNvSpPr txBox="1"/>
+          <p:nvPr/>
+        </p:nvSpPr>
+        <p:spPr>
+          <a:xfrm>
+            <a:off x="7779624" y="3555257"/>
+            <a:ext cx="646331" cy="369332"/>
+          </a:xfrm>
+          <a:prstGeom prst="rect">
+            <a:avLst/>
+          </a:prstGeom>
+          <a:noFill/>
+        </p:spPr>
+        <p:txBody>
+          <a:bodyPr wrap="none" rtlCol="0">
+            <a:spAutoFit/>
+          </a:bodyPr>
+          <a:lstStyle/>
+          <a:p>
+            <a:r>
+              <a:rPr lang="zh-CN" altLang="en-US" dirty="0">
+                <a:solidFill>
+                  <a:srgbClr val="FF0000"/>
+                </a:solidFill>
+              </a:rPr>
+              <a:t>输出</a:t>
+            </a:r>
+          </a:p>
+        </p:txBody>
+      </p:sp>
+      <p:sp>
+        <p:nvSpPr>
+          <p:cNvPr id="16" name="文本框 15">
+            <a:extLst>
+              <a:ext uri="{FF2B5EF4-FFF2-40B4-BE49-F238E27FC236}">
+                <a16:creationId xmlns:a16="http://schemas.microsoft.com/office/drawing/2014/main" id="{A02B3A99-C80B-4EBD-8952-0C04B8602900}"/>
+              </a:ext>
+            </a:extLst>
+          </p:cNvPr>
+          <p:cNvSpPr txBox="1"/>
+          <p:nvPr/>
+        </p:nvSpPr>
+        <p:spPr>
+          <a:xfrm>
+            <a:off x="7779623" y="4298468"/>
+            <a:ext cx="646331" cy="369332"/>
+          </a:xfrm>
+          <a:prstGeom prst="rect">
+            <a:avLst/>
+          </a:prstGeom>
+          <a:noFill/>
+        </p:spPr>
+        <p:txBody>
+          <a:bodyPr wrap="none" rtlCol="0">
+            <a:spAutoFit/>
+          </a:bodyPr>
+          <a:lstStyle/>
+          <a:p>
+            <a:r>
+              <a:rPr lang="zh-CN" altLang="en-US" dirty="0">
+                <a:solidFill>
+                  <a:srgbClr val="FF0000"/>
+                </a:solidFill>
+              </a:rPr>
+              <a:t>输出</a:t>
+            </a:r>
+          </a:p>
+        </p:txBody>
+      </p:sp>
+      <p:sp>
+        <p:nvSpPr>
+          <p:cNvPr id="17" name="文本框 16">
+            <a:extLst>
+              <a:ext uri="{FF2B5EF4-FFF2-40B4-BE49-F238E27FC236}">
+                <a16:creationId xmlns:a16="http://schemas.microsoft.com/office/drawing/2014/main" id="{4EE81C05-517C-4908-8B79-64C2D4303542}"/>
+              </a:ext>
+            </a:extLst>
+          </p:cNvPr>
+          <p:cNvSpPr txBox="1"/>
+          <p:nvPr/>
+        </p:nvSpPr>
+        <p:spPr>
+          <a:xfrm>
+            <a:off x="7779622" y="5001985"/>
+            <a:ext cx="646331" cy="369332"/>
+          </a:xfrm>
+          <a:prstGeom prst="rect">
+            <a:avLst/>
+          </a:prstGeom>
+          <a:noFill/>
+        </p:spPr>
+        <p:txBody>
+          <a:bodyPr wrap="none" rtlCol="0">
+            <a:spAutoFit/>
+          </a:bodyPr>
+          <a:lstStyle/>
+          <a:p>
+            <a:r>
+              <a:rPr lang="zh-CN" altLang="en-US" dirty="0">
+                <a:solidFill>
+                  <a:srgbClr val="FF0000"/>
+                </a:solidFill>
+              </a:rPr>
+              <a:t>输出</a:t>
+            </a:r>
+          </a:p>
+        </p:txBody>
+      </p:sp>
+      <p:sp>
+        <p:nvSpPr>
+          <p:cNvPr id="18" name="文本框 17">
+            <a:extLst>
+              <a:ext uri="{FF2B5EF4-FFF2-40B4-BE49-F238E27FC236}">
+                <a16:creationId xmlns:a16="http://schemas.microsoft.com/office/drawing/2014/main" id="{49EFC0DE-E8E1-478A-811F-B0AA524C303C}"/>
+              </a:ext>
+            </a:extLst>
+          </p:cNvPr>
+          <p:cNvSpPr txBox="1"/>
+          <p:nvPr/>
+        </p:nvSpPr>
+        <p:spPr>
+          <a:xfrm>
+            <a:off x="2036654" y="1400464"/>
+            <a:ext cx="761747" cy="369332"/>
+          </a:xfrm>
+          <a:prstGeom prst="rect">
+            <a:avLst/>
+          </a:prstGeom>
+          <a:noFill/>
+        </p:spPr>
+        <p:txBody>
+          <a:bodyPr wrap="none" rtlCol="0">
+            <a:spAutoFit/>
+          </a:bodyPr>
+          <a:lstStyle/>
+          <a:p>
+            <a:r>
+              <a:rPr lang="en-US" altLang="zh-CN" dirty="0">
+                <a:solidFill>
+                  <a:srgbClr val="7030A0"/>
+                </a:solidFill>
+              </a:rPr>
+              <a:t>layer1</a:t>
+            </a:r>
+            <a:endParaRPr lang="zh-CN" altLang="en-US" dirty="0">
+              <a:solidFill>
+                <a:srgbClr val="7030A0"/>
+              </a:solidFill>
+            </a:endParaRPr>
+          </a:p>
+        </p:txBody>
+      </p:sp>
+      <p:sp>
+        <p:nvSpPr>
+          <p:cNvPr id="19" name="文本框 18">
+            <a:extLst>
+              <a:ext uri="{FF2B5EF4-FFF2-40B4-BE49-F238E27FC236}">
+                <a16:creationId xmlns:a16="http://schemas.microsoft.com/office/drawing/2014/main" id="{F1560530-3011-4815-BE97-3A3116773B09}"/>
+              </a:ext>
+            </a:extLst>
+          </p:cNvPr>
+          <p:cNvSpPr txBox="1"/>
+          <p:nvPr/>
+        </p:nvSpPr>
+        <p:spPr>
+          <a:xfrm>
+            <a:off x="3346522" y="1065327"/>
+            <a:ext cx="761747" cy="369332"/>
+          </a:xfrm>
+          <a:prstGeom prst="rect">
+            <a:avLst/>
+          </a:prstGeom>
+          <a:noFill/>
+        </p:spPr>
+        <p:txBody>
+          <a:bodyPr wrap="none" rtlCol="0">
+            <a:spAutoFit/>
+          </a:bodyPr>
+          <a:lstStyle/>
+          <a:p>
+            <a:r>
+              <a:rPr lang="en-US" altLang="zh-CN" dirty="0">
+                <a:solidFill>
+                  <a:srgbClr val="7030A0"/>
+                </a:solidFill>
+              </a:rPr>
+              <a:t>layer2</a:t>
+            </a:r>
+            <a:endParaRPr lang="zh-CN" altLang="en-US" dirty="0">
+              <a:solidFill>
+                <a:srgbClr val="7030A0"/>
+              </a:solidFill>
+            </a:endParaRPr>
+          </a:p>
+        </p:txBody>
+      </p:sp>
+      <p:sp>
+        <p:nvSpPr>
+          <p:cNvPr id="20" name="文本框 19">
+            <a:extLst>
+              <a:ext uri="{FF2B5EF4-FFF2-40B4-BE49-F238E27FC236}">
+                <a16:creationId xmlns:a16="http://schemas.microsoft.com/office/drawing/2014/main" id="{94480399-4635-4B30-85D9-C7CADD61A5E5}"/>
+              </a:ext>
+            </a:extLst>
+          </p:cNvPr>
+          <p:cNvSpPr txBox="1"/>
+          <p:nvPr/>
+        </p:nvSpPr>
+        <p:spPr>
+          <a:xfrm>
+            <a:off x="4656390" y="1070851"/>
+            <a:ext cx="761747" cy="369332"/>
+          </a:xfrm>
+          <a:prstGeom prst="rect">
+            <a:avLst/>
+          </a:prstGeom>
+          <a:noFill/>
+        </p:spPr>
+        <p:txBody>
+          <a:bodyPr wrap="none" rtlCol="0">
+            <a:spAutoFit/>
+          </a:bodyPr>
+          <a:lstStyle/>
+          <a:p>
+            <a:r>
+              <a:rPr lang="en-US" altLang="zh-CN" dirty="0">
+                <a:solidFill>
+                  <a:srgbClr val="7030A0"/>
+                </a:solidFill>
+              </a:rPr>
+              <a:t>layer3</a:t>
+            </a:r>
+            <a:endParaRPr lang="zh-CN" altLang="en-US" dirty="0">
+              <a:solidFill>
+                <a:srgbClr val="7030A0"/>
+              </a:solidFill>
+            </a:endParaRPr>
+          </a:p>
+        </p:txBody>
+      </p:sp>
+      <p:sp>
+        <p:nvSpPr>
+          <p:cNvPr id="21" name="文本框 20">
+            <a:extLst>
+              <a:ext uri="{FF2B5EF4-FFF2-40B4-BE49-F238E27FC236}">
+                <a16:creationId xmlns:a16="http://schemas.microsoft.com/office/drawing/2014/main" id="{15A4BB67-3765-4786-87A7-644AF229D49A}"/>
+              </a:ext>
+            </a:extLst>
+          </p:cNvPr>
+          <p:cNvSpPr txBox="1"/>
+          <p:nvPr/>
+        </p:nvSpPr>
+        <p:spPr>
+          <a:xfrm>
+            <a:off x="5975651" y="1446234"/>
+            <a:ext cx="761747" cy="369332"/>
+          </a:xfrm>
+          <a:prstGeom prst="rect">
+            <a:avLst/>
+          </a:prstGeom>
+          <a:noFill/>
+        </p:spPr>
+        <p:txBody>
+          <a:bodyPr wrap="none" rtlCol="0">
+            <a:spAutoFit/>
+          </a:bodyPr>
+          <a:lstStyle/>
+          <a:p>
+            <a:r>
+              <a:rPr lang="en-US" altLang="zh-CN" dirty="0">
+                <a:solidFill>
+                  <a:srgbClr val="7030A0"/>
+                </a:solidFill>
+              </a:rPr>
+              <a:t>layer4</a:t>
+            </a:r>
+            <a:endParaRPr lang="zh-CN" altLang="en-US" dirty="0">
+              <a:solidFill>
+                <a:srgbClr val="7030A0"/>
+              </a:solidFill>
+            </a:endParaRPr>
+          </a:p>
+        </p:txBody>
+      </p:sp>
+      <p:sp>
+        <p:nvSpPr>
+          <p:cNvPr id="22" name="文本框 21">
+            <a:extLst>
+              <a:ext uri="{FF2B5EF4-FFF2-40B4-BE49-F238E27FC236}">
+                <a16:creationId xmlns:a16="http://schemas.microsoft.com/office/drawing/2014/main" id="{F6845B48-E1E3-4F4E-9574-8C583689ECF1}"/>
+              </a:ext>
+            </a:extLst>
+          </p:cNvPr>
+          <p:cNvSpPr txBox="1"/>
+          <p:nvPr/>
+        </p:nvSpPr>
+        <p:spPr>
+          <a:xfrm>
+            <a:off x="1368730" y="1815036"/>
+            <a:ext cx="466794" cy="369332"/>
+          </a:xfrm>
+          <a:prstGeom prst="rect">
+            <a:avLst/>
+          </a:prstGeom>
+          <a:noFill/>
+        </p:spPr>
+        <p:txBody>
+          <a:bodyPr wrap="none" rtlCol="0">
+            <a:spAutoFit/>
+          </a:bodyPr>
+          <a:lstStyle/>
+          <a:p>
+            <a:r>
+              <a:rPr lang="en-US" altLang="zh-CN" dirty="0">
+                <a:solidFill>
+                  <a:srgbClr val="00B0F0"/>
+                </a:solidFill>
+              </a:rPr>
+              <a:t>w1</a:t>
+            </a:r>
+            <a:endParaRPr lang="zh-CN" altLang="en-US" dirty="0">
+              <a:solidFill>
+                <a:srgbClr val="00B0F0"/>
+              </a:solidFill>
+            </a:endParaRPr>
+          </a:p>
+        </p:txBody>
+      </p:sp>
+      <p:sp>
+        <p:nvSpPr>
+          <p:cNvPr id="23" name="文本框 22">
+            <a:extLst>
+              <a:ext uri="{FF2B5EF4-FFF2-40B4-BE49-F238E27FC236}">
+                <a16:creationId xmlns:a16="http://schemas.microsoft.com/office/drawing/2014/main" id="{1CA4F012-F4BC-477B-887F-8DFD48E0E3C4}"/>
+              </a:ext>
+            </a:extLst>
+          </p:cNvPr>
+          <p:cNvSpPr txBox="1"/>
+          <p:nvPr/>
+        </p:nvSpPr>
+        <p:spPr>
+          <a:xfrm>
+            <a:off x="2863393" y="1446234"/>
+            <a:ext cx="466794" cy="369332"/>
+          </a:xfrm>
+          <a:prstGeom prst="rect">
+            <a:avLst/>
+          </a:prstGeom>
+          <a:noFill/>
+        </p:spPr>
+        <p:txBody>
+          <a:bodyPr wrap="none" rtlCol="0">
+            <a:spAutoFit/>
+          </a:bodyPr>
+          <a:lstStyle/>
+          <a:p>
+            <a:r>
+              <a:rPr lang="en-US" altLang="zh-CN" dirty="0">
+                <a:solidFill>
+                  <a:srgbClr val="00B0F0"/>
+                </a:solidFill>
+              </a:rPr>
+              <a:t>w2</a:t>
+            </a:r>
+            <a:endParaRPr lang="zh-CN" altLang="en-US" dirty="0">
+              <a:solidFill>
+                <a:srgbClr val="00B0F0"/>
+              </a:solidFill>
+            </a:endParaRPr>
+          </a:p>
+        </p:txBody>
+      </p:sp>
+      <p:sp>
+        <p:nvSpPr>
+          <p:cNvPr id="24" name="文本框 23">
+            <a:extLst>
+              <a:ext uri="{FF2B5EF4-FFF2-40B4-BE49-F238E27FC236}">
+                <a16:creationId xmlns:a16="http://schemas.microsoft.com/office/drawing/2014/main" id="{C5139F24-22E6-4CF0-9602-CB24E5CA1B3D}"/>
+              </a:ext>
+            </a:extLst>
+          </p:cNvPr>
+          <p:cNvSpPr txBox="1"/>
+          <p:nvPr/>
+        </p:nvSpPr>
+        <p:spPr>
+          <a:xfrm>
+            <a:off x="4217016" y="1249993"/>
+            <a:ext cx="466794" cy="369332"/>
+          </a:xfrm>
+          <a:prstGeom prst="rect">
+            <a:avLst/>
+          </a:prstGeom>
+          <a:noFill/>
+        </p:spPr>
+        <p:txBody>
+          <a:bodyPr wrap="none" rtlCol="0">
+            <a:spAutoFit/>
+          </a:bodyPr>
+          <a:lstStyle/>
+          <a:p>
+            <a:r>
+              <a:rPr lang="en-US" altLang="zh-CN" dirty="0">
+                <a:solidFill>
+                  <a:srgbClr val="00B0F0"/>
+                </a:solidFill>
+              </a:rPr>
+              <a:t>w3</a:t>
+            </a:r>
+            <a:endParaRPr lang="zh-CN" altLang="en-US" dirty="0">
+              <a:solidFill>
+                <a:srgbClr val="00B0F0"/>
+              </a:solidFill>
+            </a:endParaRPr>
+          </a:p>
+        </p:txBody>
+      </p:sp>
+      <p:sp>
+        <p:nvSpPr>
+          <p:cNvPr id="25" name="文本框 24">
+            <a:extLst>
+              <a:ext uri="{FF2B5EF4-FFF2-40B4-BE49-F238E27FC236}">
+                <a16:creationId xmlns:a16="http://schemas.microsoft.com/office/drawing/2014/main" id="{743C32B0-C19C-4833-9758-698B01A69BBF}"/>
+              </a:ext>
+            </a:extLst>
+          </p:cNvPr>
+          <p:cNvSpPr txBox="1"/>
+          <p:nvPr/>
+        </p:nvSpPr>
+        <p:spPr>
+          <a:xfrm>
+            <a:off x="5559281" y="1446234"/>
+            <a:ext cx="466794" cy="369332"/>
+          </a:xfrm>
+          <a:prstGeom prst="rect">
+            <a:avLst/>
+          </a:prstGeom>
+          <a:noFill/>
+        </p:spPr>
+        <p:txBody>
+          <a:bodyPr wrap="none" rtlCol="0">
+            <a:spAutoFit/>
+          </a:bodyPr>
+          <a:lstStyle/>
+          <a:p>
+            <a:r>
+              <a:rPr lang="en-US" altLang="zh-CN" dirty="0">
+                <a:solidFill>
+                  <a:srgbClr val="00B0F0"/>
+                </a:solidFill>
+              </a:rPr>
+              <a:t>w4</a:t>
+            </a:r>
+            <a:endParaRPr lang="zh-CN" altLang="en-US" dirty="0">
+              <a:solidFill>
+                <a:srgbClr val="00B0F0"/>
+              </a:solidFill>
+            </a:endParaRPr>
+          </a:p>
+        </p:txBody>
+      </p:sp>
+      <p:sp>
+        <p:nvSpPr>
+          <p:cNvPr id="26" name="文本框 25">
+            <a:extLst>
+              <a:ext uri="{FF2B5EF4-FFF2-40B4-BE49-F238E27FC236}">
+                <a16:creationId xmlns:a16="http://schemas.microsoft.com/office/drawing/2014/main" id="{4085BBC3-2B3B-4898-A8A4-33E7FB3C97D6}"/>
+              </a:ext>
+            </a:extLst>
+          </p:cNvPr>
+          <p:cNvSpPr txBox="1"/>
+          <p:nvPr/>
+        </p:nvSpPr>
+        <p:spPr>
+          <a:xfrm>
+            <a:off x="6920666" y="1815036"/>
+            <a:ext cx="466794" cy="369332"/>
+          </a:xfrm>
+          <a:prstGeom prst="rect">
+            <a:avLst/>
+          </a:prstGeom>
+          <a:noFill/>
+        </p:spPr>
+        <p:txBody>
+          <a:bodyPr wrap="none" rtlCol="0">
+            <a:spAutoFit/>
+          </a:bodyPr>
+          <a:lstStyle/>
+          <a:p>
+            <a:r>
+              <a:rPr lang="en-US" altLang="zh-CN" dirty="0">
+                <a:solidFill>
+                  <a:srgbClr val="00B0F0"/>
+                </a:solidFill>
+              </a:rPr>
+              <a:t>w5</a:t>
+            </a:r>
+            <a:endParaRPr lang="zh-CN" altLang="en-US" dirty="0">
+              <a:solidFill>
+                <a:srgbClr val="00B0F0"/>
+              </a:solidFill>
+            </a:endParaRPr>
+          </a:p>
+        </p:txBody>
+      </p:sp>
+      <p:sp>
+        <p:nvSpPr>
+          <p:cNvPr id="27" name="文本框 26">
+            <a:extLst>
+              <a:ext uri="{FF2B5EF4-FFF2-40B4-BE49-F238E27FC236}">
+                <a16:creationId xmlns:a16="http://schemas.microsoft.com/office/drawing/2014/main" id="{AB5D1734-4F1A-4216-9628-2D0B738B4179}"/>
+              </a:ext>
+            </a:extLst>
+          </p:cNvPr>
+          <p:cNvSpPr txBox="1"/>
+          <p:nvPr/>
+        </p:nvSpPr>
+        <p:spPr>
+          <a:xfrm>
+            <a:off x="-79111" y="6444982"/>
+            <a:ext cx="1428596" cy="369332"/>
+          </a:xfrm>
+          <a:prstGeom prst="rect">
+            <a:avLst/>
+          </a:prstGeom>
+          <a:noFill/>
+        </p:spPr>
+        <p:txBody>
+          <a:bodyPr wrap="none" rtlCol="0">
+            <a:spAutoFit/>
+          </a:bodyPr>
+          <a:lstStyle/>
+          <a:p>
+            <a:r>
+              <a:rPr lang="en-US" altLang="zh-CN" dirty="0">
+                <a:solidFill>
+                  <a:srgbClr val="FF0000"/>
+                </a:solidFill>
+              </a:rPr>
+              <a:t>Matrix[5 x 1]</a:t>
+            </a:r>
+            <a:endParaRPr lang="zh-CN" altLang="en-US" dirty="0">
+              <a:solidFill>
+                <a:srgbClr val="FF0000"/>
+              </a:solidFill>
+            </a:endParaRPr>
+          </a:p>
+        </p:txBody>
+      </p:sp>
+      <p:sp>
+        <p:nvSpPr>
+          <p:cNvPr id="28" name="文本框 27">
+            <a:extLst>
+              <a:ext uri="{FF2B5EF4-FFF2-40B4-BE49-F238E27FC236}">
+                <a16:creationId xmlns:a16="http://schemas.microsoft.com/office/drawing/2014/main" id="{7E152FA5-7A1D-47A7-A566-7CE86B652782}"/>
+              </a:ext>
+            </a:extLst>
+          </p:cNvPr>
+          <p:cNvSpPr txBox="1"/>
+          <p:nvPr/>
+        </p:nvSpPr>
+        <p:spPr>
+          <a:xfrm>
+            <a:off x="7471121" y="6444982"/>
+            <a:ext cx="1428596" cy="369332"/>
+          </a:xfrm>
+          <a:prstGeom prst="rect">
+            <a:avLst/>
+          </a:prstGeom>
+          <a:noFill/>
+        </p:spPr>
+        <p:txBody>
+          <a:bodyPr wrap="none" rtlCol="0">
+            <a:spAutoFit/>
+          </a:bodyPr>
+          <a:lstStyle/>
+          <a:p>
+            <a:r>
+              <a:rPr lang="en-US" altLang="zh-CN" dirty="0">
+                <a:solidFill>
+                  <a:srgbClr val="FF0000"/>
+                </a:solidFill>
+              </a:rPr>
+              <a:t>Matrix[5 x 1]</a:t>
+            </a:r>
+            <a:endParaRPr lang="zh-CN" altLang="en-US" dirty="0">
+              <a:solidFill>
+                <a:srgbClr val="FF0000"/>
+              </a:solidFill>
+            </a:endParaRPr>
+          </a:p>
+        </p:txBody>
+      </p:sp>
+      <p:sp>
+        <p:nvSpPr>
+          <p:cNvPr id="29" name="文本框 28">
+            <a:extLst>
+              <a:ext uri="{FF2B5EF4-FFF2-40B4-BE49-F238E27FC236}">
+                <a16:creationId xmlns:a16="http://schemas.microsoft.com/office/drawing/2014/main" id="{B0584EAC-5A4A-465C-BE15-DFF6911290EF}"/>
+              </a:ext>
+            </a:extLst>
+          </p:cNvPr>
+          <p:cNvSpPr txBox="1"/>
+          <p:nvPr/>
+        </p:nvSpPr>
+        <p:spPr>
+          <a:xfrm>
+            <a:off x="1672879" y="6457664"/>
+            <a:ext cx="1428596" cy="369332"/>
+          </a:xfrm>
+          <a:prstGeom prst="rect">
+            <a:avLst/>
+          </a:prstGeom>
+          <a:noFill/>
+        </p:spPr>
+        <p:txBody>
+          <a:bodyPr wrap="none" rtlCol="0">
+            <a:spAutoFit/>
+          </a:bodyPr>
+          <a:lstStyle/>
+          <a:p>
+            <a:r>
+              <a:rPr lang="en-US" altLang="zh-CN" dirty="0">
+                <a:solidFill>
+                  <a:srgbClr val="7030A0"/>
+                </a:solidFill>
+              </a:rPr>
+              <a:t>Matrix[6 x 1]</a:t>
+            </a:r>
+            <a:endParaRPr lang="zh-CN" altLang="en-US" dirty="0">
+              <a:solidFill>
+                <a:srgbClr val="7030A0"/>
+              </a:solidFill>
+            </a:endParaRPr>
+          </a:p>
+        </p:txBody>
+      </p:sp>
+      <p:sp>
+        <p:nvSpPr>
+          <p:cNvPr id="30" name="文本框 29">
+            <a:extLst>
+              <a:ext uri="{FF2B5EF4-FFF2-40B4-BE49-F238E27FC236}">
+                <a16:creationId xmlns:a16="http://schemas.microsoft.com/office/drawing/2014/main" id="{7A0AC6A4-558B-4B80-82FA-E7B8218ECED1}"/>
+              </a:ext>
+            </a:extLst>
+          </p:cNvPr>
+          <p:cNvSpPr txBox="1"/>
+          <p:nvPr/>
+        </p:nvSpPr>
+        <p:spPr>
+          <a:xfrm>
+            <a:off x="3039082" y="6444402"/>
+            <a:ext cx="1428596" cy="369332"/>
+          </a:xfrm>
+          <a:prstGeom prst="rect">
+            <a:avLst/>
+          </a:prstGeom>
+          <a:noFill/>
+        </p:spPr>
+        <p:txBody>
+          <a:bodyPr wrap="none" rtlCol="0">
+            <a:spAutoFit/>
+          </a:bodyPr>
+          <a:lstStyle/>
+          <a:p>
+            <a:r>
+              <a:rPr lang="en-US" altLang="zh-CN" dirty="0">
+                <a:solidFill>
+                  <a:srgbClr val="7030A0"/>
+                </a:solidFill>
+              </a:rPr>
+              <a:t>Matrix[7 x 1]</a:t>
+            </a:r>
+            <a:endParaRPr lang="zh-CN" altLang="en-US" dirty="0">
+              <a:solidFill>
+                <a:srgbClr val="7030A0"/>
+              </a:solidFill>
+            </a:endParaRPr>
+          </a:p>
+        </p:txBody>
+      </p:sp>
+      <p:sp>
+        <p:nvSpPr>
+          <p:cNvPr id="31" name="文本框 30">
+            <a:extLst>
+              <a:ext uri="{FF2B5EF4-FFF2-40B4-BE49-F238E27FC236}">
+                <a16:creationId xmlns:a16="http://schemas.microsoft.com/office/drawing/2014/main" id="{246C5C69-D55D-4A35-9EF1-1DF1C20C2E6A}"/>
+              </a:ext>
+            </a:extLst>
+          </p:cNvPr>
+          <p:cNvSpPr txBox="1"/>
+          <p:nvPr/>
+        </p:nvSpPr>
+        <p:spPr>
+          <a:xfrm>
+            <a:off x="4433371" y="6441249"/>
+            <a:ext cx="1428596" cy="369332"/>
+          </a:xfrm>
+          <a:prstGeom prst="rect">
+            <a:avLst/>
+          </a:prstGeom>
+          <a:noFill/>
+        </p:spPr>
+        <p:txBody>
+          <a:bodyPr wrap="none" rtlCol="0">
+            <a:spAutoFit/>
+          </a:bodyPr>
+          <a:lstStyle/>
+          <a:p>
+            <a:r>
+              <a:rPr lang="en-US" altLang="zh-CN" dirty="0">
+                <a:solidFill>
+                  <a:srgbClr val="7030A0"/>
+                </a:solidFill>
+              </a:rPr>
+              <a:t>Matrix[7 x 1]</a:t>
+            </a:r>
+            <a:endParaRPr lang="zh-CN" altLang="en-US" dirty="0">
+              <a:solidFill>
+                <a:srgbClr val="7030A0"/>
+              </a:solidFill>
+            </a:endParaRPr>
+          </a:p>
+        </p:txBody>
+      </p:sp>
+      <p:sp>
+        <p:nvSpPr>
+          <p:cNvPr id="32" name="文本框 31">
+            <a:extLst>
+              <a:ext uri="{FF2B5EF4-FFF2-40B4-BE49-F238E27FC236}">
+                <a16:creationId xmlns:a16="http://schemas.microsoft.com/office/drawing/2014/main" id="{BA813A30-35D8-4C21-9676-1D1ABC46AC30}"/>
+              </a:ext>
+            </a:extLst>
+          </p:cNvPr>
+          <p:cNvSpPr txBox="1"/>
+          <p:nvPr/>
+        </p:nvSpPr>
+        <p:spPr>
+          <a:xfrm>
+            <a:off x="5781361" y="6438096"/>
+            <a:ext cx="1428596" cy="369332"/>
+          </a:xfrm>
+          <a:prstGeom prst="rect">
+            <a:avLst/>
+          </a:prstGeom>
+          <a:noFill/>
+        </p:spPr>
+        <p:txBody>
+          <a:bodyPr wrap="none" rtlCol="0">
+            <a:spAutoFit/>
+          </a:bodyPr>
+          <a:lstStyle/>
+          <a:p>
+            <a:r>
+              <a:rPr lang="en-US" altLang="zh-CN" dirty="0">
+                <a:solidFill>
+                  <a:srgbClr val="7030A0"/>
+                </a:solidFill>
+              </a:rPr>
+              <a:t>Matrix[6 x 1]</a:t>
+            </a:r>
+            <a:endParaRPr lang="zh-CN" altLang="en-US" dirty="0">
+              <a:solidFill>
+                <a:srgbClr val="7030A0"/>
+              </a:solidFill>
+            </a:endParaRPr>
+          </a:p>
+        </p:txBody>
+      </p:sp>
+      <p:sp>
+        <p:nvSpPr>
+          <p:cNvPr id="33" name="文本框 32">
+            <a:extLst>
+              <a:ext uri="{FF2B5EF4-FFF2-40B4-BE49-F238E27FC236}">
+                <a16:creationId xmlns:a16="http://schemas.microsoft.com/office/drawing/2014/main" id="{20814B00-8E43-419E-B787-447D93F30AB3}"/>
+              </a:ext>
+            </a:extLst>
+          </p:cNvPr>
+          <p:cNvSpPr txBox="1"/>
+          <p:nvPr/>
+        </p:nvSpPr>
+        <p:spPr>
+          <a:xfrm>
+            <a:off x="654432" y="6960673"/>
+            <a:ext cx="1428596" cy="369332"/>
+          </a:xfrm>
+          <a:prstGeom prst="rect">
+            <a:avLst/>
+          </a:prstGeom>
+          <a:noFill/>
+        </p:spPr>
+        <p:txBody>
+          <a:bodyPr wrap="none" rtlCol="0">
+            <a:spAutoFit/>
+          </a:bodyPr>
+          <a:lstStyle/>
+          <a:p>
+            <a:r>
+              <a:rPr lang="en-US" altLang="zh-CN" dirty="0">
+                <a:solidFill>
+                  <a:srgbClr val="00B0F0"/>
+                </a:solidFill>
+              </a:rPr>
+              <a:t>Matrix[6 x 5]</a:t>
+            </a:r>
+            <a:endParaRPr lang="zh-CN" altLang="en-US" dirty="0">
+              <a:solidFill>
+                <a:srgbClr val="00B0F0"/>
+              </a:solidFill>
+            </a:endParaRPr>
+          </a:p>
+        </p:txBody>
+      </p:sp>
+      <p:sp>
+        <p:nvSpPr>
+          <p:cNvPr id="34" name="文本框 33">
+            <a:extLst>
+              <a:ext uri="{FF2B5EF4-FFF2-40B4-BE49-F238E27FC236}">
+                <a16:creationId xmlns:a16="http://schemas.microsoft.com/office/drawing/2014/main" id="{5CB9678A-9A85-4657-B587-208243576E71}"/>
+              </a:ext>
+            </a:extLst>
+          </p:cNvPr>
+          <p:cNvSpPr txBox="1"/>
+          <p:nvPr/>
+        </p:nvSpPr>
+        <p:spPr>
+          <a:xfrm>
+            <a:off x="2324784" y="6962817"/>
+            <a:ext cx="1428596" cy="369332"/>
+          </a:xfrm>
+          <a:prstGeom prst="rect">
+            <a:avLst/>
+          </a:prstGeom>
+          <a:noFill/>
+        </p:spPr>
+        <p:txBody>
+          <a:bodyPr wrap="none" rtlCol="0">
+            <a:spAutoFit/>
+          </a:bodyPr>
+          <a:lstStyle/>
+          <a:p>
+            <a:r>
+              <a:rPr lang="en-US" altLang="zh-CN" dirty="0">
+                <a:solidFill>
+                  <a:srgbClr val="00B0F0"/>
+                </a:solidFill>
+              </a:rPr>
+              <a:t>Matrix[7 x 6]</a:t>
+            </a:r>
+            <a:endParaRPr lang="zh-CN" altLang="en-US" dirty="0">
+              <a:solidFill>
+                <a:srgbClr val="00B0F0"/>
+              </a:solidFill>
+            </a:endParaRPr>
+          </a:p>
+        </p:txBody>
+      </p:sp>
+      <p:sp>
+        <p:nvSpPr>
+          <p:cNvPr id="35" name="文本框 34">
+            <a:extLst>
+              <a:ext uri="{FF2B5EF4-FFF2-40B4-BE49-F238E27FC236}">
+                <a16:creationId xmlns:a16="http://schemas.microsoft.com/office/drawing/2014/main" id="{E04F99B9-B070-4986-996A-77FE77C8907E}"/>
+              </a:ext>
+            </a:extLst>
+          </p:cNvPr>
+          <p:cNvSpPr txBox="1"/>
+          <p:nvPr/>
+        </p:nvSpPr>
+        <p:spPr>
+          <a:xfrm>
+            <a:off x="3753380" y="6990139"/>
+            <a:ext cx="1428596" cy="369332"/>
+          </a:xfrm>
+          <a:prstGeom prst="rect">
+            <a:avLst/>
+          </a:prstGeom>
+          <a:noFill/>
+        </p:spPr>
+        <p:txBody>
+          <a:bodyPr wrap="none" rtlCol="0">
+            <a:spAutoFit/>
+          </a:bodyPr>
+          <a:lstStyle/>
+          <a:p>
+            <a:r>
+              <a:rPr lang="en-US" altLang="zh-CN" dirty="0">
+                <a:solidFill>
+                  <a:srgbClr val="00B0F0"/>
+                </a:solidFill>
+              </a:rPr>
+              <a:t>Matrix[7 x 7]</a:t>
+            </a:r>
+            <a:endParaRPr lang="zh-CN" altLang="en-US" dirty="0">
+              <a:solidFill>
+                <a:srgbClr val="00B0F0"/>
+              </a:solidFill>
+            </a:endParaRPr>
+          </a:p>
+        </p:txBody>
+      </p:sp>
+      <p:sp>
+        <p:nvSpPr>
+          <p:cNvPr id="36" name="文本框 35">
+            <a:extLst>
+              <a:ext uri="{FF2B5EF4-FFF2-40B4-BE49-F238E27FC236}">
+                <a16:creationId xmlns:a16="http://schemas.microsoft.com/office/drawing/2014/main" id="{E9706EFD-44C7-43E9-9B98-8D112B1E9664}"/>
+              </a:ext>
+            </a:extLst>
+          </p:cNvPr>
+          <p:cNvSpPr txBox="1"/>
+          <p:nvPr/>
+        </p:nvSpPr>
+        <p:spPr>
+          <a:xfrm>
+            <a:off x="5181976" y="7008928"/>
+            <a:ext cx="1428596" cy="369332"/>
+          </a:xfrm>
+          <a:prstGeom prst="rect">
+            <a:avLst/>
+          </a:prstGeom>
+          <a:noFill/>
+        </p:spPr>
+        <p:txBody>
+          <a:bodyPr wrap="none" rtlCol="0">
+            <a:spAutoFit/>
+          </a:bodyPr>
+          <a:lstStyle/>
+          <a:p>
+            <a:r>
+              <a:rPr lang="en-US" altLang="zh-CN" dirty="0">
+                <a:solidFill>
+                  <a:srgbClr val="00B0F0"/>
+                </a:solidFill>
+              </a:rPr>
+              <a:t>Matrix[6 x 7]</a:t>
+            </a:r>
+            <a:endParaRPr lang="zh-CN" altLang="en-US" dirty="0">
+              <a:solidFill>
+                <a:srgbClr val="00B0F0"/>
+              </a:solidFill>
+            </a:endParaRPr>
+          </a:p>
+        </p:txBody>
+      </p:sp>
+      <p:sp>
+        <p:nvSpPr>
+          <p:cNvPr id="37" name="文本框 36">
+            <a:extLst>
+              <a:ext uri="{FF2B5EF4-FFF2-40B4-BE49-F238E27FC236}">
+                <a16:creationId xmlns:a16="http://schemas.microsoft.com/office/drawing/2014/main" id="{663B05FE-F503-4D79-BD02-4DC644F696A8}"/>
+              </a:ext>
+            </a:extLst>
+          </p:cNvPr>
+          <p:cNvSpPr txBox="1"/>
+          <p:nvPr/>
+        </p:nvSpPr>
+        <p:spPr>
+          <a:xfrm>
+            <a:off x="6785363" y="7017359"/>
+            <a:ext cx="1428596" cy="369332"/>
+          </a:xfrm>
+          <a:prstGeom prst="rect">
+            <a:avLst/>
+          </a:prstGeom>
+          <a:noFill/>
+        </p:spPr>
+        <p:txBody>
+          <a:bodyPr wrap="none" rtlCol="0">
+            <a:spAutoFit/>
+          </a:bodyPr>
+          <a:lstStyle/>
+          <a:p>
+            <a:r>
+              <a:rPr lang="en-US" altLang="zh-CN" dirty="0">
+                <a:solidFill>
+                  <a:srgbClr val="00B0F0"/>
+                </a:solidFill>
+              </a:rPr>
+              <a:t>Matrix[5 x 6]</a:t>
+            </a:r>
+            <a:endParaRPr lang="zh-CN" altLang="en-US" dirty="0">
+              <a:solidFill>
+                <a:srgbClr val="00B0F0"/>
+              </a:solidFill>
+            </a:endParaRPr>
+          </a:p>
+        </p:txBody>
+      </p:sp>
+      <p:sp>
+        <p:nvSpPr>
+          <p:cNvPr id="3" name="文本框 2">
+            <a:extLst>
+              <a:ext uri="{FF2B5EF4-FFF2-40B4-BE49-F238E27FC236}">
+                <a16:creationId xmlns:a16="http://schemas.microsoft.com/office/drawing/2014/main" id="{7E1DC7B0-2CED-496F-8B64-A63CC046AA7B}"/>
+              </a:ext>
+            </a:extLst>
+          </p:cNvPr>
+          <p:cNvSpPr txBox="1"/>
+          <p:nvPr/>
+        </p:nvSpPr>
+        <p:spPr>
+          <a:xfrm>
+            <a:off x="-1198730" y="7462192"/>
+            <a:ext cx="11182870" cy="369332"/>
+          </a:xfrm>
+          <a:prstGeom prst="rect">
+            <a:avLst/>
+          </a:prstGeom>
+          <a:noFill/>
+        </p:spPr>
+        <p:txBody>
+          <a:bodyPr wrap="none" rtlCol="0">
+            <a:spAutoFit/>
+          </a:bodyPr>
+          <a:lstStyle/>
+          <a:p>
+            <a:r>
+              <a:rPr lang="en-US" altLang="zh-CN" dirty="0"/>
+              <a:t>Input1 * w1 -&gt; layer1 = Input2 * w2 -&gt; layer2 = Input3 * w3 -&gt; layer3 = Input4 * w4 -&gt; layer4 =Input5 * w5 -&gt; Output</a:t>
+            </a:r>
+            <a:endParaRPr lang="zh-CN" altLang="en-US" dirty="0"/>
+          </a:p>
+        </p:txBody>
+      </p:sp>
+    </p:spTree>
+    <p:extLst>
+      <p:ext uri="{BB962C8B-B14F-4D97-AF65-F5344CB8AC3E}">
+        <p14:creationId xmlns:p14="http://schemas.microsoft.com/office/powerpoint/2010/main" val="3500806214"/>
+      </p:ext>
+    </p:extLst>
+  </p:cSld>
+  <p:clrMapOvr>
+    <a:masterClrMapping/>
+  </p:clrMapOvr>
+</p:sld>
+</file>
+
+<file path=ppt/slides/slide19.xml><?xml version="1.0" encoding="utf-8"?>
+<p:sld xmlns:a="http://schemas.openxmlformats.org/drawingml/2006/main" xmlns:r="http://schemas.openxmlformats.org/officeDocument/2006/relationships" xmlns:p="http://schemas.openxmlformats.org/presentationml/2006/main">
+  <p:cSld>
+    <p:spTree>
+      <p:nvGrpSpPr>
+        <p:cNvPr id="1" name=""/>
+        <p:cNvGrpSpPr/>
+        <p:nvPr/>
+      </p:nvGrpSpPr>
+      <p:grpSpPr>
+        <a:xfrm>
+          <a:off x="0" y="0"/>
+          <a:ext cx="0" cy="0"/>
+          <a:chOff x="0" y="0"/>
+          <a:chExt cx="0" cy="0"/>
+        </a:xfrm>
+      </p:grpSpPr>
+      <p:sp>
+        <p:nvSpPr>
+          <p:cNvPr id="7170" name="Text Box 2"/>
+          <p:cNvSpPr txBox="1">
+            <a:spLocks noChangeArrowheads="1"/>
+          </p:cNvSpPr>
+          <p:nvPr/>
+        </p:nvSpPr>
+        <p:spPr bwMode="auto">
+          <a:xfrm>
+            <a:off x="1162080" y="1606869"/>
+            <a:ext cx="7416800" cy="3323987"/>
+          </a:xfrm>
+          <a:prstGeom prst="rect">
+            <a:avLst/>
+          </a:prstGeom>
+          <a:noFill/>
+          <a:ln>
+            <a:noFill/>
+          </a:ln>
+          <a:effectLst/>
+          <a:extLst>
+            <a:ext uri="{909E8E84-426E-40DD-AFC4-6F175D3DCCD1}">
+              <a14:hiddenFill xmlns:a14="http://schemas.microsoft.com/office/drawing/2010/main">
+                <a:solidFill>
+                  <a:schemeClr val="accent1"/>
+                </a:solidFill>
+              </a14:hiddenFill>
+            </a:ext>
+            <a:ext uri="{91240B29-F687-4F45-9708-019B960494DF}">
+              <a14:hiddenLine xmlns:a14="http://schemas.microsoft.com/office/drawing/2010/main" w="9525">
+                <a:solidFill>
+                  <a:schemeClr val="tx1"/>
+                </a:solidFill>
+                <a:miter lim="800000"/>
+                <a:headEnd/>
+                <a:tailEnd/>
+              </a14:hiddenLine>
+            </a:ext>
+            <a:ext uri="{AF507438-7753-43E0-B8FC-AC1667EBCBE1}">
+              <a14:hiddenEffects xmlns:a14="http://schemas.microsoft.com/office/drawing/2010/main">
+                <a:effectLst>
+                  <a:outerShdw blurRad="63500" dist="38099" dir="2700000" algn="ctr" rotWithShape="0">
+                    <a:schemeClr val="bg2">
+                      <a:alpha val="74998"/>
+                    </a:schemeClr>
+                  </a:outerShdw>
+                </a:effectLst>
+              </a14:hiddenEffects>
+            </a:ext>
+          </a:extLst>
+        </p:spPr>
+        <p:txBody>
+          <a:bodyPr>
+            <a:spAutoFit/>
+          </a:bodyPr>
+          <a:lstStyle/>
+          <a:p>
+            <a:pPr>
+              <a:lnSpc>
+                <a:spcPct val="200000"/>
+              </a:lnSpc>
+              <a:spcBef>
+                <a:spcPct val="50000"/>
+              </a:spcBef>
+            </a:pPr>
+            <a:r>
+              <a:rPr lang="zh-CN" altLang="en-US" sz="3000" b="1" dirty="0">
+                <a:ea typeface="黑体" charset="0"/>
+                <a:cs typeface="黑体" charset="0"/>
+              </a:rPr>
+              <a:t>一、背景</a:t>
+            </a:r>
+          </a:p>
+          <a:p>
+            <a:pPr>
+              <a:lnSpc>
+                <a:spcPct val="200000"/>
+              </a:lnSpc>
+              <a:spcBef>
+                <a:spcPct val="50000"/>
+              </a:spcBef>
+            </a:pPr>
+            <a:r>
+              <a:rPr lang="zh-CN" altLang="en-US" sz="3000" b="1" dirty="0">
+                <a:solidFill>
+                  <a:srgbClr val="C00000"/>
+                </a:solidFill>
+                <a:ea typeface="黑体" charset="0"/>
+                <a:cs typeface="黑体" charset="0"/>
+              </a:rPr>
+              <a:t>二、研究进展</a:t>
+            </a:r>
+            <a:endParaRPr lang="en-US" altLang="zh-CN" sz="3000" b="1" dirty="0">
+              <a:solidFill>
+                <a:srgbClr val="C00000"/>
+              </a:solidFill>
+              <a:ea typeface="黑体" charset="0"/>
+              <a:cs typeface="黑体" charset="0"/>
+            </a:endParaRPr>
+          </a:p>
+          <a:p>
+            <a:pPr>
+              <a:lnSpc>
+                <a:spcPct val="200000"/>
+              </a:lnSpc>
+              <a:spcBef>
+                <a:spcPct val="50000"/>
+              </a:spcBef>
+            </a:pPr>
+            <a:r>
+              <a:rPr lang="zh-CN" altLang="en-US" sz="3000" b="1" dirty="0">
+                <a:ea typeface="黑体" charset="0"/>
+                <a:cs typeface="黑体" charset="0"/>
+              </a:rPr>
+              <a:t>三、未来计划</a:t>
+            </a:r>
+            <a:endParaRPr lang="en-US" altLang="zh-CN" sz="3000" b="1" dirty="0">
+              <a:ea typeface="黑体" charset="0"/>
+              <a:cs typeface="黑体" charset="0"/>
+            </a:endParaRPr>
+          </a:p>
+        </p:txBody>
+      </p:sp>
+      <p:sp>
+        <p:nvSpPr>
+          <p:cNvPr id="3" name="TextBox 2"/>
+          <p:cNvSpPr txBox="1"/>
+          <p:nvPr/>
+        </p:nvSpPr>
+        <p:spPr>
+          <a:xfrm>
+            <a:off x="1012190" y="294825"/>
+            <a:ext cx="6892290" cy="707886"/>
+          </a:xfrm>
+          <a:prstGeom prst="rect">
+            <a:avLst/>
+          </a:prstGeom>
+          <a:noFill/>
+        </p:spPr>
+        <p:txBody>
+          <a:bodyPr wrap="square" rtlCol="0">
+            <a:spAutoFit/>
+          </a:bodyPr>
+          <a:lstStyle/>
+          <a:p>
+            <a:pPr algn="ctr"/>
+            <a:r>
+              <a:rPr lang="zh-CN" altLang="en-US" sz="4000" b="1" dirty="0">
+                <a:solidFill>
+                  <a:srgbClr val="C00000"/>
+                </a:solidFill>
+                <a:latin typeface="黑体" pitchFamily="49" charset="-122"/>
+                <a:ea typeface="黑体" pitchFamily="49" charset="-122"/>
+              </a:rPr>
+              <a:t> 汇报内容</a:t>
+            </a:r>
+          </a:p>
+        </p:txBody>
+      </p:sp>
+      <p:cxnSp>
+        <p:nvCxnSpPr>
+          <p:cNvPr id="5" name="直接连接符 4"/>
+          <p:cNvCxnSpPr/>
+          <p:nvPr/>
+        </p:nvCxnSpPr>
+        <p:spPr>
+          <a:xfrm>
+            <a:off x="0" y="1026796"/>
+            <a:ext cx="9144000" cy="0"/>
+          </a:xfrm>
+          <a:prstGeom prst="line">
+            <a:avLst/>
+          </a:prstGeom>
+          <a:ln w="38100">
+            <a:solidFill>
+              <a:srgbClr val="C00000"/>
+            </a:solidFill>
+          </a:ln>
+        </p:spPr>
+        <p:style>
+          <a:lnRef idx="2">
+            <a:schemeClr val="accent1"/>
+          </a:lnRef>
+          <a:fillRef idx="0">
+            <a:schemeClr val="accent1"/>
+          </a:fillRef>
+          <a:effectRef idx="1">
+            <a:schemeClr val="accent1"/>
+          </a:effectRef>
+          <a:fontRef idx="minor">
+            <a:schemeClr val="tx1"/>
+          </a:fontRef>
+        </p:style>
+      </p:cxnSp>
+      <p:sp>
+        <p:nvSpPr>
+          <p:cNvPr id="2" name="灯片编号占位符 1"/>
+          <p:cNvSpPr>
+            <a:spLocks noGrp="1"/>
+          </p:cNvSpPr>
+          <p:nvPr>
+            <p:ph type="sldNum" sz="quarter" idx="12"/>
+          </p:nvPr>
+        </p:nvSpPr>
+        <p:spPr/>
+        <p:txBody>
+          <a:bodyPr/>
+          <a:lstStyle/>
+          <a:p>
+            <a:fld id="{5B8AC867-72ED-42EA-92C6-36FC511EE56C}" type="slidenum">
+              <a:rPr lang="zh-CN" altLang="en-US" smtClean="0"/>
+              <a:t>19</a:t>
+            </a:fld>
+            <a:endParaRPr lang="zh-CN" altLang="en-US"/>
+          </a:p>
+        </p:txBody>
+      </p:sp>
+    </p:spTree>
+    <p:extLst>
+      <p:ext uri="{BB962C8B-B14F-4D97-AF65-F5344CB8AC3E}">
+        <p14:creationId xmlns:p14="http://schemas.microsoft.com/office/powerpoint/2010/main" val="3058035894"/>
+      </p:ext>
+    </p:extLst>
+  </p:cSld>
+  <p:clrMapOvr>
+    <a:masterClrMapping/>
+  </p:clrMapOvr>
+</p:sld>
+</file>
+
+<file path=ppt/slides/slide2.xml><?xml version="1.0" encoding="utf-8"?>
+<p:sld xmlns:a="http://schemas.openxmlformats.org/drawingml/2006/main" xmlns:r="http://schemas.openxmlformats.org/officeDocument/2006/relationships" xmlns:p="http://schemas.openxmlformats.org/presentationml/2006/main">
+  <p:cSld>
+    <p:spTree>
+      <p:nvGrpSpPr>
+        <p:cNvPr id="1" name=""/>
+        <p:cNvGrpSpPr/>
+        <p:nvPr/>
+      </p:nvGrpSpPr>
+      <p:grpSpPr>
+        <a:xfrm>
+          <a:off x="0" y="0"/>
+          <a:ext cx="0" cy="0"/>
+          <a:chOff x="0" y="0"/>
+          <a:chExt cx="0" cy="0"/>
+        </a:xfrm>
+      </p:grpSpPr>
+      <p:sp>
+        <p:nvSpPr>
+          <p:cNvPr id="6" name="TextBox 81"/>
+          <p:cNvSpPr txBox="1"/>
+          <p:nvPr/>
+        </p:nvSpPr>
+        <p:spPr>
+          <a:xfrm>
+            <a:off x="173130" y="260648"/>
+            <a:ext cx="7691049" cy="584775"/>
+          </a:xfrm>
+          <a:prstGeom prst="rect">
+            <a:avLst/>
+          </a:prstGeom>
+          <a:noFill/>
+        </p:spPr>
+        <p:txBody>
+          <a:bodyPr wrap="square" rtlCol="0">
+            <a:spAutoFit/>
+          </a:bodyPr>
+          <a:lstStyle/>
+          <a:p>
+            <a:r>
+              <a:rPr lang="zh-CN" altLang="en-US" sz="3200" b="1" dirty="0">
+                <a:solidFill>
+                  <a:srgbClr val="C00000"/>
+                </a:solidFill>
+                <a:effectLst>
+                  <a:outerShdw blurRad="38100" dist="38100" dir="2700000" algn="tl">
+                    <a:srgbClr val="000000">
+                      <a:alpha val="43137"/>
+                    </a:srgbClr>
+                  </a:outerShdw>
+                </a:effectLst>
+                <a:latin typeface="Times New Roman" panose="02020603050405020304" pitchFamily="18" charset="0"/>
+                <a:ea typeface="楷体" panose="02010609060101010101" pitchFamily="49" charset="-122"/>
+                <a:cs typeface="黑体" charset="0"/>
+              </a:rPr>
+              <a:t>一、</a:t>
+            </a:r>
+            <a:r>
+              <a:rPr lang="en-US" altLang="zh-CN" sz="3200" b="1" dirty="0">
+                <a:solidFill>
+                  <a:srgbClr val="C00000"/>
+                </a:solidFill>
+                <a:effectLst>
+                  <a:outerShdw blurRad="38100" dist="38100" dir="2700000" algn="tl">
+                    <a:srgbClr val="000000">
+                      <a:alpha val="43137"/>
+                    </a:srgbClr>
+                  </a:outerShdw>
+                </a:effectLst>
+                <a:latin typeface="Times New Roman" panose="02020603050405020304" pitchFamily="18" charset="0"/>
+                <a:ea typeface="楷体" panose="02010609060101010101" pitchFamily="49" charset="-122"/>
+                <a:cs typeface="黑体" charset="0"/>
+              </a:rPr>
+              <a:t>ML</a:t>
+            </a:r>
+            <a:r>
+              <a:rPr lang="zh-CN" altLang="en-US" sz="3200" b="1" dirty="0">
+                <a:solidFill>
+                  <a:srgbClr val="C00000"/>
+                </a:solidFill>
+                <a:effectLst>
+                  <a:outerShdw blurRad="38100" dist="38100" dir="2700000" algn="tl">
+                    <a:srgbClr val="000000">
+                      <a:alpha val="43137"/>
+                    </a:srgbClr>
+                  </a:outerShdw>
+                </a:effectLst>
+                <a:latin typeface="Times New Roman" panose="02020603050405020304" pitchFamily="18" charset="0"/>
+                <a:ea typeface="楷体" panose="02010609060101010101" pitchFamily="49" charset="-122"/>
+                <a:cs typeface="黑体" charset="0"/>
+              </a:rPr>
+              <a:t> </a:t>
+            </a:r>
+            <a:r>
+              <a:rPr lang="en-US" altLang="zh-CN" sz="3200" b="1" dirty="0">
+                <a:solidFill>
+                  <a:srgbClr val="C00000"/>
+                </a:solidFill>
+                <a:effectLst>
+                  <a:outerShdw blurRad="38100" dist="38100" dir="2700000" algn="tl">
+                    <a:srgbClr val="000000">
+                      <a:alpha val="43137"/>
+                    </a:srgbClr>
+                  </a:outerShdw>
+                </a:effectLst>
+                <a:latin typeface="Times New Roman" panose="02020603050405020304" pitchFamily="18" charset="0"/>
+                <a:ea typeface="楷体" panose="02010609060101010101" pitchFamily="49" charset="-122"/>
+                <a:cs typeface="黑体" charset="0"/>
+              </a:rPr>
+              <a:t>Overview</a:t>
+            </a:r>
+          </a:p>
+        </p:txBody>
+      </p:sp>
+      <p:sp>
+        <p:nvSpPr>
+          <p:cNvPr id="7" name="AutoShape 12"/>
+          <p:cNvSpPr>
+            <a:spLocks noChangeArrowheads="1"/>
+          </p:cNvSpPr>
+          <p:nvPr/>
+        </p:nvSpPr>
+        <p:spPr bwMode="auto">
+          <a:xfrm>
+            <a:off x="0" y="955671"/>
+            <a:ext cx="8367713" cy="65314"/>
+          </a:xfrm>
+          <a:custGeom>
+            <a:avLst/>
+            <a:gdLst>
+              <a:gd name="T0" fmla="*/ 0 w 1000"/>
+              <a:gd name="T1" fmla="*/ 0 h 1000"/>
+              <a:gd name="T2" fmla="*/ 2147483647 w 1000"/>
+              <a:gd name="T3" fmla="*/ 0 h 1000"/>
+              <a:gd name="T4" fmla="*/ 2147483647 w 1000"/>
+              <a:gd name="T5" fmla="*/ 2147483647 h 1000"/>
+              <a:gd name="T6" fmla="*/ 0 w 1000"/>
+              <a:gd name="T7" fmla="*/ 2147483647 h 1000"/>
+              <a:gd name="T8" fmla="*/ 0 w 1000"/>
+              <a:gd name="T9" fmla="*/ 0 h 1000"/>
+              <a:gd name="T10" fmla="*/ 2147483647 w 1000"/>
+              <a:gd name="T11" fmla="*/ 0 h 1000"/>
+              <a:gd name="T12" fmla="*/ 0 60000 65536"/>
+              <a:gd name="T13" fmla="*/ 0 60000 65536"/>
+              <a:gd name="T14" fmla="*/ 0 60000 65536"/>
+              <a:gd name="T15" fmla="*/ 0 60000 65536"/>
+              <a:gd name="T16" fmla="*/ 0 60000 65536"/>
+              <a:gd name="T17" fmla="*/ 0 60000 65536"/>
+              <a:gd name="T18" fmla="*/ 0 w 1000"/>
+              <a:gd name="T19" fmla="*/ 0 h 1000"/>
+              <a:gd name="T20" fmla="*/ 1000 w 1000"/>
+              <a:gd name="T21" fmla="*/ 1000 h 1000"/>
+            </a:gdLst>
+            <a:ahLst/>
+            <a:cxnLst>
+              <a:cxn ang="T12">
+                <a:pos x="T0" y="T1"/>
+              </a:cxn>
+              <a:cxn ang="T13">
+                <a:pos x="T2" y="T3"/>
+              </a:cxn>
+              <a:cxn ang="T14">
+                <a:pos x="T4" y="T5"/>
+              </a:cxn>
+              <a:cxn ang="T15">
+                <a:pos x="T6" y="T7"/>
+              </a:cxn>
+              <a:cxn ang="T16">
+                <a:pos x="T8" y="T9"/>
+              </a:cxn>
+              <a:cxn ang="T17">
+                <a:pos x="T10" y="T11"/>
+              </a:cxn>
+            </a:cxnLst>
+            <a:rect l="T18" t="T19" r="T20" b="T21"/>
+            <a:pathLst>
+              <a:path w="1000" h="1000" stroke="0">
+                <a:moveTo>
+                  <a:pt x="0" y="0"/>
+                </a:moveTo>
+                <a:lnTo>
+                  <a:pt x="585" y="0"/>
+                </a:lnTo>
+                <a:lnTo>
+                  <a:pt x="585" y="1000"/>
+                </a:lnTo>
+                <a:lnTo>
+                  <a:pt x="0" y="1000"/>
+                </a:lnTo>
+                <a:lnTo>
+                  <a:pt x="0" y="0"/>
+                </a:lnTo>
+                <a:close/>
+              </a:path>
+              <a:path w="1000" h="1000">
+                <a:moveTo>
+                  <a:pt x="0" y="0"/>
+                </a:moveTo>
+                <a:lnTo>
+                  <a:pt x="1000" y="0"/>
+                </a:lnTo>
+              </a:path>
+            </a:pathLst>
+          </a:custGeom>
+          <a:solidFill>
+            <a:srgbClr val="C00000"/>
+          </a:solidFill>
+          <a:ln w="9525">
+            <a:solidFill>
+              <a:srgbClr val="C00000"/>
+            </a:solidFill>
+            <a:round/>
+            <a:headEnd/>
+            <a:tailEnd/>
+          </a:ln>
+        </p:spPr>
+        <p:txBody>
+          <a:bodyPr/>
+          <a:lstStyle/>
+          <a:p>
+            <a:endParaRPr lang="zh-CN" altLang="en-US">
+              <a:solidFill>
+                <a:prstClr val="black"/>
+              </a:solidFill>
+            </a:endParaRPr>
+          </a:p>
+        </p:txBody>
+      </p:sp>
+      <p:sp>
+        <p:nvSpPr>
+          <p:cNvPr id="2" name="灯片编号占位符 1"/>
+          <p:cNvSpPr>
+            <a:spLocks noGrp="1"/>
+          </p:cNvSpPr>
+          <p:nvPr>
+            <p:ph type="sldNum" sz="quarter" idx="12"/>
+          </p:nvPr>
+        </p:nvSpPr>
+        <p:spPr/>
+        <p:txBody>
+          <a:bodyPr/>
+          <a:lstStyle/>
+          <a:p>
+            <a:fld id="{5B8AC867-72ED-42EA-92C6-36FC511EE56C}" type="slidenum">
+              <a:rPr lang="zh-CN" altLang="en-US" smtClean="0"/>
+              <a:t>2</a:t>
+            </a:fld>
+            <a:endParaRPr lang="zh-CN" altLang="en-US"/>
+          </a:p>
+        </p:txBody>
+      </p:sp>
+      <p:pic>
+        <p:nvPicPr>
+          <p:cNvPr id="8" name="图片 7">
+            <a:extLst>
+              <a:ext uri="{FF2B5EF4-FFF2-40B4-BE49-F238E27FC236}">
+                <a16:creationId xmlns:a16="http://schemas.microsoft.com/office/drawing/2014/main" id="{AE2D5CA7-533E-4EBB-AE62-A303B79B6290}"/>
+              </a:ext>
+            </a:extLst>
+          </p:cNvPr>
+          <p:cNvPicPr>
+            <a:picLocks noChangeAspect="1"/>
+          </p:cNvPicPr>
+          <p:nvPr/>
+        </p:nvPicPr>
+        <p:blipFill>
+          <a:blip r:embed="rId3"/>
+          <a:stretch>
+            <a:fillRect/>
+          </a:stretch>
+        </p:blipFill>
+        <p:spPr>
+          <a:xfrm>
+            <a:off x="3594218" y="1120110"/>
+            <a:ext cx="5425440" cy="2456175"/>
+          </a:xfrm>
+          <a:prstGeom prst="rect">
+            <a:avLst/>
+          </a:prstGeom>
+        </p:spPr>
+      </p:pic>
+      <p:grpSp>
+        <p:nvGrpSpPr>
+          <p:cNvPr id="11" name="组合 10">
+            <a:extLst>
+              <a:ext uri="{FF2B5EF4-FFF2-40B4-BE49-F238E27FC236}">
+                <a16:creationId xmlns:a16="http://schemas.microsoft.com/office/drawing/2014/main" id="{339D033C-F8B4-4EE2-8169-AD0AE7E9AC33}"/>
+              </a:ext>
+            </a:extLst>
+          </p:cNvPr>
+          <p:cNvGrpSpPr/>
+          <p:nvPr/>
+        </p:nvGrpSpPr>
+        <p:grpSpPr>
+          <a:xfrm>
+            <a:off x="-1" y="1120110"/>
+            <a:ext cx="3519585" cy="2727632"/>
+            <a:chOff x="-1" y="1118466"/>
+            <a:chExt cx="4003106" cy="3130682"/>
+          </a:xfrm>
+        </p:grpSpPr>
+        <p:pic>
+          <p:nvPicPr>
+            <p:cNvPr id="4" name="图片 3">
+              <a:extLst>
+                <a:ext uri="{FF2B5EF4-FFF2-40B4-BE49-F238E27FC236}">
+                  <a16:creationId xmlns:a16="http://schemas.microsoft.com/office/drawing/2014/main" id="{4FDC8B78-D9B6-4095-9038-5646844CC0F2}"/>
+                </a:ext>
+              </a:extLst>
+            </p:cNvPr>
+            <p:cNvPicPr>
+              <a:picLocks noChangeAspect="1"/>
+            </p:cNvPicPr>
+            <p:nvPr/>
+          </p:nvPicPr>
+          <p:blipFill>
+            <a:blip r:embed="rId4"/>
+            <a:stretch>
+              <a:fillRect/>
+            </a:stretch>
+          </p:blipFill>
+          <p:spPr>
+            <a:xfrm>
+              <a:off x="196915" y="1118466"/>
+              <a:ext cx="3616960" cy="2888301"/>
+            </a:xfrm>
+            <a:prstGeom prst="rect">
+              <a:avLst/>
+            </a:prstGeom>
+          </p:spPr>
+        </p:pic>
+        <p:sp>
+          <p:nvSpPr>
+            <p:cNvPr id="10" name="文本框 9">
+              <a:extLst>
+                <a:ext uri="{FF2B5EF4-FFF2-40B4-BE49-F238E27FC236}">
+                  <a16:creationId xmlns:a16="http://schemas.microsoft.com/office/drawing/2014/main" id="{BF5AC948-21BF-4A40-A487-EE5C221E1CA0}"/>
+                </a:ext>
+              </a:extLst>
+            </p:cNvPr>
+            <p:cNvSpPr txBox="1"/>
+            <p:nvPr/>
+          </p:nvSpPr>
+          <p:spPr>
+            <a:xfrm>
+              <a:off x="-1" y="4019532"/>
+              <a:ext cx="4003106" cy="229616"/>
+            </a:xfrm>
+            <a:prstGeom prst="rect">
+              <a:avLst/>
+            </a:prstGeom>
+            <a:noFill/>
+          </p:spPr>
+          <p:txBody>
+            <a:bodyPr wrap="square">
+              <a:spAutoFit/>
+            </a:bodyPr>
+            <a:lstStyle/>
+            <a:p>
+              <a:r>
+                <a:rPr lang="en-US" altLang="zh-CN" sz="700" dirty="0"/>
+                <a:t>Ian Goodfellow; </a:t>
+              </a:r>
+              <a:r>
+                <a:rPr lang="en-US" altLang="zh-CN" sz="700" dirty="0" err="1"/>
+                <a:t>Yoshua</a:t>
+              </a:r>
+              <a:r>
+                <a:rPr lang="en-US" altLang="zh-CN" sz="700" dirty="0"/>
+                <a:t> </a:t>
+              </a:r>
+              <a:r>
+                <a:rPr lang="en-US" altLang="zh-CN" sz="700" dirty="0" err="1"/>
+                <a:t>Bengio</a:t>
+              </a:r>
+              <a:r>
+                <a:rPr lang="en-US" altLang="zh-CN" sz="700" dirty="0"/>
+                <a:t>; Aaron Courville, DEEP LEARNING, The MIT Press, 2016</a:t>
+              </a:r>
+              <a:endParaRPr lang="zh-CN" altLang="en-US" sz="700" dirty="0"/>
+            </a:p>
+          </p:txBody>
+        </p:sp>
+      </p:grpSp>
+      <p:sp>
+        <p:nvSpPr>
+          <p:cNvPr id="12" name="文本框 11">
+            <a:extLst>
+              <a:ext uri="{FF2B5EF4-FFF2-40B4-BE49-F238E27FC236}">
+                <a16:creationId xmlns:a16="http://schemas.microsoft.com/office/drawing/2014/main" id="{2C0CF8D2-DDBB-4959-B46B-C64562AB1AD6}"/>
+              </a:ext>
+            </a:extLst>
+          </p:cNvPr>
+          <p:cNvSpPr txBox="1"/>
+          <p:nvPr/>
+        </p:nvSpPr>
+        <p:spPr>
+          <a:xfrm>
+            <a:off x="7700273" y="3589575"/>
+            <a:ext cx="1334880" cy="200055"/>
+          </a:xfrm>
+          <a:prstGeom prst="rect">
+            <a:avLst/>
+          </a:prstGeom>
+          <a:noFill/>
+        </p:spPr>
+        <p:txBody>
+          <a:bodyPr wrap="square">
+            <a:spAutoFit/>
+          </a:bodyPr>
+          <a:lstStyle/>
+          <a:p>
+            <a:r>
+              <a:rPr lang="en-US" altLang="zh-CN" sz="700" dirty="0" err="1"/>
+              <a:t>Pytorch</a:t>
+            </a:r>
+            <a:r>
+              <a:rPr lang="en-US" altLang="zh-CN" sz="700" dirty="0"/>
+              <a:t> </a:t>
+            </a:r>
+            <a:r>
+              <a:rPr lang="zh-CN" altLang="en-US" sz="700" dirty="0"/>
+              <a:t>深度学习实践</a:t>
+            </a:r>
+            <a:r>
+              <a:rPr lang="en-US" altLang="zh-CN" sz="700" dirty="0"/>
+              <a:t>, </a:t>
+            </a:r>
+            <a:r>
+              <a:rPr lang="en-US" altLang="zh-CN" sz="700" dirty="0" err="1"/>
+              <a:t>bilibili</a:t>
+            </a:r>
+            <a:r>
+              <a:rPr lang="en-US" altLang="zh-CN" sz="700" dirty="0"/>
+              <a:t> </a:t>
+            </a:r>
+            <a:endParaRPr lang="zh-CN" altLang="en-US" sz="700" dirty="0"/>
+          </a:p>
+        </p:txBody>
+      </p:sp>
+      <p:grpSp>
+        <p:nvGrpSpPr>
+          <p:cNvPr id="17" name="组合 16">
+            <a:extLst>
+              <a:ext uri="{FF2B5EF4-FFF2-40B4-BE49-F238E27FC236}">
+                <a16:creationId xmlns:a16="http://schemas.microsoft.com/office/drawing/2014/main" id="{2CBABC75-8514-4654-A119-287F7DDA0668}"/>
+              </a:ext>
+            </a:extLst>
+          </p:cNvPr>
+          <p:cNvGrpSpPr/>
+          <p:nvPr/>
+        </p:nvGrpSpPr>
+        <p:grpSpPr>
+          <a:xfrm>
+            <a:off x="0" y="3947620"/>
+            <a:ext cx="4714966" cy="2415089"/>
+            <a:chOff x="173130" y="4238429"/>
+            <a:chExt cx="4714966" cy="2415089"/>
+          </a:xfrm>
+        </p:grpSpPr>
+        <p:pic>
+          <p:nvPicPr>
+            <p:cNvPr id="14" name="图片 13">
+              <a:extLst>
+                <a:ext uri="{FF2B5EF4-FFF2-40B4-BE49-F238E27FC236}">
+                  <a16:creationId xmlns:a16="http://schemas.microsoft.com/office/drawing/2014/main" id="{DAB012BB-C8D1-481B-B93F-508E909FC210}"/>
+                </a:ext>
+              </a:extLst>
+            </p:cNvPr>
+            <p:cNvPicPr>
+              <a:picLocks noChangeAspect="1"/>
+            </p:cNvPicPr>
+            <p:nvPr/>
+          </p:nvPicPr>
+          <p:blipFill>
+            <a:blip r:embed="rId5"/>
+            <a:stretch>
+              <a:fillRect/>
+            </a:stretch>
+          </p:blipFill>
+          <p:spPr>
+            <a:xfrm>
+              <a:off x="173130" y="4238429"/>
+              <a:ext cx="2057401" cy="2392847"/>
+            </a:xfrm>
+            <a:prstGeom prst="rect">
+              <a:avLst/>
+            </a:prstGeom>
+          </p:spPr>
+        </p:pic>
+        <p:pic>
+          <p:nvPicPr>
+            <p:cNvPr id="16" name="图片 15">
+              <a:extLst>
+                <a:ext uri="{FF2B5EF4-FFF2-40B4-BE49-F238E27FC236}">
+                  <a16:creationId xmlns:a16="http://schemas.microsoft.com/office/drawing/2014/main" id="{856CCD35-2718-4DAF-9BF8-276BA9DBD467}"/>
+                </a:ext>
+              </a:extLst>
+            </p:cNvPr>
+            <p:cNvPicPr>
+              <a:picLocks noChangeAspect="1"/>
+            </p:cNvPicPr>
+            <p:nvPr/>
+          </p:nvPicPr>
+          <p:blipFill>
+            <a:blip r:embed="rId6"/>
+            <a:stretch>
+              <a:fillRect/>
+            </a:stretch>
+          </p:blipFill>
+          <p:spPr>
+            <a:xfrm>
+              <a:off x="2198951" y="4260672"/>
+              <a:ext cx="2689145" cy="2392846"/>
+            </a:xfrm>
+            <a:prstGeom prst="rect">
+              <a:avLst/>
+            </a:prstGeom>
+          </p:spPr>
+        </p:pic>
+      </p:grpSp>
+      <p:sp>
+        <p:nvSpPr>
+          <p:cNvPr id="18" name="文本框 17">
+            <a:extLst>
+              <a:ext uri="{FF2B5EF4-FFF2-40B4-BE49-F238E27FC236}">
+                <a16:creationId xmlns:a16="http://schemas.microsoft.com/office/drawing/2014/main" id="{28A887F7-3AC4-4BF1-A126-0CAB260690DE}"/>
+              </a:ext>
+            </a:extLst>
+          </p:cNvPr>
+          <p:cNvSpPr txBox="1"/>
+          <p:nvPr/>
+        </p:nvSpPr>
+        <p:spPr>
+          <a:xfrm>
+            <a:off x="3516416" y="6368144"/>
+            <a:ext cx="1334880" cy="200055"/>
+          </a:xfrm>
+          <a:prstGeom prst="rect">
+            <a:avLst/>
+          </a:prstGeom>
+          <a:noFill/>
+        </p:spPr>
+        <p:txBody>
+          <a:bodyPr wrap="square">
+            <a:spAutoFit/>
+          </a:bodyPr>
+          <a:lstStyle/>
+          <a:p>
+            <a:r>
+              <a:rPr lang="en-US" altLang="zh-CN" sz="700" dirty="0" err="1"/>
+              <a:t>Pytorch</a:t>
+            </a:r>
+            <a:r>
+              <a:rPr lang="en-US" altLang="zh-CN" sz="700" dirty="0"/>
+              <a:t> </a:t>
+            </a:r>
+            <a:r>
+              <a:rPr lang="zh-CN" altLang="en-US" sz="700" dirty="0"/>
+              <a:t>深度学习实践</a:t>
+            </a:r>
+            <a:r>
+              <a:rPr lang="en-US" altLang="zh-CN" sz="700" dirty="0"/>
+              <a:t>, </a:t>
+            </a:r>
+            <a:r>
+              <a:rPr lang="en-US" altLang="zh-CN" sz="700" dirty="0" err="1"/>
+              <a:t>bilibili</a:t>
+            </a:r>
+            <a:r>
+              <a:rPr lang="en-US" altLang="zh-CN" sz="700" dirty="0"/>
+              <a:t> </a:t>
+            </a:r>
+            <a:endParaRPr lang="zh-CN" altLang="en-US" sz="700" dirty="0"/>
+          </a:p>
+        </p:txBody>
+      </p:sp>
+      <p:pic>
+        <p:nvPicPr>
+          <p:cNvPr id="20" name="图片 19">
+            <a:extLst>
+              <a:ext uri="{FF2B5EF4-FFF2-40B4-BE49-F238E27FC236}">
+                <a16:creationId xmlns:a16="http://schemas.microsoft.com/office/drawing/2014/main" id="{4ACD3A3D-6E61-4930-9B45-39336F3CF167}"/>
+              </a:ext>
+            </a:extLst>
+          </p:cNvPr>
+          <p:cNvPicPr>
+            <a:picLocks noChangeAspect="1"/>
+          </p:cNvPicPr>
+          <p:nvPr/>
+        </p:nvPicPr>
+        <p:blipFill>
+          <a:blip r:embed="rId7"/>
+          <a:stretch>
+            <a:fillRect/>
+          </a:stretch>
+        </p:blipFill>
+        <p:spPr>
+          <a:xfrm>
+            <a:off x="5004600" y="4019534"/>
+            <a:ext cx="4015058" cy="1980762"/>
+          </a:xfrm>
+          <a:prstGeom prst="rect">
+            <a:avLst/>
+          </a:prstGeom>
+        </p:spPr>
+      </p:pic>
+      <p:sp>
+        <p:nvSpPr>
+          <p:cNvPr id="22" name="文本框 21">
+            <a:extLst>
+              <a:ext uri="{FF2B5EF4-FFF2-40B4-BE49-F238E27FC236}">
+                <a16:creationId xmlns:a16="http://schemas.microsoft.com/office/drawing/2014/main" id="{E7484FE8-8F5C-489E-9313-FACCCAE903FA}"/>
+              </a:ext>
+            </a:extLst>
+          </p:cNvPr>
+          <p:cNvSpPr txBox="1"/>
+          <p:nvPr/>
+        </p:nvSpPr>
+        <p:spPr>
+          <a:xfrm>
+            <a:off x="-1" y="6525163"/>
+            <a:ext cx="5425440" cy="338554"/>
+          </a:xfrm>
+          <a:prstGeom prst="rect">
+            <a:avLst/>
+          </a:prstGeom>
+          <a:noFill/>
+        </p:spPr>
+        <p:txBody>
+          <a:bodyPr wrap="square">
+            <a:spAutoFit/>
+          </a:bodyPr>
+          <a:lstStyle/>
+          <a:p>
+            <a:pPr algn="l"/>
+            <a:r>
+              <a:rPr lang="zh-CN" altLang="en-US" sz="1600" dirty="0">
+                <a:solidFill>
+                  <a:srgbClr val="FF0000"/>
+                </a:solidFill>
+                <a:effectLst/>
+              </a:rPr>
+              <a:t>神经网络来源于神经科学，深度学习来源于数学和工程学。</a:t>
+            </a:r>
+          </a:p>
+        </p:txBody>
+      </p:sp>
+      <p:sp>
+        <p:nvSpPr>
+          <p:cNvPr id="24" name="文本框 23">
+            <a:extLst>
+              <a:ext uri="{FF2B5EF4-FFF2-40B4-BE49-F238E27FC236}">
+                <a16:creationId xmlns:a16="http://schemas.microsoft.com/office/drawing/2014/main" id="{A48E2127-31CC-495B-B313-282F5E0B08A6}"/>
+              </a:ext>
+            </a:extLst>
+          </p:cNvPr>
+          <p:cNvSpPr txBox="1"/>
+          <p:nvPr/>
+        </p:nvSpPr>
+        <p:spPr>
+          <a:xfrm>
+            <a:off x="1962945" y="4362449"/>
+            <a:ext cx="739615" cy="1815882"/>
+          </a:xfrm>
+          <a:prstGeom prst="rect">
+            <a:avLst/>
+          </a:prstGeom>
+          <a:noFill/>
+        </p:spPr>
+        <p:txBody>
+          <a:bodyPr wrap="square">
+            <a:spAutoFit/>
+          </a:bodyPr>
+          <a:lstStyle/>
+          <a:p>
+            <a:r>
+              <a:rPr lang="zh-CN" altLang="en-US" sz="1400" dirty="0">
+                <a:solidFill>
+                  <a:srgbClr val="0000FF"/>
+                </a:solidFill>
+              </a:rPr>
+              <a:t>神经科学实验发现哺</a:t>
+            </a:r>
+            <a:endParaRPr lang="en-US" altLang="zh-CN" sz="1400" dirty="0">
+              <a:solidFill>
+                <a:srgbClr val="0000FF"/>
+              </a:solidFill>
+            </a:endParaRPr>
+          </a:p>
+          <a:p>
+            <a:endParaRPr lang="en-US" altLang="zh-CN" sz="1400" dirty="0">
+              <a:solidFill>
+                <a:srgbClr val="0000FF"/>
+              </a:solidFill>
+            </a:endParaRPr>
+          </a:p>
+          <a:p>
+            <a:r>
+              <a:rPr lang="zh-CN" altLang="en-US" sz="1400" dirty="0">
+                <a:solidFill>
+                  <a:srgbClr val="0000FF"/>
+                </a:solidFill>
+              </a:rPr>
+              <a:t>乳动物的视觉处理是分层的。</a:t>
+            </a:r>
+          </a:p>
+        </p:txBody>
+      </p:sp>
+    </p:spTree>
+    <p:extLst>
+      <p:ext uri="{BB962C8B-B14F-4D97-AF65-F5344CB8AC3E}">
+        <p14:creationId xmlns:p14="http://schemas.microsoft.com/office/powerpoint/2010/main" val="2287312209"/>
+      </p:ext>
+    </p:extLst>
+  </p:cSld>
+  <p:clrMapOvr>
+    <a:masterClrMapping/>
+  </p:clrMapOvr>
+</p:sld>
+</file>
+
+<file path=ppt/slides/slide20.xml><?xml version="1.0" encoding="utf-8"?>
+<p:sld xmlns:a="http://schemas.openxmlformats.org/drawingml/2006/main" xmlns:r="http://schemas.openxmlformats.org/officeDocument/2006/relationships" xmlns:p="http://schemas.openxmlformats.org/presentationml/2006/main">
+  <p:cSld>
+    <p:spTree>
+      <p:nvGrpSpPr>
+        <p:cNvPr id="1" name=""/>
+        <p:cNvGrpSpPr/>
+        <p:nvPr/>
+      </p:nvGrpSpPr>
+      <p:grpSpPr>
+        <a:xfrm>
+          <a:off x="0" y="0"/>
+          <a:ext cx="0" cy="0"/>
+          <a:chOff x="0" y="0"/>
+          <a:chExt cx="0" cy="0"/>
+        </a:xfrm>
+      </p:grpSpPr>
+      <p:sp>
+        <p:nvSpPr>
+          <p:cNvPr id="3" name="内容占位符 2"/>
+          <p:cNvSpPr>
+            <a:spLocks noGrp="1"/>
+          </p:cNvSpPr>
+          <p:nvPr>
+            <p:ph idx="1"/>
+          </p:nvPr>
+        </p:nvSpPr>
+        <p:spPr>
+          <a:xfrm>
+            <a:off x="309995" y="1022062"/>
+            <a:ext cx="7886700" cy="4741430"/>
+          </a:xfrm>
+        </p:spPr>
+        <p:txBody>
+          <a:bodyPr>
+            <a:normAutofit/>
+          </a:bodyPr>
+          <a:lstStyle/>
+          <a:p>
+            <a:pPr marL="0" indent="0">
+              <a:lnSpc>
+                <a:spcPct val="200000"/>
+              </a:lnSpc>
+              <a:buNone/>
+            </a:pPr>
+            <a:r>
+              <a:rPr lang="en-US" altLang="zh-CN" kern="100" dirty="0">
+                <a:solidFill>
+                  <a:srgbClr val="C00000"/>
+                </a:solidFill>
+                <a:latin typeface="Times New Roman" panose="02020603050405020304" pitchFamily="18" charset="0"/>
+                <a:cs typeface="Times New Roman" panose="02020603050405020304" pitchFamily="18" charset="0"/>
+              </a:rPr>
+              <a:t>2.1.</a:t>
+            </a:r>
+            <a:endParaRPr lang="en-US" altLang="zh-CN" kern="100" dirty="0">
+              <a:solidFill>
+                <a:srgbClr val="C00000"/>
+              </a:solidFill>
+              <a:latin typeface="Times New Roman" panose="02020603050405020304" pitchFamily="18" charset="0"/>
+              <a:ea typeface="宋体" panose="02010600030101010101" pitchFamily="2" charset="-122"/>
+              <a:cs typeface="Times New Roman" panose="02020603050405020304" pitchFamily="18" charset="0"/>
+            </a:endParaRPr>
+          </a:p>
+          <a:p>
+            <a:pPr marL="0" indent="0">
+              <a:lnSpc>
+                <a:spcPct val="200000"/>
+              </a:lnSpc>
+              <a:buNone/>
+            </a:pPr>
+            <a:r>
+              <a:rPr lang="en-US" altLang="zh-CN" kern="100" dirty="0">
+                <a:latin typeface="Times New Roman" panose="02020603050405020304" pitchFamily="18" charset="0"/>
+                <a:cs typeface="Times New Roman" panose="02020603050405020304" pitchFamily="18" charset="0"/>
+              </a:rPr>
+              <a:t>2.2. </a:t>
+            </a:r>
+          </a:p>
+          <a:p>
+            <a:pPr marL="0" indent="0">
+              <a:lnSpc>
+                <a:spcPct val="200000"/>
+              </a:lnSpc>
+              <a:buNone/>
+            </a:pPr>
+            <a:r>
+              <a:rPr lang="en-US" altLang="zh-CN" kern="100" dirty="0">
+                <a:latin typeface="Times New Roman" panose="02020603050405020304" pitchFamily="18" charset="0"/>
+                <a:cs typeface="Times New Roman" panose="02020603050405020304" pitchFamily="18" charset="0"/>
+              </a:rPr>
+              <a:t>2.3. </a:t>
+            </a:r>
+            <a:endParaRPr lang="en-US" altLang="zh-CN" kern="100" dirty="0">
+              <a:latin typeface="宋体" panose="02010600030101010101" pitchFamily="2" charset="-122"/>
+              <a:ea typeface="宋体" panose="02010600030101010101" pitchFamily="2" charset="-122"/>
+              <a:cs typeface="Times New Roman" panose="02020603050405020304" pitchFamily="18" charset="0"/>
+            </a:endParaRPr>
+          </a:p>
+          <a:p>
+            <a:endParaRPr lang="en-US" altLang="zh-CN" kern="100" dirty="0">
+              <a:latin typeface="Times New Roman" panose="02020603050405020304" pitchFamily="18" charset="0"/>
+              <a:cs typeface="Times New Roman" panose="02020603050405020304" pitchFamily="18" charset="0"/>
+            </a:endParaRPr>
+          </a:p>
+          <a:p>
+            <a:endParaRPr lang="zh-CN" altLang="en-US" dirty="0"/>
+          </a:p>
+        </p:txBody>
+      </p:sp>
+      <p:sp>
+        <p:nvSpPr>
+          <p:cNvPr id="4" name="TextBox 20"/>
+          <p:cNvSpPr txBox="1"/>
+          <p:nvPr/>
+        </p:nvSpPr>
+        <p:spPr>
+          <a:xfrm>
+            <a:off x="107504" y="230320"/>
+            <a:ext cx="4580965" cy="584775"/>
+          </a:xfrm>
+          <a:prstGeom prst="rect">
+            <a:avLst/>
+          </a:prstGeom>
+          <a:noFill/>
+        </p:spPr>
+        <p:txBody>
+          <a:bodyPr wrap="square" rtlCol="0">
+            <a:spAutoFit/>
+          </a:bodyPr>
+          <a:lstStyle/>
+          <a:p>
+            <a:r>
+              <a:rPr lang="zh-CN" altLang="en-US" sz="3200" b="1" dirty="0">
+                <a:solidFill>
+                  <a:srgbClr val="C00000"/>
+                </a:solidFill>
+                <a:latin typeface="黑体" panose="02010609060101010101" pitchFamily="49" charset="-122"/>
+                <a:ea typeface="黑体" panose="02010609060101010101" pitchFamily="49" charset="-122"/>
+                <a:cs typeface="黑体" charset="0"/>
+              </a:rPr>
+              <a:t>二</a:t>
+            </a:r>
+            <a:r>
+              <a:rPr lang="en-US" altLang="zh-CN" sz="3200" b="1" dirty="0">
+                <a:solidFill>
+                  <a:srgbClr val="C00000"/>
+                </a:solidFill>
+                <a:latin typeface="黑体" panose="02010609060101010101" pitchFamily="49" charset="-122"/>
+                <a:ea typeface="黑体" panose="02010609060101010101" pitchFamily="49" charset="-122"/>
+                <a:cs typeface="黑体" charset="0"/>
+              </a:rPr>
+              <a:t> </a:t>
+            </a:r>
+            <a:r>
+              <a:rPr lang="zh-CN" altLang="en-US" sz="3200" b="1" dirty="0">
+                <a:solidFill>
+                  <a:srgbClr val="C00000"/>
+                </a:solidFill>
+                <a:latin typeface="黑体" panose="02010609060101010101" pitchFamily="49" charset="-122"/>
+                <a:ea typeface="黑体" panose="02010609060101010101" pitchFamily="49" charset="-122"/>
+                <a:cs typeface="黑体" charset="0"/>
+              </a:rPr>
+              <a:t>研究进展</a:t>
+            </a:r>
+          </a:p>
+        </p:txBody>
+      </p:sp>
+      <p:cxnSp>
+        <p:nvCxnSpPr>
+          <p:cNvPr id="5" name="直接连接符 4"/>
+          <p:cNvCxnSpPr/>
+          <p:nvPr/>
+        </p:nvCxnSpPr>
+        <p:spPr>
+          <a:xfrm flipV="1">
+            <a:off x="-13123" y="904126"/>
+            <a:ext cx="9157123" cy="1487"/>
+          </a:xfrm>
+          <a:prstGeom prst="line">
+            <a:avLst/>
+          </a:prstGeom>
+          <a:ln w="38100">
+            <a:solidFill>
+              <a:srgbClr val="C00000"/>
+            </a:solidFill>
+          </a:ln>
+        </p:spPr>
+        <p:style>
+          <a:lnRef idx="2">
+            <a:schemeClr val="accent1"/>
+          </a:lnRef>
+          <a:fillRef idx="0">
+            <a:schemeClr val="accent1"/>
+          </a:fillRef>
+          <a:effectRef idx="1">
+            <a:schemeClr val="accent1"/>
+          </a:effectRef>
+          <a:fontRef idx="minor">
+            <a:schemeClr val="tx1"/>
+          </a:fontRef>
+        </p:style>
+      </p:cxnSp>
+      <p:sp>
+        <p:nvSpPr>
+          <p:cNvPr id="2" name="灯片编号占位符 1"/>
+          <p:cNvSpPr>
+            <a:spLocks noGrp="1"/>
+          </p:cNvSpPr>
+          <p:nvPr>
+            <p:ph type="sldNum" sz="quarter" idx="12"/>
+          </p:nvPr>
+        </p:nvSpPr>
+        <p:spPr/>
+        <p:txBody>
+          <a:bodyPr/>
+          <a:lstStyle/>
+          <a:p>
+            <a:fld id="{5B8AC867-72ED-42EA-92C6-36FC511EE56C}" type="slidenum">
+              <a:rPr lang="zh-CN" altLang="en-US" smtClean="0"/>
+              <a:t>20</a:t>
+            </a:fld>
+            <a:endParaRPr lang="zh-CN" altLang="en-US" dirty="0"/>
+          </a:p>
+        </p:txBody>
+      </p:sp>
+    </p:spTree>
+    <p:extLst>
+      <p:ext uri="{BB962C8B-B14F-4D97-AF65-F5344CB8AC3E}">
+        <p14:creationId xmlns:p14="http://schemas.microsoft.com/office/powerpoint/2010/main" val="3291909554"/>
+      </p:ext>
+    </p:extLst>
+  </p:cSld>
+  <p:clrMapOvr>
+    <a:masterClrMapping/>
+  </p:clrMapOvr>
+</p:sld>
+</file>
+
+<file path=ppt/slides/slide21.xml><?xml version="1.0" encoding="utf-8"?>
+<p:sld xmlns:a="http://schemas.openxmlformats.org/drawingml/2006/main" xmlns:r="http://schemas.openxmlformats.org/officeDocument/2006/relationships" xmlns:p="http://schemas.openxmlformats.org/presentationml/2006/main">
+  <p:cSld>
+    <p:spTree>
+      <p:nvGrpSpPr>
+        <p:cNvPr id="1" name=""/>
+        <p:cNvGrpSpPr/>
+        <p:nvPr/>
+      </p:nvGrpSpPr>
+      <p:grpSpPr>
+        <a:xfrm>
+          <a:off x="0" y="0"/>
+          <a:ext cx="0" cy="0"/>
+          <a:chOff x="0" y="0"/>
+          <a:chExt cx="0" cy="0"/>
+        </a:xfrm>
+      </p:grpSpPr>
+      <p:sp>
+        <p:nvSpPr>
+          <p:cNvPr id="3" name="内容占位符 2"/>
+          <p:cNvSpPr>
+            <a:spLocks noGrp="1"/>
+          </p:cNvSpPr>
+          <p:nvPr>
+            <p:ph idx="1"/>
+          </p:nvPr>
+        </p:nvSpPr>
+        <p:spPr>
+          <a:xfrm>
+            <a:off x="309995" y="1022062"/>
+            <a:ext cx="7886700" cy="4741430"/>
+          </a:xfrm>
+        </p:spPr>
+        <p:txBody>
+          <a:bodyPr>
+            <a:normAutofit/>
+          </a:bodyPr>
+          <a:lstStyle/>
+          <a:p>
+            <a:endParaRPr lang="en-US" altLang="zh-CN" kern="100" dirty="0">
+              <a:latin typeface="Times New Roman" panose="02020603050405020304" pitchFamily="18" charset="0"/>
+              <a:cs typeface="Times New Roman" panose="02020603050405020304" pitchFamily="18" charset="0"/>
+            </a:endParaRPr>
+          </a:p>
+          <a:p>
+            <a:endParaRPr lang="zh-CN" altLang="en-US" dirty="0"/>
+          </a:p>
+        </p:txBody>
+      </p:sp>
+      <p:sp>
+        <p:nvSpPr>
+          <p:cNvPr id="4" name="TextBox 20"/>
+          <p:cNvSpPr txBox="1"/>
+          <p:nvPr/>
+        </p:nvSpPr>
+        <p:spPr>
+          <a:xfrm>
+            <a:off x="107504" y="230320"/>
+            <a:ext cx="4580965" cy="584775"/>
+          </a:xfrm>
+          <a:prstGeom prst="rect">
+            <a:avLst/>
+          </a:prstGeom>
+          <a:noFill/>
+        </p:spPr>
+        <p:txBody>
+          <a:bodyPr wrap="square" rtlCol="0">
+            <a:spAutoFit/>
+          </a:bodyPr>
+          <a:lstStyle/>
+          <a:p>
+            <a:pPr lvl="0"/>
+            <a:r>
+              <a:rPr lang="en-US" altLang="zh-CN" sz="3200" b="1" dirty="0">
+                <a:solidFill>
+                  <a:srgbClr val="C00000"/>
+                </a:solidFill>
+                <a:ea typeface="黑体" panose="02010609060101010101" pitchFamily="49" charset="-122"/>
+                <a:cs typeface="Times New Roman" pitchFamily="18" charset="0"/>
+              </a:rPr>
+              <a:t>2.1. </a:t>
+            </a:r>
+          </a:p>
+        </p:txBody>
+      </p:sp>
+      <p:cxnSp>
+        <p:nvCxnSpPr>
+          <p:cNvPr id="5" name="直接连接符 4"/>
+          <p:cNvCxnSpPr/>
+          <p:nvPr/>
+        </p:nvCxnSpPr>
+        <p:spPr>
+          <a:xfrm flipV="1">
+            <a:off x="-13123" y="904126"/>
+            <a:ext cx="9157123" cy="1487"/>
+          </a:xfrm>
+          <a:prstGeom prst="line">
+            <a:avLst/>
+          </a:prstGeom>
+          <a:ln w="38100">
+            <a:solidFill>
+              <a:srgbClr val="C00000"/>
+            </a:solidFill>
+          </a:ln>
+        </p:spPr>
+        <p:style>
+          <a:lnRef idx="2">
+            <a:schemeClr val="accent1"/>
+          </a:lnRef>
+          <a:fillRef idx="0">
+            <a:schemeClr val="accent1"/>
+          </a:fillRef>
+          <a:effectRef idx="1">
+            <a:schemeClr val="accent1"/>
+          </a:effectRef>
+          <a:fontRef idx="minor">
+            <a:schemeClr val="tx1"/>
+          </a:fontRef>
+        </p:style>
+      </p:cxnSp>
+      <p:sp>
+        <p:nvSpPr>
+          <p:cNvPr id="2" name="灯片编号占位符 1"/>
+          <p:cNvSpPr>
+            <a:spLocks noGrp="1"/>
+          </p:cNvSpPr>
+          <p:nvPr>
+            <p:ph type="sldNum" sz="quarter" idx="12"/>
+          </p:nvPr>
+        </p:nvSpPr>
+        <p:spPr/>
+        <p:txBody>
+          <a:bodyPr/>
+          <a:lstStyle/>
+          <a:p>
+            <a:fld id="{5B8AC867-72ED-42EA-92C6-36FC511EE56C}" type="slidenum">
+              <a:rPr lang="zh-CN" altLang="en-US" smtClean="0"/>
+              <a:t>21</a:t>
+            </a:fld>
+            <a:endParaRPr lang="zh-CN" altLang="en-US" dirty="0"/>
+          </a:p>
+        </p:txBody>
+      </p:sp>
+    </p:spTree>
+    <p:extLst>
+      <p:ext uri="{BB962C8B-B14F-4D97-AF65-F5344CB8AC3E}">
+        <p14:creationId xmlns:p14="http://schemas.microsoft.com/office/powerpoint/2010/main" val="79607533"/>
+      </p:ext>
+    </p:extLst>
+  </p:cSld>
+  <p:clrMapOvr>
+    <a:masterClrMapping/>
+  </p:clrMapOvr>
+</p:sld>
+</file>
+
+<file path=ppt/slides/slide22.xml><?xml version="1.0" encoding="utf-8"?>
+<p:sld xmlns:a="http://schemas.openxmlformats.org/drawingml/2006/main" xmlns:r="http://schemas.openxmlformats.org/officeDocument/2006/relationships" xmlns:p="http://schemas.openxmlformats.org/presentationml/2006/main">
+  <p:cSld>
+    <p:spTree>
+      <p:nvGrpSpPr>
+        <p:cNvPr id="1" name=""/>
+        <p:cNvGrpSpPr/>
+        <p:nvPr/>
+      </p:nvGrpSpPr>
+      <p:grpSpPr>
+        <a:xfrm>
+          <a:off x="0" y="0"/>
+          <a:ext cx="0" cy="0"/>
+          <a:chOff x="0" y="0"/>
+          <a:chExt cx="0" cy="0"/>
+        </a:xfrm>
+      </p:grpSpPr>
+      <p:sp>
+        <p:nvSpPr>
+          <p:cNvPr id="4" name="灯片编号占位符 3">
+            <a:extLst>
+              <a:ext uri="{FF2B5EF4-FFF2-40B4-BE49-F238E27FC236}">
+                <a16:creationId xmlns:a16="http://schemas.microsoft.com/office/drawing/2014/main" id="{7C4DDF51-5A9D-4877-9F00-A48FB2F09006}"/>
+              </a:ext>
+            </a:extLst>
+          </p:cNvPr>
+          <p:cNvSpPr>
+            <a:spLocks noGrp="1"/>
+          </p:cNvSpPr>
+          <p:nvPr>
+            <p:ph type="sldNum" sz="quarter" idx="12"/>
+          </p:nvPr>
+        </p:nvSpPr>
+        <p:spPr/>
+        <p:txBody>
+          <a:bodyPr/>
+          <a:lstStyle/>
+          <a:p>
+            <a:fld id="{5B8AC867-72ED-42EA-92C6-36FC511EE56C}" type="slidenum">
+              <a:rPr lang="zh-CN" altLang="en-US" smtClean="0"/>
+              <a:t>22</a:t>
+            </a:fld>
+            <a:endParaRPr lang="zh-CN" altLang="en-US" dirty="0"/>
+          </a:p>
+        </p:txBody>
+      </p:sp>
+      <p:pic>
+        <p:nvPicPr>
+          <p:cNvPr id="7" name="图片 6">
+            <a:extLst>
+              <a:ext uri="{FF2B5EF4-FFF2-40B4-BE49-F238E27FC236}">
+                <a16:creationId xmlns:a16="http://schemas.microsoft.com/office/drawing/2014/main" id="{976686F0-5A84-4400-AE7E-947828C9E5C1}"/>
+              </a:ext>
+            </a:extLst>
+          </p:cNvPr>
+          <p:cNvPicPr>
+            <a:picLocks noChangeAspect="1"/>
+          </p:cNvPicPr>
+          <p:nvPr/>
+        </p:nvPicPr>
+        <p:blipFill>
+          <a:blip r:embed="rId2"/>
+          <a:stretch>
+            <a:fillRect/>
+          </a:stretch>
+        </p:blipFill>
+        <p:spPr>
+          <a:xfrm>
+            <a:off x="0" y="0"/>
+            <a:ext cx="8239539" cy="2858616"/>
+          </a:xfrm>
+          <a:prstGeom prst="rect">
+            <a:avLst/>
+          </a:prstGeom>
+        </p:spPr>
+      </p:pic>
+      <p:sp>
+        <p:nvSpPr>
+          <p:cNvPr id="8" name="文本框 7">
+            <a:extLst>
+              <a:ext uri="{FF2B5EF4-FFF2-40B4-BE49-F238E27FC236}">
+                <a16:creationId xmlns:a16="http://schemas.microsoft.com/office/drawing/2014/main" id="{8893BCAC-E9FC-4C22-94F9-114B0C93BACD}"/>
+              </a:ext>
+            </a:extLst>
+          </p:cNvPr>
+          <p:cNvSpPr txBox="1"/>
+          <p:nvPr/>
+        </p:nvSpPr>
+        <p:spPr>
+          <a:xfrm>
+            <a:off x="0" y="3105834"/>
+            <a:ext cx="8667757" cy="646331"/>
+          </a:xfrm>
+          <a:prstGeom prst="rect">
+            <a:avLst/>
+          </a:prstGeom>
+          <a:noFill/>
+        </p:spPr>
+        <p:txBody>
+          <a:bodyPr wrap="none" rtlCol="0">
+            <a:spAutoFit/>
+          </a:bodyPr>
+          <a:lstStyle/>
+          <a:p>
+            <a:r>
+              <a:rPr lang="zh-CN" altLang="en-US" dirty="0"/>
+              <a:t>一个卷积层包括了输入、卷积核和输出三个步骤。</a:t>
+            </a:r>
+            <a:endParaRPr lang="en-US" altLang="zh-CN" dirty="0"/>
+          </a:p>
+          <a:p>
+            <a:r>
+              <a:rPr lang="zh-CN" altLang="en-US" dirty="0"/>
+              <a:t>每个卷积层的输入数据都是以三维的形式存在的，就相当于多张</a:t>
+            </a:r>
+            <a:r>
+              <a:rPr lang="en-US" altLang="zh-CN" dirty="0"/>
+              <a:t>feature map</a:t>
+            </a:r>
+            <a:r>
+              <a:rPr lang="zh-CN" altLang="en-US" dirty="0"/>
+              <a:t>的叠加。</a:t>
+            </a:r>
+            <a:endParaRPr lang="en-US" altLang="zh-CN" dirty="0"/>
+          </a:p>
+        </p:txBody>
+      </p:sp>
+      <p:sp>
+        <p:nvSpPr>
+          <p:cNvPr id="9" name="矩形 8">
+            <a:extLst>
+              <a:ext uri="{FF2B5EF4-FFF2-40B4-BE49-F238E27FC236}">
+                <a16:creationId xmlns:a16="http://schemas.microsoft.com/office/drawing/2014/main" id="{62FD523E-4D94-43C5-B393-62936EA04C9B}"/>
+              </a:ext>
+            </a:extLst>
+          </p:cNvPr>
+          <p:cNvSpPr/>
+          <p:nvPr/>
+        </p:nvSpPr>
+        <p:spPr>
+          <a:xfrm>
+            <a:off x="139148" y="516835"/>
+            <a:ext cx="1798982" cy="1779104"/>
+          </a:xfrm>
+          <a:prstGeom prst="rect">
+            <a:avLst/>
+          </a:prstGeom>
+          <a:noFill/>
+          <a:ln w="38100">
+            <a:solidFill>
+              <a:srgbClr val="0000FF"/>
+            </a:solidFill>
+          </a:ln>
+        </p:spPr>
+        <p:style>
+          <a:lnRef idx="2">
+            <a:schemeClr val="accent1">
+              <a:shade val="50000"/>
+            </a:schemeClr>
+          </a:lnRef>
+          <a:fillRef idx="1">
+            <a:schemeClr val="accent1"/>
+          </a:fillRef>
+          <a:effectRef idx="0">
+            <a:schemeClr val="accent1"/>
+          </a:effectRef>
+          <a:fontRef idx="minor">
+            <a:schemeClr val="lt1"/>
+          </a:fontRef>
+        </p:style>
+        <p:txBody>
+          <a:bodyPr rtlCol="0" anchor="ctr"/>
+          <a:lstStyle/>
+          <a:p>
+            <a:pPr algn="ctr"/>
+            <a:endParaRPr lang="zh-CN" altLang="en-US"/>
+          </a:p>
+        </p:txBody>
+      </p:sp>
+      <p:cxnSp>
+        <p:nvCxnSpPr>
+          <p:cNvPr id="12" name="直接箭头连接符 11">
+            <a:extLst>
+              <a:ext uri="{FF2B5EF4-FFF2-40B4-BE49-F238E27FC236}">
+                <a16:creationId xmlns:a16="http://schemas.microsoft.com/office/drawing/2014/main" id="{A43EBBD9-856B-4A07-8F71-5F0E68F073C1}"/>
+              </a:ext>
+            </a:extLst>
+          </p:cNvPr>
+          <p:cNvCxnSpPr>
+            <a:cxnSpLocks/>
+          </p:cNvCxnSpPr>
+          <p:nvPr/>
+        </p:nvCxnSpPr>
+        <p:spPr>
+          <a:xfrm>
+            <a:off x="1570383" y="2295939"/>
+            <a:ext cx="0" cy="365981"/>
+          </a:xfrm>
+          <a:prstGeom prst="straightConnector1">
+            <a:avLst/>
+          </a:prstGeom>
+          <a:ln w="38100">
+            <a:solidFill>
+              <a:srgbClr val="0000FF"/>
+            </a:solidFill>
+            <a:tailEnd type="triangle"/>
+          </a:ln>
+        </p:spPr>
+        <p:style>
+          <a:lnRef idx="1">
+            <a:schemeClr val="accent1"/>
+          </a:lnRef>
+          <a:fillRef idx="0">
+            <a:schemeClr val="accent1"/>
+          </a:fillRef>
+          <a:effectRef idx="0">
+            <a:schemeClr val="accent1"/>
+          </a:effectRef>
+          <a:fontRef idx="minor">
+            <a:schemeClr val="tx1"/>
+          </a:fontRef>
+        </p:style>
+      </p:cxnSp>
+      <p:sp>
+        <p:nvSpPr>
+          <p:cNvPr id="13" name="文本框 12">
+            <a:extLst>
+              <a:ext uri="{FF2B5EF4-FFF2-40B4-BE49-F238E27FC236}">
+                <a16:creationId xmlns:a16="http://schemas.microsoft.com/office/drawing/2014/main" id="{66986655-95CD-4946-B43D-1B80963BF00B}"/>
+              </a:ext>
+            </a:extLst>
+          </p:cNvPr>
+          <p:cNvSpPr txBox="1"/>
+          <p:nvPr/>
+        </p:nvSpPr>
+        <p:spPr>
+          <a:xfrm>
+            <a:off x="1038639" y="2560084"/>
+            <a:ext cx="1281120" cy="369332"/>
+          </a:xfrm>
+          <a:prstGeom prst="rect">
+            <a:avLst/>
+          </a:prstGeom>
+          <a:noFill/>
+        </p:spPr>
+        <p:txBody>
+          <a:bodyPr wrap="none" rtlCol="0">
+            <a:spAutoFit/>
+          </a:bodyPr>
+          <a:lstStyle/>
+          <a:p>
+            <a:r>
+              <a:rPr lang="en-US" altLang="zh-CN" dirty="0">
+                <a:solidFill>
+                  <a:srgbClr val="0000FF"/>
+                </a:solidFill>
+              </a:rPr>
+              <a:t>feature map</a:t>
+            </a:r>
+            <a:endParaRPr lang="zh-CN" altLang="en-US" dirty="0">
+              <a:solidFill>
+                <a:srgbClr val="0000FF"/>
+              </a:solidFill>
+            </a:endParaRPr>
+          </a:p>
+        </p:txBody>
+      </p:sp>
+      <p:sp>
+        <p:nvSpPr>
+          <p:cNvPr id="14" name="矩形 13">
+            <a:extLst>
+              <a:ext uri="{FF2B5EF4-FFF2-40B4-BE49-F238E27FC236}">
+                <a16:creationId xmlns:a16="http://schemas.microsoft.com/office/drawing/2014/main" id="{8A8AFCD5-8258-4B5B-A47E-3DE56962CCD4}"/>
+              </a:ext>
+            </a:extLst>
+          </p:cNvPr>
+          <p:cNvSpPr/>
+          <p:nvPr/>
+        </p:nvSpPr>
+        <p:spPr>
+          <a:xfrm>
+            <a:off x="10160" y="222294"/>
+            <a:ext cx="2319753" cy="2341781"/>
+          </a:xfrm>
+          <a:prstGeom prst="rect">
+            <a:avLst/>
+          </a:prstGeom>
+          <a:noFill/>
+          <a:ln w="28575">
+            <a:solidFill>
+              <a:srgbClr val="0000FF"/>
+            </a:solidFill>
+          </a:ln>
+        </p:spPr>
+        <p:style>
+          <a:lnRef idx="2">
+            <a:schemeClr val="accent1">
+              <a:shade val="50000"/>
+            </a:schemeClr>
+          </a:lnRef>
+          <a:fillRef idx="1">
+            <a:schemeClr val="accent1"/>
+          </a:fillRef>
+          <a:effectRef idx="0">
+            <a:schemeClr val="accent1"/>
+          </a:effectRef>
+          <a:fontRef idx="minor">
+            <a:schemeClr val="lt1"/>
+          </a:fontRef>
+        </p:style>
+        <p:txBody>
+          <a:bodyPr rtlCol="0" anchor="ctr"/>
+          <a:lstStyle/>
+          <a:p>
+            <a:pPr algn="ctr"/>
+            <a:endParaRPr lang="zh-CN" altLang="en-US"/>
+          </a:p>
+        </p:txBody>
+      </p:sp>
+      <p:sp>
+        <p:nvSpPr>
+          <p:cNvPr id="16" name="文本框 15">
+            <a:extLst>
+              <a:ext uri="{FF2B5EF4-FFF2-40B4-BE49-F238E27FC236}">
+                <a16:creationId xmlns:a16="http://schemas.microsoft.com/office/drawing/2014/main" id="{755582EC-C15E-404C-B36B-A3CE21527AA2}"/>
+              </a:ext>
+            </a:extLst>
+          </p:cNvPr>
+          <p:cNvSpPr txBox="1"/>
+          <p:nvPr/>
+        </p:nvSpPr>
+        <p:spPr>
+          <a:xfrm>
+            <a:off x="807597" y="-309888"/>
+            <a:ext cx="724878" cy="400110"/>
+          </a:xfrm>
+          <a:prstGeom prst="rect">
+            <a:avLst/>
+          </a:prstGeom>
+          <a:noFill/>
+        </p:spPr>
+        <p:txBody>
+          <a:bodyPr wrap="none" rtlCol="0">
+            <a:spAutoFit/>
+          </a:bodyPr>
+          <a:lstStyle/>
+          <a:p>
+            <a:r>
+              <a:rPr lang="en-US" altLang="zh-CN" sz="2000" dirty="0">
+                <a:solidFill>
+                  <a:srgbClr val="0000FF"/>
+                </a:solidFill>
+              </a:rPr>
+              <a:t>Input</a:t>
+            </a:r>
+            <a:endParaRPr lang="zh-CN" altLang="en-US" sz="2000" dirty="0">
+              <a:solidFill>
+                <a:srgbClr val="0000FF"/>
+              </a:solidFill>
+            </a:endParaRPr>
+          </a:p>
+        </p:txBody>
+      </p:sp>
+      <p:sp>
+        <p:nvSpPr>
+          <p:cNvPr id="17" name="矩形 16">
+            <a:extLst>
+              <a:ext uri="{FF2B5EF4-FFF2-40B4-BE49-F238E27FC236}">
+                <a16:creationId xmlns:a16="http://schemas.microsoft.com/office/drawing/2014/main" id="{7D05B39C-A152-421D-9061-536EF82E3B7F}"/>
+              </a:ext>
+            </a:extLst>
+          </p:cNvPr>
+          <p:cNvSpPr/>
+          <p:nvPr/>
+        </p:nvSpPr>
+        <p:spPr>
+          <a:xfrm>
+            <a:off x="2861658" y="81025"/>
+            <a:ext cx="1328378" cy="2580895"/>
+          </a:xfrm>
+          <a:prstGeom prst="rect">
+            <a:avLst/>
+          </a:prstGeom>
+          <a:noFill/>
+          <a:ln w="28575">
+            <a:solidFill>
+              <a:srgbClr val="0000FF"/>
+            </a:solidFill>
+          </a:ln>
+        </p:spPr>
+        <p:style>
+          <a:lnRef idx="2">
+            <a:schemeClr val="accent1">
+              <a:shade val="50000"/>
+            </a:schemeClr>
+          </a:lnRef>
+          <a:fillRef idx="1">
+            <a:schemeClr val="accent1"/>
+          </a:fillRef>
+          <a:effectRef idx="0">
+            <a:schemeClr val="accent1"/>
+          </a:effectRef>
+          <a:fontRef idx="minor">
+            <a:schemeClr val="lt1"/>
+          </a:fontRef>
+        </p:style>
+        <p:txBody>
+          <a:bodyPr rtlCol="0" anchor="ctr"/>
+          <a:lstStyle/>
+          <a:p>
+            <a:pPr algn="ctr"/>
+            <a:endParaRPr lang="zh-CN" altLang="en-US"/>
+          </a:p>
+        </p:txBody>
+      </p:sp>
+      <p:sp>
+        <p:nvSpPr>
+          <p:cNvPr id="18" name="文本框 17">
+            <a:extLst>
+              <a:ext uri="{FF2B5EF4-FFF2-40B4-BE49-F238E27FC236}">
+                <a16:creationId xmlns:a16="http://schemas.microsoft.com/office/drawing/2014/main" id="{6F009047-1A56-453C-9336-7E45C23D78B2}"/>
+              </a:ext>
+            </a:extLst>
+          </p:cNvPr>
+          <p:cNvSpPr txBox="1"/>
+          <p:nvPr/>
+        </p:nvSpPr>
+        <p:spPr>
+          <a:xfrm>
+            <a:off x="3113714" y="-309888"/>
+            <a:ext cx="824265" cy="400110"/>
+          </a:xfrm>
+          <a:prstGeom prst="rect">
+            <a:avLst/>
+          </a:prstGeom>
+          <a:noFill/>
+        </p:spPr>
+        <p:txBody>
+          <a:bodyPr wrap="none" rtlCol="0">
+            <a:spAutoFit/>
+          </a:bodyPr>
+          <a:lstStyle/>
+          <a:p>
+            <a:r>
+              <a:rPr lang="en-US" altLang="zh-CN" sz="2000" dirty="0">
+                <a:solidFill>
+                  <a:srgbClr val="0000FF"/>
+                </a:solidFill>
+              </a:rPr>
+              <a:t>kernel</a:t>
+            </a:r>
+            <a:endParaRPr lang="zh-CN" altLang="en-US" sz="2000" dirty="0">
+              <a:solidFill>
+                <a:srgbClr val="0000FF"/>
+              </a:solidFill>
+            </a:endParaRPr>
+          </a:p>
+        </p:txBody>
+      </p:sp>
+      <p:sp>
+        <p:nvSpPr>
+          <p:cNvPr id="19" name="矩形 18">
+            <a:extLst>
+              <a:ext uri="{FF2B5EF4-FFF2-40B4-BE49-F238E27FC236}">
+                <a16:creationId xmlns:a16="http://schemas.microsoft.com/office/drawing/2014/main" id="{55DC7E46-6867-4C66-8DAA-EFEF1C7482DA}"/>
+              </a:ext>
+            </a:extLst>
+          </p:cNvPr>
+          <p:cNvSpPr/>
+          <p:nvPr/>
+        </p:nvSpPr>
+        <p:spPr>
+          <a:xfrm>
+            <a:off x="4760381" y="81025"/>
+            <a:ext cx="3479158" cy="2777591"/>
+          </a:xfrm>
+          <a:prstGeom prst="rect">
+            <a:avLst/>
+          </a:prstGeom>
+          <a:noFill/>
+          <a:ln w="28575">
+            <a:solidFill>
+              <a:srgbClr val="0000FF"/>
+            </a:solidFill>
+          </a:ln>
+        </p:spPr>
+        <p:style>
+          <a:lnRef idx="2">
+            <a:schemeClr val="accent1">
+              <a:shade val="50000"/>
+            </a:schemeClr>
+          </a:lnRef>
+          <a:fillRef idx="1">
+            <a:schemeClr val="accent1"/>
+          </a:fillRef>
+          <a:effectRef idx="0">
+            <a:schemeClr val="accent1"/>
+          </a:effectRef>
+          <a:fontRef idx="minor">
+            <a:schemeClr val="lt1"/>
+          </a:fontRef>
+        </p:style>
+        <p:txBody>
+          <a:bodyPr rtlCol="0" anchor="ctr"/>
+          <a:lstStyle/>
+          <a:p>
+            <a:pPr algn="ctr"/>
+            <a:endParaRPr lang="zh-CN" altLang="en-US"/>
+          </a:p>
+        </p:txBody>
+      </p:sp>
+      <p:sp>
+        <p:nvSpPr>
+          <p:cNvPr id="20" name="文本框 19">
+            <a:extLst>
+              <a:ext uri="{FF2B5EF4-FFF2-40B4-BE49-F238E27FC236}">
+                <a16:creationId xmlns:a16="http://schemas.microsoft.com/office/drawing/2014/main" id="{799EA1C7-FA00-4E58-88DC-0CA0BC785B4F}"/>
+              </a:ext>
+            </a:extLst>
+          </p:cNvPr>
+          <p:cNvSpPr txBox="1"/>
+          <p:nvPr/>
+        </p:nvSpPr>
+        <p:spPr>
+          <a:xfrm>
+            <a:off x="6051760" y="-319085"/>
+            <a:ext cx="896399" cy="400110"/>
+          </a:xfrm>
+          <a:prstGeom prst="rect">
+            <a:avLst/>
+          </a:prstGeom>
+          <a:noFill/>
+        </p:spPr>
+        <p:txBody>
+          <a:bodyPr wrap="none" rtlCol="0">
+            <a:spAutoFit/>
+          </a:bodyPr>
+          <a:lstStyle/>
+          <a:p>
+            <a:r>
+              <a:rPr lang="en-US" altLang="zh-CN" sz="2000" dirty="0">
+                <a:solidFill>
+                  <a:srgbClr val="0000FF"/>
+                </a:solidFill>
+              </a:rPr>
+              <a:t>Output</a:t>
+            </a:r>
+            <a:endParaRPr lang="zh-CN" altLang="en-US" sz="2000" dirty="0">
+              <a:solidFill>
+                <a:srgbClr val="0000FF"/>
+              </a:solidFill>
+            </a:endParaRPr>
+          </a:p>
+        </p:txBody>
+      </p:sp>
+      <p:sp>
+        <p:nvSpPr>
+          <p:cNvPr id="21" name="文本框 20">
+            <a:extLst>
+              <a:ext uri="{FF2B5EF4-FFF2-40B4-BE49-F238E27FC236}">
+                <a16:creationId xmlns:a16="http://schemas.microsoft.com/office/drawing/2014/main" id="{CEE88769-BD0C-4ADF-B5F8-B29BEB4D5495}"/>
+              </a:ext>
+            </a:extLst>
+          </p:cNvPr>
+          <p:cNvSpPr txBox="1"/>
+          <p:nvPr/>
+        </p:nvSpPr>
+        <p:spPr>
+          <a:xfrm>
+            <a:off x="20559" y="3908358"/>
+            <a:ext cx="6186309" cy="369332"/>
+          </a:xfrm>
+          <a:prstGeom prst="rect">
+            <a:avLst/>
+          </a:prstGeom>
+          <a:noFill/>
+        </p:spPr>
+        <p:txBody>
+          <a:bodyPr wrap="none" rtlCol="0">
+            <a:spAutoFit/>
+          </a:bodyPr>
+          <a:lstStyle/>
+          <a:p>
+            <a:r>
+              <a:rPr lang="zh-CN" altLang="en-US" dirty="0"/>
+              <a:t>主要用于提取特征。特别是图片的特征。蛋白序列的特征。</a:t>
+            </a:r>
+            <a:endParaRPr lang="en-US" altLang="zh-CN" dirty="0"/>
+          </a:p>
+        </p:txBody>
+      </p:sp>
+      <p:pic>
+        <p:nvPicPr>
+          <p:cNvPr id="2" name="图片 1">
+            <a:extLst>
+              <a:ext uri="{FF2B5EF4-FFF2-40B4-BE49-F238E27FC236}">
+                <a16:creationId xmlns:a16="http://schemas.microsoft.com/office/drawing/2014/main" id="{AD8EE606-D294-461C-915B-E4E6B691E024}"/>
+              </a:ext>
+            </a:extLst>
+          </p:cNvPr>
+          <p:cNvPicPr>
+            <a:picLocks noChangeAspect="1"/>
+          </p:cNvPicPr>
+          <p:nvPr/>
+        </p:nvPicPr>
+        <p:blipFill>
+          <a:blip r:embed="rId3"/>
+          <a:stretch>
+            <a:fillRect/>
+          </a:stretch>
+        </p:blipFill>
+        <p:spPr>
+          <a:xfrm>
+            <a:off x="139148" y="4343179"/>
+            <a:ext cx="6480129" cy="2371234"/>
+          </a:xfrm>
+          <a:prstGeom prst="rect">
+            <a:avLst/>
+          </a:prstGeom>
+        </p:spPr>
+      </p:pic>
+      <p:sp>
+        <p:nvSpPr>
+          <p:cNvPr id="22" name="文本框 21">
+            <a:extLst>
+              <a:ext uri="{FF2B5EF4-FFF2-40B4-BE49-F238E27FC236}">
+                <a16:creationId xmlns:a16="http://schemas.microsoft.com/office/drawing/2014/main" id="{9C518252-E7F1-49D9-A476-1FE07A9848FB}"/>
+              </a:ext>
+            </a:extLst>
+          </p:cNvPr>
+          <p:cNvSpPr txBox="1"/>
+          <p:nvPr/>
+        </p:nvSpPr>
+        <p:spPr>
+          <a:xfrm>
+            <a:off x="6751026" y="4790132"/>
+            <a:ext cx="2253826" cy="1477328"/>
+          </a:xfrm>
+          <a:prstGeom prst="rect">
+            <a:avLst/>
+          </a:prstGeom>
+          <a:noFill/>
+        </p:spPr>
+        <p:txBody>
+          <a:bodyPr wrap="square">
+            <a:spAutoFit/>
+          </a:bodyPr>
+          <a:lstStyle/>
+          <a:p>
+            <a:r>
+              <a:rPr lang="zh-CN" altLang="en-US" dirty="0"/>
+              <a:t>卷积操作不断挤压空间维度，增加深度信息，在最后放置一个分类器，根据信息进行分类。</a:t>
+            </a:r>
+          </a:p>
+        </p:txBody>
+      </p:sp>
+    </p:spTree>
+    <p:extLst>
+      <p:ext uri="{BB962C8B-B14F-4D97-AF65-F5344CB8AC3E}">
+        <p14:creationId xmlns:p14="http://schemas.microsoft.com/office/powerpoint/2010/main" val="2715077172"/>
+      </p:ext>
+    </p:extLst>
+  </p:cSld>
+  <p:clrMapOvr>
+    <a:masterClrMapping/>
+  </p:clrMapOvr>
+</p:sld>
+</file>
+
+<file path=ppt/slides/slide3.xml><?xml version="1.0" encoding="utf-8"?>
+<p:sld xmlns:a="http://schemas.openxmlformats.org/drawingml/2006/main" xmlns:r="http://schemas.openxmlformats.org/officeDocument/2006/relationships" xmlns:p="http://schemas.openxmlformats.org/presentationml/2006/main">
+  <p:cSld>
+    <p:spTree>
+      <p:nvGrpSpPr>
+        <p:cNvPr id="1" name=""/>
+        <p:cNvGrpSpPr/>
+        <p:nvPr/>
+      </p:nvGrpSpPr>
+      <p:grpSpPr>
+        <a:xfrm>
+          <a:off x="0" y="0"/>
+          <a:ext cx="0" cy="0"/>
+          <a:chOff x="0" y="0"/>
+          <a:chExt cx="0" cy="0"/>
+        </a:xfrm>
+      </p:grpSpPr>
+      <p:sp>
+        <p:nvSpPr>
+          <p:cNvPr id="6" name="TextBox 81"/>
+          <p:cNvSpPr txBox="1"/>
+          <p:nvPr/>
+        </p:nvSpPr>
+        <p:spPr>
+          <a:xfrm>
+            <a:off x="173130" y="260648"/>
+            <a:ext cx="7691049" cy="584775"/>
+          </a:xfrm>
+          <a:prstGeom prst="rect">
+            <a:avLst/>
+          </a:prstGeom>
+          <a:noFill/>
+        </p:spPr>
+        <p:txBody>
+          <a:bodyPr wrap="square" rtlCol="0">
+            <a:spAutoFit/>
+          </a:bodyPr>
+          <a:lstStyle/>
+          <a:p>
+            <a:r>
+              <a:rPr lang="zh-CN" altLang="en-US" sz="3200" b="1" dirty="0">
+                <a:solidFill>
+                  <a:srgbClr val="C00000"/>
+                </a:solidFill>
+                <a:effectLst>
+                  <a:outerShdw blurRad="38100" dist="38100" dir="2700000" algn="tl">
+                    <a:srgbClr val="000000">
+                      <a:alpha val="43137"/>
+                    </a:srgbClr>
+                  </a:outerShdw>
+                </a:effectLst>
+                <a:latin typeface="Times New Roman" panose="02020603050405020304" pitchFamily="18" charset="0"/>
+                <a:ea typeface="楷体" panose="02010609060101010101" pitchFamily="49" charset="-122"/>
+                <a:cs typeface="黑体" charset="0"/>
+              </a:rPr>
+              <a:t>二、</a:t>
+            </a:r>
+            <a:r>
+              <a:rPr lang="en-US" altLang="zh-CN" sz="3200" b="1" dirty="0">
+                <a:solidFill>
+                  <a:srgbClr val="C00000"/>
+                </a:solidFill>
+                <a:effectLst>
+                  <a:outerShdw blurRad="38100" dist="38100" dir="2700000" algn="tl">
+                    <a:srgbClr val="000000">
+                      <a:alpha val="43137"/>
+                    </a:srgbClr>
+                  </a:outerShdw>
+                </a:effectLst>
+                <a:latin typeface="Times New Roman" panose="02020603050405020304" pitchFamily="18" charset="0"/>
+                <a:ea typeface="楷体" panose="02010609060101010101" pitchFamily="49" charset="-122"/>
+                <a:cs typeface="黑体" charset="0"/>
+              </a:rPr>
+              <a:t>Back Propagation</a:t>
+            </a:r>
+          </a:p>
+        </p:txBody>
+      </p:sp>
+      <p:sp>
+        <p:nvSpPr>
+          <p:cNvPr id="7" name="AutoShape 12"/>
+          <p:cNvSpPr>
+            <a:spLocks noChangeArrowheads="1"/>
+          </p:cNvSpPr>
+          <p:nvPr/>
+        </p:nvSpPr>
+        <p:spPr bwMode="auto">
+          <a:xfrm>
+            <a:off x="0" y="955671"/>
+            <a:ext cx="8367713" cy="65314"/>
+          </a:xfrm>
+          <a:custGeom>
+            <a:avLst/>
+            <a:gdLst>
+              <a:gd name="T0" fmla="*/ 0 w 1000"/>
+              <a:gd name="T1" fmla="*/ 0 h 1000"/>
+              <a:gd name="T2" fmla="*/ 2147483647 w 1000"/>
+              <a:gd name="T3" fmla="*/ 0 h 1000"/>
+              <a:gd name="T4" fmla="*/ 2147483647 w 1000"/>
+              <a:gd name="T5" fmla="*/ 2147483647 h 1000"/>
+              <a:gd name="T6" fmla="*/ 0 w 1000"/>
+              <a:gd name="T7" fmla="*/ 2147483647 h 1000"/>
+              <a:gd name="T8" fmla="*/ 0 w 1000"/>
+              <a:gd name="T9" fmla="*/ 0 h 1000"/>
+              <a:gd name="T10" fmla="*/ 2147483647 w 1000"/>
+              <a:gd name="T11" fmla="*/ 0 h 1000"/>
+              <a:gd name="T12" fmla="*/ 0 60000 65536"/>
+              <a:gd name="T13" fmla="*/ 0 60000 65536"/>
+              <a:gd name="T14" fmla="*/ 0 60000 65536"/>
+              <a:gd name="T15" fmla="*/ 0 60000 65536"/>
+              <a:gd name="T16" fmla="*/ 0 60000 65536"/>
+              <a:gd name="T17" fmla="*/ 0 60000 65536"/>
+              <a:gd name="T18" fmla="*/ 0 w 1000"/>
+              <a:gd name="T19" fmla="*/ 0 h 1000"/>
+              <a:gd name="T20" fmla="*/ 1000 w 1000"/>
+              <a:gd name="T21" fmla="*/ 1000 h 1000"/>
+            </a:gdLst>
+            <a:ahLst/>
+            <a:cxnLst>
+              <a:cxn ang="T12">
+                <a:pos x="T0" y="T1"/>
+              </a:cxn>
+              <a:cxn ang="T13">
+                <a:pos x="T2" y="T3"/>
+              </a:cxn>
+              <a:cxn ang="T14">
+                <a:pos x="T4" y="T5"/>
+              </a:cxn>
+              <a:cxn ang="T15">
+                <a:pos x="T6" y="T7"/>
+              </a:cxn>
+              <a:cxn ang="T16">
+                <a:pos x="T8" y="T9"/>
+              </a:cxn>
+              <a:cxn ang="T17">
+                <a:pos x="T10" y="T11"/>
+              </a:cxn>
+            </a:cxnLst>
+            <a:rect l="T18" t="T19" r="T20" b="T21"/>
+            <a:pathLst>
+              <a:path w="1000" h="1000" stroke="0">
+                <a:moveTo>
+                  <a:pt x="0" y="0"/>
+                </a:moveTo>
+                <a:lnTo>
+                  <a:pt x="585" y="0"/>
+                </a:lnTo>
+                <a:lnTo>
+                  <a:pt x="585" y="1000"/>
+                </a:lnTo>
+                <a:lnTo>
+                  <a:pt x="0" y="1000"/>
+                </a:lnTo>
+                <a:lnTo>
+                  <a:pt x="0" y="0"/>
+                </a:lnTo>
+                <a:close/>
+              </a:path>
+              <a:path w="1000" h="1000">
+                <a:moveTo>
+                  <a:pt x="0" y="0"/>
+                </a:moveTo>
+                <a:lnTo>
+                  <a:pt x="1000" y="0"/>
+                </a:lnTo>
+              </a:path>
+            </a:pathLst>
+          </a:custGeom>
+          <a:solidFill>
+            <a:srgbClr val="C00000"/>
+          </a:solidFill>
+          <a:ln w="9525">
+            <a:solidFill>
+              <a:srgbClr val="C00000"/>
+            </a:solidFill>
+            <a:round/>
+            <a:headEnd/>
+            <a:tailEnd/>
+          </a:ln>
+        </p:spPr>
+        <p:txBody>
+          <a:bodyPr/>
+          <a:lstStyle/>
+          <a:p>
+            <a:endParaRPr lang="zh-CN" altLang="en-US">
+              <a:solidFill>
+                <a:prstClr val="black"/>
+              </a:solidFill>
+            </a:endParaRPr>
+          </a:p>
+        </p:txBody>
+      </p:sp>
+      <p:sp>
+        <p:nvSpPr>
+          <p:cNvPr id="2" name="灯片编号占位符 1"/>
+          <p:cNvSpPr>
+            <a:spLocks noGrp="1"/>
+          </p:cNvSpPr>
+          <p:nvPr>
+            <p:ph type="sldNum" sz="quarter" idx="12"/>
+          </p:nvPr>
+        </p:nvSpPr>
         <p:spPr/>
         <p:txBody>
           <a:bodyPr/>
@@ -14382,6 +15311,44 @@
               <a:rPr lang="zh-CN" altLang="en-US" dirty="0"/>
               <a:t>前馈过程就是如图中所示，从下到上的进行计算，计算的时候不仅计算出来了值，并且还顺带求了偏导。经过中间的一系列过程，然后可以求出最上方对最下方的偏导数。这也就是中间层级存在的原因。</a:t>
             </a:r>
+          </a:p>
+        </p:txBody>
+      </p:sp>
+      <p:sp>
+        <p:nvSpPr>
+          <p:cNvPr id="9" name="文本框 8">
+            <a:extLst>
+              <a:ext uri="{FF2B5EF4-FFF2-40B4-BE49-F238E27FC236}">
+                <a16:creationId xmlns:a16="http://schemas.microsoft.com/office/drawing/2014/main" id="{F335A8D9-57CA-401C-854B-41D598929960}"/>
+              </a:ext>
+            </a:extLst>
+          </p:cNvPr>
+          <p:cNvSpPr txBox="1"/>
+          <p:nvPr/>
+        </p:nvSpPr>
+        <p:spPr>
+          <a:xfrm>
+            <a:off x="169240" y="6079382"/>
+            <a:ext cx="4713050" cy="369332"/>
+          </a:xfrm>
+          <a:prstGeom prst="rect">
+            <a:avLst/>
+          </a:prstGeom>
+          <a:noFill/>
+        </p:spPr>
+        <p:txBody>
+          <a:bodyPr wrap="square">
+            <a:spAutoFit/>
+          </a:bodyPr>
+          <a:lstStyle/>
+          <a:p>
+            <a:r>
+              <a:rPr lang="en-US" altLang="zh-CN" dirty="0">
+                <a:hlinkClick r:id="rId4"/>
+              </a:rPr>
+              <a:t>https://www.youtube.com/watch?v=tIeHLnjs5U8</a:t>
+            </a:r>
+            <a:endParaRPr lang="en-US" altLang="zh-CN" dirty="0"/>
           </a:p>
         </p:txBody>
       </p:sp>
